--- a/tarea4/04_Presentación_A_Estadístico_24_09_2024.pptx
+++ b/tarea4/04_Presentación_A_Estadístico_24_09_2024.pptx
@@ -5,7 +5,7 @@
     <p:sldMasterId id="2147483660" r:id="rId1"/>
   </p:sldMasterIdLst>
   <p:notesMasterIdLst>
-    <p:notesMasterId r:id="rId13"/>
+    <p:notesMasterId r:id="rId15"/>
   </p:notesMasterIdLst>
   <p:sldIdLst>
     <p:sldId id="4302" r:id="rId2"/>
@@ -14,11 +14,13 @@
     <p:sldId id="268" r:id="rId5"/>
     <p:sldId id="4300" r:id="rId6"/>
     <p:sldId id="4289" r:id="rId7"/>
-    <p:sldId id="4301" r:id="rId8"/>
-    <p:sldId id="4297" r:id="rId9"/>
+    <p:sldId id="4297" r:id="rId8"/>
+    <p:sldId id="4303" r:id="rId9"/>
     <p:sldId id="4292" r:id="rId10"/>
-    <p:sldId id="4295" r:id="rId11"/>
-    <p:sldId id="267" r:id="rId12"/>
+    <p:sldId id="4304" r:id="rId11"/>
+    <p:sldId id="4305" r:id="rId12"/>
+    <p:sldId id="4295" r:id="rId13"/>
+    <p:sldId id="267" r:id="rId14"/>
   </p:sldIdLst>
   <p:sldSz cx="12192000" cy="6858000"/>
   <p:notesSz cx="6858000" cy="9144000"/>
@@ -207,7 +209,7 @@
           <a:p>
             <a:fld id="{C40AE0C0-63AB-438A-AAE5-4BEE5084D9B0}" type="datetimeFigureOut">
               <a:rPr lang="en-US" smtClean="0"/>
-              <a:t>9/19/2024</a:t>
+              <a:t>9/23/2024</a:t>
             </a:fld>
             <a:endParaRPr lang="en-US"/>
           </a:p>
@@ -14949,6 +14951,652 @@
           <a:chExt cx="0" cy="0"/>
         </a:xfrm>
       </p:grpSpPr>
+      <p:sp>
+        <p:nvSpPr>
+          <p:cNvPr id="3" name="Google Shape;268;g2e5a8b74c22_0_0">
+            <a:extLst>
+              <a:ext uri="{FF2B5EF4-FFF2-40B4-BE49-F238E27FC236}">
+                <a16:creationId xmlns:a16="http://schemas.microsoft.com/office/drawing/2014/main" id="{56405FCC-E92B-19F5-0150-1952A27A7894}"/>
+              </a:ext>
+            </a:extLst>
+          </p:cNvPr>
+          <p:cNvSpPr txBox="1"/>
+          <p:nvPr/>
+        </p:nvSpPr>
+        <p:spPr>
+          <a:xfrm>
+            <a:off x="617408" y="6552767"/>
+            <a:ext cx="10596900" cy="288520"/>
+          </a:xfrm>
+          <a:prstGeom prst="rect">
+            <a:avLst/>
+          </a:prstGeom>
+          <a:noFill/>
+          <a:ln>
+            <a:noFill/>
+          </a:ln>
+        </p:spPr>
+        <p:txBody>
+          <a:bodyPr spcFirstLastPara="1" wrap="square" lIns="45713" tIns="22850" rIns="45713" bIns="22850" anchor="t" anchorCtr="0">
+            <a:spAutoFit/>
+          </a:bodyPr>
+          <a:lstStyle/>
+          <a:p>
+            <a:pPr defTabSz="457200">
+              <a:lnSpc>
+                <a:spcPct val="150000"/>
+              </a:lnSpc>
+              <a:buClr>
+                <a:srgbClr val="000000"/>
+              </a:buClr>
+              <a:buSzPts val="2400"/>
+            </a:pPr>
+            <a:r>
+              <a:rPr lang="es-ES" sz="1050" kern="0" dirty="0">
+                <a:solidFill>
+                  <a:srgbClr val="000000"/>
+                </a:solidFill>
+                <a:latin typeface="Century Gothic"/>
+                <a:ea typeface="Century Gothic"/>
+                <a:cs typeface="Century Gothic"/>
+                <a:sym typeface="Century Gothic"/>
+              </a:rPr>
+              <a:t>Curso Diseño y Análisis de Experimentos en Ingeniería y Ciencias Ambientales</a:t>
+            </a:r>
+          </a:p>
+        </p:txBody>
+      </p:sp>
+      <p:pic>
+        <p:nvPicPr>
+          <p:cNvPr id="4" name="Google Shape;265;g2e5a8b74c22_0_0" descr="Universidad Nacional Agraria La Molina (UNALM) - Carreras y costos">
+            <a:extLst>
+              <a:ext uri="{FF2B5EF4-FFF2-40B4-BE49-F238E27FC236}">
+                <a16:creationId xmlns:a16="http://schemas.microsoft.com/office/drawing/2014/main" id="{AD4663A3-B049-68D4-82C8-43136DF6E878}"/>
+              </a:ext>
+            </a:extLst>
+          </p:cNvPr>
+          <p:cNvPicPr preferRelativeResize="0"/>
+          <p:nvPr/>
+        </p:nvPicPr>
+        <p:blipFill rotWithShape="1">
+          <a:blip r:embed="rId2">
+            <a:alphaModFix/>
+          </a:blip>
+          <a:srcRect l="12839" r="16338" b="26696"/>
+          <a:stretch/>
+        </p:blipFill>
+        <p:spPr>
+          <a:xfrm>
+            <a:off x="72002" y="98908"/>
+            <a:ext cx="558092" cy="593242"/>
+          </a:xfrm>
+          <a:prstGeom prst="rect">
+            <a:avLst/>
+          </a:prstGeom>
+          <a:noFill/>
+          <a:ln>
+            <a:noFill/>
+          </a:ln>
+        </p:spPr>
+      </p:pic>
+      <p:pic>
+        <p:nvPicPr>
+          <p:cNvPr id="5" name="Picture 4">
+            <a:extLst>
+              <a:ext uri="{FF2B5EF4-FFF2-40B4-BE49-F238E27FC236}">
+                <a16:creationId xmlns:a16="http://schemas.microsoft.com/office/drawing/2014/main" id="{1586339C-3FAA-005C-5BAD-FD94A37C411E}"/>
+              </a:ext>
+            </a:extLst>
+          </p:cNvPr>
+          <p:cNvPicPr>
+            <a:picLocks noChangeAspect="1"/>
+          </p:cNvPicPr>
+          <p:nvPr/>
+        </p:nvPicPr>
+        <p:blipFill>
+          <a:blip r:embed="rId3"/>
+          <a:stretch>
+            <a:fillRect/>
+          </a:stretch>
+        </p:blipFill>
+        <p:spPr>
+          <a:xfrm>
+            <a:off x="11520407" y="74228"/>
+            <a:ext cx="593241" cy="593241"/>
+          </a:xfrm>
+          <a:prstGeom prst="rect">
+            <a:avLst/>
+          </a:prstGeom>
+        </p:spPr>
+      </p:pic>
+      <p:sp>
+        <p:nvSpPr>
+          <p:cNvPr id="6" name="Google Shape;269;g2e5a8b74c22_0_0">
+            <a:extLst>
+              <a:ext uri="{FF2B5EF4-FFF2-40B4-BE49-F238E27FC236}">
+                <a16:creationId xmlns:a16="http://schemas.microsoft.com/office/drawing/2014/main" id="{8E71AE07-3BE9-E4ED-6882-FDC183DDB804}"/>
+              </a:ext>
+            </a:extLst>
+          </p:cNvPr>
+          <p:cNvSpPr txBox="1"/>
+          <p:nvPr/>
+        </p:nvSpPr>
+        <p:spPr>
+          <a:xfrm>
+            <a:off x="776212" y="300944"/>
+            <a:ext cx="10639575" cy="450000"/>
+          </a:xfrm>
+          <a:prstGeom prst="rect">
+            <a:avLst/>
+          </a:prstGeom>
+          <a:noFill/>
+          <a:ln>
+            <a:noFill/>
+          </a:ln>
+        </p:spPr>
+        <p:txBody>
+          <a:bodyPr spcFirstLastPara="1" wrap="square" lIns="45713" tIns="22850" rIns="45713" bIns="22850" anchor="t" anchorCtr="0">
+            <a:noAutofit/>
+          </a:bodyPr>
+          <a:lstStyle/>
+          <a:p>
+            <a:pPr defTabSz="457200">
+              <a:buClr>
+                <a:srgbClr val="1A3260"/>
+              </a:buClr>
+              <a:buSzPts val="6000"/>
+            </a:pPr>
+            <a:r>
+              <a:rPr lang="es-ES" sz="3200" kern="0" dirty="0">
+                <a:solidFill>
+                  <a:srgbClr val="2F5496"/>
+                </a:solidFill>
+                <a:latin typeface="Century Gothic"/>
+                <a:ea typeface="Century Gothic"/>
+                <a:cs typeface="Century Gothic"/>
+                <a:sym typeface="Century Gothic"/>
+              </a:rPr>
+              <a:t>5. Resultados</a:t>
+            </a:r>
+            <a:endParaRPr sz="2400" kern="0" dirty="0">
+              <a:solidFill>
+                <a:srgbClr val="8CB64A"/>
+              </a:solidFill>
+              <a:latin typeface="Century Gothic"/>
+              <a:ea typeface="Century Gothic"/>
+              <a:cs typeface="Century Gothic"/>
+              <a:sym typeface="Century Gothic"/>
+            </a:endParaRPr>
+          </a:p>
+        </p:txBody>
+      </p:sp>
+      <p:sp>
+        <p:nvSpPr>
+          <p:cNvPr id="7" name="CuadroTexto 6">
+            <a:extLst>
+              <a:ext uri="{FF2B5EF4-FFF2-40B4-BE49-F238E27FC236}">
+                <a16:creationId xmlns:a16="http://schemas.microsoft.com/office/drawing/2014/main" id="{1C4C98AE-0BD2-4BBA-B589-A169156CFDC9}"/>
+              </a:ext>
+            </a:extLst>
+          </p:cNvPr>
+          <p:cNvSpPr txBox="1"/>
+          <p:nvPr/>
+        </p:nvSpPr>
+        <p:spPr>
+          <a:xfrm>
+            <a:off x="776212" y="1263211"/>
+            <a:ext cx="6094520" cy="2862322"/>
+          </a:xfrm>
+          <a:prstGeom prst="rect">
+            <a:avLst/>
+          </a:prstGeom>
+          <a:noFill/>
+        </p:spPr>
+        <p:txBody>
+          <a:bodyPr wrap="square">
+            <a:spAutoFit/>
+          </a:bodyPr>
+          <a:lstStyle/>
+          <a:p>
+            <a:pPr algn="just"/>
+            <a:r>
+              <a:rPr lang="es-ES" sz="1800" dirty="0">
+                <a:effectLst/>
+                <a:latin typeface="Times New Roman" panose="02020603050405020304" pitchFamily="18" charset="0"/>
+                <a:ea typeface="Times New Roman" panose="02020603050405020304" pitchFamily="18" charset="0"/>
+              </a:rPr>
+              <a:t>El resultado de la prueba de Durbin-Watson muestra un estadístico DW de 1.5452 y un valor p de 0.1344. Dado que el valor p es mayor que el nivel de significancia comúnmente utilizado (por ejemplo, 0.05), no hay suficiente evidencia para rechazar la hipótesis nula de que no existe autocorrelación positiva en los residuos del modelo. En otras palabras, los residuos del modelo no presentan una autocorrelación significativa, y por lo tanto, se cumple la suposición de independencia de los errores para el modelo de ANOVA analizado.</a:t>
+            </a:r>
+            <a:endParaRPr lang="es-PE" sz="1800" dirty="0">
+              <a:effectLst/>
+              <a:latin typeface="Times New Roman" panose="02020603050405020304" pitchFamily="18" charset="0"/>
+              <a:ea typeface="Times New Roman" panose="02020603050405020304" pitchFamily="18" charset="0"/>
+            </a:endParaRPr>
+          </a:p>
+        </p:txBody>
+      </p:sp>
+      <p:pic>
+        <p:nvPicPr>
+          <p:cNvPr id="8" name="Imagen 7">
+            <a:extLst>
+              <a:ext uri="{FF2B5EF4-FFF2-40B4-BE49-F238E27FC236}">
+                <a16:creationId xmlns:a16="http://schemas.microsoft.com/office/drawing/2014/main" id="{D50694BB-4AE9-404D-8DF4-5CAA62CEED67}"/>
+              </a:ext>
+            </a:extLst>
+          </p:cNvPr>
+          <p:cNvPicPr/>
+          <p:nvPr/>
+        </p:nvPicPr>
+        <p:blipFill>
+          <a:blip r:embed="rId4"/>
+          <a:stretch>
+            <a:fillRect/>
+          </a:stretch>
+        </p:blipFill>
+        <p:spPr>
+          <a:xfrm>
+            <a:off x="2554023" y="4237047"/>
+            <a:ext cx="2116455" cy="648662"/>
+          </a:xfrm>
+          <a:prstGeom prst="rect">
+            <a:avLst/>
+          </a:prstGeom>
+        </p:spPr>
+      </p:pic>
+      <p:pic>
+        <p:nvPicPr>
+          <p:cNvPr id="10" name="Imagen 9">
+            <a:extLst>
+              <a:ext uri="{FF2B5EF4-FFF2-40B4-BE49-F238E27FC236}">
+                <a16:creationId xmlns:a16="http://schemas.microsoft.com/office/drawing/2014/main" id="{05C30A7C-1B8A-43B7-925C-AB985A4E7465}"/>
+              </a:ext>
+            </a:extLst>
+          </p:cNvPr>
+          <p:cNvPicPr>
+            <a:picLocks noChangeAspect="1"/>
+          </p:cNvPicPr>
+          <p:nvPr/>
+        </p:nvPicPr>
+        <p:blipFill>
+          <a:blip r:embed="rId5"/>
+          <a:stretch>
+            <a:fillRect/>
+          </a:stretch>
+        </p:blipFill>
+        <p:spPr>
+          <a:xfrm>
+            <a:off x="2554023" y="4947089"/>
+            <a:ext cx="6819900" cy="1295400"/>
+          </a:xfrm>
+          <a:prstGeom prst="rect">
+            <a:avLst/>
+          </a:prstGeom>
+        </p:spPr>
+      </p:pic>
+    </p:spTree>
+    <p:extLst>
+      <p:ext uri="{BB962C8B-B14F-4D97-AF65-F5344CB8AC3E}">
+        <p14:creationId xmlns:p14="http://schemas.microsoft.com/office/powerpoint/2010/main" val="1180610644"/>
+      </p:ext>
+    </p:extLst>
+  </p:cSld>
+  <p:clrMapOvr>
+    <a:masterClrMapping/>
+  </p:clrMapOvr>
+</p:sld>
+</file>
+
+<file path=ppt/slides/slide11.xml><?xml version="1.0" encoding="utf-8"?>
+<p:sld xmlns:a="http://schemas.openxmlformats.org/drawingml/2006/main" xmlns:r="http://schemas.openxmlformats.org/officeDocument/2006/relationships" xmlns:p="http://schemas.openxmlformats.org/presentationml/2006/main">
+  <p:cSld>
+    <p:spTree>
+      <p:nvGrpSpPr>
+        <p:cNvPr id="1" name=""/>
+        <p:cNvGrpSpPr/>
+        <p:nvPr/>
+      </p:nvGrpSpPr>
+      <p:grpSpPr>
+        <a:xfrm>
+          <a:off x="0" y="0"/>
+          <a:ext cx="0" cy="0"/>
+          <a:chOff x="0" y="0"/>
+          <a:chExt cx="0" cy="0"/>
+        </a:xfrm>
+      </p:grpSpPr>
+      <p:sp>
+        <p:nvSpPr>
+          <p:cNvPr id="3" name="Google Shape;268;g2e5a8b74c22_0_0">
+            <a:extLst>
+              <a:ext uri="{FF2B5EF4-FFF2-40B4-BE49-F238E27FC236}">
+                <a16:creationId xmlns:a16="http://schemas.microsoft.com/office/drawing/2014/main" id="{56405FCC-E92B-19F5-0150-1952A27A7894}"/>
+              </a:ext>
+            </a:extLst>
+          </p:cNvPr>
+          <p:cNvSpPr txBox="1"/>
+          <p:nvPr/>
+        </p:nvSpPr>
+        <p:spPr>
+          <a:xfrm>
+            <a:off x="617408" y="6552767"/>
+            <a:ext cx="10596900" cy="288520"/>
+          </a:xfrm>
+          <a:prstGeom prst="rect">
+            <a:avLst/>
+          </a:prstGeom>
+          <a:noFill/>
+          <a:ln>
+            <a:noFill/>
+          </a:ln>
+        </p:spPr>
+        <p:txBody>
+          <a:bodyPr spcFirstLastPara="1" wrap="square" lIns="45713" tIns="22850" rIns="45713" bIns="22850" anchor="t" anchorCtr="0">
+            <a:spAutoFit/>
+          </a:bodyPr>
+          <a:lstStyle/>
+          <a:p>
+            <a:pPr defTabSz="457200">
+              <a:lnSpc>
+                <a:spcPct val="150000"/>
+              </a:lnSpc>
+              <a:buClr>
+                <a:srgbClr val="000000"/>
+              </a:buClr>
+              <a:buSzPts val="2400"/>
+            </a:pPr>
+            <a:r>
+              <a:rPr lang="es-ES" sz="1050" kern="0" dirty="0">
+                <a:solidFill>
+                  <a:srgbClr val="000000"/>
+                </a:solidFill>
+                <a:latin typeface="Century Gothic"/>
+                <a:ea typeface="Century Gothic"/>
+                <a:cs typeface="Century Gothic"/>
+                <a:sym typeface="Century Gothic"/>
+              </a:rPr>
+              <a:t>Curso Diseño y Análisis de Experimentos en Ingeniería y Ciencias Ambientales</a:t>
+            </a:r>
+          </a:p>
+        </p:txBody>
+      </p:sp>
+      <p:pic>
+        <p:nvPicPr>
+          <p:cNvPr id="4" name="Google Shape;265;g2e5a8b74c22_0_0" descr="Universidad Nacional Agraria La Molina (UNALM) - Carreras y costos">
+            <a:extLst>
+              <a:ext uri="{FF2B5EF4-FFF2-40B4-BE49-F238E27FC236}">
+                <a16:creationId xmlns:a16="http://schemas.microsoft.com/office/drawing/2014/main" id="{AD4663A3-B049-68D4-82C8-43136DF6E878}"/>
+              </a:ext>
+            </a:extLst>
+          </p:cNvPr>
+          <p:cNvPicPr preferRelativeResize="0"/>
+          <p:nvPr/>
+        </p:nvPicPr>
+        <p:blipFill rotWithShape="1">
+          <a:blip r:embed="rId2">
+            <a:alphaModFix/>
+          </a:blip>
+          <a:srcRect l="12839" r="16338" b="26696"/>
+          <a:stretch/>
+        </p:blipFill>
+        <p:spPr>
+          <a:xfrm>
+            <a:off x="72002" y="98908"/>
+            <a:ext cx="558092" cy="593242"/>
+          </a:xfrm>
+          <a:prstGeom prst="rect">
+            <a:avLst/>
+          </a:prstGeom>
+          <a:noFill/>
+          <a:ln>
+            <a:noFill/>
+          </a:ln>
+        </p:spPr>
+      </p:pic>
+      <p:pic>
+        <p:nvPicPr>
+          <p:cNvPr id="5" name="Picture 4">
+            <a:extLst>
+              <a:ext uri="{FF2B5EF4-FFF2-40B4-BE49-F238E27FC236}">
+                <a16:creationId xmlns:a16="http://schemas.microsoft.com/office/drawing/2014/main" id="{1586339C-3FAA-005C-5BAD-FD94A37C411E}"/>
+              </a:ext>
+            </a:extLst>
+          </p:cNvPr>
+          <p:cNvPicPr>
+            <a:picLocks noChangeAspect="1"/>
+          </p:cNvPicPr>
+          <p:nvPr/>
+        </p:nvPicPr>
+        <p:blipFill>
+          <a:blip r:embed="rId3"/>
+          <a:stretch>
+            <a:fillRect/>
+          </a:stretch>
+        </p:blipFill>
+        <p:spPr>
+          <a:xfrm>
+            <a:off x="11520407" y="74228"/>
+            <a:ext cx="593241" cy="593241"/>
+          </a:xfrm>
+          <a:prstGeom prst="rect">
+            <a:avLst/>
+          </a:prstGeom>
+        </p:spPr>
+      </p:pic>
+      <p:sp>
+        <p:nvSpPr>
+          <p:cNvPr id="6" name="Google Shape;269;g2e5a8b74c22_0_0">
+            <a:extLst>
+              <a:ext uri="{FF2B5EF4-FFF2-40B4-BE49-F238E27FC236}">
+                <a16:creationId xmlns:a16="http://schemas.microsoft.com/office/drawing/2014/main" id="{8E71AE07-3BE9-E4ED-6882-FDC183DDB804}"/>
+              </a:ext>
+            </a:extLst>
+          </p:cNvPr>
+          <p:cNvSpPr txBox="1"/>
+          <p:nvPr/>
+        </p:nvSpPr>
+        <p:spPr>
+          <a:xfrm>
+            <a:off x="776212" y="300944"/>
+            <a:ext cx="10639575" cy="450000"/>
+          </a:xfrm>
+          <a:prstGeom prst="rect">
+            <a:avLst/>
+          </a:prstGeom>
+          <a:noFill/>
+          <a:ln>
+            <a:noFill/>
+          </a:ln>
+        </p:spPr>
+        <p:txBody>
+          <a:bodyPr spcFirstLastPara="1" wrap="square" lIns="45713" tIns="22850" rIns="45713" bIns="22850" anchor="t" anchorCtr="0">
+            <a:noAutofit/>
+          </a:bodyPr>
+          <a:lstStyle/>
+          <a:p>
+            <a:pPr defTabSz="457200">
+              <a:buClr>
+                <a:srgbClr val="1A3260"/>
+              </a:buClr>
+              <a:buSzPts val="6000"/>
+            </a:pPr>
+            <a:r>
+              <a:rPr lang="es-ES" sz="3200" kern="0" dirty="0">
+                <a:solidFill>
+                  <a:srgbClr val="2F5496"/>
+                </a:solidFill>
+                <a:latin typeface="Century Gothic"/>
+                <a:ea typeface="Century Gothic"/>
+                <a:cs typeface="Century Gothic"/>
+                <a:sym typeface="Century Gothic"/>
+              </a:rPr>
+              <a:t>5. Resultados</a:t>
+            </a:r>
+            <a:endParaRPr sz="2400" kern="0" dirty="0">
+              <a:solidFill>
+                <a:srgbClr val="8CB64A"/>
+              </a:solidFill>
+              <a:latin typeface="Century Gothic"/>
+              <a:ea typeface="Century Gothic"/>
+              <a:cs typeface="Century Gothic"/>
+              <a:sym typeface="Century Gothic"/>
+            </a:endParaRPr>
+          </a:p>
+        </p:txBody>
+      </p:sp>
+      <p:pic>
+        <p:nvPicPr>
+          <p:cNvPr id="9" name="Imagen 8">
+            <a:extLst>
+              <a:ext uri="{FF2B5EF4-FFF2-40B4-BE49-F238E27FC236}">
+                <a16:creationId xmlns:a16="http://schemas.microsoft.com/office/drawing/2014/main" id="{196A7084-2FA6-4543-8E23-C9EB6756BDF3}"/>
+              </a:ext>
+            </a:extLst>
+          </p:cNvPr>
+          <p:cNvPicPr>
+            <a:picLocks noChangeAspect="1"/>
+          </p:cNvPicPr>
+          <p:nvPr/>
+        </p:nvPicPr>
+        <p:blipFill>
+          <a:blip r:embed="rId4"/>
+          <a:stretch>
+            <a:fillRect/>
+          </a:stretch>
+        </p:blipFill>
+        <p:spPr>
+          <a:xfrm>
+            <a:off x="630094" y="5631611"/>
+            <a:ext cx="6410325" cy="552450"/>
+          </a:xfrm>
+          <a:prstGeom prst="rect">
+            <a:avLst/>
+          </a:prstGeom>
+        </p:spPr>
+      </p:pic>
+      <p:sp>
+        <p:nvSpPr>
+          <p:cNvPr id="12" name="CuadroTexto 11">
+            <a:extLst>
+              <a:ext uri="{FF2B5EF4-FFF2-40B4-BE49-F238E27FC236}">
+                <a16:creationId xmlns:a16="http://schemas.microsoft.com/office/drawing/2014/main" id="{A4D8EBD6-F8BB-4324-BAA3-7E06D038994D}"/>
+              </a:ext>
+            </a:extLst>
+          </p:cNvPr>
+          <p:cNvSpPr txBox="1"/>
+          <p:nvPr/>
+        </p:nvSpPr>
+        <p:spPr>
+          <a:xfrm>
+            <a:off x="617408" y="1064063"/>
+            <a:ext cx="6094520" cy="4247317"/>
+          </a:xfrm>
+          <a:prstGeom prst="rect">
+            <a:avLst/>
+          </a:prstGeom>
+          <a:noFill/>
+        </p:spPr>
+        <p:txBody>
+          <a:bodyPr wrap="square">
+            <a:spAutoFit/>
+          </a:bodyPr>
+          <a:lstStyle/>
+          <a:p>
+            <a:pPr algn="just"/>
+            <a:r>
+              <a:rPr lang="es-ES" sz="1800" dirty="0">
+                <a:effectLst/>
+                <a:latin typeface="Times New Roman" panose="02020603050405020304" pitchFamily="18" charset="0"/>
+                <a:ea typeface="Times New Roman" panose="02020603050405020304" pitchFamily="18" charset="0"/>
+              </a:rPr>
+              <a:t>Los resultados de la prueba de Tukey HSD muestran que hay diferencias significativas en el "Peso" entre los diferentes niveles de "Malla". El análisis se realizó con un nivel de significancia del 5% (α = 0.05), utilizando la media cuadrática del error (</a:t>
+            </a:r>
+            <a:r>
+              <a:rPr lang="es-ES" sz="1800" dirty="0" err="1">
+                <a:effectLst/>
+                <a:latin typeface="Times New Roman" panose="02020603050405020304" pitchFamily="18" charset="0"/>
+                <a:ea typeface="Times New Roman" panose="02020603050405020304" pitchFamily="18" charset="0"/>
+              </a:rPr>
+              <a:t>MSerror</a:t>
+            </a:r>
+            <a:r>
+              <a:rPr lang="es-ES" sz="1800" dirty="0">
+                <a:effectLst/>
+                <a:latin typeface="Times New Roman" panose="02020603050405020304" pitchFamily="18" charset="0"/>
+                <a:ea typeface="Times New Roman" panose="02020603050405020304" pitchFamily="18" charset="0"/>
+              </a:rPr>
+              <a:t> = 0.0261) y 10 grados de libertad para el error. La prueba clasificó los niveles de "Malla" en dos grupos homogéneos: la malla de 30 micras fue significativamente diferente de las demás (etiquetada con la letra "a"), mientras que las mallas de 50, 100 y 200 micras no presentaron diferencias significativas entre sí (etiquetadas con la letra "b"). Esto indica que la malla de 30 micras tiene un peso significativamente mayor, mientras que las otras mallas comparten características similares respecto a esta variable. La media del peso fue más alta para la malla de 30 (0.839025) y la más baja para la malla de 200 (0.147925).</a:t>
+            </a:r>
+            <a:endParaRPr lang="es-PE" sz="1800" dirty="0">
+              <a:effectLst/>
+              <a:latin typeface="Times New Roman" panose="02020603050405020304" pitchFamily="18" charset="0"/>
+              <a:ea typeface="Times New Roman" panose="02020603050405020304" pitchFamily="18" charset="0"/>
+            </a:endParaRPr>
+          </a:p>
+        </p:txBody>
+      </p:sp>
+      <p:pic>
+        <p:nvPicPr>
+          <p:cNvPr id="13" name="Imagen 12">
+            <a:extLst>
+              <a:ext uri="{FF2B5EF4-FFF2-40B4-BE49-F238E27FC236}">
+                <a16:creationId xmlns:a16="http://schemas.microsoft.com/office/drawing/2014/main" id="{E2A6B632-9996-4B45-B690-778D70B0F994}"/>
+              </a:ext>
+            </a:extLst>
+          </p:cNvPr>
+          <p:cNvPicPr/>
+          <p:nvPr/>
+        </p:nvPicPr>
+        <p:blipFill>
+          <a:blip r:embed="rId5">
+            <a:extLst>
+              <a:ext uri="{28A0092B-C50C-407E-A947-70E740481C1C}">
+                <a14:useLocalDpi xmlns:a14="http://schemas.microsoft.com/office/drawing/2010/main" val="0"/>
+              </a:ext>
+            </a:extLst>
+          </a:blip>
+          <a:stretch>
+            <a:fillRect/>
+          </a:stretch>
+        </p:blipFill>
+        <p:spPr>
+          <a:xfrm>
+            <a:off x="6928075" y="1932412"/>
+            <a:ext cx="4888104" cy="2993176"/>
+          </a:xfrm>
+          <a:prstGeom prst="rect">
+            <a:avLst/>
+          </a:prstGeom>
+        </p:spPr>
+      </p:pic>
+    </p:spTree>
+    <p:extLst>
+      <p:ext uri="{BB962C8B-B14F-4D97-AF65-F5344CB8AC3E}">
+        <p14:creationId xmlns:p14="http://schemas.microsoft.com/office/powerpoint/2010/main" val="371641689"/>
+      </p:ext>
+    </p:extLst>
+  </p:cSld>
+  <p:clrMapOvr>
+    <a:masterClrMapping/>
+  </p:clrMapOvr>
+</p:sld>
+</file>
+
+<file path=ppt/slides/slide12.xml><?xml version="1.0" encoding="utf-8"?>
+<p:sld xmlns:a="http://schemas.openxmlformats.org/drawingml/2006/main" xmlns:r="http://schemas.openxmlformats.org/officeDocument/2006/relationships" xmlns:p="http://schemas.openxmlformats.org/presentationml/2006/main">
+  <p:cSld>
+    <p:spTree>
+      <p:nvGrpSpPr>
+        <p:cNvPr id="1" name=""/>
+        <p:cNvGrpSpPr/>
+        <p:nvPr/>
+      </p:nvGrpSpPr>
+      <p:grpSpPr>
+        <a:xfrm>
+          <a:off x="0" y="0"/>
+          <a:ext cx="0" cy="0"/>
+          <a:chOff x="0" y="0"/>
+          <a:chExt cx="0" cy="0"/>
+        </a:xfrm>
+      </p:grpSpPr>
       <p:cxnSp>
         <p:nvCxnSpPr>
           <p:cNvPr id="2" name="Google Shape;267;g2e5a8b74c22_0_0">
@@ -15465,7 +16113,7 @@
 </p:sld>
 </file>
 
-<file path=ppt/slides/slide11.xml><?xml version="1.0" encoding="utf-8"?>
+<file path=ppt/slides/slide13.xml><?xml version="1.0" encoding="utf-8"?>
 <p:sld xmlns:a="http://schemas.openxmlformats.org/drawingml/2006/main" xmlns:r="http://schemas.openxmlformats.org/officeDocument/2006/relationships" xmlns:p="http://schemas.openxmlformats.org/presentationml/2006/main">
   <p:cSld>
     <p:spTree>
@@ -19898,6 +20546,42 @@
           </a:p>
         </p:txBody>
       </p:sp>
+      <p:pic>
+        <p:nvPicPr>
+          <p:cNvPr id="7" name="Imagen 6">
+            <a:extLst>
+              <a:ext uri="{FF2B5EF4-FFF2-40B4-BE49-F238E27FC236}">
+                <a16:creationId xmlns:a16="http://schemas.microsoft.com/office/drawing/2014/main" id="{92A96494-F2D9-45D3-93D8-F121981326C0}"/>
+              </a:ext>
+            </a:extLst>
+          </p:cNvPr>
+          <p:cNvPicPr>
+            <a:picLocks noChangeAspect="1"/>
+          </p:cNvPicPr>
+          <p:nvPr/>
+        </p:nvPicPr>
+        <p:blipFill>
+          <a:blip r:embed="rId4">
+            <a:extLst>
+              <a:ext uri="{28A0092B-C50C-407E-A947-70E740481C1C}">
+                <a14:useLocalDpi xmlns:a14="http://schemas.microsoft.com/office/drawing/2010/main" val="0"/>
+              </a:ext>
+            </a:extLst>
+          </a:blip>
+          <a:stretch>
+            <a:fillRect/>
+          </a:stretch>
+        </p:blipFill>
+        <p:spPr>
+          <a:xfrm>
+            <a:off x="2333994" y="1536506"/>
+            <a:ext cx="7049702" cy="3784988"/>
+          </a:xfrm>
+          <a:prstGeom prst="rect">
+            <a:avLst/>
+          </a:prstGeom>
+        </p:spPr>
+      </p:pic>
     </p:spTree>
     <p:extLst>
       <p:ext uri="{BB962C8B-B14F-4D97-AF65-F5344CB8AC3E}">
@@ -19912,215 +20596,6 @@
 </file>
 
 <file path=ppt/slides/slide7.xml><?xml version="1.0" encoding="utf-8"?>
-<p:sld xmlns:a="http://schemas.openxmlformats.org/drawingml/2006/main" xmlns:r="http://schemas.openxmlformats.org/officeDocument/2006/relationships" xmlns:p="http://schemas.openxmlformats.org/presentationml/2006/main">
-  <p:cSld>
-    <p:spTree>
-      <p:nvGrpSpPr>
-        <p:cNvPr id="1" name=""/>
-        <p:cNvGrpSpPr/>
-        <p:nvPr/>
-      </p:nvGrpSpPr>
-      <p:grpSpPr>
-        <a:xfrm>
-          <a:off x="0" y="0"/>
-          <a:ext cx="0" cy="0"/>
-          <a:chOff x="0" y="0"/>
-          <a:chExt cx="0" cy="0"/>
-        </a:xfrm>
-      </p:grpSpPr>
-      <p:sp>
-        <p:nvSpPr>
-          <p:cNvPr id="3" name="Google Shape;268;g2e5a8b74c22_0_0">
-            <a:extLst>
-              <a:ext uri="{FF2B5EF4-FFF2-40B4-BE49-F238E27FC236}">
-                <a16:creationId xmlns:a16="http://schemas.microsoft.com/office/drawing/2014/main" id="{56405FCC-E92B-19F5-0150-1952A27A7894}"/>
-              </a:ext>
-            </a:extLst>
-          </p:cNvPr>
-          <p:cNvSpPr txBox="1"/>
-          <p:nvPr/>
-        </p:nvSpPr>
-        <p:spPr>
-          <a:xfrm>
-            <a:off x="617408" y="6552767"/>
-            <a:ext cx="10596900" cy="288520"/>
-          </a:xfrm>
-          <a:prstGeom prst="rect">
-            <a:avLst/>
-          </a:prstGeom>
-          <a:noFill/>
-          <a:ln>
-            <a:noFill/>
-          </a:ln>
-        </p:spPr>
-        <p:txBody>
-          <a:bodyPr spcFirstLastPara="1" wrap="square" lIns="45713" tIns="22850" rIns="45713" bIns="22850" anchor="t" anchorCtr="0">
-            <a:spAutoFit/>
-          </a:bodyPr>
-          <a:lstStyle/>
-          <a:p>
-            <a:pPr defTabSz="457200">
-              <a:lnSpc>
-                <a:spcPct val="150000"/>
-              </a:lnSpc>
-              <a:buClr>
-                <a:srgbClr val="000000"/>
-              </a:buClr>
-              <a:buSzPts val="2400"/>
-            </a:pPr>
-            <a:r>
-              <a:rPr lang="es-ES" sz="1050" kern="0" dirty="0">
-                <a:solidFill>
-                  <a:srgbClr val="000000"/>
-                </a:solidFill>
-                <a:latin typeface="Century Gothic"/>
-                <a:ea typeface="Century Gothic"/>
-                <a:cs typeface="Century Gothic"/>
-                <a:sym typeface="Century Gothic"/>
-              </a:rPr>
-              <a:t>Curso Diseño y Análisis de Experimentos en Ingeniería y Ciencias Ambientales</a:t>
-            </a:r>
-          </a:p>
-        </p:txBody>
-      </p:sp>
-      <p:pic>
-        <p:nvPicPr>
-          <p:cNvPr id="4" name="Google Shape;265;g2e5a8b74c22_0_0" descr="Universidad Nacional Agraria La Molina (UNALM) - Carreras y costos">
-            <a:extLst>
-              <a:ext uri="{FF2B5EF4-FFF2-40B4-BE49-F238E27FC236}">
-                <a16:creationId xmlns:a16="http://schemas.microsoft.com/office/drawing/2014/main" id="{AD4663A3-B049-68D4-82C8-43136DF6E878}"/>
-              </a:ext>
-            </a:extLst>
-          </p:cNvPr>
-          <p:cNvPicPr preferRelativeResize="0"/>
-          <p:nvPr/>
-        </p:nvPicPr>
-        <p:blipFill rotWithShape="1">
-          <a:blip r:embed="rId2">
-            <a:alphaModFix/>
-          </a:blip>
-          <a:srcRect l="12839" r="16338" b="26696"/>
-          <a:stretch/>
-        </p:blipFill>
-        <p:spPr>
-          <a:xfrm>
-            <a:off x="72002" y="98908"/>
-            <a:ext cx="558092" cy="593242"/>
-          </a:xfrm>
-          <a:prstGeom prst="rect">
-            <a:avLst/>
-          </a:prstGeom>
-          <a:noFill/>
-          <a:ln>
-            <a:noFill/>
-          </a:ln>
-        </p:spPr>
-      </p:pic>
-      <p:pic>
-        <p:nvPicPr>
-          <p:cNvPr id="5" name="Picture 4">
-            <a:extLst>
-              <a:ext uri="{FF2B5EF4-FFF2-40B4-BE49-F238E27FC236}">
-                <a16:creationId xmlns:a16="http://schemas.microsoft.com/office/drawing/2014/main" id="{1586339C-3FAA-005C-5BAD-FD94A37C411E}"/>
-              </a:ext>
-            </a:extLst>
-          </p:cNvPr>
-          <p:cNvPicPr>
-            <a:picLocks noChangeAspect="1"/>
-          </p:cNvPicPr>
-          <p:nvPr/>
-        </p:nvPicPr>
-        <p:blipFill>
-          <a:blip r:embed="rId3"/>
-          <a:stretch>
-            <a:fillRect/>
-          </a:stretch>
-        </p:blipFill>
-        <p:spPr>
-          <a:xfrm>
-            <a:off x="11520407" y="74228"/>
-            <a:ext cx="593241" cy="593241"/>
-          </a:xfrm>
-          <a:prstGeom prst="rect">
-            <a:avLst/>
-          </a:prstGeom>
-        </p:spPr>
-      </p:pic>
-      <p:sp>
-        <p:nvSpPr>
-          <p:cNvPr id="6" name="Google Shape;269;g2e5a8b74c22_0_0">
-            <a:extLst>
-              <a:ext uri="{FF2B5EF4-FFF2-40B4-BE49-F238E27FC236}">
-                <a16:creationId xmlns:a16="http://schemas.microsoft.com/office/drawing/2014/main" id="{D27F27D6-1B87-4750-9374-C25DBBEF9D4F}"/>
-              </a:ext>
-            </a:extLst>
-          </p:cNvPr>
-          <p:cNvSpPr txBox="1"/>
-          <p:nvPr/>
-        </p:nvSpPr>
-        <p:spPr>
-          <a:xfrm>
-            <a:off x="776212" y="255642"/>
-            <a:ext cx="10639575" cy="546302"/>
-          </a:xfrm>
-          <a:prstGeom prst="rect">
-            <a:avLst/>
-          </a:prstGeom>
-          <a:noFill/>
-          <a:ln>
-            <a:noFill/>
-          </a:ln>
-        </p:spPr>
-        <p:txBody>
-          <a:bodyPr spcFirstLastPara="1" wrap="square" lIns="45713" tIns="22850" rIns="45713" bIns="22850" anchor="t" anchorCtr="0">
-            <a:noAutofit/>
-          </a:bodyPr>
-          <a:lstStyle/>
-          <a:p>
-            <a:pPr defTabSz="457200">
-              <a:buClr>
-                <a:srgbClr val="1A3260"/>
-              </a:buClr>
-              <a:buSzPts val="6000"/>
-            </a:pPr>
-            <a:r>
-              <a:rPr lang="es-ES" sz="3200" kern="0" dirty="0">
-                <a:solidFill>
-                  <a:srgbClr val="2F5496"/>
-                </a:solidFill>
-                <a:latin typeface="Century Gothic"/>
-                <a:ea typeface="Century Gothic"/>
-                <a:cs typeface="Century Gothic"/>
-                <a:sym typeface="Century Gothic"/>
-              </a:rPr>
-              <a:t>4. Metodología</a:t>
-            </a:r>
-            <a:endParaRPr sz="2400" kern="0" dirty="0">
-              <a:solidFill>
-                <a:srgbClr val="8CB64A"/>
-              </a:solidFill>
-              <a:latin typeface="Century Gothic"/>
-              <a:ea typeface="Century Gothic"/>
-              <a:cs typeface="Century Gothic"/>
-              <a:sym typeface="Century Gothic"/>
-            </a:endParaRPr>
-          </a:p>
-        </p:txBody>
-      </p:sp>
-    </p:spTree>
-    <p:extLst>
-      <p:ext uri="{BB962C8B-B14F-4D97-AF65-F5344CB8AC3E}">
-        <p14:creationId xmlns:p14="http://schemas.microsoft.com/office/powerpoint/2010/main" val="685332861"/>
-      </p:ext>
-    </p:extLst>
-  </p:cSld>
-  <p:clrMapOvr>
-    <a:masterClrMapping/>
-  </p:clrMapOvr>
-</p:sld>
-</file>
-
-<file path=ppt/slides/slide8.xml><?xml version="1.0" encoding="utf-8"?>
 <p:sld xmlns:a="http://schemas.openxmlformats.org/drawingml/2006/main" xmlns:r="http://schemas.openxmlformats.org/officeDocument/2006/relationships" xmlns:p="http://schemas.openxmlformats.org/presentationml/2006/main">
   <p:cSld>
     <p:spTree>
@@ -20316,6 +20791,95 @@
           </a:p>
         </p:txBody>
       </p:sp>
+      <p:pic>
+        <p:nvPicPr>
+          <p:cNvPr id="10" name="Imagen 9">
+            <a:extLst>
+              <a:ext uri="{FF2B5EF4-FFF2-40B4-BE49-F238E27FC236}">
+                <a16:creationId xmlns:a16="http://schemas.microsoft.com/office/drawing/2014/main" id="{13FCE92F-B78C-45F8-B036-5E7E5F2F948C}"/>
+              </a:ext>
+            </a:extLst>
+          </p:cNvPr>
+          <p:cNvPicPr>
+            <a:picLocks noChangeAspect="1"/>
+          </p:cNvPicPr>
+          <p:nvPr/>
+        </p:nvPicPr>
+        <p:blipFill>
+          <a:blip r:embed="rId4"/>
+          <a:stretch>
+            <a:fillRect/>
+          </a:stretch>
+        </p:blipFill>
+        <p:spPr>
+          <a:xfrm>
+            <a:off x="72002" y="1472517"/>
+            <a:ext cx="5273040" cy="3433572"/>
+          </a:xfrm>
+          <a:prstGeom prst="rect">
+            <a:avLst/>
+          </a:prstGeom>
+        </p:spPr>
+      </p:pic>
+      <p:pic>
+        <p:nvPicPr>
+          <p:cNvPr id="12" name="Imagen 11">
+            <a:extLst>
+              <a:ext uri="{FF2B5EF4-FFF2-40B4-BE49-F238E27FC236}">
+                <a16:creationId xmlns:a16="http://schemas.microsoft.com/office/drawing/2014/main" id="{F03F2415-069E-4E3E-89AA-F3C442B66D67}"/>
+              </a:ext>
+            </a:extLst>
+          </p:cNvPr>
+          <p:cNvPicPr>
+            <a:picLocks noChangeAspect="1"/>
+          </p:cNvPicPr>
+          <p:nvPr/>
+        </p:nvPicPr>
+        <p:blipFill>
+          <a:blip r:embed="rId5"/>
+          <a:stretch>
+            <a:fillRect/>
+          </a:stretch>
+        </p:blipFill>
+        <p:spPr>
+          <a:xfrm>
+            <a:off x="5595780" y="692150"/>
+            <a:ext cx="5497268" cy="2772745"/>
+          </a:xfrm>
+          <a:prstGeom prst="rect">
+            <a:avLst/>
+          </a:prstGeom>
+        </p:spPr>
+      </p:pic>
+      <p:pic>
+        <p:nvPicPr>
+          <p:cNvPr id="14" name="Imagen 13">
+            <a:extLst>
+              <a:ext uri="{FF2B5EF4-FFF2-40B4-BE49-F238E27FC236}">
+                <a16:creationId xmlns:a16="http://schemas.microsoft.com/office/drawing/2014/main" id="{D5B8B28B-7A81-41E7-8014-C660D290D95C}"/>
+              </a:ext>
+            </a:extLst>
+          </p:cNvPr>
+          <p:cNvPicPr>
+            <a:picLocks noChangeAspect="1"/>
+          </p:cNvPicPr>
+          <p:nvPr/>
+        </p:nvPicPr>
+        <p:blipFill rotWithShape="1">
+          <a:blip r:embed="rId6"/>
+          <a:srcRect t="4652"/>
+          <a:stretch/>
+        </p:blipFill>
+        <p:spPr>
+          <a:xfrm>
+            <a:off x="5776278" y="3730303"/>
+            <a:ext cx="5136271" cy="2351572"/>
+          </a:xfrm>
+          <a:prstGeom prst="rect">
+            <a:avLst/>
+          </a:prstGeom>
+        </p:spPr>
+      </p:pic>
     </p:spTree>
     <p:extLst>
       <p:ext uri="{BB962C8B-B14F-4D97-AF65-F5344CB8AC3E}">
@@ -20329,7 +20893,7 @@
 </p:sld>
 </file>
 
-<file path=ppt/slides/slide9.xml><?xml version="1.0" encoding="utf-8"?>
+<file path=ppt/slides/slide8.xml><?xml version="1.0" encoding="utf-8"?>
 <p:sld xmlns:a="http://schemas.openxmlformats.org/drawingml/2006/main" xmlns:r="http://schemas.openxmlformats.org/officeDocument/2006/relationships" xmlns:p="http://schemas.openxmlformats.org/presentationml/2006/main">
   <p:cSld>
     <p:spTree>
@@ -20521,6 +21085,1364 @@
               <a:ea typeface="Century Gothic"/>
               <a:cs typeface="Century Gothic"/>
               <a:sym typeface="Century Gothic"/>
+            </a:endParaRPr>
+          </a:p>
+        </p:txBody>
+      </p:sp>
+      <p:pic>
+        <p:nvPicPr>
+          <p:cNvPr id="7" name="Imagen 6">
+            <a:extLst>
+              <a:ext uri="{FF2B5EF4-FFF2-40B4-BE49-F238E27FC236}">
+                <a16:creationId xmlns:a16="http://schemas.microsoft.com/office/drawing/2014/main" id="{156117C9-88E8-48FF-8075-30D37EE83143}"/>
+              </a:ext>
+            </a:extLst>
+          </p:cNvPr>
+          <p:cNvPicPr/>
+          <p:nvPr/>
+        </p:nvPicPr>
+        <p:blipFill>
+          <a:blip r:embed="rId4"/>
+          <a:stretch>
+            <a:fillRect/>
+          </a:stretch>
+        </p:blipFill>
+        <p:spPr>
+          <a:xfrm>
+            <a:off x="7461681" y="1440205"/>
+            <a:ext cx="2933546" cy="672680"/>
+          </a:xfrm>
+          <a:prstGeom prst="rect">
+            <a:avLst/>
+          </a:prstGeom>
+        </p:spPr>
+      </p:pic>
+      <p:sp>
+        <p:nvSpPr>
+          <p:cNvPr id="8" name="CuadroTexto 7">
+            <a:extLst>
+              <a:ext uri="{FF2B5EF4-FFF2-40B4-BE49-F238E27FC236}">
+                <a16:creationId xmlns:a16="http://schemas.microsoft.com/office/drawing/2014/main" id="{AB5CC97F-AC6D-4033-A4D9-53C090DB87AF}"/>
+              </a:ext>
+            </a:extLst>
+          </p:cNvPr>
+          <p:cNvSpPr txBox="1"/>
+          <p:nvPr/>
+        </p:nvSpPr>
+        <p:spPr>
+          <a:xfrm>
+            <a:off x="617408" y="1130046"/>
+            <a:ext cx="5952068" cy="2862322"/>
+          </a:xfrm>
+          <a:prstGeom prst="rect">
+            <a:avLst/>
+          </a:prstGeom>
+          <a:noFill/>
+        </p:spPr>
+        <p:txBody>
+          <a:bodyPr wrap="square">
+            <a:spAutoFit/>
+          </a:bodyPr>
+          <a:lstStyle/>
+          <a:p>
+            <a:pPr algn="just"/>
+            <a:r>
+              <a:rPr lang="es-ES" sz="1800" dirty="0">
+                <a:effectLst/>
+                <a:latin typeface="Times New Roman" panose="02020603050405020304" pitchFamily="18" charset="0"/>
+                <a:ea typeface="Times New Roman" panose="02020603050405020304" pitchFamily="18" charset="0"/>
+              </a:rPr>
+              <a:t>El resultado de la prueba de normalidad de Shapiro-Wilk para los residuos del modelo muestra un estadístico W de 0.89791 y un valor p de 0.07441. Dado que el valor p es mayor que el nivel de significancia comúnmente utilizado (por ejemplo, 0.05), no hay suficiente evidencia para rechazar la hipótesis nula de que los residuos siguen una distribución normal. Esto sugiere que la suposición de normalidad de los residuos es razonablemente válida para el modelo de ANOVA analizado, cumpliendo así uno de los requisitos clave para la validez del ANOVA.</a:t>
+            </a:r>
+            <a:endParaRPr lang="es-PE" sz="1800" dirty="0">
+              <a:effectLst/>
+              <a:latin typeface="Times New Roman" panose="02020603050405020304" pitchFamily="18" charset="0"/>
+              <a:ea typeface="Times New Roman" panose="02020603050405020304" pitchFamily="18" charset="0"/>
+            </a:endParaRPr>
+          </a:p>
+        </p:txBody>
+      </p:sp>
+      <p:pic>
+        <p:nvPicPr>
+          <p:cNvPr id="9" name="Imagen 8">
+            <a:extLst>
+              <a:ext uri="{FF2B5EF4-FFF2-40B4-BE49-F238E27FC236}">
+                <a16:creationId xmlns:a16="http://schemas.microsoft.com/office/drawing/2014/main" id="{CD4769C5-9564-4809-98CA-9BCC3FEC99DB}"/>
+              </a:ext>
+            </a:extLst>
+          </p:cNvPr>
+          <p:cNvPicPr/>
+          <p:nvPr/>
+        </p:nvPicPr>
+        <p:blipFill>
+          <a:blip r:embed="rId5">
+            <a:extLst>
+              <a:ext uri="{28A0092B-C50C-407E-A947-70E740481C1C}">
+                <a14:useLocalDpi xmlns:a14="http://schemas.microsoft.com/office/drawing/2010/main" val="0"/>
+              </a:ext>
+            </a:extLst>
+          </a:blip>
+          <a:stretch>
+            <a:fillRect/>
+          </a:stretch>
+        </p:blipFill>
+        <p:spPr>
+          <a:xfrm>
+            <a:off x="6894503" y="3240402"/>
+            <a:ext cx="4815144" cy="2768832"/>
+          </a:xfrm>
+          <a:prstGeom prst="rect">
+            <a:avLst/>
+          </a:prstGeom>
+        </p:spPr>
+      </p:pic>
+    </p:spTree>
+    <p:extLst>
+      <p:ext uri="{BB962C8B-B14F-4D97-AF65-F5344CB8AC3E}">
+        <p14:creationId xmlns:p14="http://schemas.microsoft.com/office/powerpoint/2010/main" val="3041920454"/>
+      </p:ext>
+    </p:extLst>
+  </p:cSld>
+  <p:clrMapOvr>
+    <a:masterClrMapping/>
+  </p:clrMapOvr>
+</p:sld>
+</file>
+
+<file path=ppt/slides/slide9.xml><?xml version="1.0" encoding="utf-8"?>
+<p:sld xmlns:a="http://schemas.openxmlformats.org/drawingml/2006/main" xmlns:r="http://schemas.openxmlformats.org/officeDocument/2006/relationships" xmlns:p="http://schemas.openxmlformats.org/presentationml/2006/main">
+  <p:cSld>
+    <p:spTree>
+      <p:nvGrpSpPr>
+        <p:cNvPr id="1" name=""/>
+        <p:cNvGrpSpPr/>
+        <p:nvPr/>
+      </p:nvGrpSpPr>
+      <p:grpSpPr>
+        <a:xfrm>
+          <a:off x="0" y="0"/>
+          <a:ext cx="0" cy="0"/>
+          <a:chOff x="0" y="0"/>
+          <a:chExt cx="0" cy="0"/>
+        </a:xfrm>
+      </p:grpSpPr>
+      <p:sp>
+        <p:nvSpPr>
+          <p:cNvPr id="3" name="Google Shape;268;g2e5a8b74c22_0_0">
+            <a:extLst>
+              <a:ext uri="{FF2B5EF4-FFF2-40B4-BE49-F238E27FC236}">
+                <a16:creationId xmlns:a16="http://schemas.microsoft.com/office/drawing/2014/main" id="{56405FCC-E92B-19F5-0150-1952A27A7894}"/>
+              </a:ext>
+            </a:extLst>
+          </p:cNvPr>
+          <p:cNvSpPr txBox="1"/>
+          <p:nvPr/>
+        </p:nvSpPr>
+        <p:spPr>
+          <a:xfrm>
+            <a:off x="617408" y="6552767"/>
+            <a:ext cx="10596900" cy="288520"/>
+          </a:xfrm>
+          <a:prstGeom prst="rect">
+            <a:avLst/>
+          </a:prstGeom>
+          <a:noFill/>
+          <a:ln>
+            <a:noFill/>
+          </a:ln>
+        </p:spPr>
+        <p:txBody>
+          <a:bodyPr spcFirstLastPara="1" wrap="square" lIns="45713" tIns="22850" rIns="45713" bIns="22850" anchor="t" anchorCtr="0">
+            <a:spAutoFit/>
+          </a:bodyPr>
+          <a:lstStyle/>
+          <a:p>
+            <a:pPr defTabSz="457200">
+              <a:lnSpc>
+                <a:spcPct val="150000"/>
+              </a:lnSpc>
+              <a:buClr>
+                <a:srgbClr val="000000"/>
+              </a:buClr>
+              <a:buSzPts val="2400"/>
+            </a:pPr>
+            <a:r>
+              <a:rPr lang="es-ES" sz="1050" kern="0" dirty="0">
+                <a:solidFill>
+                  <a:srgbClr val="000000"/>
+                </a:solidFill>
+                <a:latin typeface="Century Gothic"/>
+                <a:ea typeface="Century Gothic"/>
+                <a:cs typeface="Century Gothic"/>
+                <a:sym typeface="Century Gothic"/>
+              </a:rPr>
+              <a:t>Curso Diseño y Análisis de Experimentos en Ingeniería y Ciencias Ambientales</a:t>
+            </a:r>
+          </a:p>
+        </p:txBody>
+      </p:sp>
+      <p:pic>
+        <p:nvPicPr>
+          <p:cNvPr id="4" name="Google Shape;265;g2e5a8b74c22_0_0" descr="Universidad Nacional Agraria La Molina (UNALM) - Carreras y costos">
+            <a:extLst>
+              <a:ext uri="{FF2B5EF4-FFF2-40B4-BE49-F238E27FC236}">
+                <a16:creationId xmlns:a16="http://schemas.microsoft.com/office/drawing/2014/main" id="{AD4663A3-B049-68D4-82C8-43136DF6E878}"/>
+              </a:ext>
+            </a:extLst>
+          </p:cNvPr>
+          <p:cNvPicPr preferRelativeResize="0"/>
+          <p:nvPr/>
+        </p:nvPicPr>
+        <p:blipFill rotWithShape="1">
+          <a:blip r:embed="rId2">
+            <a:alphaModFix/>
+          </a:blip>
+          <a:srcRect l="12839" r="16338" b="26696"/>
+          <a:stretch/>
+        </p:blipFill>
+        <p:spPr>
+          <a:xfrm>
+            <a:off x="72002" y="98908"/>
+            <a:ext cx="558092" cy="593242"/>
+          </a:xfrm>
+          <a:prstGeom prst="rect">
+            <a:avLst/>
+          </a:prstGeom>
+          <a:noFill/>
+          <a:ln>
+            <a:noFill/>
+          </a:ln>
+        </p:spPr>
+      </p:pic>
+      <p:pic>
+        <p:nvPicPr>
+          <p:cNvPr id="5" name="Picture 4">
+            <a:extLst>
+              <a:ext uri="{FF2B5EF4-FFF2-40B4-BE49-F238E27FC236}">
+                <a16:creationId xmlns:a16="http://schemas.microsoft.com/office/drawing/2014/main" id="{1586339C-3FAA-005C-5BAD-FD94A37C411E}"/>
+              </a:ext>
+            </a:extLst>
+          </p:cNvPr>
+          <p:cNvPicPr>
+            <a:picLocks noChangeAspect="1"/>
+          </p:cNvPicPr>
+          <p:nvPr/>
+        </p:nvPicPr>
+        <p:blipFill>
+          <a:blip r:embed="rId3"/>
+          <a:stretch>
+            <a:fillRect/>
+          </a:stretch>
+        </p:blipFill>
+        <p:spPr>
+          <a:xfrm>
+            <a:off x="11520407" y="74228"/>
+            <a:ext cx="593241" cy="593241"/>
+          </a:xfrm>
+          <a:prstGeom prst="rect">
+            <a:avLst/>
+          </a:prstGeom>
+        </p:spPr>
+      </p:pic>
+      <p:sp>
+        <p:nvSpPr>
+          <p:cNvPr id="6" name="Google Shape;269;g2e5a8b74c22_0_0">
+            <a:extLst>
+              <a:ext uri="{FF2B5EF4-FFF2-40B4-BE49-F238E27FC236}">
+                <a16:creationId xmlns:a16="http://schemas.microsoft.com/office/drawing/2014/main" id="{8E71AE07-3BE9-E4ED-6882-FDC183DDB804}"/>
+              </a:ext>
+            </a:extLst>
+          </p:cNvPr>
+          <p:cNvSpPr txBox="1"/>
+          <p:nvPr/>
+        </p:nvSpPr>
+        <p:spPr>
+          <a:xfrm>
+            <a:off x="776212" y="300944"/>
+            <a:ext cx="10639575" cy="450000"/>
+          </a:xfrm>
+          <a:prstGeom prst="rect">
+            <a:avLst/>
+          </a:prstGeom>
+          <a:noFill/>
+          <a:ln>
+            <a:noFill/>
+          </a:ln>
+        </p:spPr>
+        <p:txBody>
+          <a:bodyPr spcFirstLastPara="1" wrap="square" lIns="45713" tIns="22850" rIns="45713" bIns="22850" anchor="t" anchorCtr="0">
+            <a:noAutofit/>
+          </a:bodyPr>
+          <a:lstStyle/>
+          <a:p>
+            <a:pPr defTabSz="457200">
+              <a:buClr>
+                <a:srgbClr val="1A3260"/>
+              </a:buClr>
+              <a:buSzPts val="6000"/>
+            </a:pPr>
+            <a:r>
+              <a:rPr lang="es-ES" sz="3200" kern="0" dirty="0">
+                <a:solidFill>
+                  <a:srgbClr val="2F5496"/>
+                </a:solidFill>
+                <a:latin typeface="Century Gothic"/>
+                <a:ea typeface="Century Gothic"/>
+                <a:cs typeface="Century Gothic"/>
+                <a:sym typeface="Century Gothic"/>
+              </a:rPr>
+              <a:t>5. Resultados</a:t>
+            </a:r>
+            <a:endParaRPr sz="2400" kern="0" dirty="0">
+              <a:solidFill>
+                <a:srgbClr val="8CB64A"/>
+              </a:solidFill>
+              <a:latin typeface="Century Gothic"/>
+              <a:ea typeface="Century Gothic"/>
+              <a:cs typeface="Century Gothic"/>
+              <a:sym typeface="Century Gothic"/>
+            </a:endParaRPr>
+          </a:p>
+        </p:txBody>
+      </p:sp>
+      <p:pic>
+        <p:nvPicPr>
+          <p:cNvPr id="7" name="Imagen 6">
+            <a:extLst>
+              <a:ext uri="{FF2B5EF4-FFF2-40B4-BE49-F238E27FC236}">
+                <a16:creationId xmlns:a16="http://schemas.microsoft.com/office/drawing/2014/main" id="{2973911B-723C-4165-9725-68BC67A4D5A7}"/>
+              </a:ext>
+            </a:extLst>
+          </p:cNvPr>
+          <p:cNvPicPr>
+            <a:picLocks noChangeAspect="1"/>
+          </p:cNvPicPr>
+          <p:nvPr/>
+        </p:nvPicPr>
+        <p:blipFill>
+          <a:blip r:embed="rId4"/>
+          <a:stretch>
+            <a:fillRect/>
+          </a:stretch>
+        </p:blipFill>
+        <p:spPr>
+          <a:xfrm>
+            <a:off x="6855848" y="2339957"/>
+            <a:ext cx="4898187" cy="1162432"/>
+          </a:xfrm>
+          <a:prstGeom prst="rect">
+            <a:avLst/>
+          </a:prstGeom>
+        </p:spPr>
+      </p:pic>
+      <p:graphicFrame>
+        <p:nvGraphicFramePr>
+          <p:cNvPr id="8" name="Tabla 7">
+            <a:extLst>
+              <a:ext uri="{FF2B5EF4-FFF2-40B4-BE49-F238E27FC236}">
+                <a16:creationId xmlns:a16="http://schemas.microsoft.com/office/drawing/2014/main" id="{2743FADC-4057-4C5E-8D11-FCCC4F234280}"/>
+              </a:ext>
+            </a:extLst>
+          </p:cNvPr>
+          <p:cNvGraphicFramePr>
+            <a:graphicFrameLocks noGrp="1"/>
+          </p:cNvGraphicFramePr>
+          <p:nvPr>
+            <p:extLst>
+              <p:ext uri="{D42A27DB-BD31-4B8C-83A1-F6EECF244321}">
+                <p14:modId xmlns:p14="http://schemas.microsoft.com/office/powerpoint/2010/main" val="681221238"/>
+              </p:ext>
+            </p:extLst>
+          </p:nvPr>
+        </p:nvGraphicFramePr>
+        <p:xfrm>
+          <a:off x="6323921" y="3908649"/>
+          <a:ext cx="5686457" cy="2140576"/>
+        </p:xfrm>
+        <a:graphic>
+          <a:graphicData uri="http://schemas.openxmlformats.org/drawingml/2006/table">
+            <a:tbl>
+              <a:tblPr firstRow="1" firstCol="1" bandRow="1"/>
+              <a:tblGrid>
+                <a:gridCol w="1024218">
+                  <a:extLst>
+                    <a:ext uri="{9D8B030D-6E8A-4147-A177-3AD203B41FA5}">
+                      <a16:colId xmlns:a16="http://schemas.microsoft.com/office/drawing/2014/main" val="2430228696"/>
+                    </a:ext>
+                  </a:extLst>
+                </a:gridCol>
+                <a:gridCol w="983249">
+                  <a:extLst>
+                    <a:ext uri="{9D8B030D-6E8A-4147-A177-3AD203B41FA5}">
+                      <a16:colId xmlns:a16="http://schemas.microsoft.com/office/drawing/2014/main" val="1275643040"/>
+                    </a:ext>
+                  </a:extLst>
+                </a:gridCol>
+                <a:gridCol w="983249">
+                  <a:extLst>
+                    <a:ext uri="{9D8B030D-6E8A-4147-A177-3AD203B41FA5}">
+                      <a16:colId xmlns:a16="http://schemas.microsoft.com/office/drawing/2014/main" val="2127913063"/>
+                    </a:ext>
+                  </a:extLst>
+                </a:gridCol>
+                <a:gridCol w="983249">
+                  <a:extLst>
+                    <a:ext uri="{9D8B030D-6E8A-4147-A177-3AD203B41FA5}">
+                      <a16:colId xmlns:a16="http://schemas.microsoft.com/office/drawing/2014/main" val="2982120607"/>
+                    </a:ext>
+                  </a:extLst>
+                </a:gridCol>
+                <a:gridCol w="1712492">
+                  <a:extLst>
+                    <a:ext uri="{9D8B030D-6E8A-4147-A177-3AD203B41FA5}">
+                      <a16:colId xmlns:a16="http://schemas.microsoft.com/office/drawing/2014/main" val="3814361090"/>
+                    </a:ext>
+                  </a:extLst>
+                </a:gridCol>
+              </a:tblGrid>
+              <a:tr h="535144">
+                <a:tc>
+                  <a:txBody>
+                    <a:bodyPr/>
+                    <a:lstStyle/>
+                    <a:p>
+                      <a:pPr algn="ctr"/>
+                      <a:r>
+                        <a:rPr lang="es-PE" sz="1100" b="1">
+                          <a:solidFill>
+                            <a:srgbClr val="000000"/>
+                          </a:solidFill>
+                          <a:effectLst/>
+                          <a:latin typeface="Calibri" panose="020F0502020204030204" pitchFamily="34" charset="0"/>
+                          <a:ea typeface="Times New Roman" panose="02020603050405020304" pitchFamily="18" charset="0"/>
+                        </a:rPr>
+                        <a:t>Variable</a:t>
+                      </a:r>
+                      <a:endParaRPr lang="es-PE" sz="1200">
+                        <a:effectLst/>
+                        <a:latin typeface="Times New Roman" panose="02020603050405020304" pitchFamily="18" charset="0"/>
+                        <a:ea typeface="Times New Roman" panose="02020603050405020304" pitchFamily="18" charset="0"/>
+                      </a:endParaRPr>
+                    </a:p>
+                  </a:txBody>
+                  <a:tcPr marL="44450" marR="44450" marT="0" marB="0" anchor="ctr">
+                    <a:lnL>
+                      <a:noFill/>
+                    </a:lnL>
+                    <a:lnR>
+                      <a:noFill/>
+                    </a:lnR>
+                    <a:lnT>
+                      <a:noFill/>
+                    </a:lnT>
+                    <a:lnB w="12700" cap="flat" cmpd="sng" algn="ctr">
+                      <a:solidFill>
+                        <a:srgbClr val="000000"/>
+                      </a:solidFill>
+                      <a:prstDash val="solid"/>
+                      <a:round/>
+                      <a:headEnd type="none" w="med" len="med"/>
+                      <a:tailEnd type="none" w="med" len="med"/>
+                    </a:lnB>
+                  </a:tcPr>
+                </a:tc>
+                <a:tc>
+                  <a:txBody>
+                    <a:bodyPr/>
+                    <a:lstStyle/>
+                    <a:p>
+                      <a:pPr algn="ctr"/>
+                      <a:r>
+                        <a:rPr lang="es-PE" sz="1100" b="1">
+                          <a:solidFill>
+                            <a:srgbClr val="000000"/>
+                          </a:solidFill>
+                          <a:effectLst/>
+                          <a:latin typeface="Calibri" panose="020F0502020204030204" pitchFamily="34" charset="0"/>
+                          <a:ea typeface="Times New Roman" panose="02020603050405020304" pitchFamily="18" charset="0"/>
+                        </a:rPr>
+                        <a:t>K-cuadrado de Bartlett</a:t>
+                      </a:r>
+                      <a:endParaRPr lang="es-PE" sz="1200">
+                        <a:effectLst/>
+                        <a:latin typeface="Times New Roman" panose="02020603050405020304" pitchFamily="18" charset="0"/>
+                        <a:ea typeface="Times New Roman" panose="02020603050405020304" pitchFamily="18" charset="0"/>
+                      </a:endParaRPr>
+                    </a:p>
+                  </a:txBody>
+                  <a:tcPr marL="44450" marR="44450" marT="0" marB="0" anchor="ctr">
+                    <a:lnL>
+                      <a:noFill/>
+                    </a:lnL>
+                    <a:lnR>
+                      <a:noFill/>
+                    </a:lnR>
+                    <a:lnT>
+                      <a:noFill/>
+                    </a:lnT>
+                    <a:lnB w="12700" cap="flat" cmpd="sng" algn="ctr">
+                      <a:solidFill>
+                        <a:srgbClr val="000000"/>
+                      </a:solidFill>
+                      <a:prstDash val="solid"/>
+                      <a:round/>
+                      <a:headEnd type="none" w="med" len="med"/>
+                      <a:tailEnd type="none" w="med" len="med"/>
+                    </a:lnB>
+                  </a:tcPr>
+                </a:tc>
+                <a:tc>
+                  <a:txBody>
+                    <a:bodyPr/>
+                    <a:lstStyle/>
+                    <a:p>
+                      <a:pPr algn="ctr"/>
+                      <a:r>
+                        <a:rPr lang="es-PE" sz="1100" b="1">
+                          <a:solidFill>
+                            <a:srgbClr val="000000"/>
+                          </a:solidFill>
+                          <a:effectLst/>
+                          <a:latin typeface="Calibri" panose="020F0502020204030204" pitchFamily="34" charset="0"/>
+                          <a:ea typeface="Times New Roman" panose="02020603050405020304" pitchFamily="18" charset="0"/>
+                        </a:rPr>
+                        <a:t>Grados de libertad</a:t>
+                      </a:r>
+                      <a:endParaRPr lang="es-PE" sz="1200">
+                        <a:effectLst/>
+                        <a:latin typeface="Times New Roman" panose="02020603050405020304" pitchFamily="18" charset="0"/>
+                        <a:ea typeface="Times New Roman" panose="02020603050405020304" pitchFamily="18" charset="0"/>
+                      </a:endParaRPr>
+                    </a:p>
+                  </a:txBody>
+                  <a:tcPr marL="44450" marR="44450" marT="0" marB="0" anchor="ctr">
+                    <a:lnL>
+                      <a:noFill/>
+                    </a:lnL>
+                    <a:lnR>
+                      <a:noFill/>
+                    </a:lnR>
+                    <a:lnT>
+                      <a:noFill/>
+                    </a:lnT>
+                    <a:lnB w="12700" cap="flat" cmpd="sng" algn="ctr">
+                      <a:solidFill>
+                        <a:srgbClr val="000000"/>
+                      </a:solidFill>
+                      <a:prstDash val="solid"/>
+                      <a:round/>
+                      <a:headEnd type="none" w="med" len="med"/>
+                      <a:tailEnd type="none" w="med" len="med"/>
+                    </a:lnB>
+                  </a:tcPr>
+                </a:tc>
+                <a:tc>
+                  <a:txBody>
+                    <a:bodyPr/>
+                    <a:lstStyle/>
+                    <a:p>
+                      <a:pPr algn="ctr"/>
+                      <a:r>
+                        <a:rPr lang="es-PE" sz="1100" b="1" dirty="0">
+                          <a:solidFill>
+                            <a:srgbClr val="000000"/>
+                          </a:solidFill>
+                          <a:effectLst/>
+                          <a:latin typeface="Calibri" panose="020F0502020204030204" pitchFamily="34" charset="0"/>
+                          <a:ea typeface="Times New Roman" panose="02020603050405020304" pitchFamily="18" charset="0"/>
+                        </a:rPr>
+                        <a:t>Valor p</a:t>
+                      </a:r>
+                      <a:endParaRPr lang="es-PE" sz="1200" dirty="0">
+                        <a:effectLst/>
+                        <a:latin typeface="Times New Roman" panose="02020603050405020304" pitchFamily="18" charset="0"/>
+                        <a:ea typeface="Times New Roman" panose="02020603050405020304" pitchFamily="18" charset="0"/>
+                      </a:endParaRPr>
+                    </a:p>
+                  </a:txBody>
+                  <a:tcPr marL="44450" marR="44450" marT="0" marB="0" anchor="ctr">
+                    <a:lnL>
+                      <a:noFill/>
+                    </a:lnL>
+                    <a:lnR>
+                      <a:noFill/>
+                    </a:lnR>
+                    <a:lnT>
+                      <a:noFill/>
+                    </a:lnT>
+                    <a:lnB w="12700" cap="flat" cmpd="sng" algn="ctr">
+                      <a:solidFill>
+                        <a:srgbClr val="000000"/>
+                      </a:solidFill>
+                      <a:prstDash val="solid"/>
+                      <a:round/>
+                      <a:headEnd type="none" w="med" len="med"/>
+                      <a:tailEnd type="none" w="med" len="med"/>
+                    </a:lnB>
+                  </a:tcPr>
+                </a:tc>
+                <a:tc>
+                  <a:txBody>
+                    <a:bodyPr/>
+                    <a:lstStyle/>
+                    <a:p>
+                      <a:pPr algn="ctr"/>
+                      <a:r>
+                        <a:rPr lang="es-PE" sz="1100" b="1">
+                          <a:solidFill>
+                            <a:srgbClr val="000000"/>
+                          </a:solidFill>
+                          <a:effectLst/>
+                          <a:latin typeface="Calibri" panose="020F0502020204030204" pitchFamily="34" charset="0"/>
+                          <a:ea typeface="Times New Roman" panose="02020603050405020304" pitchFamily="18" charset="0"/>
+                        </a:rPr>
+                        <a:t>Conclusión</a:t>
+                      </a:r>
+                      <a:endParaRPr lang="es-PE" sz="1200">
+                        <a:effectLst/>
+                        <a:latin typeface="Times New Roman" panose="02020603050405020304" pitchFamily="18" charset="0"/>
+                        <a:ea typeface="Times New Roman" panose="02020603050405020304" pitchFamily="18" charset="0"/>
+                      </a:endParaRPr>
+                    </a:p>
+                  </a:txBody>
+                  <a:tcPr marL="44450" marR="44450" marT="0" marB="0" anchor="ctr">
+                    <a:lnL>
+                      <a:noFill/>
+                    </a:lnL>
+                    <a:lnR>
+                      <a:noFill/>
+                    </a:lnR>
+                    <a:lnT>
+                      <a:noFill/>
+                    </a:lnT>
+                    <a:lnB w="12700" cap="flat" cmpd="sng" algn="ctr">
+                      <a:solidFill>
+                        <a:srgbClr val="000000"/>
+                      </a:solidFill>
+                      <a:prstDash val="solid"/>
+                      <a:round/>
+                      <a:headEnd type="none" w="med" len="med"/>
+                      <a:tailEnd type="none" w="med" len="med"/>
+                    </a:lnB>
+                  </a:tcPr>
+                </a:tc>
+                <a:extLst>
+                  <a:ext uri="{0D108BD9-81ED-4DB2-BD59-A6C34878D82A}">
+                    <a16:rowId xmlns:a16="http://schemas.microsoft.com/office/drawing/2014/main" val="3430151533"/>
+                  </a:ext>
+                </a:extLst>
+              </a:tr>
+              <a:tr h="535144">
+                <a:tc>
+                  <a:txBody>
+                    <a:bodyPr/>
+                    <a:lstStyle/>
+                    <a:p>
+                      <a:pPr algn="ctr"/>
+                      <a:r>
+                        <a:rPr lang="es-PE" sz="1100">
+                          <a:solidFill>
+                            <a:srgbClr val="000000"/>
+                          </a:solidFill>
+                          <a:effectLst/>
+                          <a:latin typeface="Calibri" panose="020F0502020204030204" pitchFamily="34" charset="0"/>
+                          <a:ea typeface="Times New Roman" panose="02020603050405020304" pitchFamily="18" charset="0"/>
+                        </a:rPr>
+                        <a:t>Especie</a:t>
+                      </a:r>
+                      <a:endParaRPr lang="es-PE" sz="1200">
+                        <a:effectLst/>
+                        <a:latin typeface="Times New Roman" panose="02020603050405020304" pitchFamily="18" charset="0"/>
+                        <a:ea typeface="Times New Roman" panose="02020603050405020304" pitchFamily="18" charset="0"/>
+                      </a:endParaRPr>
+                    </a:p>
+                  </a:txBody>
+                  <a:tcPr marL="44450" marR="44450" marT="0" marB="0" anchor="b">
+                    <a:lnL>
+                      <a:noFill/>
+                    </a:lnL>
+                    <a:lnR>
+                      <a:noFill/>
+                    </a:lnR>
+                    <a:lnT w="12700" cap="flat" cmpd="sng" algn="ctr">
+                      <a:solidFill>
+                        <a:srgbClr val="000000"/>
+                      </a:solidFill>
+                      <a:prstDash val="solid"/>
+                      <a:round/>
+                      <a:headEnd type="none" w="med" len="med"/>
+                      <a:tailEnd type="none" w="med" len="med"/>
+                    </a:lnT>
+                    <a:lnB>
+                      <a:noFill/>
+                    </a:lnB>
+                  </a:tcPr>
+                </a:tc>
+                <a:tc>
+                  <a:txBody>
+                    <a:bodyPr/>
+                    <a:lstStyle/>
+                    <a:p>
+                      <a:pPr algn="ctr"/>
+                      <a:r>
+                        <a:rPr lang="es-PE" sz="1100" dirty="0">
+                          <a:solidFill>
+                            <a:srgbClr val="000000"/>
+                          </a:solidFill>
+                          <a:effectLst/>
+                          <a:latin typeface="Calibri" panose="020F0502020204030204" pitchFamily="34" charset="0"/>
+                          <a:ea typeface="Times New Roman" panose="02020603050405020304" pitchFamily="18" charset="0"/>
+                        </a:rPr>
+                        <a:t>1.0396</a:t>
+                      </a:r>
+                      <a:endParaRPr lang="es-PE" sz="1200" dirty="0">
+                        <a:effectLst/>
+                        <a:latin typeface="Times New Roman" panose="02020603050405020304" pitchFamily="18" charset="0"/>
+                        <a:ea typeface="Times New Roman" panose="02020603050405020304" pitchFamily="18" charset="0"/>
+                      </a:endParaRPr>
+                    </a:p>
+                  </a:txBody>
+                  <a:tcPr marL="44450" marR="44450" marT="0" marB="0" anchor="b">
+                    <a:lnL>
+                      <a:noFill/>
+                    </a:lnL>
+                    <a:lnR>
+                      <a:noFill/>
+                    </a:lnR>
+                    <a:lnT w="12700" cap="flat" cmpd="sng" algn="ctr">
+                      <a:solidFill>
+                        <a:srgbClr val="000000"/>
+                      </a:solidFill>
+                      <a:prstDash val="solid"/>
+                      <a:round/>
+                      <a:headEnd type="none" w="med" len="med"/>
+                      <a:tailEnd type="none" w="med" len="med"/>
+                    </a:lnT>
+                    <a:lnB>
+                      <a:noFill/>
+                    </a:lnB>
+                  </a:tcPr>
+                </a:tc>
+                <a:tc>
+                  <a:txBody>
+                    <a:bodyPr/>
+                    <a:lstStyle/>
+                    <a:p>
+                      <a:pPr algn="ctr"/>
+                      <a:r>
+                        <a:rPr lang="es-PE" sz="1100">
+                          <a:solidFill>
+                            <a:srgbClr val="000000"/>
+                          </a:solidFill>
+                          <a:effectLst/>
+                          <a:latin typeface="Calibri" panose="020F0502020204030204" pitchFamily="34" charset="0"/>
+                          <a:ea typeface="Times New Roman" panose="02020603050405020304" pitchFamily="18" charset="0"/>
+                        </a:rPr>
+                        <a:t>1</a:t>
+                      </a:r>
+                      <a:endParaRPr lang="es-PE" sz="1200">
+                        <a:effectLst/>
+                        <a:latin typeface="Times New Roman" panose="02020603050405020304" pitchFamily="18" charset="0"/>
+                        <a:ea typeface="Times New Roman" panose="02020603050405020304" pitchFamily="18" charset="0"/>
+                      </a:endParaRPr>
+                    </a:p>
+                  </a:txBody>
+                  <a:tcPr marL="44450" marR="44450" marT="0" marB="0" anchor="b">
+                    <a:lnL>
+                      <a:noFill/>
+                    </a:lnL>
+                    <a:lnR>
+                      <a:noFill/>
+                    </a:lnR>
+                    <a:lnT w="12700" cap="flat" cmpd="sng" algn="ctr">
+                      <a:solidFill>
+                        <a:srgbClr val="000000"/>
+                      </a:solidFill>
+                      <a:prstDash val="solid"/>
+                      <a:round/>
+                      <a:headEnd type="none" w="med" len="med"/>
+                      <a:tailEnd type="none" w="med" len="med"/>
+                    </a:lnT>
+                    <a:lnB>
+                      <a:noFill/>
+                    </a:lnB>
+                  </a:tcPr>
+                </a:tc>
+                <a:tc>
+                  <a:txBody>
+                    <a:bodyPr/>
+                    <a:lstStyle/>
+                    <a:p>
+                      <a:pPr algn="ctr"/>
+                      <a:r>
+                        <a:rPr lang="es-PE" sz="1100" dirty="0">
+                          <a:solidFill>
+                            <a:srgbClr val="000000"/>
+                          </a:solidFill>
+                          <a:effectLst/>
+                          <a:latin typeface="Calibri" panose="020F0502020204030204" pitchFamily="34" charset="0"/>
+                          <a:ea typeface="Times New Roman" panose="02020603050405020304" pitchFamily="18" charset="0"/>
+                        </a:rPr>
+                        <a:t>0.3079</a:t>
+                      </a:r>
+                      <a:endParaRPr lang="es-PE" sz="1200" dirty="0">
+                        <a:effectLst/>
+                        <a:latin typeface="Times New Roman" panose="02020603050405020304" pitchFamily="18" charset="0"/>
+                        <a:ea typeface="Times New Roman" panose="02020603050405020304" pitchFamily="18" charset="0"/>
+                      </a:endParaRPr>
+                    </a:p>
+                  </a:txBody>
+                  <a:tcPr marL="44450" marR="44450" marT="0" marB="0" anchor="b">
+                    <a:lnL>
+                      <a:noFill/>
+                    </a:lnL>
+                    <a:lnR>
+                      <a:noFill/>
+                    </a:lnR>
+                    <a:lnT w="12700" cap="flat" cmpd="sng" algn="ctr">
+                      <a:solidFill>
+                        <a:srgbClr val="000000"/>
+                      </a:solidFill>
+                      <a:prstDash val="solid"/>
+                      <a:round/>
+                      <a:headEnd type="none" w="med" len="med"/>
+                      <a:tailEnd type="none" w="med" len="med"/>
+                    </a:lnT>
+                    <a:lnB>
+                      <a:noFill/>
+                    </a:lnB>
+                  </a:tcPr>
+                </a:tc>
+                <a:tc>
+                  <a:txBody>
+                    <a:bodyPr/>
+                    <a:lstStyle/>
+                    <a:p>
+                      <a:pPr algn="ctr"/>
+                      <a:r>
+                        <a:rPr lang="es-PE" sz="1100">
+                          <a:solidFill>
+                            <a:srgbClr val="000000"/>
+                          </a:solidFill>
+                          <a:effectLst/>
+                          <a:latin typeface="Calibri" panose="020F0502020204030204" pitchFamily="34" charset="0"/>
+                          <a:ea typeface="Times New Roman" panose="02020603050405020304" pitchFamily="18" charset="0"/>
+                        </a:rPr>
+                        <a:t>No hay evidencia de varianzas diferentes</a:t>
+                      </a:r>
+                      <a:endParaRPr lang="es-PE" sz="1200">
+                        <a:effectLst/>
+                        <a:latin typeface="Times New Roman" panose="02020603050405020304" pitchFamily="18" charset="0"/>
+                        <a:ea typeface="Times New Roman" panose="02020603050405020304" pitchFamily="18" charset="0"/>
+                      </a:endParaRPr>
+                    </a:p>
+                  </a:txBody>
+                  <a:tcPr marL="44450" marR="44450" marT="0" marB="0" anchor="b">
+                    <a:lnL>
+                      <a:noFill/>
+                    </a:lnL>
+                    <a:lnR>
+                      <a:noFill/>
+                    </a:lnR>
+                    <a:lnT w="12700" cap="flat" cmpd="sng" algn="ctr">
+                      <a:solidFill>
+                        <a:srgbClr val="000000"/>
+                      </a:solidFill>
+                      <a:prstDash val="solid"/>
+                      <a:round/>
+                      <a:headEnd type="none" w="med" len="med"/>
+                      <a:tailEnd type="none" w="med" len="med"/>
+                    </a:lnT>
+                    <a:lnB>
+                      <a:noFill/>
+                    </a:lnB>
+                  </a:tcPr>
+                </a:tc>
+                <a:extLst>
+                  <a:ext uri="{0D108BD9-81ED-4DB2-BD59-A6C34878D82A}">
+                    <a16:rowId xmlns:a16="http://schemas.microsoft.com/office/drawing/2014/main" val="3001101237"/>
+                  </a:ext>
+                </a:extLst>
+              </a:tr>
+              <a:tr h="535144">
+                <a:tc>
+                  <a:txBody>
+                    <a:bodyPr/>
+                    <a:lstStyle/>
+                    <a:p>
+                      <a:pPr algn="ctr"/>
+                      <a:r>
+                        <a:rPr lang="es-PE" sz="1100">
+                          <a:solidFill>
+                            <a:srgbClr val="000000"/>
+                          </a:solidFill>
+                          <a:effectLst/>
+                          <a:latin typeface="Calibri" panose="020F0502020204030204" pitchFamily="34" charset="0"/>
+                          <a:ea typeface="Times New Roman" panose="02020603050405020304" pitchFamily="18" charset="0"/>
+                        </a:rPr>
+                        <a:t>Tratamiento</a:t>
+                      </a:r>
+                      <a:endParaRPr lang="es-PE" sz="1200">
+                        <a:effectLst/>
+                        <a:latin typeface="Times New Roman" panose="02020603050405020304" pitchFamily="18" charset="0"/>
+                        <a:ea typeface="Times New Roman" panose="02020603050405020304" pitchFamily="18" charset="0"/>
+                      </a:endParaRPr>
+                    </a:p>
+                  </a:txBody>
+                  <a:tcPr marL="44450" marR="44450" marT="0" marB="0" anchor="b">
+                    <a:lnL>
+                      <a:noFill/>
+                    </a:lnL>
+                    <a:lnR>
+                      <a:noFill/>
+                    </a:lnR>
+                    <a:lnT>
+                      <a:noFill/>
+                    </a:lnT>
+                    <a:lnB>
+                      <a:noFill/>
+                    </a:lnB>
+                  </a:tcPr>
+                </a:tc>
+                <a:tc>
+                  <a:txBody>
+                    <a:bodyPr/>
+                    <a:lstStyle/>
+                    <a:p>
+                      <a:pPr algn="ctr"/>
+                      <a:r>
+                        <a:rPr lang="es-PE" sz="1100">
+                          <a:solidFill>
+                            <a:srgbClr val="000000"/>
+                          </a:solidFill>
+                          <a:effectLst/>
+                          <a:latin typeface="Calibri" panose="020F0502020204030204" pitchFamily="34" charset="0"/>
+                          <a:ea typeface="Times New Roman" panose="02020603050405020304" pitchFamily="18" charset="0"/>
+                        </a:rPr>
+                        <a:t>0.31441</a:t>
+                      </a:r>
+                      <a:endParaRPr lang="es-PE" sz="1200">
+                        <a:effectLst/>
+                        <a:latin typeface="Times New Roman" panose="02020603050405020304" pitchFamily="18" charset="0"/>
+                        <a:ea typeface="Times New Roman" panose="02020603050405020304" pitchFamily="18" charset="0"/>
+                      </a:endParaRPr>
+                    </a:p>
+                  </a:txBody>
+                  <a:tcPr marL="44450" marR="44450" marT="0" marB="0" anchor="b">
+                    <a:lnL>
+                      <a:noFill/>
+                    </a:lnL>
+                    <a:lnR>
+                      <a:noFill/>
+                    </a:lnR>
+                    <a:lnT>
+                      <a:noFill/>
+                    </a:lnT>
+                    <a:lnB>
+                      <a:noFill/>
+                    </a:lnB>
+                  </a:tcPr>
+                </a:tc>
+                <a:tc>
+                  <a:txBody>
+                    <a:bodyPr/>
+                    <a:lstStyle/>
+                    <a:p>
+                      <a:pPr algn="ctr"/>
+                      <a:r>
+                        <a:rPr lang="es-PE" sz="1100">
+                          <a:solidFill>
+                            <a:srgbClr val="000000"/>
+                          </a:solidFill>
+                          <a:effectLst/>
+                          <a:latin typeface="Calibri" panose="020F0502020204030204" pitchFamily="34" charset="0"/>
+                          <a:ea typeface="Times New Roman" panose="02020603050405020304" pitchFamily="18" charset="0"/>
+                        </a:rPr>
+                        <a:t>1</a:t>
+                      </a:r>
+                      <a:endParaRPr lang="es-PE" sz="1200">
+                        <a:effectLst/>
+                        <a:latin typeface="Times New Roman" panose="02020603050405020304" pitchFamily="18" charset="0"/>
+                        <a:ea typeface="Times New Roman" panose="02020603050405020304" pitchFamily="18" charset="0"/>
+                      </a:endParaRPr>
+                    </a:p>
+                  </a:txBody>
+                  <a:tcPr marL="44450" marR="44450" marT="0" marB="0" anchor="b">
+                    <a:lnL>
+                      <a:noFill/>
+                    </a:lnL>
+                    <a:lnR>
+                      <a:noFill/>
+                    </a:lnR>
+                    <a:lnT>
+                      <a:noFill/>
+                    </a:lnT>
+                    <a:lnB>
+                      <a:noFill/>
+                    </a:lnB>
+                  </a:tcPr>
+                </a:tc>
+                <a:tc>
+                  <a:txBody>
+                    <a:bodyPr/>
+                    <a:lstStyle/>
+                    <a:p>
+                      <a:pPr algn="ctr"/>
+                      <a:r>
+                        <a:rPr lang="es-PE" sz="1100" dirty="0">
+                          <a:solidFill>
+                            <a:srgbClr val="000000"/>
+                          </a:solidFill>
+                          <a:effectLst/>
+                          <a:latin typeface="Calibri" panose="020F0502020204030204" pitchFamily="34" charset="0"/>
+                          <a:ea typeface="Times New Roman" panose="02020603050405020304" pitchFamily="18" charset="0"/>
+                        </a:rPr>
+                        <a:t>0.575</a:t>
+                      </a:r>
+                      <a:endParaRPr lang="es-PE" sz="1200" dirty="0">
+                        <a:effectLst/>
+                        <a:latin typeface="Times New Roman" panose="02020603050405020304" pitchFamily="18" charset="0"/>
+                        <a:ea typeface="Times New Roman" panose="02020603050405020304" pitchFamily="18" charset="0"/>
+                      </a:endParaRPr>
+                    </a:p>
+                  </a:txBody>
+                  <a:tcPr marL="44450" marR="44450" marT="0" marB="0" anchor="b">
+                    <a:lnL>
+                      <a:noFill/>
+                    </a:lnL>
+                    <a:lnR>
+                      <a:noFill/>
+                    </a:lnR>
+                    <a:lnT>
+                      <a:noFill/>
+                    </a:lnT>
+                    <a:lnB>
+                      <a:noFill/>
+                    </a:lnB>
+                  </a:tcPr>
+                </a:tc>
+                <a:tc>
+                  <a:txBody>
+                    <a:bodyPr/>
+                    <a:lstStyle/>
+                    <a:p>
+                      <a:pPr algn="ctr"/>
+                      <a:r>
+                        <a:rPr lang="es-PE" sz="1100">
+                          <a:solidFill>
+                            <a:srgbClr val="000000"/>
+                          </a:solidFill>
+                          <a:effectLst/>
+                          <a:latin typeface="Calibri" panose="020F0502020204030204" pitchFamily="34" charset="0"/>
+                          <a:ea typeface="Times New Roman" panose="02020603050405020304" pitchFamily="18" charset="0"/>
+                        </a:rPr>
+                        <a:t>No hay evidencia de varianzas diferentes</a:t>
+                      </a:r>
+                      <a:endParaRPr lang="es-PE" sz="1200">
+                        <a:effectLst/>
+                        <a:latin typeface="Times New Roman" panose="02020603050405020304" pitchFamily="18" charset="0"/>
+                        <a:ea typeface="Times New Roman" panose="02020603050405020304" pitchFamily="18" charset="0"/>
+                      </a:endParaRPr>
+                    </a:p>
+                  </a:txBody>
+                  <a:tcPr marL="44450" marR="44450" marT="0" marB="0" anchor="b">
+                    <a:lnL>
+                      <a:noFill/>
+                    </a:lnL>
+                    <a:lnR>
+                      <a:noFill/>
+                    </a:lnR>
+                    <a:lnT>
+                      <a:noFill/>
+                    </a:lnT>
+                    <a:lnB>
+                      <a:noFill/>
+                    </a:lnB>
+                  </a:tcPr>
+                </a:tc>
+                <a:extLst>
+                  <a:ext uri="{0D108BD9-81ED-4DB2-BD59-A6C34878D82A}">
+                    <a16:rowId xmlns:a16="http://schemas.microsoft.com/office/drawing/2014/main" val="1944426610"/>
+                  </a:ext>
+                </a:extLst>
+              </a:tr>
+              <a:tr h="535144">
+                <a:tc>
+                  <a:txBody>
+                    <a:bodyPr/>
+                    <a:lstStyle/>
+                    <a:p>
+                      <a:pPr algn="ctr"/>
+                      <a:r>
+                        <a:rPr lang="es-PE" sz="1100">
+                          <a:solidFill>
+                            <a:srgbClr val="000000"/>
+                          </a:solidFill>
+                          <a:effectLst/>
+                          <a:latin typeface="Calibri" panose="020F0502020204030204" pitchFamily="34" charset="0"/>
+                          <a:ea typeface="Times New Roman" panose="02020603050405020304" pitchFamily="18" charset="0"/>
+                        </a:rPr>
+                        <a:t>Malla</a:t>
+                      </a:r>
+                      <a:endParaRPr lang="es-PE" sz="1200">
+                        <a:effectLst/>
+                        <a:latin typeface="Times New Roman" panose="02020603050405020304" pitchFamily="18" charset="0"/>
+                        <a:ea typeface="Times New Roman" panose="02020603050405020304" pitchFamily="18" charset="0"/>
+                      </a:endParaRPr>
+                    </a:p>
+                  </a:txBody>
+                  <a:tcPr marL="44450" marR="44450" marT="0" marB="0" anchor="b">
+                    <a:lnL>
+                      <a:noFill/>
+                    </a:lnL>
+                    <a:lnR>
+                      <a:noFill/>
+                    </a:lnR>
+                    <a:lnT>
+                      <a:noFill/>
+                    </a:lnT>
+                    <a:lnB w="12700" cap="flat" cmpd="sng" algn="ctr">
+                      <a:solidFill>
+                        <a:srgbClr val="000000"/>
+                      </a:solidFill>
+                      <a:prstDash val="solid"/>
+                      <a:round/>
+                      <a:headEnd type="none" w="med" len="med"/>
+                      <a:tailEnd type="none" w="med" len="med"/>
+                    </a:lnB>
+                  </a:tcPr>
+                </a:tc>
+                <a:tc>
+                  <a:txBody>
+                    <a:bodyPr/>
+                    <a:lstStyle/>
+                    <a:p>
+                      <a:pPr algn="ctr"/>
+                      <a:r>
+                        <a:rPr lang="es-PE" sz="1100">
+                          <a:solidFill>
+                            <a:srgbClr val="000000"/>
+                          </a:solidFill>
+                          <a:effectLst/>
+                          <a:latin typeface="Calibri" panose="020F0502020204030204" pitchFamily="34" charset="0"/>
+                          <a:ea typeface="Times New Roman" panose="02020603050405020304" pitchFamily="18" charset="0"/>
+                        </a:rPr>
+                        <a:t>10.203</a:t>
+                      </a:r>
+                      <a:endParaRPr lang="es-PE" sz="1200">
+                        <a:effectLst/>
+                        <a:latin typeface="Times New Roman" panose="02020603050405020304" pitchFamily="18" charset="0"/>
+                        <a:ea typeface="Times New Roman" panose="02020603050405020304" pitchFamily="18" charset="0"/>
+                      </a:endParaRPr>
+                    </a:p>
+                  </a:txBody>
+                  <a:tcPr marL="44450" marR="44450" marT="0" marB="0" anchor="b">
+                    <a:lnL>
+                      <a:noFill/>
+                    </a:lnL>
+                    <a:lnR>
+                      <a:noFill/>
+                    </a:lnR>
+                    <a:lnT>
+                      <a:noFill/>
+                    </a:lnT>
+                    <a:lnB w="12700" cap="flat" cmpd="sng" algn="ctr">
+                      <a:solidFill>
+                        <a:srgbClr val="000000"/>
+                      </a:solidFill>
+                      <a:prstDash val="solid"/>
+                      <a:round/>
+                      <a:headEnd type="none" w="med" len="med"/>
+                      <a:tailEnd type="none" w="med" len="med"/>
+                    </a:lnB>
+                  </a:tcPr>
+                </a:tc>
+                <a:tc>
+                  <a:txBody>
+                    <a:bodyPr/>
+                    <a:lstStyle/>
+                    <a:p>
+                      <a:pPr algn="ctr"/>
+                      <a:r>
+                        <a:rPr lang="es-PE" sz="1100">
+                          <a:solidFill>
+                            <a:srgbClr val="000000"/>
+                          </a:solidFill>
+                          <a:effectLst/>
+                          <a:latin typeface="Calibri" panose="020F0502020204030204" pitchFamily="34" charset="0"/>
+                          <a:ea typeface="Times New Roman" panose="02020603050405020304" pitchFamily="18" charset="0"/>
+                        </a:rPr>
+                        <a:t>3</a:t>
+                      </a:r>
+                      <a:endParaRPr lang="es-PE" sz="1200">
+                        <a:effectLst/>
+                        <a:latin typeface="Times New Roman" panose="02020603050405020304" pitchFamily="18" charset="0"/>
+                        <a:ea typeface="Times New Roman" panose="02020603050405020304" pitchFamily="18" charset="0"/>
+                      </a:endParaRPr>
+                    </a:p>
+                  </a:txBody>
+                  <a:tcPr marL="44450" marR="44450" marT="0" marB="0" anchor="b">
+                    <a:lnL>
+                      <a:noFill/>
+                    </a:lnL>
+                    <a:lnR>
+                      <a:noFill/>
+                    </a:lnR>
+                    <a:lnT>
+                      <a:noFill/>
+                    </a:lnT>
+                    <a:lnB w="12700" cap="flat" cmpd="sng" algn="ctr">
+                      <a:solidFill>
+                        <a:srgbClr val="000000"/>
+                      </a:solidFill>
+                      <a:prstDash val="solid"/>
+                      <a:round/>
+                      <a:headEnd type="none" w="med" len="med"/>
+                      <a:tailEnd type="none" w="med" len="med"/>
+                    </a:lnB>
+                  </a:tcPr>
+                </a:tc>
+                <a:tc>
+                  <a:txBody>
+                    <a:bodyPr/>
+                    <a:lstStyle/>
+                    <a:p>
+                      <a:pPr algn="ctr"/>
+                      <a:r>
+                        <a:rPr lang="es-PE" sz="1100">
+                          <a:solidFill>
+                            <a:srgbClr val="000000"/>
+                          </a:solidFill>
+                          <a:effectLst/>
+                          <a:latin typeface="Calibri" panose="020F0502020204030204" pitchFamily="34" charset="0"/>
+                          <a:ea typeface="Times New Roman" panose="02020603050405020304" pitchFamily="18" charset="0"/>
+                        </a:rPr>
+                        <a:t>0.01692</a:t>
+                      </a:r>
+                      <a:endParaRPr lang="es-PE" sz="1200">
+                        <a:effectLst/>
+                        <a:latin typeface="Times New Roman" panose="02020603050405020304" pitchFamily="18" charset="0"/>
+                        <a:ea typeface="Times New Roman" panose="02020603050405020304" pitchFamily="18" charset="0"/>
+                      </a:endParaRPr>
+                    </a:p>
+                  </a:txBody>
+                  <a:tcPr marL="44450" marR="44450" marT="0" marB="0" anchor="b">
+                    <a:lnL>
+                      <a:noFill/>
+                    </a:lnL>
+                    <a:lnR>
+                      <a:noFill/>
+                    </a:lnR>
+                    <a:lnT>
+                      <a:noFill/>
+                    </a:lnT>
+                    <a:lnB w="12700" cap="flat" cmpd="sng" algn="ctr">
+                      <a:solidFill>
+                        <a:srgbClr val="000000"/>
+                      </a:solidFill>
+                      <a:prstDash val="solid"/>
+                      <a:round/>
+                      <a:headEnd type="none" w="med" len="med"/>
+                      <a:tailEnd type="none" w="med" len="med"/>
+                    </a:lnB>
+                  </a:tcPr>
+                </a:tc>
+                <a:tc>
+                  <a:txBody>
+                    <a:bodyPr/>
+                    <a:lstStyle/>
+                    <a:p>
+                      <a:pPr algn="ctr"/>
+                      <a:r>
+                        <a:rPr lang="es-PE" sz="1100" dirty="0">
+                          <a:solidFill>
+                            <a:srgbClr val="000000"/>
+                          </a:solidFill>
+                          <a:effectLst/>
+                          <a:latin typeface="Calibri" panose="020F0502020204030204" pitchFamily="34" charset="0"/>
+                          <a:ea typeface="Times New Roman" panose="02020603050405020304" pitchFamily="18" charset="0"/>
+                        </a:rPr>
+                        <a:t>Hay evidencia de varianzas diferentes</a:t>
+                      </a:r>
+                      <a:endParaRPr lang="es-PE" sz="1200" dirty="0">
+                        <a:effectLst/>
+                        <a:latin typeface="Times New Roman" panose="02020603050405020304" pitchFamily="18" charset="0"/>
+                        <a:ea typeface="Times New Roman" panose="02020603050405020304" pitchFamily="18" charset="0"/>
+                      </a:endParaRPr>
+                    </a:p>
+                  </a:txBody>
+                  <a:tcPr marL="44450" marR="44450" marT="0" marB="0" anchor="b">
+                    <a:lnL>
+                      <a:noFill/>
+                    </a:lnL>
+                    <a:lnR>
+                      <a:noFill/>
+                    </a:lnR>
+                    <a:lnT>
+                      <a:noFill/>
+                    </a:lnT>
+                    <a:lnB w="12700" cap="flat" cmpd="sng" algn="ctr">
+                      <a:solidFill>
+                        <a:srgbClr val="000000"/>
+                      </a:solidFill>
+                      <a:prstDash val="solid"/>
+                      <a:round/>
+                      <a:headEnd type="none" w="med" len="med"/>
+                      <a:tailEnd type="none" w="med" len="med"/>
+                    </a:lnB>
+                  </a:tcPr>
+                </a:tc>
+                <a:extLst>
+                  <a:ext uri="{0D108BD9-81ED-4DB2-BD59-A6C34878D82A}">
+                    <a16:rowId xmlns:a16="http://schemas.microsoft.com/office/drawing/2014/main" val="2027767921"/>
+                  </a:ext>
+                </a:extLst>
+              </a:tr>
+            </a:tbl>
+          </a:graphicData>
+        </a:graphic>
+      </p:graphicFrame>
+      <p:sp>
+        <p:nvSpPr>
+          <p:cNvPr id="10" name="CuadroTexto 9">
+            <a:extLst>
+              <a:ext uri="{FF2B5EF4-FFF2-40B4-BE49-F238E27FC236}">
+                <a16:creationId xmlns:a16="http://schemas.microsoft.com/office/drawing/2014/main" id="{ED082F62-75C0-4993-8B5C-B1DD3C95F538}"/>
+              </a:ext>
+            </a:extLst>
+          </p:cNvPr>
+          <p:cNvSpPr txBox="1"/>
+          <p:nvPr/>
+        </p:nvSpPr>
+        <p:spPr>
+          <a:xfrm>
+            <a:off x="617408" y="1037135"/>
+            <a:ext cx="6094520" cy="2585323"/>
+          </a:xfrm>
+          <a:prstGeom prst="rect">
+            <a:avLst/>
+          </a:prstGeom>
+          <a:noFill/>
+        </p:spPr>
+        <p:txBody>
+          <a:bodyPr wrap="square">
+            <a:spAutoFit/>
+          </a:bodyPr>
+          <a:lstStyle/>
+          <a:p>
+            <a:pPr algn="just"/>
+            <a:r>
+              <a:rPr lang="es-ES" sz="1800" dirty="0">
+                <a:effectLst/>
+                <a:latin typeface="Times New Roman" panose="02020603050405020304" pitchFamily="18" charset="0"/>
+                <a:ea typeface="Times New Roman" panose="02020603050405020304" pitchFamily="18" charset="0"/>
+              </a:rPr>
+              <a:t>Los resultados de las pruebas de Bartlett muestran que no hay evidencia de diferencias significativas en las varianzas para las variables "Especie" (valor p = 0.3079) y "Tratamiento" (valor p = 0.575), lo que sugiere que las varianzas son homogéneas entre los grupos definidos por estas variables. Sin embargo, en el caso de la variable "Malla", el valor p es 0.01692, lo cual indica que existen diferencias significativas en las varianzas entre los grupos, sugiriendo que la suposición de homogeneidad de varianzas no se cumple para "Malla".</a:t>
+            </a:r>
+            <a:endParaRPr lang="es-PE" sz="1800" dirty="0">
+              <a:effectLst/>
+              <a:latin typeface="Times New Roman" panose="02020603050405020304" pitchFamily="18" charset="0"/>
+              <a:ea typeface="Times New Roman" panose="02020603050405020304" pitchFamily="18" charset="0"/>
             </a:endParaRPr>
           </a:p>
         </p:txBody>

--- a/tarea4/04_Presentación_A_Estadístico_24_09_2024.pptx
+++ b/tarea4/04_Presentación_A_Estadístico_24_09_2024.pptx
@@ -209,7 +209,7 @@
           <a:p>
             <a:fld id="{C40AE0C0-63AB-438A-AAE5-4BEE5084D9B0}" type="datetimeFigureOut">
               <a:rPr lang="en-US" smtClean="0"/>
-              <a:t>9/23/2024</a:t>
+              <a:t>9/30/2024</a:t>
             </a:fld>
             <a:endParaRPr lang="en-US"/>
           </a:p>
@@ -15144,8 +15144,8 @@
         </p:nvSpPr>
         <p:spPr>
           <a:xfrm>
-            <a:off x="776212" y="1263211"/>
-            <a:ext cx="6094520" cy="2862322"/>
+            <a:off x="755847" y="1097726"/>
+            <a:ext cx="6094520" cy="3139321"/>
           </a:xfrm>
           <a:prstGeom prst="rect">
             <a:avLst/>
@@ -15165,7 +15165,71 @@
                 <a:latin typeface="Times New Roman" panose="02020603050405020304" pitchFamily="18" charset="0"/>
                 <a:ea typeface="Times New Roman" panose="02020603050405020304" pitchFamily="18" charset="0"/>
               </a:rPr>
-              <a:t>El resultado de la prueba de Durbin-Watson muestra un estadístico DW de 1.5452 y un valor p de 0.1344. Dado que el valor p es mayor que el nivel de significancia comúnmente utilizado (por ejemplo, 0.05), no hay suficiente evidencia para rechazar la hipótesis nula de que no existe autocorrelación positiva en los residuos del modelo. En otras palabras, los residuos del modelo no presentan una autocorrelación significativa, y por lo tanto, se cumple la suposición de independencia de los errores para el modelo de ANOVA analizado.</a:t>
+              <a:t>El resultado de </a:t>
+            </a:r>
+            <a:r>
+              <a:rPr lang="es-ES" sz="1800" dirty="0" err="1">
+                <a:effectLst/>
+                <a:latin typeface="Times New Roman" panose="02020603050405020304" pitchFamily="18" charset="0"/>
+                <a:ea typeface="Times New Roman" panose="02020603050405020304" pitchFamily="18" charset="0"/>
+              </a:rPr>
+              <a:t>lmtest</a:t>
+            </a:r>
+            <a:r>
+              <a:rPr lang="es-ES" sz="1800" dirty="0">
+                <a:effectLst/>
+                <a:latin typeface="Times New Roman" panose="02020603050405020304" pitchFamily="18" charset="0"/>
+                <a:ea typeface="Times New Roman" panose="02020603050405020304" pitchFamily="18" charset="0"/>
+              </a:rPr>
+              <a:t>::</a:t>
+            </a:r>
+            <a:r>
+              <a:rPr lang="es-ES" sz="1800" dirty="0" err="1">
+                <a:effectLst/>
+                <a:latin typeface="Times New Roman" panose="02020603050405020304" pitchFamily="18" charset="0"/>
+                <a:ea typeface="Times New Roman" panose="02020603050405020304" pitchFamily="18" charset="0"/>
+              </a:rPr>
+              <a:t>dwtest</a:t>
+            </a:r>
+            <a:r>
+              <a:rPr lang="es-ES" sz="1800" dirty="0">
+                <a:effectLst/>
+                <a:latin typeface="Times New Roman" panose="02020603050405020304" pitchFamily="18" charset="0"/>
+                <a:ea typeface="Times New Roman" panose="02020603050405020304" pitchFamily="18" charset="0"/>
+              </a:rPr>
+              <a:t>(</a:t>
+            </a:r>
+            <a:r>
+              <a:rPr lang="es-ES" sz="1800" dirty="0" err="1">
+                <a:effectLst/>
+                <a:latin typeface="Times New Roman" panose="02020603050405020304" pitchFamily="18" charset="0"/>
+                <a:ea typeface="Times New Roman" panose="02020603050405020304" pitchFamily="18" charset="0"/>
+              </a:rPr>
+              <a:t>res.aov</a:t>
+            </a:r>
+            <a:r>
+              <a:rPr lang="es-ES" sz="1800" dirty="0">
+                <a:effectLst/>
+                <a:latin typeface="Times New Roman" panose="02020603050405020304" pitchFamily="18" charset="0"/>
+                <a:ea typeface="Times New Roman" panose="02020603050405020304" pitchFamily="18" charset="0"/>
+              </a:rPr>
+              <a:t>) realiza la prueba de Durbin-Watson para detectar la presencia de autocorrelación en los residuos del modelo ANOVA (</a:t>
+            </a:r>
+            <a:r>
+              <a:rPr lang="es-ES" sz="1800" dirty="0" err="1">
+                <a:effectLst/>
+                <a:latin typeface="Times New Roman" panose="02020603050405020304" pitchFamily="18" charset="0"/>
+                <a:ea typeface="Times New Roman" panose="02020603050405020304" pitchFamily="18" charset="0"/>
+              </a:rPr>
+              <a:t>res.aov</a:t>
+            </a:r>
+            <a:r>
+              <a:rPr lang="es-ES" sz="1800" dirty="0">
+                <a:effectLst/>
+                <a:latin typeface="Times New Roman" panose="02020603050405020304" pitchFamily="18" charset="0"/>
+                <a:ea typeface="Times New Roman" panose="02020603050405020304" pitchFamily="18" charset="0"/>
+              </a:rPr>
+              <a:t>). El valor de Durbin-Watson (DW) obtenido es 2.1969. Un valor cercano a 2 indica que no hay autocorrelación en los residuos, mientras que valores alejados de 2 sugieren autocorrelación positiva o negativa. El valor p de 0.4307 es mayor que 0.05, lo que significa que no hay evidencia suficiente para rechazar la hipótesis nula de que no existe autocorrelación en los residuos. En conclusión, no se detecta autocorrelación significativa en los residuos del modelo, cumpliendo así con este supuesto del ANOVA</a:t>
             </a:r>
             <a:endParaRPr lang="es-PE" sz="1800" dirty="0">
               <a:effectLst/>
@@ -15205,10 +15269,10 @@
       </p:pic>
       <p:pic>
         <p:nvPicPr>
-          <p:cNvPr id="10" name="Imagen 9">
+          <p:cNvPr id="9" name="Imagen 8">
             <a:extLst>
               <a:ext uri="{FF2B5EF4-FFF2-40B4-BE49-F238E27FC236}">
-                <a16:creationId xmlns:a16="http://schemas.microsoft.com/office/drawing/2014/main" id="{05C30A7C-1B8A-43B7-925C-AB985A4E7465}"/>
+                <a16:creationId xmlns:a16="http://schemas.microsoft.com/office/drawing/2014/main" id="{67D03A81-BAA4-7729-461D-AFC5F7F6CAB8}"/>
               </a:ext>
             </a:extLst>
           </p:cNvPr>
@@ -15225,8 +15289,8 @@
         </p:blipFill>
         <p:spPr>
           <a:xfrm>
-            <a:off x="2554023" y="4947089"/>
-            <a:ext cx="6819900" cy="1295400"/>
+            <a:off x="2898311" y="5252513"/>
+            <a:ext cx="5438775" cy="933450"/>
           </a:xfrm>
           <a:prstGeom prst="rect">
             <a:avLst/>
@@ -15442,36 +15506,6 @@
           </a:p>
         </p:txBody>
       </p:sp>
-      <p:pic>
-        <p:nvPicPr>
-          <p:cNvPr id="9" name="Imagen 8">
-            <a:extLst>
-              <a:ext uri="{FF2B5EF4-FFF2-40B4-BE49-F238E27FC236}">
-                <a16:creationId xmlns:a16="http://schemas.microsoft.com/office/drawing/2014/main" id="{196A7084-2FA6-4543-8E23-C9EB6756BDF3}"/>
-              </a:ext>
-            </a:extLst>
-          </p:cNvPr>
-          <p:cNvPicPr>
-            <a:picLocks noChangeAspect="1"/>
-          </p:cNvPicPr>
-          <p:nvPr/>
-        </p:nvPicPr>
-        <p:blipFill>
-          <a:blip r:embed="rId4"/>
-          <a:stretch>
-            <a:fillRect/>
-          </a:stretch>
-        </p:blipFill>
-        <p:spPr>
-          <a:xfrm>
-            <a:off x="630094" y="5631611"/>
-            <a:ext cx="6410325" cy="552450"/>
-          </a:xfrm>
-          <a:prstGeom prst="rect">
-            <a:avLst/>
-          </a:prstGeom>
-        </p:spPr>
-      </p:pic>
       <p:sp>
         <p:nvSpPr>
           <p:cNvPr id="12" name="CuadroTexto 11">
@@ -15487,7 +15521,7 @@
         <p:spPr>
           <a:xfrm>
             <a:off x="617408" y="1064063"/>
-            <a:ext cx="6094520" cy="4247317"/>
+            <a:ext cx="6094520" cy="5355312"/>
           </a:xfrm>
           <a:prstGeom prst="rect">
             <a:avLst/>
@@ -15502,51 +15536,203 @@
           <a:p>
             <a:pPr algn="just"/>
             <a:r>
-              <a:rPr lang="es-ES" sz="1800" dirty="0">
+              <a:rPr lang="es-PE" sz="1800" dirty="0">
                 <a:effectLst/>
                 <a:latin typeface="Times New Roman" panose="02020603050405020304" pitchFamily="18" charset="0"/>
                 <a:ea typeface="Times New Roman" panose="02020603050405020304" pitchFamily="18" charset="0"/>
               </a:rPr>
-              <a:t>Los resultados de la prueba de Tukey HSD muestran que hay diferencias significativas en el "Peso" entre los diferentes niveles de "Malla". El análisis se realizó con un nivel de significancia del 5% (α = 0.05), utilizando la media cuadrática del error (</a:t>
+              <a:t>La Figura presenta la relación entre los diferentes tratamientos de fertilización de nitrógeno (N0, N20, N40, N60 y N80) y las concentraciones promedio de tres variables de nitrógeno: NH</a:t>
             </a:r>
             <a:r>
-              <a:rPr lang="es-ES" sz="1800" dirty="0" err="1">
+              <a:rPr lang="es-PE" sz="1800" baseline="-25000" dirty="0">
                 <a:effectLst/>
                 <a:latin typeface="Times New Roman" panose="02020603050405020304" pitchFamily="18" charset="0"/>
                 <a:ea typeface="Times New Roman" panose="02020603050405020304" pitchFamily="18" charset="0"/>
               </a:rPr>
-              <a:t>MSerror</a:t>
+              <a:t>4</a:t>
             </a:r>
             <a:r>
-              <a:rPr lang="es-ES" sz="1800" dirty="0">
+              <a:rPr lang="es-PE" sz="1800" dirty="0">
                 <a:effectLst/>
                 <a:latin typeface="Times New Roman" panose="02020603050405020304" pitchFamily="18" charset="0"/>
                 <a:ea typeface="Times New Roman" panose="02020603050405020304" pitchFamily="18" charset="0"/>
               </a:rPr>
-              <a:t> = 0.0261) y 10 grados de libertad para el error. La prueba clasificó los niveles de "Malla" en dos grupos homogéneos: la malla de 30 micras fue significativamente diferente de las demás (etiquetada con la letra "a"), mientras que las mallas de 50, 100 y 200 micras no presentaron diferencias significativas entre sí (etiquetadas con la letra "b"). Esto indica que la malla de 30 micras tiene un peso significativamente mayor, mientras que las otras mallas comparten características similares respecto a esta variable. La media del peso fue más alta para la malla de 30 (0.839025) y la más baja para la malla de 200 (0.147925).</a:t>
+              <a:t>+-N, </a:t>
             </a:r>
-            <a:endParaRPr lang="es-PE" sz="1800" dirty="0">
-              <a:effectLst/>
-              <a:latin typeface="Times New Roman" panose="02020603050405020304" pitchFamily="18" charset="0"/>
-              <a:ea typeface="Times New Roman" panose="02020603050405020304" pitchFamily="18" charset="0"/>
-            </a:endParaRPr>
+            <a:r>
+              <a:rPr lang="es-PE" sz="1800" dirty="0" err="1">
+                <a:effectLst/>
+                <a:latin typeface="Times New Roman" panose="02020603050405020304" pitchFamily="18" charset="0"/>
+                <a:ea typeface="Times New Roman" panose="02020603050405020304" pitchFamily="18" charset="0"/>
+              </a:rPr>
+              <a:t>N</a:t>
+            </a:r>
+            <a:r>
+              <a:rPr lang="es-PE" sz="1800" baseline="-25000" dirty="0" err="1">
+                <a:effectLst/>
+                <a:latin typeface="Times New Roman" panose="02020603050405020304" pitchFamily="18" charset="0"/>
+                <a:ea typeface="Times New Roman" panose="02020603050405020304" pitchFamily="18" charset="0"/>
+              </a:rPr>
+              <a:t>min</a:t>
+            </a:r>
+            <a:r>
+              <a:rPr lang="es-PE" sz="1800" dirty="0">
+                <a:effectLst/>
+                <a:latin typeface="Times New Roman" panose="02020603050405020304" pitchFamily="18" charset="0"/>
+                <a:ea typeface="Times New Roman" panose="02020603050405020304" pitchFamily="18" charset="0"/>
+              </a:rPr>
+              <a:t> y NO</a:t>
+            </a:r>
+            <a:r>
+              <a:rPr lang="es-PE" sz="1800" baseline="-25000" dirty="0">
+                <a:effectLst/>
+                <a:latin typeface="Times New Roman" panose="02020603050405020304" pitchFamily="18" charset="0"/>
+                <a:ea typeface="Times New Roman" panose="02020603050405020304" pitchFamily="18" charset="0"/>
+              </a:rPr>
+              <a:t>3</a:t>
+            </a:r>
+            <a:r>
+              <a:rPr lang="es-PE" sz="1800" dirty="0">
+                <a:effectLst/>
+                <a:latin typeface="Times New Roman" panose="02020603050405020304" pitchFamily="18" charset="0"/>
+                <a:ea typeface="Times New Roman" panose="02020603050405020304" pitchFamily="18" charset="0"/>
+              </a:rPr>
+              <a:t>-N, medidos en kg N ha⁻¹.</a:t>
+            </a:r>
+          </a:p>
+          <a:p>
+            <a:pPr algn="just"/>
+            <a:r>
+              <a:rPr lang="es-PE" sz="1800" dirty="0">
+                <a:effectLst/>
+                <a:latin typeface="Times New Roman" panose="02020603050405020304" pitchFamily="18" charset="0"/>
+                <a:ea typeface="Times New Roman" panose="02020603050405020304" pitchFamily="18" charset="0"/>
+              </a:rPr>
+              <a:t>Observamos que la línea verde representa la variable "</a:t>
+            </a:r>
+            <a:r>
+              <a:rPr lang="es-PE" sz="1800" dirty="0" err="1">
+                <a:effectLst/>
+                <a:latin typeface="Times New Roman" panose="02020603050405020304" pitchFamily="18" charset="0"/>
+                <a:ea typeface="Times New Roman" panose="02020603050405020304" pitchFamily="18" charset="0"/>
+              </a:rPr>
+              <a:t>Nmin</a:t>
+            </a:r>
+            <a:r>
+              <a:rPr lang="es-PE" sz="1800" dirty="0">
+                <a:effectLst/>
+                <a:latin typeface="Times New Roman" panose="02020603050405020304" pitchFamily="18" charset="0"/>
+                <a:ea typeface="Times New Roman" panose="02020603050405020304" pitchFamily="18" charset="0"/>
+              </a:rPr>
+              <a:t>", que tiene los valores más altos en comparación con las otras variables en todos los tratamientos, comenzando en un valor elevado en N0, disminuyendo ligeramente hasta N60 y luego aumentando nuevamente en N80. La línea roja muestra la variable "NH</a:t>
+            </a:r>
+            <a:r>
+              <a:rPr lang="es-PE" sz="1800" baseline="-25000" dirty="0">
+                <a:effectLst/>
+                <a:latin typeface="Times New Roman" panose="02020603050405020304" pitchFamily="18" charset="0"/>
+                <a:ea typeface="Times New Roman" panose="02020603050405020304" pitchFamily="18" charset="0"/>
+              </a:rPr>
+              <a:t>4</a:t>
+            </a:r>
+            <a:r>
+              <a:rPr lang="es-PE" sz="1800" dirty="0">
+                <a:effectLst/>
+                <a:latin typeface="Times New Roman" panose="02020603050405020304" pitchFamily="18" charset="0"/>
+                <a:ea typeface="Times New Roman" panose="02020603050405020304" pitchFamily="18" charset="0"/>
+              </a:rPr>
+              <a:t>+-N", que también muestra una disminución inicial desde N0 a N40, manteniéndose relativamente estable entre N40 y N60, y luego aumentando en N80. Finalmente, la línea azul, que representa "NO</a:t>
+            </a:r>
+            <a:r>
+              <a:rPr lang="es-PE" sz="1800" baseline="-25000" dirty="0">
+                <a:effectLst/>
+                <a:latin typeface="Times New Roman" panose="02020603050405020304" pitchFamily="18" charset="0"/>
+                <a:ea typeface="Times New Roman" panose="02020603050405020304" pitchFamily="18" charset="0"/>
+              </a:rPr>
+              <a:t>3</a:t>
+            </a:r>
+            <a:r>
+              <a:rPr lang="es-PE" sz="1800" dirty="0">
+                <a:effectLst/>
+                <a:latin typeface="Times New Roman" panose="02020603050405020304" pitchFamily="18" charset="0"/>
+                <a:ea typeface="Times New Roman" panose="02020603050405020304" pitchFamily="18" charset="0"/>
+              </a:rPr>
+              <a:t>-N", tiene los valores más bajos en todos los tratamientos y se mantiene prácticamente constante con ligeros aumentos en N40 y N80. En general, se observa que tanto </a:t>
+            </a:r>
+            <a:r>
+              <a:rPr lang="es-PE" sz="1800" dirty="0" err="1">
+                <a:effectLst/>
+                <a:latin typeface="Times New Roman" panose="02020603050405020304" pitchFamily="18" charset="0"/>
+                <a:ea typeface="Times New Roman" panose="02020603050405020304" pitchFamily="18" charset="0"/>
+              </a:rPr>
+              <a:t>N</a:t>
+            </a:r>
+            <a:r>
+              <a:rPr lang="es-PE" sz="1800" baseline="-25000" dirty="0" err="1">
+                <a:effectLst/>
+                <a:latin typeface="Times New Roman" panose="02020603050405020304" pitchFamily="18" charset="0"/>
+                <a:ea typeface="Times New Roman" panose="02020603050405020304" pitchFamily="18" charset="0"/>
+              </a:rPr>
+              <a:t>min</a:t>
+            </a:r>
+            <a:r>
+              <a:rPr lang="es-PE" sz="1800" dirty="0">
+                <a:effectLst/>
+                <a:latin typeface="Times New Roman" panose="02020603050405020304" pitchFamily="18" charset="0"/>
+                <a:ea typeface="Times New Roman" panose="02020603050405020304" pitchFamily="18" charset="0"/>
+              </a:rPr>
+              <a:t> como NH</a:t>
+            </a:r>
+            <a:r>
+              <a:rPr lang="es-PE" sz="1800" baseline="-25000" dirty="0">
+                <a:effectLst/>
+                <a:latin typeface="Times New Roman" panose="02020603050405020304" pitchFamily="18" charset="0"/>
+                <a:ea typeface="Times New Roman" panose="02020603050405020304" pitchFamily="18" charset="0"/>
+              </a:rPr>
+              <a:t>4</a:t>
+            </a:r>
+            <a:r>
+              <a:rPr lang="es-PE" sz="1800" dirty="0">
+                <a:effectLst/>
+                <a:latin typeface="Times New Roman" panose="02020603050405020304" pitchFamily="18" charset="0"/>
+                <a:ea typeface="Times New Roman" panose="02020603050405020304" pitchFamily="18" charset="0"/>
+              </a:rPr>
+              <a:t>+-N tienden a presentar una forma en "U" en respuesta al aumento de los niveles de fertilización, mientras que NO</a:t>
+            </a:r>
+            <a:r>
+              <a:rPr lang="es-PE" sz="1800" baseline="-25000" dirty="0">
+                <a:effectLst/>
+                <a:latin typeface="Times New Roman" panose="02020603050405020304" pitchFamily="18" charset="0"/>
+                <a:ea typeface="Times New Roman" panose="02020603050405020304" pitchFamily="18" charset="0"/>
+              </a:rPr>
+              <a:t>3</a:t>
+            </a:r>
+            <a:r>
+              <a:rPr lang="es-PE" sz="1800" dirty="0">
+                <a:effectLst/>
+                <a:latin typeface="Times New Roman" panose="02020603050405020304" pitchFamily="18" charset="0"/>
+                <a:ea typeface="Times New Roman" panose="02020603050405020304" pitchFamily="18" charset="0"/>
+              </a:rPr>
+              <a:t>-N muestra poca variación a lo largo de los tratamientos.</a:t>
+            </a:r>
           </a:p>
         </p:txBody>
       </p:sp>
       <p:pic>
         <p:nvPicPr>
-          <p:cNvPr id="13" name="Imagen 12">
+          <p:cNvPr id="7" name="Imagen 6">
             <a:extLst>
               <a:ext uri="{FF2B5EF4-FFF2-40B4-BE49-F238E27FC236}">
-                <a16:creationId xmlns:a16="http://schemas.microsoft.com/office/drawing/2014/main" id="{E2A6B632-9996-4B45-B690-778D70B0F994}"/>
+                <a16:creationId xmlns:a16="http://schemas.microsoft.com/office/drawing/2014/main" id="{0EA1BF9C-FF37-54FB-225D-0199C5497B3F}"/>
               </a:ext>
             </a:extLst>
           </p:cNvPr>
-          <p:cNvPicPr/>
+          <p:cNvPicPr>
+            <a:picLocks noChangeAspect="1"/>
+          </p:cNvPicPr>
           <p:nvPr/>
         </p:nvPicPr>
         <p:blipFill>
-          <a:blip r:embed="rId5">
+          <a:blip r:embed="rId4">
             <a:extLst>
               <a:ext uri="{28A0092B-C50C-407E-A947-70E740481C1C}">
                 <a14:useLocalDpi xmlns:a14="http://schemas.microsoft.com/office/drawing/2010/main" val="0"/>
@@ -15559,8 +15745,8 @@
         </p:blipFill>
         <p:spPr>
           <a:xfrm>
-            <a:off x="6928075" y="1932412"/>
-            <a:ext cx="4888104" cy="2993176"/>
+            <a:off x="7128400" y="2031674"/>
+            <a:ext cx="4618123" cy="3428110"/>
           </a:xfrm>
           <a:prstGeom prst="rect">
             <a:avLst/>
@@ -16091,11 +16277,78 @@
               <a:buFont typeface="Wingdings" panose="05000000000000000000" pitchFamily="2" charset="2"/>
               <a:buChar char="§"/>
             </a:pPr>
+            <a:endParaRPr lang="es-ES" b="0" kern="0" dirty="0">
+              <a:latin typeface="Century Gothic (Cuerpo)"/>
+            </a:endParaRPr>
+          </a:p>
+          <a:p>
+            <a:pPr marL="342900" indent="-342900" algn="just" defTabSz="457200">
+              <a:buFont typeface="Wingdings" panose="05000000000000000000" pitchFamily="2" charset="2"/>
+              <a:buChar char="§"/>
+            </a:pPr>
             <a:r>
-              <a:rPr lang="es-ES" b="0" kern="0" dirty="0">
-                <a:latin typeface="Century Gothic (Cuerpo)"/>
+              <a:rPr lang="es-PE" sz="1800" dirty="0">
+                <a:effectLst/>
+                <a:latin typeface="Times New Roman" panose="02020603050405020304" pitchFamily="18" charset="0"/>
+                <a:ea typeface="Times New Roman" panose="02020603050405020304" pitchFamily="18" charset="0"/>
               </a:rPr>
-              <a:t>Se recomienda el uso de estas pruebas estadísticas en cualquier estudio experimental donde sea necesario garantizar la validez y la robustez de los resultados. Además, es crucial verificar que se cumplan los supuestos del modelo antes de interpretar los resultados, utilizando las pruebas de normalidad, homogeneidad de varianzas y autocorrelación para asegurar que las conclusiones derivadas del análisis sean confiables.</a:t>
+              <a:t>Para optimizar la reducción de las emisiones de nitrógeno en las diferentes variables a partir de la nitrificación, se encontró que para </a:t>
+            </a:r>
+            <a:r>
+              <a:rPr lang="es-PE" sz="1800" dirty="0" err="1">
+                <a:effectLst/>
+                <a:latin typeface="Times New Roman" panose="02020603050405020304" pitchFamily="18" charset="0"/>
+                <a:ea typeface="Times New Roman" panose="02020603050405020304" pitchFamily="18" charset="0"/>
+              </a:rPr>
+              <a:t>N</a:t>
+            </a:r>
+            <a:r>
+              <a:rPr lang="es-PE" sz="1800" baseline="-25000" dirty="0" err="1">
+                <a:effectLst/>
+                <a:latin typeface="Times New Roman" panose="02020603050405020304" pitchFamily="18" charset="0"/>
+                <a:ea typeface="Times New Roman" panose="02020603050405020304" pitchFamily="18" charset="0"/>
+              </a:rPr>
+              <a:t>min</a:t>
+            </a:r>
+            <a:r>
+              <a:rPr lang="es-PE" sz="1800" dirty="0">
+                <a:effectLst/>
+                <a:latin typeface="Times New Roman" panose="02020603050405020304" pitchFamily="18" charset="0"/>
+                <a:ea typeface="Times New Roman" panose="02020603050405020304" pitchFamily="18" charset="0"/>
+              </a:rPr>
+              <a:t> la dosis óptima se encuentra entre los tratamientos N40 y N60. Sin embargo, se recomienda el uso del tratamiento N40, ya que ofrece una reducción de costos significativa sin comprometer la efectividad. En el caso del NH</a:t>
+            </a:r>
+            <a:r>
+              <a:rPr lang="es-PE" sz="1800" baseline="-25000" dirty="0">
+                <a:effectLst/>
+                <a:latin typeface="Times New Roman" panose="02020603050405020304" pitchFamily="18" charset="0"/>
+                <a:ea typeface="Times New Roman" panose="02020603050405020304" pitchFamily="18" charset="0"/>
+              </a:rPr>
+              <a:t>4</a:t>
+            </a:r>
+            <a:r>
+              <a:rPr lang="es-PE" sz="1800" dirty="0">
+                <a:effectLst/>
+                <a:latin typeface="Times New Roman" panose="02020603050405020304" pitchFamily="18" charset="0"/>
+                <a:ea typeface="Times New Roman" panose="02020603050405020304" pitchFamily="18" charset="0"/>
+              </a:rPr>
+              <a:t>+, el tratamiento N40 también resulta ser el más eficiente. Por otro lado, para NO</a:t>
+            </a:r>
+            <a:r>
+              <a:rPr lang="es-PE" sz="1800" baseline="-25000" dirty="0">
+                <a:effectLst/>
+                <a:latin typeface="Times New Roman" panose="02020603050405020304" pitchFamily="18" charset="0"/>
+                <a:ea typeface="Times New Roman" panose="02020603050405020304" pitchFamily="18" charset="0"/>
+              </a:rPr>
+              <a:t>3</a:t>
+            </a:r>
+            <a:r>
+              <a:rPr lang="es-PE" sz="1800" dirty="0">
+                <a:effectLst/>
+                <a:latin typeface="Times New Roman" panose="02020603050405020304" pitchFamily="18" charset="0"/>
+                <a:ea typeface="Times New Roman" panose="02020603050405020304" pitchFamily="18" charset="0"/>
+              </a:rPr>
+              <a:t>-N, la falta de nitrificación produce un efecto estadísticamente similar a las diferentes concentraciones de fertilización, con la excepción del tratamiento N80, que muestra un comportamiento significativamente diferente.</a:t>
             </a:r>
           </a:p>
         </p:txBody>
@@ -17695,43 +17948,6 @@
           </a:p>
         </p:txBody>
       </p:sp>
-      <p:pic>
-        <p:nvPicPr>
-          <p:cNvPr id="10" name="Imagen 9">
-            <a:extLst>
-              <a:ext uri="{FF2B5EF4-FFF2-40B4-BE49-F238E27FC236}">
-                <a16:creationId xmlns:a16="http://schemas.microsoft.com/office/drawing/2014/main" id="{1C7D9E94-9420-D309-79AF-8F171F1B9A2B}"/>
-              </a:ext>
-            </a:extLst>
-          </p:cNvPr>
-          <p:cNvPicPr>
-            <a:picLocks noChangeAspect="1"/>
-          </p:cNvPicPr>
-          <p:nvPr/>
-        </p:nvPicPr>
-        <p:blipFill rotWithShape="1">
-          <a:blip r:embed="rId4"/>
-          <a:srcRect b="20307"/>
-          <a:stretch/>
-        </p:blipFill>
-        <p:spPr bwMode="auto">
-          <a:xfrm>
-            <a:off x="424106" y="1271538"/>
-            <a:ext cx="6820756" cy="4224784"/>
-          </a:xfrm>
-          <a:prstGeom prst="rect">
-            <a:avLst/>
-          </a:prstGeom>
-          <a:ln>
-            <a:noFill/>
-          </a:ln>
-          <a:extLst>
-            <a:ext uri="{53640926-AAD7-44D8-BBD7-CCE9431645EC}">
-              <a14:shadowObscured xmlns:a14="http://schemas.microsoft.com/office/drawing/2010/main"/>
-            </a:ext>
-          </a:extLst>
-        </p:spPr>
-      </p:pic>
       <p:sp>
         <p:nvSpPr>
           <p:cNvPr id="14" name="TextBox 22">
@@ -17816,7 +18032,7 @@
                 </a:solidFill>
                 <a:effectLst/>
                 <a:latin typeface="Helvetica" panose="020B0604020202020204" pitchFamily="34" charset="0"/>
-                <a:hlinkClick r:id="rId5"/>
+                <a:hlinkClick r:id="rId4"/>
               </a:rPr>
               <a:t>doi:10.32604/jrm.2024.052481</a:t>
             </a:r>
@@ -17826,94 +18042,6 @@
           </a:p>
         </p:txBody>
       </p:sp>
-      <p:pic>
-        <p:nvPicPr>
-          <p:cNvPr id="22" name="Imagen 21">
-            <a:extLst>
-              <a:ext uri="{FF2B5EF4-FFF2-40B4-BE49-F238E27FC236}">
-                <a16:creationId xmlns:a16="http://schemas.microsoft.com/office/drawing/2014/main" id="{B51234B6-595A-BF3B-D746-5694CB6BFF52}"/>
-              </a:ext>
-            </a:extLst>
-          </p:cNvPr>
-          <p:cNvPicPr>
-            <a:picLocks noChangeAspect="1"/>
-          </p:cNvPicPr>
-          <p:nvPr/>
-        </p:nvPicPr>
-        <p:blipFill>
-          <a:blip r:embed="rId6"/>
-          <a:stretch>
-            <a:fillRect/>
-          </a:stretch>
-        </p:blipFill>
-        <p:spPr>
-          <a:xfrm>
-            <a:off x="8082955" y="98906"/>
-            <a:ext cx="2686782" cy="2630218"/>
-          </a:xfrm>
-          <a:prstGeom prst="rect">
-            <a:avLst/>
-          </a:prstGeom>
-        </p:spPr>
-      </p:pic>
-      <p:pic>
-        <p:nvPicPr>
-          <p:cNvPr id="24" name="Imagen 23">
-            <a:extLst>
-              <a:ext uri="{FF2B5EF4-FFF2-40B4-BE49-F238E27FC236}">
-                <a16:creationId xmlns:a16="http://schemas.microsoft.com/office/drawing/2014/main" id="{3524A69E-6E43-5652-A2B6-C8F9849ECAC4}"/>
-              </a:ext>
-            </a:extLst>
-          </p:cNvPr>
-          <p:cNvPicPr>
-            <a:picLocks noChangeAspect="1"/>
-          </p:cNvPicPr>
-          <p:nvPr/>
-        </p:nvPicPr>
-        <p:blipFill>
-          <a:blip r:embed="rId7"/>
-          <a:srcRect r="47367"/>
-          <a:stretch/>
-        </p:blipFill>
-        <p:spPr>
-          <a:xfrm>
-            <a:off x="7411515" y="2844697"/>
-            <a:ext cx="4687400" cy="1981200"/>
-          </a:xfrm>
-          <a:prstGeom prst="rect">
-            <a:avLst/>
-          </a:prstGeom>
-        </p:spPr>
-      </p:pic>
-      <p:pic>
-        <p:nvPicPr>
-          <p:cNvPr id="25" name="Imagen 24">
-            <a:extLst>
-              <a:ext uri="{FF2B5EF4-FFF2-40B4-BE49-F238E27FC236}">
-                <a16:creationId xmlns:a16="http://schemas.microsoft.com/office/drawing/2014/main" id="{544C9B15-28C8-2BE7-6D3E-0DCCBFD7CC9C}"/>
-              </a:ext>
-            </a:extLst>
-          </p:cNvPr>
-          <p:cNvPicPr>
-            <a:picLocks noChangeAspect="1"/>
-          </p:cNvPicPr>
-          <p:nvPr/>
-        </p:nvPicPr>
-        <p:blipFill>
-          <a:blip r:embed="rId7"/>
-          <a:srcRect l="59609" b="44645"/>
-          <a:stretch/>
-        </p:blipFill>
-        <p:spPr>
-          <a:xfrm>
-            <a:off x="7956639" y="5116026"/>
-            <a:ext cx="3597152" cy="1096693"/>
-          </a:xfrm>
-          <a:prstGeom prst="rect">
-            <a:avLst/>
-          </a:prstGeom>
-        </p:spPr>
-      </p:pic>
     </p:spTree>
     <p:extLst>
       <p:ext uri="{BB962C8B-B14F-4D97-AF65-F5344CB8AC3E}">
@@ -18713,67 +18841,28 @@
               <a:buChar char=""/>
             </a:pPr>
             <a:r>
-              <a:rPr lang="es-ES" kern="0" dirty="0">
-                <a:solidFill>
-                  <a:srgbClr val="000000"/>
-                </a:solidFill>
-                <a:latin typeface="Century Gothic (Cuerpo)"/>
+              <a:rPr lang="es-ES" sz="1800" dirty="0">
+                <a:effectLst/>
+                <a:latin typeface="Times New Roman" panose="02020603050405020304" pitchFamily="18" charset="0"/>
+                <a:ea typeface="Times New Roman" panose="02020603050405020304" pitchFamily="18" charset="0"/>
               </a:rPr>
               <a:t>Realizar un análisis </a:t>
             </a:r>
             <a:r>
-              <a:rPr lang="es-ES" kern="0" dirty="0" err="1">
-                <a:solidFill>
-                  <a:srgbClr val="000000"/>
-                </a:solidFill>
-                <a:latin typeface="Century Gothic (Cuerpo)"/>
+              <a:rPr lang="es-ES" sz="1800" dirty="0" err="1">
+                <a:effectLst/>
+                <a:latin typeface="Times New Roman" panose="02020603050405020304" pitchFamily="18" charset="0"/>
+                <a:ea typeface="Times New Roman" panose="02020603050405020304" pitchFamily="18" charset="0"/>
               </a:rPr>
               <a:t>post-hoc</a:t>
             </a:r>
             <a:r>
-              <a:rPr lang="es-ES" kern="0" dirty="0">
-                <a:solidFill>
-                  <a:srgbClr val="000000"/>
-                </a:solidFill>
-                <a:latin typeface="Century Gothic (Cuerpo)"/>
+              <a:rPr lang="es-ES" sz="1800" dirty="0">
+                <a:effectLst/>
+                <a:latin typeface="Times New Roman" panose="02020603050405020304" pitchFamily="18" charset="0"/>
+                <a:ea typeface="Times New Roman" panose="02020603050405020304" pitchFamily="18" charset="0"/>
               </a:rPr>
-              <a:t> mediante </a:t>
-            </a:r>
-            <a:r>
-              <a:rPr lang="es-ES" b="1" kern="0" dirty="0">
-                <a:solidFill>
-                  <a:srgbClr val="00B0F0"/>
-                </a:solidFill>
-                <a:latin typeface="Century Gothic (Cuerpo)"/>
-              </a:rPr>
-              <a:t>la prueba de Tukey para identificar comparaciones significativas </a:t>
-            </a:r>
-            <a:r>
-              <a:rPr lang="es-ES" kern="0" dirty="0">
-                <a:solidFill>
-                  <a:srgbClr val="000000"/>
-                </a:solidFill>
-                <a:latin typeface="Century Gothic (Cuerpo)"/>
-              </a:rPr>
-              <a:t>entre las especies de bambú, y aplicar la </a:t>
-            </a:r>
-            <a:r>
-              <a:rPr lang="es-ES" b="1" kern="0" dirty="0">
-                <a:solidFill>
-                  <a:srgbClr val="00B0F0"/>
-                </a:solidFill>
-                <a:latin typeface="Century Gothic (Cuerpo)"/>
-              </a:rPr>
-              <a:t>prueba de Durbin-Watson para verificar la independencia </a:t>
-            </a:r>
-            <a:r>
-              <a:rPr lang="es-ES" kern="0" dirty="0">
-                <a:solidFill>
-                  <a:srgbClr val="000000"/>
-                </a:solidFill>
-                <a:latin typeface="Century Gothic (Cuerpo)"/>
-              </a:rPr>
-              <a:t>de los residuos en el modelo.</a:t>
+              <a:t> mediante la prueba de Tukey para identificar comparaciones significativas entre los factores de emisión, y aplicar la prueba de Durbin-Watson para verificar la independencia de los residuos en el modelo</a:t>
             </a:r>
             <a:endParaRPr lang="en-US" kern="0" dirty="0">
               <a:solidFill>
@@ -20791,12 +20880,6506 @@
           </a:p>
         </p:txBody>
       </p:sp>
+      <p:graphicFrame>
+        <p:nvGraphicFramePr>
+          <p:cNvPr id="6" name="Tabla 5">
+            <a:extLst>
+              <a:ext uri="{FF2B5EF4-FFF2-40B4-BE49-F238E27FC236}">
+                <a16:creationId xmlns:a16="http://schemas.microsoft.com/office/drawing/2014/main" id="{E26D035B-222D-0172-E6AC-318EB76AB1A1}"/>
+              </a:ext>
+            </a:extLst>
+          </p:cNvPr>
+          <p:cNvGraphicFramePr>
+            <a:graphicFrameLocks noGrp="1"/>
+          </p:cNvGraphicFramePr>
+          <p:nvPr>
+            <p:extLst>
+              <p:ext uri="{D42A27DB-BD31-4B8C-83A1-F6EECF244321}">
+                <p14:modId xmlns:p14="http://schemas.microsoft.com/office/powerpoint/2010/main" val="3956578390"/>
+              </p:ext>
+            </p:extLst>
+          </p:nvPr>
+        </p:nvGraphicFramePr>
+        <p:xfrm>
+          <a:off x="880832" y="1253330"/>
+          <a:ext cx="3729720" cy="4351340"/>
+        </p:xfrm>
+        <a:graphic>
+          <a:graphicData uri="http://schemas.openxmlformats.org/drawingml/2006/table">
+            <a:tbl>
+              <a:tblPr firstRow="1" firstCol="1" bandRow="1"/>
+              <a:tblGrid>
+                <a:gridCol w="621620">
+                  <a:extLst>
+                    <a:ext uri="{9D8B030D-6E8A-4147-A177-3AD203B41FA5}">
+                      <a16:colId xmlns:a16="http://schemas.microsoft.com/office/drawing/2014/main" val="3119700562"/>
+                    </a:ext>
+                  </a:extLst>
+                </a:gridCol>
+                <a:gridCol w="621620">
+                  <a:extLst>
+                    <a:ext uri="{9D8B030D-6E8A-4147-A177-3AD203B41FA5}">
+                      <a16:colId xmlns:a16="http://schemas.microsoft.com/office/drawing/2014/main" val="3220465324"/>
+                    </a:ext>
+                  </a:extLst>
+                </a:gridCol>
+                <a:gridCol w="621620">
+                  <a:extLst>
+                    <a:ext uri="{9D8B030D-6E8A-4147-A177-3AD203B41FA5}">
+                      <a16:colId xmlns:a16="http://schemas.microsoft.com/office/drawing/2014/main" val="3257236840"/>
+                    </a:ext>
+                  </a:extLst>
+                </a:gridCol>
+                <a:gridCol w="621620">
+                  <a:extLst>
+                    <a:ext uri="{9D8B030D-6E8A-4147-A177-3AD203B41FA5}">
+                      <a16:colId xmlns:a16="http://schemas.microsoft.com/office/drawing/2014/main" val="2811030144"/>
+                    </a:ext>
+                  </a:extLst>
+                </a:gridCol>
+                <a:gridCol w="621620">
+                  <a:extLst>
+                    <a:ext uri="{9D8B030D-6E8A-4147-A177-3AD203B41FA5}">
+                      <a16:colId xmlns:a16="http://schemas.microsoft.com/office/drawing/2014/main" val="3132585616"/>
+                    </a:ext>
+                  </a:extLst>
+                </a:gridCol>
+                <a:gridCol w="621620">
+                  <a:extLst>
+                    <a:ext uri="{9D8B030D-6E8A-4147-A177-3AD203B41FA5}">
+                      <a16:colId xmlns:a16="http://schemas.microsoft.com/office/drawing/2014/main" val="340279432"/>
+                    </a:ext>
+                  </a:extLst>
+                </a:gridCol>
+              </a:tblGrid>
+              <a:tr h="155405">
+                <a:tc>
+                  <a:txBody>
+                    <a:bodyPr/>
+                    <a:lstStyle/>
+                    <a:p>
+                      <a:pPr algn="ctr"/>
+                      <a:r>
+                        <a:rPr lang="es-PE" sz="800" b="1">
+                          <a:solidFill>
+                            <a:srgbClr val="000000"/>
+                          </a:solidFill>
+                          <a:effectLst/>
+                          <a:latin typeface="Calibri" panose="020F0502020204030204" pitchFamily="34" charset="0"/>
+                          <a:ea typeface="Times New Roman" panose="02020603050405020304" pitchFamily="18" charset="0"/>
+                        </a:rPr>
+                        <a:t>Tratamiento</a:t>
+                      </a:r>
+                      <a:endParaRPr lang="es-PE" sz="1000">
+                        <a:effectLst/>
+                        <a:latin typeface="Times New Roman" panose="02020603050405020304" pitchFamily="18" charset="0"/>
+                        <a:ea typeface="Times New Roman" panose="02020603050405020304" pitchFamily="18" charset="0"/>
+                      </a:endParaRPr>
+                    </a:p>
+                  </a:txBody>
+                  <a:tcPr marL="36261" marR="36261" marT="0" marB="0" anchor="b">
+                    <a:lnL>
+                      <a:noFill/>
+                    </a:lnL>
+                    <a:lnR>
+                      <a:noFill/>
+                    </a:lnR>
+                    <a:lnT>
+                      <a:noFill/>
+                    </a:lnT>
+                    <a:lnB w="12700" cap="flat" cmpd="sng" algn="ctr">
+                      <a:solidFill>
+                        <a:srgbClr val="000000"/>
+                      </a:solidFill>
+                      <a:prstDash val="solid"/>
+                      <a:round/>
+                      <a:headEnd type="none" w="med" len="med"/>
+                      <a:tailEnd type="none" w="med" len="med"/>
+                    </a:lnB>
+                    <a:noFill/>
+                  </a:tcPr>
+                </a:tc>
+                <a:tc>
+                  <a:txBody>
+                    <a:bodyPr/>
+                    <a:lstStyle/>
+                    <a:p>
+                      <a:pPr algn="ctr"/>
+                      <a:r>
+                        <a:rPr lang="es-PE" sz="800" b="1">
+                          <a:solidFill>
+                            <a:srgbClr val="000000"/>
+                          </a:solidFill>
+                          <a:effectLst/>
+                          <a:latin typeface="Calibri" panose="020F0502020204030204" pitchFamily="34" charset="0"/>
+                          <a:ea typeface="Times New Roman" panose="02020603050405020304" pitchFamily="18" charset="0"/>
+                        </a:rPr>
+                        <a:t>Variable</a:t>
+                      </a:r>
+                      <a:endParaRPr lang="es-PE" sz="1000">
+                        <a:effectLst/>
+                        <a:latin typeface="Times New Roman" panose="02020603050405020304" pitchFamily="18" charset="0"/>
+                        <a:ea typeface="Times New Roman" panose="02020603050405020304" pitchFamily="18" charset="0"/>
+                      </a:endParaRPr>
+                    </a:p>
+                  </a:txBody>
+                  <a:tcPr marL="36261" marR="36261" marT="0" marB="0" anchor="b">
+                    <a:lnL>
+                      <a:noFill/>
+                    </a:lnL>
+                    <a:lnR>
+                      <a:noFill/>
+                    </a:lnR>
+                    <a:lnT>
+                      <a:noFill/>
+                    </a:lnT>
+                    <a:lnB w="12700" cap="flat" cmpd="sng" algn="ctr">
+                      <a:solidFill>
+                        <a:srgbClr val="000000"/>
+                      </a:solidFill>
+                      <a:prstDash val="solid"/>
+                      <a:round/>
+                      <a:headEnd type="none" w="med" len="med"/>
+                      <a:tailEnd type="none" w="med" len="med"/>
+                    </a:lnB>
+                    <a:noFill/>
+                  </a:tcPr>
+                </a:tc>
+                <a:tc>
+                  <a:txBody>
+                    <a:bodyPr/>
+                    <a:lstStyle/>
+                    <a:p>
+                      <a:pPr algn="ctr"/>
+                      <a:r>
+                        <a:rPr lang="es-PE" sz="800" b="1">
+                          <a:solidFill>
+                            <a:srgbClr val="000000"/>
+                          </a:solidFill>
+                          <a:effectLst/>
+                          <a:latin typeface="Calibri" panose="020F0502020204030204" pitchFamily="34" charset="0"/>
+                          <a:ea typeface="Times New Roman" panose="02020603050405020304" pitchFamily="18" charset="0"/>
+                        </a:rPr>
+                        <a:t>Valor</a:t>
+                      </a:r>
+                      <a:endParaRPr lang="es-PE" sz="1000">
+                        <a:effectLst/>
+                        <a:latin typeface="Times New Roman" panose="02020603050405020304" pitchFamily="18" charset="0"/>
+                        <a:ea typeface="Times New Roman" panose="02020603050405020304" pitchFamily="18" charset="0"/>
+                      </a:endParaRPr>
+                    </a:p>
+                  </a:txBody>
+                  <a:tcPr marL="36261" marR="36261" marT="0" marB="0" anchor="b">
+                    <a:lnL>
+                      <a:noFill/>
+                    </a:lnL>
+                    <a:lnR>
+                      <a:noFill/>
+                    </a:lnR>
+                    <a:lnT>
+                      <a:noFill/>
+                    </a:lnT>
+                    <a:lnB w="12700" cap="flat" cmpd="sng" algn="ctr">
+                      <a:solidFill>
+                        <a:srgbClr val="000000"/>
+                      </a:solidFill>
+                      <a:prstDash val="solid"/>
+                      <a:round/>
+                      <a:headEnd type="none" w="med" len="med"/>
+                      <a:tailEnd type="none" w="med" len="med"/>
+                    </a:lnB>
+                    <a:noFill/>
+                  </a:tcPr>
+                </a:tc>
+                <a:tc>
+                  <a:txBody>
+                    <a:bodyPr/>
+                    <a:lstStyle/>
+                    <a:p>
+                      <a:pPr algn="ctr"/>
+                      <a:r>
+                        <a:rPr lang="es-PE" sz="800" b="1">
+                          <a:solidFill>
+                            <a:srgbClr val="000000"/>
+                          </a:solidFill>
+                          <a:effectLst/>
+                          <a:latin typeface="Calibri" panose="020F0502020204030204" pitchFamily="34" charset="0"/>
+                          <a:ea typeface="Times New Roman" panose="02020603050405020304" pitchFamily="18" charset="0"/>
+                        </a:rPr>
+                        <a:t>Tratamiento</a:t>
+                      </a:r>
+                      <a:endParaRPr lang="es-PE" sz="1000">
+                        <a:effectLst/>
+                        <a:latin typeface="Times New Roman" panose="02020603050405020304" pitchFamily="18" charset="0"/>
+                        <a:ea typeface="Times New Roman" panose="02020603050405020304" pitchFamily="18" charset="0"/>
+                      </a:endParaRPr>
+                    </a:p>
+                  </a:txBody>
+                  <a:tcPr marL="36261" marR="36261" marT="0" marB="0" anchor="b">
+                    <a:lnL>
+                      <a:noFill/>
+                    </a:lnL>
+                    <a:lnR>
+                      <a:noFill/>
+                    </a:lnR>
+                    <a:lnT>
+                      <a:noFill/>
+                    </a:lnT>
+                    <a:lnB w="12700" cap="flat" cmpd="sng" algn="ctr">
+                      <a:solidFill>
+                        <a:srgbClr val="000000"/>
+                      </a:solidFill>
+                      <a:prstDash val="solid"/>
+                      <a:round/>
+                      <a:headEnd type="none" w="med" len="med"/>
+                      <a:tailEnd type="none" w="med" len="med"/>
+                    </a:lnB>
+                    <a:noFill/>
+                  </a:tcPr>
+                </a:tc>
+                <a:tc>
+                  <a:txBody>
+                    <a:bodyPr/>
+                    <a:lstStyle/>
+                    <a:p>
+                      <a:pPr algn="ctr"/>
+                      <a:r>
+                        <a:rPr lang="es-PE" sz="800" b="1">
+                          <a:solidFill>
+                            <a:srgbClr val="000000"/>
+                          </a:solidFill>
+                          <a:effectLst/>
+                          <a:latin typeface="Calibri" panose="020F0502020204030204" pitchFamily="34" charset="0"/>
+                          <a:ea typeface="Times New Roman" panose="02020603050405020304" pitchFamily="18" charset="0"/>
+                        </a:rPr>
+                        <a:t>Variable</a:t>
+                      </a:r>
+                      <a:endParaRPr lang="es-PE" sz="1000">
+                        <a:effectLst/>
+                        <a:latin typeface="Times New Roman" panose="02020603050405020304" pitchFamily="18" charset="0"/>
+                        <a:ea typeface="Times New Roman" panose="02020603050405020304" pitchFamily="18" charset="0"/>
+                      </a:endParaRPr>
+                    </a:p>
+                  </a:txBody>
+                  <a:tcPr marL="36261" marR="36261" marT="0" marB="0" anchor="b">
+                    <a:lnL>
+                      <a:noFill/>
+                    </a:lnL>
+                    <a:lnR>
+                      <a:noFill/>
+                    </a:lnR>
+                    <a:lnT>
+                      <a:noFill/>
+                    </a:lnT>
+                    <a:lnB w="12700" cap="flat" cmpd="sng" algn="ctr">
+                      <a:solidFill>
+                        <a:srgbClr val="000000"/>
+                      </a:solidFill>
+                      <a:prstDash val="solid"/>
+                      <a:round/>
+                      <a:headEnd type="none" w="med" len="med"/>
+                      <a:tailEnd type="none" w="med" len="med"/>
+                    </a:lnB>
+                    <a:noFill/>
+                  </a:tcPr>
+                </a:tc>
+                <a:tc>
+                  <a:txBody>
+                    <a:bodyPr/>
+                    <a:lstStyle/>
+                    <a:p>
+                      <a:pPr algn="ctr"/>
+                      <a:r>
+                        <a:rPr lang="es-PE" sz="800" b="1">
+                          <a:solidFill>
+                            <a:srgbClr val="000000"/>
+                          </a:solidFill>
+                          <a:effectLst/>
+                          <a:latin typeface="Calibri" panose="020F0502020204030204" pitchFamily="34" charset="0"/>
+                          <a:ea typeface="Times New Roman" panose="02020603050405020304" pitchFamily="18" charset="0"/>
+                        </a:rPr>
+                        <a:t>Valor</a:t>
+                      </a:r>
+                      <a:endParaRPr lang="es-PE" sz="1000">
+                        <a:effectLst/>
+                        <a:latin typeface="Times New Roman" panose="02020603050405020304" pitchFamily="18" charset="0"/>
+                        <a:ea typeface="Times New Roman" panose="02020603050405020304" pitchFamily="18" charset="0"/>
+                      </a:endParaRPr>
+                    </a:p>
+                  </a:txBody>
+                  <a:tcPr marL="36261" marR="36261" marT="0" marB="0" anchor="b">
+                    <a:lnL>
+                      <a:noFill/>
+                    </a:lnL>
+                    <a:lnR>
+                      <a:noFill/>
+                    </a:lnR>
+                    <a:lnT>
+                      <a:noFill/>
+                    </a:lnT>
+                    <a:lnB w="12700" cap="flat" cmpd="sng" algn="ctr">
+                      <a:solidFill>
+                        <a:srgbClr val="000000"/>
+                      </a:solidFill>
+                      <a:prstDash val="solid"/>
+                      <a:round/>
+                      <a:headEnd type="none" w="med" len="med"/>
+                      <a:tailEnd type="none" w="med" len="med"/>
+                    </a:lnB>
+                    <a:noFill/>
+                  </a:tcPr>
+                </a:tc>
+                <a:extLst>
+                  <a:ext uri="{0D108BD9-81ED-4DB2-BD59-A6C34878D82A}">
+                    <a16:rowId xmlns:a16="http://schemas.microsoft.com/office/drawing/2014/main" val="4031570615"/>
+                  </a:ext>
+                </a:extLst>
+              </a:tr>
+              <a:tr h="155405">
+                <a:tc>
+                  <a:txBody>
+                    <a:bodyPr/>
+                    <a:lstStyle/>
+                    <a:p>
+                      <a:pPr algn="ctr"/>
+                      <a:r>
+                        <a:rPr lang="es-ES" sz="900">
+                          <a:solidFill>
+                            <a:srgbClr val="000000"/>
+                          </a:solidFill>
+                          <a:effectLst/>
+                          <a:latin typeface="Calibri" panose="020F0502020204030204" pitchFamily="34" charset="0"/>
+                          <a:ea typeface="Times New Roman" panose="02020603050405020304" pitchFamily="18" charset="0"/>
+                        </a:rPr>
+                        <a:t>NH4+-N</a:t>
+                      </a:r>
+                      <a:endParaRPr lang="es-PE" sz="1000">
+                        <a:effectLst/>
+                        <a:latin typeface="Times New Roman" panose="02020603050405020304" pitchFamily="18" charset="0"/>
+                        <a:ea typeface="Times New Roman" panose="02020603050405020304" pitchFamily="18" charset="0"/>
+                      </a:endParaRPr>
+                    </a:p>
+                  </a:txBody>
+                  <a:tcPr marL="36261" marR="36261" marT="0" marB="0" anchor="b">
+                    <a:lnL>
+                      <a:noFill/>
+                    </a:lnL>
+                    <a:lnR>
+                      <a:noFill/>
+                    </a:lnR>
+                    <a:lnT w="12700" cap="flat" cmpd="sng" algn="ctr">
+                      <a:solidFill>
+                        <a:srgbClr val="000000"/>
+                      </a:solidFill>
+                      <a:prstDash val="solid"/>
+                      <a:round/>
+                      <a:headEnd type="none" w="med" len="med"/>
+                      <a:tailEnd type="none" w="med" len="med"/>
+                    </a:lnT>
+                    <a:lnB>
+                      <a:noFill/>
+                    </a:lnB>
+                    <a:noFill/>
+                  </a:tcPr>
+                </a:tc>
+                <a:tc>
+                  <a:txBody>
+                    <a:bodyPr/>
+                    <a:lstStyle/>
+                    <a:p>
+                      <a:pPr algn="ctr"/>
+                      <a:r>
+                        <a:rPr lang="es-ES" sz="900">
+                          <a:solidFill>
+                            <a:srgbClr val="000000"/>
+                          </a:solidFill>
+                          <a:effectLst/>
+                          <a:latin typeface="Calibri" panose="020F0502020204030204" pitchFamily="34" charset="0"/>
+                          <a:ea typeface="Times New Roman" panose="02020603050405020304" pitchFamily="18" charset="0"/>
+                        </a:rPr>
+                        <a:t>N0</a:t>
+                      </a:r>
+                      <a:endParaRPr lang="es-PE" sz="1000">
+                        <a:effectLst/>
+                        <a:latin typeface="Times New Roman" panose="02020603050405020304" pitchFamily="18" charset="0"/>
+                        <a:ea typeface="Times New Roman" panose="02020603050405020304" pitchFamily="18" charset="0"/>
+                      </a:endParaRPr>
+                    </a:p>
+                  </a:txBody>
+                  <a:tcPr marL="36261" marR="36261" marT="0" marB="0" anchor="b">
+                    <a:lnL>
+                      <a:noFill/>
+                    </a:lnL>
+                    <a:lnR>
+                      <a:noFill/>
+                    </a:lnR>
+                    <a:lnT w="12700" cap="flat" cmpd="sng" algn="ctr">
+                      <a:solidFill>
+                        <a:srgbClr val="000000"/>
+                      </a:solidFill>
+                      <a:prstDash val="solid"/>
+                      <a:round/>
+                      <a:headEnd type="none" w="med" len="med"/>
+                      <a:tailEnd type="none" w="med" len="med"/>
+                    </a:lnT>
+                    <a:lnB>
+                      <a:noFill/>
+                    </a:lnB>
+                    <a:noFill/>
+                  </a:tcPr>
+                </a:tc>
+                <a:tc>
+                  <a:txBody>
+                    <a:bodyPr/>
+                    <a:lstStyle/>
+                    <a:p>
+                      <a:pPr algn="ctr"/>
+                      <a:r>
+                        <a:rPr lang="es-ES" sz="900">
+                          <a:solidFill>
+                            <a:srgbClr val="000000"/>
+                          </a:solidFill>
+                          <a:effectLst/>
+                          <a:latin typeface="Calibri" panose="020F0502020204030204" pitchFamily="34" charset="0"/>
+                          <a:ea typeface="Times New Roman" panose="02020603050405020304" pitchFamily="18" charset="0"/>
+                        </a:rPr>
+                        <a:t>24.7</a:t>
+                      </a:r>
+                      <a:endParaRPr lang="es-PE" sz="1000">
+                        <a:effectLst/>
+                        <a:latin typeface="Times New Roman" panose="02020603050405020304" pitchFamily="18" charset="0"/>
+                        <a:ea typeface="Times New Roman" panose="02020603050405020304" pitchFamily="18" charset="0"/>
+                      </a:endParaRPr>
+                    </a:p>
+                  </a:txBody>
+                  <a:tcPr marL="36261" marR="36261" marT="0" marB="0" anchor="b">
+                    <a:lnL>
+                      <a:noFill/>
+                    </a:lnL>
+                    <a:lnR>
+                      <a:noFill/>
+                    </a:lnR>
+                    <a:lnT w="12700" cap="flat" cmpd="sng" algn="ctr">
+                      <a:solidFill>
+                        <a:srgbClr val="000000"/>
+                      </a:solidFill>
+                      <a:prstDash val="solid"/>
+                      <a:round/>
+                      <a:headEnd type="none" w="med" len="med"/>
+                      <a:tailEnd type="none" w="med" len="med"/>
+                    </a:lnT>
+                    <a:lnB>
+                      <a:noFill/>
+                    </a:lnB>
+                    <a:noFill/>
+                  </a:tcPr>
+                </a:tc>
+                <a:tc>
+                  <a:txBody>
+                    <a:bodyPr/>
+                    <a:lstStyle/>
+                    <a:p>
+                      <a:pPr algn="l"/>
+                      <a:r>
+                        <a:rPr lang="es-ES" sz="900">
+                          <a:solidFill>
+                            <a:srgbClr val="000000"/>
+                          </a:solidFill>
+                          <a:effectLst/>
+                          <a:latin typeface="Calibri" panose="020F0502020204030204" pitchFamily="34" charset="0"/>
+                          <a:ea typeface="Times New Roman" panose="02020603050405020304" pitchFamily="18" charset="0"/>
+                        </a:rPr>
+                        <a:t>Nmin</a:t>
+                      </a:r>
+                      <a:endParaRPr lang="es-PE" sz="1000">
+                        <a:effectLst/>
+                        <a:latin typeface="Times New Roman" panose="02020603050405020304" pitchFamily="18" charset="0"/>
+                        <a:ea typeface="Times New Roman" panose="02020603050405020304" pitchFamily="18" charset="0"/>
+                      </a:endParaRPr>
+                    </a:p>
+                  </a:txBody>
+                  <a:tcPr marL="36261" marR="36261" marT="0" marB="0" anchor="b">
+                    <a:lnL>
+                      <a:noFill/>
+                    </a:lnL>
+                    <a:lnR>
+                      <a:noFill/>
+                    </a:lnR>
+                    <a:lnT w="12700" cap="flat" cmpd="sng" algn="ctr">
+                      <a:solidFill>
+                        <a:srgbClr val="000000"/>
+                      </a:solidFill>
+                      <a:prstDash val="solid"/>
+                      <a:round/>
+                      <a:headEnd type="none" w="med" len="med"/>
+                      <a:tailEnd type="none" w="med" len="med"/>
+                    </a:lnT>
+                    <a:lnB>
+                      <a:noFill/>
+                    </a:lnB>
+                    <a:noFill/>
+                  </a:tcPr>
+                </a:tc>
+                <a:tc>
+                  <a:txBody>
+                    <a:bodyPr/>
+                    <a:lstStyle/>
+                    <a:p>
+                      <a:pPr algn="l"/>
+                      <a:r>
+                        <a:rPr lang="es-ES" sz="900">
+                          <a:solidFill>
+                            <a:srgbClr val="000000"/>
+                          </a:solidFill>
+                          <a:effectLst/>
+                          <a:latin typeface="Calibri" panose="020F0502020204030204" pitchFamily="34" charset="0"/>
+                          <a:ea typeface="Times New Roman" panose="02020603050405020304" pitchFamily="18" charset="0"/>
+                        </a:rPr>
+                        <a:t>N80</a:t>
+                      </a:r>
+                      <a:endParaRPr lang="es-PE" sz="1000">
+                        <a:effectLst/>
+                        <a:latin typeface="Times New Roman" panose="02020603050405020304" pitchFamily="18" charset="0"/>
+                        <a:ea typeface="Times New Roman" panose="02020603050405020304" pitchFamily="18" charset="0"/>
+                      </a:endParaRPr>
+                    </a:p>
+                  </a:txBody>
+                  <a:tcPr marL="36261" marR="36261" marT="0" marB="0" anchor="b">
+                    <a:lnL>
+                      <a:noFill/>
+                    </a:lnL>
+                    <a:lnR>
+                      <a:noFill/>
+                    </a:lnR>
+                    <a:lnT w="12700" cap="flat" cmpd="sng" algn="ctr">
+                      <a:solidFill>
+                        <a:srgbClr val="000000"/>
+                      </a:solidFill>
+                      <a:prstDash val="solid"/>
+                      <a:round/>
+                      <a:headEnd type="none" w="med" len="med"/>
+                      <a:tailEnd type="none" w="med" len="med"/>
+                    </a:lnT>
+                    <a:lnB>
+                      <a:noFill/>
+                    </a:lnB>
+                    <a:noFill/>
+                  </a:tcPr>
+                </a:tc>
+                <a:tc>
+                  <a:txBody>
+                    <a:bodyPr/>
+                    <a:lstStyle/>
+                    <a:p>
+                      <a:pPr algn="l"/>
+                      <a:r>
+                        <a:rPr lang="es-ES" sz="900">
+                          <a:solidFill>
+                            <a:srgbClr val="000000"/>
+                          </a:solidFill>
+                          <a:effectLst/>
+                          <a:latin typeface="Calibri" panose="020F0502020204030204" pitchFamily="34" charset="0"/>
+                          <a:ea typeface="Times New Roman" panose="02020603050405020304" pitchFamily="18" charset="0"/>
+                        </a:rPr>
+                        <a:t>28.5</a:t>
+                      </a:r>
+                      <a:endParaRPr lang="es-PE" sz="1000">
+                        <a:effectLst/>
+                        <a:latin typeface="Times New Roman" panose="02020603050405020304" pitchFamily="18" charset="0"/>
+                        <a:ea typeface="Times New Roman" panose="02020603050405020304" pitchFamily="18" charset="0"/>
+                      </a:endParaRPr>
+                    </a:p>
+                  </a:txBody>
+                  <a:tcPr marL="36261" marR="36261" marT="0" marB="0" anchor="b">
+                    <a:lnL>
+                      <a:noFill/>
+                    </a:lnL>
+                    <a:lnR>
+                      <a:noFill/>
+                    </a:lnR>
+                    <a:lnT w="12700" cap="flat" cmpd="sng" algn="ctr">
+                      <a:solidFill>
+                        <a:srgbClr val="000000"/>
+                      </a:solidFill>
+                      <a:prstDash val="solid"/>
+                      <a:round/>
+                      <a:headEnd type="none" w="med" len="med"/>
+                      <a:tailEnd type="none" w="med" len="med"/>
+                    </a:lnT>
+                    <a:lnB>
+                      <a:noFill/>
+                    </a:lnB>
+                    <a:noFill/>
+                  </a:tcPr>
+                </a:tc>
+                <a:extLst>
+                  <a:ext uri="{0D108BD9-81ED-4DB2-BD59-A6C34878D82A}">
+                    <a16:rowId xmlns:a16="http://schemas.microsoft.com/office/drawing/2014/main" val="760177924"/>
+                  </a:ext>
+                </a:extLst>
+              </a:tr>
+              <a:tr h="155405">
+                <a:tc>
+                  <a:txBody>
+                    <a:bodyPr/>
+                    <a:lstStyle/>
+                    <a:p>
+                      <a:pPr algn="ctr"/>
+                      <a:r>
+                        <a:rPr lang="es-ES" sz="900">
+                          <a:solidFill>
+                            <a:srgbClr val="000000"/>
+                          </a:solidFill>
+                          <a:effectLst/>
+                          <a:latin typeface="Calibri" panose="020F0502020204030204" pitchFamily="34" charset="0"/>
+                          <a:ea typeface="Times New Roman" panose="02020603050405020304" pitchFamily="18" charset="0"/>
+                        </a:rPr>
+                        <a:t>NH4+-N</a:t>
+                      </a:r>
+                      <a:endParaRPr lang="es-PE" sz="1000">
+                        <a:effectLst/>
+                        <a:latin typeface="Times New Roman" panose="02020603050405020304" pitchFamily="18" charset="0"/>
+                        <a:ea typeface="Times New Roman" panose="02020603050405020304" pitchFamily="18" charset="0"/>
+                      </a:endParaRPr>
+                    </a:p>
+                  </a:txBody>
+                  <a:tcPr marL="36261" marR="36261" marT="0" marB="0" anchor="b">
+                    <a:lnL>
+                      <a:noFill/>
+                    </a:lnL>
+                    <a:lnR>
+                      <a:noFill/>
+                    </a:lnR>
+                    <a:lnT>
+                      <a:noFill/>
+                    </a:lnT>
+                    <a:lnB>
+                      <a:noFill/>
+                    </a:lnB>
+                    <a:noFill/>
+                  </a:tcPr>
+                </a:tc>
+                <a:tc>
+                  <a:txBody>
+                    <a:bodyPr/>
+                    <a:lstStyle/>
+                    <a:p>
+                      <a:pPr algn="ctr"/>
+                      <a:r>
+                        <a:rPr lang="es-ES" sz="900">
+                          <a:solidFill>
+                            <a:srgbClr val="000000"/>
+                          </a:solidFill>
+                          <a:effectLst/>
+                          <a:latin typeface="Calibri" panose="020F0502020204030204" pitchFamily="34" charset="0"/>
+                          <a:ea typeface="Times New Roman" panose="02020603050405020304" pitchFamily="18" charset="0"/>
+                        </a:rPr>
+                        <a:t>N0</a:t>
+                      </a:r>
+                      <a:endParaRPr lang="es-PE" sz="1000">
+                        <a:effectLst/>
+                        <a:latin typeface="Times New Roman" panose="02020603050405020304" pitchFamily="18" charset="0"/>
+                        <a:ea typeface="Times New Roman" panose="02020603050405020304" pitchFamily="18" charset="0"/>
+                      </a:endParaRPr>
+                    </a:p>
+                  </a:txBody>
+                  <a:tcPr marL="36261" marR="36261" marT="0" marB="0" anchor="b">
+                    <a:lnL>
+                      <a:noFill/>
+                    </a:lnL>
+                    <a:lnR>
+                      <a:noFill/>
+                    </a:lnR>
+                    <a:lnT>
+                      <a:noFill/>
+                    </a:lnT>
+                    <a:lnB>
+                      <a:noFill/>
+                    </a:lnB>
+                    <a:noFill/>
+                  </a:tcPr>
+                </a:tc>
+                <a:tc>
+                  <a:txBody>
+                    <a:bodyPr/>
+                    <a:lstStyle/>
+                    <a:p>
+                      <a:pPr algn="ctr"/>
+                      <a:r>
+                        <a:rPr lang="es-ES" sz="900">
+                          <a:solidFill>
+                            <a:srgbClr val="000000"/>
+                          </a:solidFill>
+                          <a:effectLst/>
+                          <a:latin typeface="Calibri" panose="020F0502020204030204" pitchFamily="34" charset="0"/>
+                          <a:ea typeface="Times New Roman" panose="02020603050405020304" pitchFamily="18" charset="0"/>
+                        </a:rPr>
+                        <a:t>25.6</a:t>
+                      </a:r>
+                      <a:endParaRPr lang="es-PE" sz="1000">
+                        <a:effectLst/>
+                        <a:latin typeface="Times New Roman" panose="02020603050405020304" pitchFamily="18" charset="0"/>
+                        <a:ea typeface="Times New Roman" panose="02020603050405020304" pitchFamily="18" charset="0"/>
+                      </a:endParaRPr>
+                    </a:p>
+                  </a:txBody>
+                  <a:tcPr marL="36261" marR="36261" marT="0" marB="0" anchor="b">
+                    <a:lnL>
+                      <a:noFill/>
+                    </a:lnL>
+                    <a:lnR>
+                      <a:noFill/>
+                    </a:lnR>
+                    <a:lnT>
+                      <a:noFill/>
+                    </a:lnT>
+                    <a:lnB>
+                      <a:noFill/>
+                    </a:lnB>
+                    <a:noFill/>
+                  </a:tcPr>
+                </a:tc>
+                <a:tc>
+                  <a:txBody>
+                    <a:bodyPr/>
+                    <a:lstStyle/>
+                    <a:p>
+                      <a:pPr algn="l"/>
+                      <a:r>
+                        <a:rPr lang="es-ES" sz="900">
+                          <a:solidFill>
+                            <a:srgbClr val="000000"/>
+                          </a:solidFill>
+                          <a:effectLst/>
+                          <a:latin typeface="Calibri" panose="020F0502020204030204" pitchFamily="34" charset="0"/>
+                          <a:ea typeface="Times New Roman" panose="02020603050405020304" pitchFamily="18" charset="0"/>
+                        </a:rPr>
+                        <a:t>Nmin</a:t>
+                      </a:r>
+                      <a:endParaRPr lang="es-PE" sz="1000">
+                        <a:effectLst/>
+                        <a:latin typeface="Times New Roman" panose="02020603050405020304" pitchFamily="18" charset="0"/>
+                        <a:ea typeface="Times New Roman" panose="02020603050405020304" pitchFamily="18" charset="0"/>
+                      </a:endParaRPr>
+                    </a:p>
+                  </a:txBody>
+                  <a:tcPr marL="36261" marR="36261" marT="0" marB="0" anchor="b">
+                    <a:lnL>
+                      <a:noFill/>
+                    </a:lnL>
+                    <a:lnR>
+                      <a:noFill/>
+                    </a:lnR>
+                    <a:lnT>
+                      <a:noFill/>
+                    </a:lnT>
+                    <a:lnB>
+                      <a:noFill/>
+                    </a:lnB>
+                    <a:noFill/>
+                  </a:tcPr>
+                </a:tc>
+                <a:tc>
+                  <a:txBody>
+                    <a:bodyPr/>
+                    <a:lstStyle/>
+                    <a:p>
+                      <a:pPr algn="l"/>
+                      <a:r>
+                        <a:rPr lang="es-ES" sz="900">
+                          <a:solidFill>
+                            <a:srgbClr val="000000"/>
+                          </a:solidFill>
+                          <a:effectLst/>
+                          <a:latin typeface="Calibri" panose="020F0502020204030204" pitchFamily="34" charset="0"/>
+                          <a:ea typeface="Times New Roman" panose="02020603050405020304" pitchFamily="18" charset="0"/>
+                        </a:rPr>
+                        <a:t>N80</a:t>
+                      </a:r>
+                      <a:endParaRPr lang="es-PE" sz="1000">
+                        <a:effectLst/>
+                        <a:latin typeface="Times New Roman" panose="02020603050405020304" pitchFamily="18" charset="0"/>
+                        <a:ea typeface="Times New Roman" panose="02020603050405020304" pitchFamily="18" charset="0"/>
+                      </a:endParaRPr>
+                    </a:p>
+                  </a:txBody>
+                  <a:tcPr marL="36261" marR="36261" marT="0" marB="0" anchor="b">
+                    <a:lnL>
+                      <a:noFill/>
+                    </a:lnL>
+                    <a:lnR>
+                      <a:noFill/>
+                    </a:lnR>
+                    <a:lnT>
+                      <a:noFill/>
+                    </a:lnT>
+                    <a:lnB>
+                      <a:noFill/>
+                    </a:lnB>
+                    <a:noFill/>
+                  </a:tcPr>
+                </a:tc>
+                <a:tc>
+                  <a:txBody>
+                    <a:bodyPr/>
+                    <a:lstStyle/>
+                    <a:p>
+                      <a:pPr algn="l"/>
+                      <a:r>
+                        <a:rPr lang="es-ES" sz="900">
+                          <a:solidFill>
+                            <a:srgbClr val="000000"/>
+                          </a:solidFill>
+                          <a:effectLst/>
+                          <a:latin typeface="Calibri" panose="020F0502020204030204" pitchFamily="34" charset="0"/>
+                          <a:ea typeface="Times New Roman" panose="02020603050405020304" pitchFamily="18" charset="0"/>
+                        </a:rPr>
+                        <a:t>32.8</a:t>
+                      </a:r>
+                      <a:endParaRPr lang="es-PE" sz="1000">
+                        <a:effectLst/>
+                        <a:latin typeface="Times New Roman" panose="02020603050405020304" pitchFamily="18" charset="0"/>
+                        <a:ea typeface="Times New Roman" panose="02020603050405020304" pitchFamily="18" charset="0"/>
+                      </a:endParaRPr>
+                    </a:p>
+                  </a:txBody>
+                  <a:tcPr marL="36261" marR="36261" marT="0" marB="0" anchor="b">
+                    <a:lnL>
+                      <a:noFill/>
+                    </a:lnL>
+                    <a:lnR>
+                      <a:noFill/>
+                    </a:lnR>
+                    <a:lnT>
+                      <a:noFill/>
+                    </a:lnT>
+                    <a:lnB>
+                      <a:noFill/>
+                    </a:lnB>
+                    <a:noFill/>
+                  </a:tcPr>
+                </a:tc>
+                <a:extLst>
+                  <a:ext uri="{0D108BD9-81ED-4DB2-BD59-A6C34878D82A}">
+                    <a16:rowId xmlns:a16="http://schemas.microsoft.com/office/drawing/2014/main" val="2635571162"/>
+                  </a:ext>
+                </a:extLst>
+              </a:tr>
+              <a:tr h="155405">
+                <a:tc>
+                  <a:txBody>
+                    <a:bodyPr/>
+                    <a:lstStyle/>
+                    <a:p>
+                      <a:pPr algn="ctr"/>
+                      <a:r>
+                        <a:rPr lang="es-ES" sz="900">
+                          <a:solidFill>
+                            <a:srgbClr val="000000"/>
+                          </a:solidFill>
+                          <a:effectLst/>
+                          <a:latin typeface="Calibri" panose="020F0502020204030204" pitchFamily="34" charset="0"/>
+                          <a:ea typeface="Times New Roman" panose="02020603050405020304" pitchFamily="18" charset="0"/>
+                        </a:rPr>
+                        <a:t>NH4+-N</a:t>
+                      </a:r>
+                      <a:endParaRPr lang="es-PE" sz="1000">
+                        <a:effectLst/>
+                        <a:latin typeface="Times New Roman" panose="02020603050405020304" pitchFamily="18" charset="0"/>
+                        <a:ea typeface="Times New Roman" panose="02020603050405020304" pitchFamily="18" charset="0"/>
+                      </a:endParaRPr>
+                    </a:p>
+                  </a:txBody>
+                  <a:tcPr marL="36261" marR="36261" marT="0" marB="0" anchor="b">
+                    <a:lnL>
+                      <a:noFill/>
+                    </a:lnL>
+                    <a:lnR>
+                      <a:noFill/>
+                    </a:lnR>
+                    <a:lnT>
+                      <a:noFill/>
+                    </a:lnT>
+                    <a:lnB>
+                      <a:noFill/>
+                    </a:lnB>
+                    <a:noFill/>
+                  </a:tcPr>
+                </a:tc>
+                <a:tc>
+                  <a:txBody>
+                    <a:bodyPr/>
+                    <a:lstStyle/>
+                    <a:p>
+                      <a:pPr algn="ctr"/>
+                      <a:r>
+                        <a:rPr lang="es-ES" sz="900">
+                          <a:solidFill>
+                            <a:srgbClr val="000000"/>
+                          </a:solidFill>
+                          <a:effectLst/>
+                          <a:latin typeface="Calibri" panose="020F0502020204030204" pitchFamily="34" charset="0"/>
+                          <a:ea typeface="Times New Roman" panose="02020603050405020304" pitchFamily="18" charset="0"/>
+                        </a:rPr>
+                        <a:t>N0</a:t>
+                      </a:r>
+                      <a:endParaRPr lang="es-PE" sz="1000">
+                        <a:effectLst/>
+                        <a:latin typeface="Times New Roman" panose="02020603050405020304" pitchFamily="18" charset="0"/>
+                        <a:ea typeface="Times New Roman" panose="02020603050405020304" pitchFamily="18" charset="0"/>
+                      </a:endParaRPr>
+                    </a:p>
+                  </a:txBody>
+                  <a:tcPr marL="36261" marR="36261" marT="0" marB="0" anchor="b">
+                    <a:lnL>
+                      <a:noFill/>
+                    </a:lnL>
+                    <a:lnR>
+                      <a:noFill/>
+                    </a:lnR>
+                    <a:lnT>
+                      <a:noFill/>
+                    </a:lnT>
+                    <a:lnB>
+                      <a:noFill/>
+                    </a:lnB>
+                    <a:noFill/>
+                  </a:tcPr>
+                </a:tc>
+                <a:tc>
+                  <a:txBody>
+                    <a:bodyPr/>
+                    <a:lstStyle/>
+                    <a:p>
+                      <a:pPr algn="ctr"/>
+                      <a:r>
+                        <a:rPr lang="es-ES" sz="900">
+                          <a:solidFill>
+                            <a:srgbClr val="000000"/>
+                          </a:solidFill>
+                          <a:effectLst/>
+                          <a:latin typeface="Calibri" panose="020F0502020204030204" pitchFamily="34" charset="0"/>
+                          <a:ea typeface="Times New Roman" panose="02020603050405020304" pitchFamily="18" charset="0"/>
+                        </a:rPr>
+                        <a:t>26.5</a:t>
+                      </a:r>
+                      <a:endParaRPr lang="es-PE" sz="1000">
+                        <a:effectLst/>
+                        <a:latin typeface="Times New Roman" panose="02020603050405020304" pitchFamily="18" charset="0"/>
+                        <a:ea typeface="Times New Roman" panose="02020603050405020304" pitchFamily="18" charset="0"/>
+                      </a:endParaRPr>
+                    </a:p>
+                  </a:txBody>
+                  <a:tcPr marL="36261" marR="36261" marT="0" marB="0" anchor="b">
+                    <a:lnL>
+                      <a:noFill/>
+                    </a:lnL>
+                    <a:lnR>
+                      <a:noFill/>
+                    </a:lnR>
+                    <a:lnT>
+                      <a:noFill/>
+                    </a:lnT>
+                    <a:lnB>
+                      <a:noFill/>
+                    </a:lnB>
+                    <a:noFill/>
+                  </a:tcPr>
+                </a:tc>
+                <a:tc>
+                  <a:txBody>
+                    <a:bodyPr/>
+                    <a:lstStyle/>
+                    <a:p>
+                      <a:pPr algn="l"/>
+                      <a:r>
+                        <a:rPr lang="es-ES" sz="900">
+                          <a:solidFill>
+                            <a:srgbClr val="000000"/>
+                          </a:solidFill>
+                          <a:effectLst/>
+                          <a:latin typeface="Calibri" panose="020F0502020204030204" pitchFamily="34" charset="0"/>
+                          <a:ea typeface="Times New Roman" panose="02020603050405020304" pitchFamily="18" charset="0"/>
+                        </a:rPr>
+                        <a:t>Nmin</a:t>
+                      </a:r>
+                      <a:endParaRPr lang="es-PE" sz="1000">
+                        <a:effectLst/>
+                        <a:latin typeface="Times New Roman" panose="02020603050405020304" pitchFamily="18" charset="0"/>
+                        <a:ea typeface="Times New Roman" panose="02020603050405020304" pitchFamily="18" charset="0"/>
+                      </a:endParaRPr>
+                    </a:p>
+                  </a:txBody>
+                  <a:tcPr marL="36261" marR="36261" marT="0" marB="0" anchor="b">
+                    <a:lnL>
+                      <a:noFill/>
+                    </a:lnL>
+                    <a:lnR>
+                      <a:noFill/>
+                    </a:lnR>
+                    <a:lnT>
+                      <a:noFill/>
+                    </a:lnT>
+                    <a:lnB>
+                      <a:noFill/>
+                    </a:lnB>
+                    <a:noFill/>
+                  </a:tcPr>
+                </a:tc>
+                <a:tc>
+                  <a:txBody>
+                    <a:bodyPr/>
+                    <a:lstStyle/>
+                    <a:p>
+                      <a:pPr algn="l"/>
+                      <a:r>
+                        <a:rPr lang="es-ES" sz="900">
+                          <a:solidFill>
+                            <a:srgbClr val="000000"/>
+                          </a:solidFill>
+                          <a:effectLst/>
+                          <a:latin typeface="Calibri" panose="020F0502020204030204" pitchFamily="34" charset="0"/>
+                          <a:ea typeface="Times New Roman" panose="02020603050405020304" pitchFamily="18" charset="0"/>
+                        </a:rPr>
+                        <a:t>N80</a:t>
+                      </a:r>
+                      <a:endParaRPr lang="es-PE" sz="1000">
+                        <a:effectLst/>
+                        <a:latin typeface="Times New Roman" panose="02020603050405020304" pitchFamily="18" charset="0"/>
+                        <a:ea typeface="Times New Roman" panose="02020603050405020304" pitchFamily="18" charset="0"/>
+                      </a:endParaRPr>
+                    </a:p>
+                  </a:txBody>
+                  <a:tcPr marL="36261" marR="36261" marT="0" marB="0" anchor="b">
+                    <a:lnL>
+                      <a:noFill/>
+                    </a:lnL>
+                    <a:lnR>
+                      <a:noFill/>
+                    </a:lnR>
+                    <a:lnT>
+                      <a:noFill/>
+                    </a:lnT>
+                    <a:lnB>
+                      <a:noFill/>
+                    </a:lnB>
+                    <a:noFill/>
+                  </a:tcPr>
+                </a:tc>
+                <a:tc>
+                  <a:txBody>
+                    <a:bodyPr/>
+                    <a:lstStyle/>
+                    <a:p>
+                      <a:pPr algn="l"/>
+                      <a:r>
+                        <a:rPr lang="es-ES" sz="900">
+                          <a:solidFill>
+                            <a:srgbClr val="000000"/>
+                          </a:solidFill>
+                          <a:effectLst/>
+                          <a:latin typeface="Calibri" panose="020F0502020204030204" pitchFamily="34" charset="0"/>
+                          <a:ea typeface="Times New Roman" panose="02020603050405020304" pitchFamily="18" charset="0"/>
+                        </a:rPr>
+                        <a:t>37.1</a:t>
+                      </a:r>
+                      <a:endParaRPr lang="es-PE" sz="1000">
+                        <a:effectLst/>
+                        <a:latin typeface="Times New Roman" panose="02020603050405020304" pitchFamily="18" charset="0"/>
+                        <a:ea typeface="Times New Roman" panose="02020603050405020304" pitchFamily="18" charset="0"/>
+                      </a:endParaRPr>
+                    </a:p>
+                  </a:txBody>
+                  <a:tcPr marL="36261" marR="36261" marT="0" marB="0" anchor="b">
+                    <a:lnL>
+                      <a:noFill/>
+                    </a:lnL>
+                    <a:lnR>
+                      <a:noFill/>
+                    </a:lnR>
+                    <a:lnT>
+                      <a:noFill/>
+                    </a:lnT>
+                    <a:lnB>
+                      <a:noFill/>
+                    </a:lnB>
+                    <a:noFill/>
+                  </a:tcPr>
+                </a:tc>
+                <a:extLst>
+                  <a:ext uri="{0D108BD9-81ED-4DB2-BD59-A6C34878D82A}">
+                    <a16:rowId xmlns:a16="http://schemas.microsoft.com/office/drawing/2014/main" val="2484178789"/>
+                  </a:ext>
+                </a:extLst>
+              </a:tr>
+              <a:tr h="155405">
+                <a:tc>
+                  <a:txBody>
+                    <a:bodyPr/>
+                    <a:lstStyle/>
+                    <a:p>
+                      <a:pPr algn="ctr"/>
+                      <a:r>
+                        <a:rPr lang="es-ES" sz="900">
+                          <a:solidFill>
+                            <a:srgbClr val="000000"/>
+                          </a:solidFill>
+                          <a:effectLst/>
+                          <a:latin typeface="Calibri" panose="020F0502020204030204" pitchFamily="34" charset="0"/>
+                          <a:ea typeface="Times New Roman" panose="02020603050405020304" pitchFamily="18" charset="0"/>
+                        </a:rPr>
+                        <a:t>NH4+-N</a:t>
+                      </a:r>
+                      <a:endParaRPr lang="es-PE" sz="1000">
+                        <a:effectLst/>
+                        <a:latin typeface="Times New Roman" panose="02020603050405020304" pitchFamily="18" charset="0"/>
+                        <a:ea typeface="Times New Roman" panose="02020603050405020304" pitchFamily="18" charset="0"/>
+                      </a:endParaRPr>
+                    </a:p>
+                  </a:txBody>
+                  <a:tcPr marL="36261" marR="36261" marT="0" marB="0" anchor="b">
+                    <a:lnL>
+                      <a:noFill/>
+                    </a:lnL>
+                    <a:lnR>
+                      <a:noFill/>
+                    </a:lnR>
+                    <a:lnT>
+                      <a:noFill/>
+                    </a:lnT>
+                    <a:lnB>
+                      <a:noFill/>
+                    </a:lnB>
+                    <a:noFill/>
+                  </a:tcPr>
+                </a:tc>
+                <a:tc>
+                  <a:txBody>
+                    <a:bodyPr/>
+                    <a:lstStyle/>
+                    <a:p>
+                      <a:pPr algn="ctr"/>
+                      <a:r>
+                        <a:rPr lang="es-ES" sz="900">
+                          <a:solidFill>
+                            <a:srgbClr val="000000"/>
+                          </a:solidFill>
+                          <a:effectLst/>
+                          <a:latin typeface="Calibri" panose="020F0502020204030204" pitchFamily="34" charset="0"/>
+                          <a:ea typeface="Times New Roman" panose="02020603050405020304" pitchFamily="18" charset="0"/>
+                        </a:rPr>
+                        <a:t>N20</a:t>
+                      </a:r>
+                      <a:endParaRPr lang="es-PE" sz="1000">
+                        <a:effectLst/>
+                        <a:latin typeface="Times New Roman" panose="02020603050405020304" pitchFamily="18" charset="0"/>
+                        <a:ea typeface="Times New Roman" panose="02020603050405020304" pitchFamily="18" charset="0"/>
+                      </a:endParaRPr>
+                    </a:p>
+                  </a:txBody>
+                  <a:tcPr marL="36261" marR="36261" marT="0" marB="0" anchor="b">
+                    <a:lnL>
+                      <a:noFill/>
+                    </a:lnL>
+                    <a:lnR>
+                      <a:noFill/>
+                    </a:lnR>
+                    <a:lnT>
+                      <a:noFill/>
+                    </a:lnT>
+                    <a:lnB>
+                      <a:noFill/>
+                    </a:lnB>
+                    <a:noFill/>
+                  </a:tcPr>
+                </a:tc>
+                <a:tc>
+                  <a:txBody>
+                    <a:bodyPr/>
+                    <a:lstStyle/>
+                    <a:p>
+                      <a:pPr algn="ctr"/>
+                      <a:r>
+                        <a:rPr lang="es-ES" sz="900">
+                          <a:solidFill>
+                            <a:srgbClr val="000000"/>
+                          </a:solidFill>
+                          <a:effectLst/>
+                          <a:latin typeface="Calibri" panose="020F0502020204030204" pitchFamily="34" charset="0"/>
+                          <a:ea typeface="Times New Roman" panose="02020603050405020304" pitchFamily="18" charset="0"/>
+                        </a:rPr>
+                        <a:t>21.6</a:t>
+                      </a:r>
+                      <a:endParaRPr lang="es-PE" sz="1000">
+                        <a:effectLst/>
+                        <a:latin typeface="Times New Roman" panose="02020603050405020304" pitchFamily="18" charset="0"/>
+                        <a:ea typeface="Times New Roman" panose="02020603050405020304" pitchFamily="18" charset="0"/>
+                      </a:endParaRPr>
+                    </a:p>
+                  </a:txBody>
+                  <a:tcPr marL="36261" marR="36261" marT="0" marB="0" anchor="b">
+                    <a:lnL>
+                      <a:noFill/>
+                    </a:lnL>
+                    <a:lnR>
+                      <a:noFill/>
+                    </a:lnR>
+                    <a:lnT>
+                      <a:noFill/>
+                    </a:lnT>
+                    <a:lnB>
+                      <a:noFill/>
+                    </a:lnB>
+                    <a:noFill/>
+                  </a:tcPr>
+                </a:tc>
+                <a:tc>
+                  <a:txBody>
+                    <a:bodyPr/>
+                    <a:lstStyle/>
+                    <a:p>
+                      <a:pPr algn="l"/>
+                      <a:r>
+                        <a:rPr lang="es-ES" sz="900">
+                          <a:solidFill>
+                            <a:srgbClr val="000000"/>
+                          </a:solidFill>
+                          <a:effectLst/>
+                          <a:latin typeface="Calibri" panose="020F0502020204030204" pitchFamily="34" charset="0"/>
+                          <a:ea typeface="Times New Roman" panose="02020603050405020304" pitchFamily="18" charset="0"/>
+                        </a:rPr>
+                        <a:t>NO3-N</a:t>
+                      </a:r>
+                      <a:endParaRPr lang="es-PE" sz="1000">
+                        <a:effectLst/>
+                        <a:latin typeface="Times New Roman" panose="02020603050405020304" pitchFamily="18" charset="0"/>
+                        <a:ea typeface="Times New Roman" panose="02020603050405020304" pitchFamily="18" charset="0"/>
+                      </a:endParaRPr>
+                    </a:p>
+                  </a:txBody>
+                  <a:tcPr marL="36261" marR="36261" marT="0" marB="0" anchor="b">
+                    <a:lnL>
+                      <a:noFill/>
+                    </a:lnL>
+                    <a:lnR>
+                      <a:noFill/>
+                    </a:lnR>
+                    <a:lnT>
+                      <a:noFill/>
+                    </a:lnT>
+                    <a:lnB>
+                      <a:noFill/>
+                    </a:lnB>
+                    <a:noFill/>
+                  </a:tcPr>
+                </a:tc>
+                <a:tc>
+                  <a:txBody>
+                    <a:bodyPr/>
+                    <a:lstStyle/>
+                    <a:p>
+                      <a:pPr algn="l"/>
+                      <a:r>
+                        <a:rPr lang="es-ES" sz="900">
+                          <a:solidFill>
+                            <a:srgbClr val="000000"/>
+                          </a:solidFill>
+                          <a:effectLst/>
+                          <a:latin typeface="Calibri" panose="020F0502020204030204" pitchFamily="34" charset="0"/>
+                          <a:ea typeface="Times New Roman" panose="02020603050405020304" pitchFamily="18" charset="0"/>
+                        </a:rPr>
+                        <a:t>N0</a:t>
+                      </a:r>
+                      <a:endParaRPr lang="es-PE" sz="1000">
+                        <a:effectLst/>
+                        <a:latin typeface="Times New Roman" panose="02020603050405020304" pitchFamily="18" charset="0"/>
+                        <a:ea typeface="Times New Roman" panose="02020603050405020304" pitchFamily="18" charset="0"/>
+                      </a:endParaRPr>
+                    </a:p>
+                  </a:txBody>
+                  <a:tcPr marL="36261" marR="36261" marT="0" marB="0" anchor="b">
+                    <a:lnL>
+                      <a:noFill/>
+                    </a:lnL>
+                    <a:lnR>
+                      <a:noFill/>
+                    </a:lnR>
+                    <a:lnT>
+                      <a:noFill/>
+                    </a:lnT>
+                    <a:lnB>
+                      <a:noFill/>
+                    </a:lnB>
+                    <a:noFill/>
+                  </a:tcPr>
+                </a:tc>
+                <a:tc>
+                  <a:txBody>
+                    <a:bodyPr/>
+                    <a:lstStyle/>
+                    <a:p>
+                      <a:pPr algn="l"/>
+                      <a:r>
+                        <a:rPr lang="es-ES" sz="900">
+                          <a:solidFill>
+                            <a:srgbClr val="000000"/>
+                          </a:solidFill>
+                          <a:effectLst/>
+                          <a:latin typeface="Calibri" panose="020F0502020204030204" pitchFamily="34" charset="0"/>
+                          <a:ea typeface="Times New Roman" panose="02020603050405020304" pitchFamily="18" charset="0"/>
+                        </a:rPr>
+                        <a:t>3.5</a:t>
+                      </a:r>
+                      <a:endParaRPr lang="es-PE" sz="1000">
+                        <a:effectLst/>
+                        <a:latin typeface="Times New Roman" panose="02020603050405020304" pitchFamily="18" charset="0"/>
+                        <a:ea typeface="Times New Roman" panose="02020603050405020304" pitchFamily="18" charset="0"/>
+                      </a:endParaRPr>
+                    </a:p>
+                  </a:txBody>
+                  <a:tcPr marL="36261" marR="36261" marT="0" marB="0" anchor="b">
+                    <a:lnL>
+                      <a:noFill/>
+                    </a:lnL>
+                    <a:lnR>
+                      <a:noFill/>
+                    </a:lnR>
+                    <a:lnT>
+                      <a:noFill/>
+                    </a:lnT>
+                    <a:lnB>
+                      <a:noFill/>
+                    </a:lnB>
+                    <a:noFill/>
+                  </a:tcPr>
+                </a:tc>
+                <a:extLst>
+                  <a:ext uri="{0D108BD9-81ED-4DB2-BD59-A6C34878D82A}">
+                    <a16:rowId xmlns:a16="http://schemas.microsoft.com/office/drawing/2014/main" val="860716423"/>
+                  </a:ext>
+                </a:extLst>
+              </a:tr>
+              <a:tr h="155405">
+                <a:tc>
+                  <a:txBody>
+                    <a:bodyPr/>
+                    <a:lstStyle/>
+                    <a:p>
+                      <a:pPr algn="ctr"/>
+                      <a:r>
+                        <a:rPr lang="es-ES" sz="900">
+                          <a:solidFill>
+                            <a:srgbClr val="000000"/>
+                          </a:solidFill>
+                          <a:effectLst/>
+                          <a:latin typeface="Calibri" panose="020F0502020204030204" pitchFamily="34" charset="0"/>
+                          <a:ea typeface="Times New Roman" panose="02020603050405020304" pitchFamily="18" charset="0"/>
+                        </a:rPr>
+                        <a:t>NH4+-N</a:t>
+                      </a:r>
+                      <a:endParaRPr lang="es-PE" sz="1000">
+                        <a:effectLst/>
+                        <a:latin typeface="Times New Roman" panose="02020603050405020304" pitchFamily="18" charset="0"/>
+                        <a:ea typeface="Times New Roman" panose="02020603050405020304" pitchFamily="18" charset="0"/>
+                      </a:endParaRPr>
+                    </a:p>
+                  </a:txBody>
+                  <a:tcPr marL="36261" marR="36261" marT="0" marB="0" anchor="b">
+                    <a:lnL>
+                      <a:noFill/>
+                    </a:lnL>
+                    <a:lnR>
+                      <a:noFill/>
+                    </a:lnR>
+                    <a:lnT>
+                      <a:noFill/>
+                    </a:lnT>
+                    <a:lnB>
+                      <a:noFill/>
+                    </a:lnB>
+                    <a:noFill/>
+                  </a:tcPr>
+                </a:tc>
+                <a:tc>
+                  <a:txBody>
+                    <a:bodyPr/>
+                    <a:lstStyle/>
+                    <a:p>
+                      <a:pPr algn="ctr"/>
+                      <a:r>
+                        <a:rPr lang="es-ES" sz="900">
+                          <a:solidFill>
+                            <a:srgbClr val="000000"/>
+                          </a:solidFill>
+                          <a:effectLst/>
+                          <a:latin typeface="Calibri" panose="020F0502020204030204" pitchFamily="34" charset="0"/>
+                          <a:ea typeface="Times New Roman" panose="02020603050405020304" pitchFamily="18" charset="0"/>
+                        </a:rPr>
+                        <a:t>N20</a:t>
+                      </a:r>
+                      <a:endParaRPr lang="es-PE" sz="1000">
+                        <a:effectLst/>
+                        <a:latin typeface="Times New Roman" panose="02020603050405020304" pitchFamily="18" charset="0"/>
+                        <a:ea typeface="Times New Roman" panose="02020603050405020304" pitchFamily="18" charset="0"/>
+                      </a:endParaRPr>
+                    </a:p>
+                  </a:txBody>
+                  <a:tcPr marL="36261" marR="36261" marT="0" marB="0" anchor="b">
+                    <a:lnL>
+                      <a:noFill/>
+                    </a:lnL>
+                    <a:lnR>
+                      <a:noFill/>
+                    </a:lnR>
+                    <a:lnT>
+                      <a:noFill/>
+                    </a:lnT>
+                    <a:lnB>
+                      <a:noFill/>
+                    </a:lnB>
+                    <a:noFill/>
+                  </a:tcPr>
+                </a:tc>
+                <a:tc>
+                  <a:txBody>
+                    <a:bodyPr/>
+                    <a:lstStyle/>
+                    <a:p>
+                      <a:pPr algn="ctr"/>
+                      <a:r>
+                        <a:rPr lang="es-ES" sz="900">
+                          <a:solidFill>
+                            <a:srgbClr val="000000"/>
+                          </a:solidFill>
+                          <a:effectLst/>
+                          <a:latin typeface="Calibri" panose="020F0502020204030204" pitchFamily="34" charset="0"/>
+                          <a:ea typeface="Times New Roman" panose="02020603050405020304" pitchFamily="18" charset="0"/>
+                        </a:rPr>
+                        <a:t>23.5</a:t>
+                      </a:r>
+                      <a:endParaRPr lang="es-PE" sz="1000">
+                        <a:effectLst/>
+                        <a:latin typeface="Times New Roman" panose="02020603050405020304" pitchFamily="18" charset="0"/>
+                        <a:ea typeface="Times New Roman" panose="02020603050405020304" pitchFamily="18" charset="0"/>
+                      </a:endParaRPr>
+                    </a:p>
+                  </a:txBody>
+                  <a:tcPr marL="36261" marR="36261" marT="0" marB="0" anchor="b">
+                    <a:lnL>
+                      <a:noFill/>
+                    </a:lnL>
+                    <a:lnR>
+                      <a:noFill/>
+                    </a:lnR>
+                    <a:lnT>
+                      <a:noFill/>
+                    </a:lnT>
+                    <a:lnB>
+                      <a:noFill/>
+                    </a:lnB>
+                    <a:noFill/>
+                  </a:tcPr>
+                </a:tc>
+                <a:tc>
+                  <a:txBody>
+                    <a:bodyPr/>
+                    <a:lstStyle/>
+                    <a:p>
+                      <a:pPr algn="l"/>
+                      <a:r>
+                        <a:rPr lang="es-ES" sz="900">
+                          <a:solidFill>
+                            <a:srgbClr val="000000"/>
+                          </a:solidFill>
+                          <a:effectLst/>
+                          <a:latin typeface="Calibri" panose="020F0502020204030204" pitchFamily="34" charset="0"/>
+                          <a:ea typeface="Times New Roman" panose="02020603050405020304" pitchFamily="18" charset="0"/>
+                        </a:rPr>
+                        <a:t>NO3-N</a:t>
+                      </a:r>
+                      <a:endParaRPr lang="es-PE" sz="1000">
+                        <a:effectLst/>
+                        <a:latin typeface="Times New Roman" panose="02020603050405020304" pitchFamily="18" charset="0"/>
+                        <a:ea typeface="Times New Roman" panose="02020603050405020304" pitchFamily="18" charset="0"/>
+                      </a:endParaRPr>
+                    </a:p>
+                  </a:txBody>
+                  <a:tcPr marL="36261" marR="36261" marT="0" marB="0" anchor="b">
+                    <a:lnL>
+                      <a:noFill/>
+                    </a:lnL>
+                    <a:lnR>
+                      <a:noFill/>
+                    </a:lnR>
+                    <a:lnT>
+                      <a:noFill/>
+                    </a:lnT>
+                    <a:lnB>
+                      <a:noFill/>
+                    </a:lnB>
+                    <a:noFill/>
+                  </a:tcPr>
+                </a:tc>
+                <a:tc>
+                  <a:txBody>
+                    <a:bodyPr/>
+                    <a:lstStyle/>
+                    <a:p>
+                      <a:pPr algn="l"/>
+                      <a:r>
+                        <a:rPr lang="es-ES" sz="900">
+                          <a:solidFill>
+                            <a:srgbClr val="000000"/>
+                          </a:solidFill>
+                          <a:effectLst/>
+                          <a:latin typeface="Calibri" panose="020F0502020204030204" pitchFamily="34" charset="0"/>
+                          <a:ea typeface="Times New Roman" panose="02020603050405020304" pitchFamily="18" charset="0"/>
+                        </a:rPr>
+                        <a:t>N0</a:t>
+                      </a:r>
+                      <a:endParaRPr lang="es-PE" sz="1000">
+                        <a:effectLst/>
+                        <a:latin typeface="Times New Roman" panose="02020603050405020304" pitchFamily="18" charset="0"/>
+                        <a:ea typeface="Times New Roman" panose="02020603050405020304" pitchFamily="18" charset="0"/>
+                      </a:endParaRPr>
+                    </a:p>
+                  </a:txBody>
+                  <a:tcPr marL="36261" marR="36261" marT="0" marB="0" anchor="b">
+                    <a:lnL>
+                      <a:noFill/>
+                    </a:lnL>
+                    <a:lnR>
+                      <a:noFill/>
+                    </a:lnR>
+                    <a:lnT>
+                      <a:noFill/>
+                    </a:lnT>
+                    <a:lnB>
+                      <a:noFill/>
+                    </a:lnB>
+                    <a:noFill/>
+                  </a:tcPr>
+                </a:tc>
+                <a:tc>
+                  <a:txBody>
+                    <a:bodyPr/>
+                    <a:lstStyle/>
+                    <a:p>
+                      <a:pPr algn="l"/>
+                      <a:r>
+                        <a:rPr lang="es-ES" sz="900">
+                          <a:solidFill>
+                            <a:srgbClr val="000000"/>
+                          </a:solidFill>
+                          <a:effectLst/>
+                          <a:latin typeface="Calibri" panose="020F0502020204030204" pitchFamily="34" charset="0"/>
+                          <a:ea typeface="Times New Roman" panose="02020603050405020304" pitchFamily="18" charset="0"/>
+                        </a:rPr>
+                        <a:t>4.8</a:t>
+                      </a:r>
+                      <a:endParaRPr lang="es-PE" sz="1000">
+                        <a:effectLst/>
+                        <a:latin typeface="Times New Roman" panose="02020603050405020304" pitchFamily="18" charset="0"/>
+                        <a:ea typeface="Times New Roman" panose="02020603050405020304" pitchFamily="18" charset="0"/>
+                      </a:endParaRPr>
+                    </a:p>
+                  </a:txBody>
+                  <a:tcPr marL="36261" marR="36261" marT="0" marB="0" anchor="b">
+                    <a:lnL>
+                      <a:noFill/>
+                    </a:lnL>
+                    <a:lnR>
+                      <a:noFill/>
+                    </a:lnR>
+                    <a:lnT>
+                      <a:noFill/>
+                    </a:lnT>
+                    <a:lnB>
+                      <a:noFill/>
+                    </a:lnB>
+                    <a:noFill/>
+                  </a:tcPr>
+                </a:tc>
+                <a:extLst>
+                  <a:ext uri="{0D108BD9-81ED-4DB2-BD59-A6C34878D82A}">
+                    <a16:rowId xmlns:a16="http://schemas.microsoft.com/office/drawing/2014/main" val="899747670"/>
+                  </a:ext>
+                </a:extLst>
+              </a:tr>
+              <a:tr h="155405">
+                <a:tc>
+                  <a:txBody>
+                    <a:bodyPr/>
+                    <a:lstStyle/>
+                    <a:p>
+                      <a:pPr algn="ctr"/>
+                      <a:r>
+                        <a:rPr lang="es-ES" sz="900">
+                          <a:solidFill>
+                            <a:srgbClr val="000000"/>
+                          </a:solidFill>
+                          <a:effectLst/>
+                          <a:latin typeface="Calibri" panose="020F0502020204030204" pitchFamily="34" charset="0"/>
+                          <a:ea typeface="Times New Roman" panose="02020603050405020304" pitchFamily="18" charset="0"/>
+                        </a:rPr>
+                        <a:t>NH4+-N</a:t>
+                      </a:r>
+                      <a:endParaRPr lang="es-PE" sz="1000">
+                        <a:effectLst/>
+                        <a:latin typeface="Times New Roman" panose="02020603050405020304" pitchFamily="18" charset="0"/>
+                        <a:ea typeface="Times New Roman" panose="02020603050405020304" pitchFamily="18" charset="0"/>
+                      </a:endParaRPr>
+                    </a:p>
+                  </a:txBody>
+                  <a:tcPr marL="36261" marR="36261" marT="0" marB="0" anchor="b">
+                    <a:lnL>
+                      <a:noFill/>
+                    </a:lnL>
+                    <a:lnR>
+                      <a:noFill/>
+                    </a:lnR>
+                    <a:lnT>
+                      <a:noFill/>
+                    </a:lnT>
+                    <a:lnB>
+                      <a:noFill/>
+                    </a:lnB>
+                    <a:noFill/>
+                  </a:tcPr>
+                </a:tc>
+                <a:tc>
+                  <a:txBody>
+                    <a:bodyPr/>
+                    <a:lstStyle/>
+                    <a:p>
+                      <a:pPr algn="ctr"/>
+                      <a:r>
+                        <a:rPr lang="es-ES" sz="900">
+                          <a:solidFill>
+                            <a:srgbClr val="000000"/>
+                          </a:solidFill>
+                          <a:effectLst/>
+                          <a:latin typeface="Calibri" panose="020F0502020204030204" pitchFamily="34" charset="0"/>
+                          <a:ea typeface="Times New Roman" panose="02020603050405020304" pitchFamily="18" charset="0"/>
+                        </a:rPr>
+                        <a:t>N20</a:t>
+                      </a:r>
+                      <a:endParaRPr lang="es-PE" sz="1000">
+                        <a:effectLst/>
+                        <a:latin typeface="Times New Roman" panose="02020603050405020304" pitchFamily="18" charset="0"/>
+                        <a:ea typeface="Times New Roman" panose="02020603050405020304" pitchFamily="18" charset="0"/>
+                      </a:endParaRPr>
+                    </a:p>
+                  </a:txBody>
+                  <a:tcPr marL="36261" marR="36261" marT="0" marB="0" anchor="b">
+                    <a:lnL>
+                      <a:noFill/>
+                    </a:lnL>
+                    <a:lnR>
+                      <a:noFill/>
+                    </a:lnR>
+                    <a:lnT>
+                      <a:noFill/>
+                    </a:lnT>
+                    <a:lnB>
+                      <a:noFill/>
+                    </a:lnB>
+                    <a:noFill/>
+                  </a:tcPr>
+                </a:tc>
+                <a:tc>
+                  <a:txBody>
+                    <a:bodyPr/>
+                    <a:lstStyle/>
+                    <a:p>
+                      <a:pPr algn="ctr"/>
+                      <a:r>
+                        <a:rPr lang="es-ES" sz="900">
+                          <a:solidFill>
+                            <a:srgbClr val="000000"/>
+                          </a:solidFill>
+                          <a:effectLst/>
+                          <a:latin typeface="Calibri" panose="020F0502020204030204" pitchFamily="34" charset="0"/>
+                          <a:ea typeface="Times New Roman" panose="02020603050405020304" pitchFamily="18" charset="0"/>
+                        </a:rPr>
+                        <a:t>25.4</a:t>
+                      </a:r>
+                      <a:endParaRPr lang="es-PE" sz="1000">
+                        <a:effectLst/>
+                        <a:latin typeface="Times New Roman" panose="02020603050405020304" pitchFamily="18" charset="0"/>
+                        <a:ea typeface="Times New Roman" panose="02020603050405020304" pitchFamily="18" charset="0"/>
+                      </a:endParaRPr>
+                    </a:p>
+                  </a:txBody>
+                  <a:tcPr marL="36261" marR="36261" marT="0" marB="0" anchor="b">
+                    <a:lnL>
+                      <a:noFill/>
+                    </a:lnL>
+                    <a:lnR>
+                      <a:noFill/>
+                    </a:lnR>
+                    <a:lnT>
+                      <a:noFill/>
+                    </a:lnT>
+                    <a:lnB>
+                      <a:noFill/>
+                    </a:lnB>
+                    <a:noFill/>
+                  </a:tcPr>
+                </a:tc>
+                <a:tc>
+                  <a:txBody>
+                    <a:bodyPr/>
+                    <a:lstStyle/>
+                    <a:p>
+                      <a:pPr algn="l"/>
+                      <a:r>
+                        <a:rPr lang="es-ES" sz="900">
+                          <a:solidFill>
+                            <a:srgbClr val="000000"/>
+                          </a:solidFill>
+                          <a:effectLst/>
+                          <a:latin typeface="Calibri" panose="020F0502020204030204" pitchFamily="34" charset="0"/>
+                          <a:ea typeface="Times New Roman" panose="02020603050405020304" pitchFamily="18" charset="0"/>
+                        </a:rPr>
+                        <a:t>NO3-N</a:t>
+                      </a:r>
+                      <a:endParaRPr lang="es-PE" sz="1000">
+                        <a:effectLst/>
+                        <a:latin typeface="Times New Roman" panose="02020603050405020304" pitchFamily="18" charset="0"/>
+                        <a:ea typeface="Times New Roman" panose="02020603050405020304" pitchFamily="18" charset="0"/>
+                      </a:endParaRPr>
+                    </a:p>
+                  </a:txBody>
+                  <a:tcPr marL="36261" marR="36261" marT="0" marB="0" anchor="b">
+                    <a:lnL>
+                      <a:noFill/>
+                    </a:lnL>
+                    <a:lnR>
+                      <a:noFill/>
+                    </a:lnR>
+                    <a:lnT>
+                      <a:noFill/>
+                    </a:lnT>
+                    <a:lnB>
+                      <a:noFill/>
+                    </a:lnB>
+                    <a:noFill/>
+                  </a:tcPr>
+                </a:tc>
+                <a:tc>
+                  <a:txBody>
+                    <a:bodyPr/>
+                    <a:lstStyle/>
+                    <a:p>
+                      <a:pPr algn="l"/>
+                      <a:r>
+                        <a:rPr lang="es-ES" sz="900">
+                          <a:solidFill>
+                            <a:srgbClr val="000000"/>
+                          </a:solidFill>
+                          <a:effectLst/>
+                          <a:latin typeface="Calibri" panose="020F0502020204030204" pitchFamily="34" charset="0"/>
+                          <a:ea typeface="Times New Roman" panose="02020603050405020304" pitchFamily="18" charset="0"/>
+                        </a:rPr>
+                        <a:t>N0</a:t>
+                      </a:r>
+                      <a:endParaRPr lang="es-PE" sz="1000">
+                        <a:effectLst/>
+                        <a:latin typeface="Times New Roman" panose="02020603050405020304" pitchFamily="18" charset="0"/>
+                        <a:ea typeface="Times New Roman" panose="02020603050405020304" pitchFamily="18" charset="0"/>
+                      </a:endParaRPr>
+                    </a:p>
+                  </a:txBody>
+                  <a:tcPr marL="36261" marR="36261" marT="0" marB="0" anchor="b">
+                    <a:lnL>
+                      <a:noFill/>
+                    </a:lnL>
+                    <a:lnR>
+                      <a:noFill/>
+                    </a:lnR>
+                    <a:lnT>
+                      <a:noFill/>
+                    </a:lnT>
+                    <a:lnB>
+                      <a:noFill/>
+                    </a:lnB>
+                    <a:noFill/>
+                  </a:tcPr>
+                </a:tc>
+                <a:tc>
+                  <a:txBody>
+                    <a:bodyPr/>
+                    <a:lstStyle/>
+                    <a:p>
+                      <a:pPr algn="l"/>
+                      <a:r>
+                        <a:rPr lang="es-ES" sz="900">
+                          <a:solidFill>
+                            <a:srgbClr val="000000"/>
+                          </a:solidFill>
+                          <a:effectLst/>
+                          <a:latin typeface="Calibri" panose="020F0502020204030204" pitchFamily="34" charset="0"/>
+                          <a:ea typeface="Times New Roman" panose="02020603050405020304" pitchFamily="18" charset="0"/>
+                        </a:rPr>
+                        <a:t>6.1</a:t>
+                      </a:r>
+                      <a:endParaRPr lang="es-PE" sz="1000">
+                        <a:effectLst/>
+                        <a:latin typeface="Times New Roman" panose="02020603050405020304" pitchFamily="18" charset="0"/>
+                        <a:ea typeface="Times New Roman" panose="02020603050405020304" pitchFamily="18" charset="0"/>
+                      </a:endParaRPr>
+                    </a:p>
+                  </a:txBody>
+                  <a:tcPr marL="36261" marR="36261" marT="0" marB="0" anchor="b">
+                    <a:lnL>
+                      <a:noFill/>
+                    </a:lnL>
+                    <a:lnR>
+                      <a:noFill/>
+                    </a:lnR>
+                    <a:lnT>
+                      <a:noFill/>
+                    </a:lnT>
+                    <a:lnB>
+                      <a:noFill/>
+                    </a:lnB>
+                    <a:noFill/>
+                  </a:tcPr>
+                </a:tc>
+                <a:extLst>
+                  <a:ext uri="{0D108BD9-81ED-4DB2-BD59-A6C34878D82A}">
+                    <a16:rowId xmlns:a16="http://schemas.microsoft.com/office/drawing/2014/main" val="1860825771"/>
+                  </a:ext>
+                </a:extLst>
+              </a:tr>
+              <a:tr h="155405">
+                <a:tc>
+                  <a:txBody>
+                    <a:bodyPr/>
+                    <a:lstStyle/>
+                    <a:p>
+                      <a:pPr algn="ctr"/>
+                      <a:r>
+                        <a:rPr lang="es-ES" sz="900">
+                          <a:solidFill>
+                            <a:srgbClr val="000000"/>
+                          </a:solidFill>
+                          <a:effectLst/>
+                          <a:latin typeface="Calibri" panose="020F0502020204030204" pitchFamily="34" charset="0"/>
+                          <a:ea typeface="Times New Roman" panose="02020603050405020304" pitchFamily="18" charset="0"/>
+                        </a:rPr>
+                        <a:t>NH4+-N</a:t>
+                      </a:r>
+                      <a:endParaRPr lang="es-PE" sz="1000">
+                        <a:effectLst/>
+                        <a:latin typeface="Times New Roman" panose="02020603050405020304" pitchFamily="18" charset="0"/>
+                        <a:ea typeface="Times New Roman" panose="02020603050405020304" pitchFamily="18" charset="0"/>
+                      </a:endParaRPr>
+                    </a:p>
+                  </a:txBody>
+                  <a:tcPr marL="36261" marR="36261" marT="0" marB="0" anchor="b">
+                    <a:lnL>
+                      <a:noFill/>
+                    </a:lnL>
+                    <a:lnR>
+                      <a:noFill/>
+                    </a:lnR>
+                    <a:lnT>
+                      <a:noFill/>
+                    </a:lnT>
+                    <a:lnB>
+                      <a:noFill/>
+                    </a:lnB>
+                    <a:noFill/>
+                  </a:tcPr>
+                </a:tc>
+                <a:tc>
+                  <a:txBody>
+                    <a:bodyPr/>
+                    <a:lstStyle/>
+                    <a:p>
+                      <a:pPr algn="ctr"/>
+                      <a:r>
+                        <a:rPr lang="es-ES" sz="900">
+                          <a:solidFill>
+                            <a:srgbClr val="000000"/>
+                          </a:solidFill>
+                          <a:effectLst/>
+                          <a:latin typeface="Calibri" panose="020F0502020204030204" pitchFamily="34" charset="0"/>
+                          <a:ea typeface="Times New Roman" panose="02020603050405020304" pitchFamily="18" charset="0"/>
+                        </a:rPr>
+                        <a:t>N40</a:t>
+                      </a:r>
+                      <a:endParaRPr lang="es-PE" sz="1000">
+                        <a:effectLst/>
+                        <a:latin typeface="Times New Roman" panose="02020603050405020304" pitchFamily="18" charset="0"/>
+                        <a:ea typeface="Times New Roman" panose="02020603050405020304" pitchFamily="18" charset="0"/>
+                      </a:endParaRPr>
+                    </a:p>
+                  </a:txBody>
+                  <a:tcPr marL="36261" marR="36261" marT="0" marB="0" anchor="b">
+                    <a:lnL>
+                      <a:noFill/>
+                    </a:lnL>
+                    <a:lnR>
+                      <a:noFill/>
+                    </a:lnR>
+                    <a:lnT>
+                      <a:noFill/>
+                    </a:lnT>
+                    <a:lnB>
+                      <a:noFill/>
+                    </a:lnB>
+                    <a:noFill/>
+                  </a:tcPr>
+                </a:tc>
+                <a:tc>
+                  <a:txBody>
+                    <a:bodyPr/>
+                    <a:lstStyle/>
+                    <a:p>
+                      <a:pPr algn="ctr"/>
+                      <a:r>
+                        <a:rPr lang="es-ES" sz="900">
+                          <a:solidFill>
+                            <a:srgbClr val="000000"/>
+                          </a:solidFill>
+                          <a:effectLst/>
+                          <a:latin typeface="Calibri" panose="020F0502020204030204" pitchFamily="34" charset="0"/>
+                          <a:ea typeface="Times New Roman" panose="02020603050405020304" pitchFamily="18" charset="0"/>
+                        </a:rPr>
+                        <a:t>20.1</a:t>
+                      </a:r>
+                      <a:endParaRPr lang="es-PE" sz="1000">
+                        <a:effectLst/>
+                        <a:latin typeface="Times New Roman" panose="02020603050405020304" pitchFamily="18" charset="0"/>
+                        <a:ea typeface="Times New Roman" panose="02020603050405020304" pitchFamily="18" charset="0"/>
+                      </a:endParaRPr>
+                    </a:p>
+                  </a:txBody>
+                  <a:tcPr marL="36261" marR="36261" marT="0" marB="0" anchor="b">
+                    <a:lnL>
+                      <a:noFill/>
+                    </a:lnL>
+                    <a:lnR>
+                      <a:noFill/>
+                    </a:lnR>
+                    <a:lnT>
+                      <a:noFill/>
+                    </a:lnT>
+                    <a:lnB>
+                      <a:noFill/>
+                    </a:lnB>
+                    <a:noFill/>
+                  </a:tcPr>
+                </a:tc>
+                <a:tc>
+                  <a:txBody>
+                    <a:bodyPr/>
+                    <a:lstStyle/>
+                    <a:p>
+                      <a:pPr algn="l"/>
+                      <a:r>
+                        <a:rPr lang="es-ES" sz="900">
+                          <a:solidFill>
+                            <a:srgbClr val="000000"/>
+                          </a:solidFill>
+                          <a:effectLst/>
+                          <a:latin typeface="Calibri" panose="020F0502020204030204" pitchFamily="34" charset="0"/>
+                          <a:ea typeface="Times New Roman" panose="02020603050405020304" pitchFamily="18" charset="0"/>
+                        </a:rPr>
+                        <a:t>NO3-N</a:t>
+                      </a:r>
+                      <a:endParaRPr lang="es-PE" sz="1000">
+                        <a:effectLst/>
+                        <a:latin typeface="Times New Roman" panose="02020603050405020304" pitchFamily="18" charset="0"/>
+                        <a:ea typeface="Times New Roman" panose="02020603050405020304" pitchFamily="18" charset="0"/>
+                      </a:endParaRPr>
+                    </a:p>
+                  </a:txBody>
+                  <a:tcPr marL="36261" marR="36261" marT="0" marB="0" anchor="b">
+                    <a:lnL>
+                      <a:noFill/>
+                    </a:lnL>
+                    <a:lnR>
+                      <a:noFill/>
+                    </a:lnR>
+                    <a:lnT>
+                      <a:noFill/>
+                    </a:lnT>
+                    <a:lnB>
+                      <a:noFill/>
+                    </a:lnB>
+                    <a:noFill/>
+                  </a:tcPr>
+                </a:tc>
+                <a:tc>
+                  <a:txBody>
+                    <a:bodyPr/>
+                    <a:lstStyle/>
+                    <a:p>
+                      <a:pPr algn="l"/>
+                      <a:r>
+                        <a:rPr lang="es-ES" sz="900">
+                          <a:solidFill>
+                            <a:srgbClr val="000000"/>
+                          </a:solidFill>
+                          <a:effectLst/>
+                          <a:latin typeface="Calibri" panose="020F0502020204030204" pitchFamily="34" charset="0"/>
+                          <a:ea typeface="Times New Roman" panose="02020603050405020304" pitchFamily="18" charset="0"/>
+                        </a:rPr>
+                        <a:t>N20</a:t>
+                      </a:r>
+                      <a:endParaRPr lang="es-PE" sz="1000">
+                        <a:effectLst/>
+                        <a:latin typeface="Times New Roman" panose="02020603050405020304" pitchFamily="18" charset="0"/>
+                        <a:ea typeface="Times New Roman" panose="02020603050405020304" pitchFamily="18" charset="0"/>
+                      </a:endParaRPr>
+                    </a:p>
+                  </a:txBody>
+                  <a:tcPr marL="36261" marR="36261" marT="0" marB="0" anchor="b">
+                    <a:lnL>
+                      <a:noFill/>
+                    </a:lnL>
+                    <a:lnR>
+                      <a:noFill/>
+                    </a:lnR>
+                    <a:lnT>
+                      <a:noFill/>
+                    </a:lnT>
+                    <a:lnB>
+                      <a:noFill/>
+                    </a:lnB>
+                    <a:noFill/>
+                  </a:tcPr>
+                </a:tc>
+                <a:tc>
+                  <a:txBody>
+                    <a:bodyPr/>
+                    <a:lstStyle/>
+                    <a:p>
+                      <a:pPr algn="l"/>
+                      <a:r>
+                        <a:rPr lang="es-ES" sz="900">
+                          <a:solidFill>
+                            <a:srgbClr val="000000"/>
+                          </a:solidFill>
+                          <a:effectLst/>
+                          <a:latin typeface="Calibri" panose="020F0502020204030204" pitchFamily="34" charset="0"/>
+                          <a:ea typeface="Times New Roman" panose="02020603050405020304" pitchFamily="18" charset="0"/>
+                        </a:rPr>
+                        <a:t>5</a:t>
+                      </a:r>
+                      <a:endParaRPr lang="es-PE" sz="1000">
+                        <a:effectLst/>
+                        <a:latin typeface="Times New Roman" panose="02020603050405020304" pitchFamily="18" charset="0"/>
+                        <a:ea typeface="Times New Roman" panose="02020603050405020304" pitchFamily="18" charset="0"/>
+                      </a:endParaRPr>
+                    </a:p>
+                  </a:txBody>
+                  <a:tcPr marL="36261" marR="36261" marT="0" marB="0" anchor="b">
+                    <a:lnL>
+                      <a:noFill/>
+                    </a:lnL>
+                    <a:lnR>
+                      <a:noFill/>
+                    </a:lnR>
+                    <a:lnT>
+                      <a:noFill/>
+                    </a:lnT>
+                    <a:lnB>
+                      <a:noFill/>
+                    </a:lnB>
+                    <a:noFill/>
+                  </a:tcPr>
+                </a:tc>
+                <a:extLst>
+                  <a:ext uri="{0D108BD9-81ED-4DB2-BD59-A6C34878D82A}">
+                    <a16:rowId xmlns:a16="http://schemas.microsoft.com/office/drawing/2014/main" val="1268631656"/>
+                  </a:ext>
+                </a:extLst>
+              </a:tr>
+              <a:tr h="155405">
+                <a:tc>
+                  <a:txBody>
+                    <a:bodyPr/>
+                    <a:lstStyle/>
+                    <a:p>
+                      <a:pPr algn="ctr"/>
+                      <a:r>
+                        <a:rPr lang="es-ES" sz="900">
+                          <a:solidFill>
+                            <a:srgbClr val="000000"/>
+                          </a:solidFill>
+                          <a:effectLst/>
+                          <a:latin typeface="Calibri" panose="020F0502020204030204" pitchFamily="34" charset="0"/>
+                          <a:ea typeface="Times New Roman" panose="02020603050405020304" pitchFamily="18" charset="0"/>
+                        </a:rPr>
+                        <a:t>NH4+-N</a:t>
+                      </a:r>
+                      <a:endParaRPr lang="es-PE" sz="1000">
+                        <a:effectLst/>
+                        <a:latin typeface="Times New Roman" panose="02020603050405020304" pitchFamily="18" charset="0"/>
+                        <a:ea typeface="Times New Roman" panose="02020603050405020304" pitchFamily="18" charset="0"/>
+                      </a:endParaRPr>
+                    </a:p>
+                  </a:txBody>
+                  <a:tcPr marL="36261" marR="36261" marT="0" marB="0" anchor="b">
+                    <a:lnL>
+                      <a:noFill/>
+                    </a:lnL>
+                    <a:lnR>
+                      <a:noFill/>
+                    </a:lnR>
+                    <a:lnT>
+                      <a:noFill/>
+                    </a:lnT>
+                    <a:lnB>
+                      <a:noFill/>
+                    </a:lnB>
+                    <a:noFill/>
+                  </a:tcPr>
+                </a:tc>
+                <a:tc>
+                  <a:txBody>
+                    <a:bodyPr/>
+                    <a:lstStyle/>
+                    <a:p>
+                      <a:pPr algn="ctr"/>
+                      <a:r>
+                        <a:rPr lang="es-ES" sz="900">
+                          <a:solidFill>
+                            <a:srgbClr val="000000"/>
+                          </a:solidFill>
+                          <a:effectLst/>
+                          <a:latin typeface="Calibri" panose="020F0502020204030204" pitchFamily="34" charset="0"/>
+                          <a:ea typeface="Times New Roman" panose="02020603050405020304" pitchFamily="18" charset="0"/>
+                        </a:rPr>
+                        <a:t>N40</a:t>
+                      </a:r>
+                      <a:endParaRPr lang="es-PE" sz="1000">
+                        <a:effectLst/>
+                        <a:latin typeface="Times New Roman" panose="02020603050405020304" pitchFamily="18" charset="0"/>
+                        <a:ea typeface="Times New Roman" panose="02020603050405020304" pitchFamily="18" charset="0"/>
+                      </a:endParaRPr>
+                    </a:p>
+                  </a:txBody>
+                  <a:tcPr marL="36261" marR="36261" marT="0" marB="0" anchor="b">
+                    <a:lnL>
+                      <a:noFill/>
+                    </a:lnL>
+                    <a:lnR>
+                      <a:noFill/>
+                    </a:lnR>
+                    <a:lnT>
+                      <a:noFill/>
+                    </a:lnT>
+                    <a:lnB>
+                      <a:noFill/>
+                    </a:lnB>
+                    <a:noFill/>
+                  </a:tcPr>
+                </a:tc>
+                <a:tc>
+                  <a:txBody>
+                    <a:bodyPr/>
+                    <a:lstStyle/>
+                    <a:p>
+                      <a:pPr algn="ctr"/>
+                      <a:r>
+                        <a:rPr lang="es-ES" sz="900">
+                          <a:solidFill>
+                            <a:srgbClr val="000000"/>
+                          </a:solidFill>
+                          <a:effectLst/>
+                          <a:latin typeface="Calibri" panose="020F0502020204030204" pitchFamily="34" charset="0"/>
+                          <a:ea typeface="Times New Roman" panose="02020603050405020304" pitchFamily="18" charset="0"/>
+                        </a:rPr>
+                        <a:t>21.3</a:t>
+                      </a:r>
+                      <a:endParaRPr lang="es-PE" sz="1000">
+                        <a:effectLst/>
+                        <a:latin typeface="Times New Roman" panose="02020603050405020304" pitchFamily="18" charset="0"/>
+                        <a:ea typeface="Times New Roman" panose="02020603050405020304" pitchFamily="18" charset="0"/>
+                      </a:endParaRPr>
+                    </a:p>
+                  </a:txBody>
+                  <a:tcPr marL="36261" marR="36261" marT="0" marB="0" anchor="b">
+                    <a:lnL>
+                      <a:noFill/>
+                    </a:lnL>
+                    <a:lnR>
+                      <a:noFill/>
+                    </a:lnR>
+                    <a:lnT>
+                      <a:noFill/>
+                    </a:lnT>
+                    <a:lnB>
+                      <a:noFill/>
+                    </a:lnB>
+                    <a:noFill/>
+                  </a:tcPr>
+                </a:tc>
+                <a:tc>
+                  <a:txBody>
+                    <a:bodyPr/>
+                    <a:lstStyle/>
+                    <a:p>
+                      <a:pPr algn="l"/>
+                      <a:r>
+                        <a:rPr lang="es-ES" sz="900">
+                          <a:solidFill>
+                            <a:srgbClr val="000000"/>
+                          </a:solidFill>
+                          <a:effectLst/>
+                          <a:latin typeface="Calibri" panose="020F0502020204030204" pitchFamily="34" charset="0"/>
+                          <a:ea typeface="Times New Roman" panose="02020603050405020304" pitchFamily="18" charset="0"/>
+                        </a:rPr>
+                        <a:t>NO3-N</a:t>
+                      </a:r>
+                      <a:endParaRPr lang="es-PE" sz="1000">
+                        <a:effectLst/>
+                        <a:latin typeface="Times New Roman" panose="02020603050405020304" pitchFamily="18" charset="0"/>
+                        <a:ea typeface="Times New Roman" panose="02020603050405020304" pitchFamily="18" charset="0"/>
+                      </a:endParaRPr>
+                    </a:p>
+                  </a:txBody>
+                  <a:tcPr marL="36261" marR="36261" marT="0" marB="0" anchor="b">
+                    <a:lnL>
+                      <a:noFill/>
+                    </a:lnL>
+                    <a:lnR>
+                      <a:noFill/>
+                    </a:lnR>
+                    <a:lnT>
+                      <a:noFill/>
+                    </a:lnT>
+                    <a:lnB>
+                      <a:noFill/>
+                    </a:lnB>
+                    <a:noFill/>
+                  </a:tcPr>
+                </a:tc>
+                <a:tc>
+                  <a:txBody>
+                    <a:bodyPr/>
+                    <a:lstStyle/>
+                    <a:p>
+                      <a:pPr algn="l"/>
+                      <a:r>
+                        <a:rPr lang="es-ES" sz="900">
+                          <a:solidFill>
+                            <a:srgbClr val="000000"/>
+                          </a:solidFill>
+                          <a:effectLst/>
+                          <a:latin typeface="Calibri" panose="020F0502020204030204" pitchFamily="34" charset="0"/>
+                          <a:ea typeface="Times New Roman" panose="02020603050405020304" pitchFamily="18" charset="0"/>
+                        </a:rPr>
+                        <a:t>N20</a:t>
+                      </a:r>
+                      <a:endParaRPr lang="es-PE" sz="1000">
+                        <a:effectLst/>
+                        <a:latin typeface="Times New Roman" panose="02020603050405020304" pitchFamily="18" charset="0"/>
+                        <a:ea typeface="Times New Roman" panose="02020603050405020304" pitchFamily="18" charset="0"/>
+                      </a:endParaRPr>
+                    </a:p>
+                  </a:txBody>
+                  <a:tcPr marL="36261" marR="36261" marT="0" marB="0" anchor="b">
+                    <a:lnL>
+                      <a:noFill/>
+                    </a:lnL>
+                    <a:lnR>
+                      <a:noFill/>
+                    </a:lnR>
+                    <a:lnT>
+                      <a:noFill/>
+                    </a:lnT>
+                    <a:lnB>
+                      <a:noFill/>
+                    </a:lnB>
+                    <a:noFill/>
+                  </a:tcPr>
+                </a:tc>
+                <a:tc>
+                  <a:txBody>
+                    <a:bodyPr/>
+                    <a:lstStyle/>
+                    <a:p>
+                      <a:pPr algn="l"/>
+                      <a:r>
+                        <a:rPr lang="es-ES" sz="900">
+                          <a:solidFill>
+                            <a:srgbClr val="000000"/>
+                          </a:solidFill>
+                          <a:effectLst/>
+                          <a:latin typeface="Calibri" panose="020F0502020204030204" pitchFamily="34" charset="0"/>
+                          <a:ea typeface="Times New Roman" panose="02020603050405020304" pitchFamily="18" charset="0"/>
+                        </a:rPr>
+                        <a:t>5.5</a:t>
+                      </a:r>
+                      <a:endParaRPr lang="es-PE" sz="1000">
+                        <a:effectLst/>
+                        <a:latin typeface="Times New Roman" panose="02020603050405020304" pitchFamily="18" charset="0"/>
+                        <a:ea typeface="Times New Roman" panose="02020603050405020304" pitchFamily="18" charset="0"/>
+                      </a:endParaRPr>
+                    </a:p>
+                  </a:txBody>
+                  <a:tcPr marL="36261" marR="36261" marT="0" marB="0" anchor="b">
+                    <a:lnL>
+                      <a:noFill/>
+                    </a:lnL>
+                    <a:lnR>
+                      <a:noFill/>
+                    </a:lnR>
+                    <a:lnT>
+                      <a:noFill/>
+                    </a:lnT>
+                    <a:lnB>
+                      <a:noFill/>
+                    </a:lnB>
+                    <a:noFill/>
+                  </a:tcPr>
+                </a:tc>
+                <a:extLst>
+                  <a:ext uri="{0D108BD9-81ED-4DB2-BD59-A6C34878D82A}">
+                    <a16:rowId xmlns:a16="http://schemas.microsoft.com/office/drawing/2014/main" val="1164595813"/>
+                  </a:ext>
+                </a:extLst>
+              </a:tr>
+              <a:tr h="155405">
+                <a:tc>
+                  <a:txBody>
+                    <a:bodyPr/>
+                    <a:lstStyle/>
+                    <a:p>
+                      <a:pPr algn="ctr"/>
+                      <a:r>
+                        <a:rPr lang="es-ES" sz="900">
+                          <a:solidFill>
+                            <a:srgbClr val="000000"/>
+                          </a:solidFill>
+                          <a:effectLst/>
+                          <a:latin typeface="Calibri" panose="020F0502020204030204" pitchFamily="34" charset="0"/>
+                          <a:ea typeface="Times New Roman" panose="02020603050405020304" pitchFamily="18" charset="0"/>
+                        </a:rPr>
+                        <a:t>NH4+-N</a:t>
+                      </a:r>
+                      <a:endParaRPr lang="es-PE" sz="1000">
+                        <a:effectLst/>
+                        <a:latin typeface="Times New Roman" panose="02020603050405020304" pitchFamily="18" charset="0"/>
+                        <a:ea typeface="Times New Roman" panose="02020603050405020304" pitchFamily="18" charset="0"/>
+                      </a:endParaRPr>
+                    </a:p>
+                  </a:txBody>
+                  <a:tcPr marL="36261" marR="36261" marT="0" marB="0" anchor="b">
+                    <a:lnL>
+                      <a:noFill/>
+                    </a:lnL>
+                    <a:lnR>
+                      <a:noFill/>
+                    </a:lnR>
+                    <a:lnT>
+                      <a:noFill/>
+                    </a:lnT>
+                    <a:lnB>
+                      <a:noFill/>
+                    </a:lnB>
+                    <a:noFill/>
+                  </a:tcPr>
+                </a:tc>
+                <a:tc>
+                  <a:txBody>
+                    <a:bodyPr/>
+                    <a:lstStyle/>
+                    <a:p>
+                      <a:pPr algn="ctr"/>
+                      <a:r>
+                        <a:rPr lang="es-ES" sz="900">
+                          <a:solidFill>
+                            <a:srgbClr val="000000"/>
+                          </a:solidFill>
+                          <a:effectLst/>
+                          <a:latin typeface="Calibri" panose="020F0502020204030204" pitchFamily="34" charset="0"/>
+                          <a:ea typeface="Times New Roman" panose="02020603050405020304" pitchFamily="18" charset="0"/>
+                        </a:rPr>
+                        <a:t>N40</a:t>
+                      </a:r>
+                      <a:endParaRPr lang="es-PE" sz="1000">
+                        <a:effectLst/>
+                        <a:latin typeface="Times New Roman" panose="02020603050405020304" pitchFamily="18" charset="0"/>
+                        <a:ea typeface="Times New Roman" panose="02020603050405020304" pitchFamily="18" charset="0"/>
+                      </a:endParaRPr>
+                    </a:p>
+                  </a:txBody>
+                  <a:tcPr marL="36261" marR="36261" marT="0" marB="0" anchor="b">
+                    <a:lnL>
+                      <a:noFill/>
+                    </a:lnL>
+                    <a:lnR>
+                      <a:noFill/>
+                    </a:lnR>
+                    <a:lnT>
+                      <a:noFill/>
+                    </a:lnT>
+                    <a:lnB>
+                      <a:noFill/>
+                    </a:lnB>
+                    <a:noFill/>
+                  </a:tcPr>
+                </a:tc>
+                <a:tc>
+                  <a:txBody>
+                    <a:bodyPr/>
+                    <a:lstStyle/>
+                    <a:p>
+                      <a:pPr algn="ctr"/>
+                      <a:r>
+                        <a:rPr lang="es-ES" sz="900">
+                          <a:solidFill>
+                            <a:srgbClr val="000000"/>
+                          </a:solidFill>
+                          <a:effectLst/>
+                          <a:latin typeface="Calibri" panose="020F0502020204030204" pitchFamily="34" charset="0"/>
+                          <a:ea typeface="Times New Roman" panose="02020603050405020304" pitchFamily="18" charset="0"/>
+                        </a:rPr>
+                        <a:t>22.5</a:t>
+                      </a:r>
+                      <a:endParaRPr lang="es-PE" sz="1000">
+                        <a:effectLst/>
+                        <a:latin typeface="Times New Roman" panose="02020603050405020304" pitchFamily="18" charset="0"/>
+                        <a:ea typeface="Times New Roman" panose="02020603050405020304" pitchFamily="18" charset="0"/>
+                      </a:endParaRPr>
+                    </a:p>
+                  </a:txBody>
+                  <a:tcPr marL="36261" marR="36261" marT="0" marB="0" anchor="b">
+                    <a:lnL>
+                      <a:noFill/>
+                    </a:lnL>
+                    <a:lnR>
+                      <a:noFill/>
+                    </a:lnR>
+                    <a:lnT>
+                      <a:noFill/>
+                    </a:lnT>
+                    <a:lnB>
+                      <a:noFill/>
+                    </a:lnB>
+                    <a:noFill/>
+                  </a:tcPr>
+                </a:tc>
+                <a:tc>
+                  <a:txBody>
+                    <a:bodyPr/>
+                    <a:lstStyle/>
+                    <a:p>
+                      <a:pPr algn="l"/>
+                      <a:r>
+                        <a:rPr lang="es-ES" sz="900">
+                          <a:solidFill>
+                            <a:srgbClr val="000000"/>
+                          </a:solidFill>
+                          <a:effectLst/>
+                          <a:latin typeface="Calibri" panose="020F0502020204030204" pitchFamily="34" charset="0"/>
+                          <a:ea typeface="Times New Roman" panose="02020603050405020304" pitchFamily="18" charset="0"/>
+                        </a:rPr>
+                        <a:t>NO3-N</a:t>
+                      </a:r>
+                      <a:endParaRPr lang="es-PE" sz="1000">
+                        <a:effectLst/>
+                        <a:latin typeface="Times New Roman" panose="02020603050405020304" pitchFamily="18" charset="0"/>
+                        <a:ea typeface="Times New Roman" panose="02020603050405020304" pitchFamily="18" charset="0"/>
+                      </a:endParaRPr>
+                    </a:p>
+                  </a:txBody>
+                  <a:tcPr marL="36261" marR="36261" marT="0" marB="0" anchor="b">
+                    <a:lnL>
+                      <a:noFill/>
+                    </a:lnL>
+                    <a:lnR>
+                      <a:noFill/>
+                    </a:lnR>
+                    <a:lnT>
+                      <a:noFill/>
+                    </a:lnT>
+                    <a:lnB>
+                      <a:noFill/>
+                    </a:lnB>
+                    <a:noFill/>
+                  </a:tcPr>
+                </a:tc>
+                <a:tc>
+                  <a:txBody>
+                    <a:bodyPr/>
+                    <a:lstStyle/>
+                    <a:p>
+                      <a:pPr algn="l"/>
+                      <a:r>
+                        <a:rPr lang="es-ES" sz="900">
+                          <a:solidFill>
+                            <a:srgbClr val="000000"/>
+                          </a:solidFill>
+                          <a:effectLst/>
+                          <a:latin typeface="Calibri" panose="020F0502020204030204" pitchFamily="34" charset="0"/>
+                          <a:ea typeface="Times New Roman" panose="02020603050405020304" pitchFamily="18" charset="0"/>
+                        </a:rPr>
+                        <a:t>N20</a:t>
+                      </a:r>
+                      <a:endParaRPr lang="es-PE" sz="1000">
+                        <a:effectLst/>
+                        <a:latin typeface="Times New Roman" panose="02020603050405020304" pitchFamily="18" charset="0"/>
+                        <a:ea typeface="Times New Roman" panose="02020603050405020304" pitchFamily="18" charset="0"/>
+                      </a:endParaRPr>
+                    </a:p>
+                  </a:txBody>
+                  <a:tcPr marL="36261" marR="36261" marT="0" marB="0" anchor="b">
+                    <a:lnL>
+                      <a:noFill/>
+                    </a:lnL>
+                    <a:lnR>
+                      <a:noFill/>
+                    </a:lnR>
+                    <a:lnT>
+                      <a:noFill/>
+                    </a:lnT>
+                    <a:lnB>
+                      <a:noFill/>
+                    </a:lnB>
+                    <a:noFill/>
+                  </a:tcPr>
+                </a:tc>
+                <a:tc>
+                  <a:txBody>
+                    <a:bodyPr/>
+                    <a:lstStyle/>
+                    <a:p>
+                      <a:pPr algn="l"/>
+                      <a:r>
+                        <a:rPr lang="es-ES" sz="900">
+                          <a:solidFill>
+                            <a:srgbClr val="000000"/>
+                          </a:solidFill>
+                          <a:effectLst/>
+                          <a:latin typeface="Calibri" panose="020F0502020204030204" pitchFamily="34" charset="0"/>
+                          <a:ea typeface="Times New Roman" panose="02020603050405020304" pitchFamily="18" charset="0"/>
+                        </a:rPr>
+                        <a:t>6</a:t>
+                      </a:r>
+                      <a:endParaRPr lang="es-PE" sz="1000">
+                        <a:effectLst/>
+                        <a:latin typeface="Times New Roman" panose="02020603050405020304" pitchFamily="18" charset="0"/>
+                        <a:ea typeface="Times New Roman" panose="02020603050405020304" pitchFamily="18" charset="0"/>
+                      </a:endParaRPr>
+                    </a:p>
+                  </a:txBody>
+                  <a:tcPr marL="36261" marR="36261" marT="0" marB="0" anchor="b">
+                    <a:lnL>
+                      <a:noFill/>
+                    </a:lnL>
+                    <a:lnR>
+                      <a:noFill/>
+                    </a:lnR>
+                    <a:lnT>
+                      <a:noFill/>
+                    </a:lnT>
+                    <a:lnB>
+                      <a:noFill/>
+                    </a:lnB>
+                    <a:noFill/>
+                  </a:tcPr>
+                </a:tc>
+                <a:extLst>
+                  <a:ext uri="{0D108BD9-81ED-4DB2-BD59-A6C34878D82A}">
+                    <a16:rowId xmlns:a16="http://schemas.microsoft.com/office/drawing/2014/main" val="2850864283"/>
+                  </a:ext>
+                </a:extLst>
+              </a:tr>
+              <a:tr h="155405">
+                <a:tc>
+                  <a:txBody>
+                    <a:bodyPr/>
+                    <a:lstStyle/>
+                    <a:p>
+                      <a:pPr algn="ctr"/>
+                      <a:r>
+                        <a:rPr lang="es-ES" sz="900">
+                          <a:solidFill>
+                            <a:srgbClr val="000000"/>
+                          </a:solidFill>
+                          <a:effectLst/>
+                          <a:latin typeface="Calibri" panose="020F0502020204030204" pitchFamily="34" charset="0"/>
+                          <a:ea typeface="Times New Roman" panose="02020603050405020304" pitchFamily="18" charset="0"/>
+                        </a:rPr>
+                        <a:t>NH4+-N</a:t>
+                      </a:r>
+                      <a:endParaRPr lang="es-PE" sz="1000">
+                        <a:effectLst/>
+                        <a:latin typeface="Times New Roman" panose="02020603050405020304" pitchFamily="18" charset="0"/>
+                        <a:ea typeface="Times New Roman" panose="02020603050405020304" pitchFamily="18" charset="0"/>
+                      </a:endParaRPr>
+                    </a:p>
+                  </a:txBody>
+                  <a:tcPr marL="36261" marR="36261" marT="0" marB="0" anchor="b">
+                    <a:lnL>
+                      <a:noFill/>
+                    </a:lnL>
+                    <a:lnR>
+                      <a:noFill/>
+                    </a:lnR>
+                    <a:lnT>
+                      <a:noFill/>
+                    </a:lnT>
+                    <a:lnB>
+                      <a:noFill/>
+                    </a:lnB>
+                    <a:noFill/>
+                  </a:tcPr>
+                </a:tc>
+                <a:tc>
+                  <a:txBody>
+                    <a:bodyPr/>
+                    <a:lstStyle/>
+                    <a:p>
+                      <a:pPr algn="ctr"/>
+                      <a:r>
+                        <a:rPr lang="es-ES" sz="900">
+                          <a:solidFill>
+                            <a:srgbClr val="000000"/>
+                          </a:solidFill>
+                          <a:effectLst/>
+                          <a:latin typeface="Calibri" panose="020F0502020204030204" pitchFamily="34" charset="0"/>
+                          <a:ea typeface="Times New Roman" panose="02020603050405020304" pitchFamily="18" charset="0"/>
+                        </a:rPr>
+                        <a:t>N60</a:t>
+                      </a:r>
+                      <a:endParaRPr lang="es-PE" sz="1000">
+                        <a:effectLst/>
+                        <a:latin typeface="Times New Roman" panose="02020603050405020304" pitchFamily="18" charset="0"/>
+                        <a:ea typeface="Times New Roman" panose="02020603050405020304" pitchFamily="18" charset="0"/>
+                      </a:endParaRPr>
+                    </a:p>
+                  </a:txBody>
+                  <a:tcPr marL="36261" marR="36261" marT="0" marB="0" anchor="b">
+                    <a:lnL>
+                      <a:noFill/>
+                    </a:lnL>
+                    <a:lnR>
+                      <a:noFill/>
+                    </a:lnR>
+                    <a:lnT>
+                      <a:noFill/>
+                    </a:lnT>
+                    <a:lnB>
+                      <a:noFill/>
+                    </a:lnB>
+                    <a:noFill/>
+                  </a:tcPr>
+                </a:tc>
+                <a:tc>
+                  <a:txBody>
+                    <a:bodyPr/>
+                    <a:lstStyle/>
+                    <a:p>
+                      <a:pPr algn="ctr"/>
+                      <a:r>
+                        <a:rPr lang="es-ES" sz="900">
+                          <a:solidFill>
+                            <a:srgbClr val="000000"/>
+                          </a:solidFill>
+                          <a:effectLst/>
+                          <a:latin typeface="Calibri" panose="020F0502020204030204" pitchFamily="34" charset="0"/>
+                          <a:ea typeface="Times New Roman" panose="02020603050405020304" pitchFamily="18" charset="0"/>
+                        </a:rPr>
+                        <a:t>21.3</a:t>
+                      </a:r>
+                      <a:endParaRPr lang="es-PE" sz="1000">
+                        <a:effectLst/>
+                        <a:latin typeface="Times New Roman" panose="02020603050405020304" pitchFamily="18" charset="0"/>
+                        <a:ea typeface="Times New Roman" panose="02020603050405020304" pitchFamily="18" charset="0"/>
+                      </a:endParaRPr>
+                    </a:p>
+                  </a:txBody>
+                  <a:tcPr marL="36261" marR="36261" marT="0" marB="0" anchor="b">
+                    <a:lnL>
+                      <a:noFill/>
+                    </a:lnL>
+                    <a:lnR>
+                      <a:noFill/>
+                    </a:lnR>
+                    <a:lnT>
+                      <a:noFill/>
+                    </a:lnT>
+                    <a:lnB>
+                      <a:noFill/>
+                    </a:lnB>
+                    <a:noFill/>
+                  </a:tcPr>
+                </a:tc>
+                <a:tc>
+                  <a:txBody>
+                    <a:bodyPr/>
+                    <a:lstStyle/>
+                    <a:p>
+                      <a:pPr algn="l"/>
+                      <a:r>
+                        <a:rPr lang="es-ES" sz="900">
+                          <a:solidFill>
+                            <a:srgbClr val="000000"/>
+                          </a:solidFill>
+                          <a:effectLst/>
+                          <a:latin typeface="Calibri" panose="020F0502020204030204" pitchFamily="34" charset="0"/>
+                          <a:ea typeface="Times New Roman" panose="02020603050405020304" pitchFamily="18" charset="0"/>
+                        </a:rPr>
+                        <a:t>NO3-N</a:t>
+                      </a:r>
+                      <a:endParaRPr lang="es-PE" sz="1000">
+                        <a:effectLst/>
+                        <a:latin typeface="Times New Roman" panose="02020603050405020304" pitchFamily="18" charset="0"/>
+                        <a:ea typeface="Times New Roman" panose="02020603050405020304" pitchFamily="18" charset="0"/>
+                      </a:endParaRPr>
+                    </a:p>
+                  </a:txBody>
+                  <a:tcPr marL="36261" marR="36261" marT="0" marB="0" anchor="b">
+                    <a:lnL>
+                      <a:noFill/>
+                    </a:lnL>
+                    <a:lnR>
+                      <a:noFill/>
+                    </a:lnR>
+                    <a:lnT>
+                      <a:noFill/>
+                    </a:lnT>
+                    <a:lnB>
+                      <a:noFill/>
+                    </a:lnB>
+                    <a:noFill/>
+                  </a:tcPr>
+                </a:tc>
+                <a:tc>
+                  <a:txBody>
+                    <a:bodyPr/>
+                    <a:lstStyle/>
+                    <a:p>
+                      <a:pPr algn="l"/>
+                      <a:r>
+                        <a:rPr lang="es-ES" sz="900">
+                          <a:solidFill>
+                            <a:srgbClr val="000000"/>
+                          </a:solidFill>
+                          <a:effectLst/>
+                          <a:latin typeface="Calibri" panose="020F0502020204030204" pitchFamily="34" charset="0"/>
+                          <a:ea typeface="Times New Roman" panose="02020603050405020304" pitchFamily="18" charset="0"/>
+                        </a:rPr>
+                        <a:t>N40</a:t>
+                      </a:r>
+                      <a:endParaRPr lang="es-PE" sz="1000">
+                        <a:effectLst/>
+                        <a:latin typeface="Times New Roman" panose="02020603050405020304" pitchFamily="18" charset="0"/>
+                        <a:ea typeface="Times New Roman" panose="02020603050405020304" pitchFamily="18" charset="0"/>
+                      </a:endParaRPr>
+                    </a:p>
+                  </a:txBody>
+                  <a:tcPr marL="36261" marR="36261" marT="0" marB="0" anchor="b">
+                    <a:lnL>
+                      <a:noFill/>
+                    </a:lnL>
+                    <a:lnR>
+                      <a:noFill/>
+                    </a:lnR>
+                    <a:lnT>
+                      <a:noFill/>
+                    </a:lnT>
+                    <a:lnB>
+                      <a:noFill/>
+                    </a:lnB>
+                    <a:noFill/>
+                  </a:tcPr>
+                </a:tc>
+                <a:tc>
+                  <a:txBody>
+                    <a:bodyPr/>
+                    <a:lstStyle/>
+                    <a:p>
+                      <a:pPr algn="l"/>
+                      <a:r>
+                        <a:rPr lang="es-ES" sz="900">
+                          <a:solidFill>
+                            <a:srgbClr val="000000"/>
+                          </a:solidFill>
+                          <a:effectLst/>
+                          <a:latin typeface="Calibri" panose="020F0502020204030204" pitchFamily="34" charset="0"/>
+                          <a:ea typeface="Times New Roman" panose="02020603050405020304" pitchFamily="18" charset="0"/>
+                        </a:rPr>
+                        <a:t>4</a:t>
+                      </a:r>
+                      <a:endParaRPr lang="es-PE" sz="1000">
+                        <a:effectLst/>
+                        <a:latin typeface="Times New Roman" panose="02020603050405020304" pitchFamily="18" charset="0"/>
+                        <a:ea typeface="Times New Roman" panose="02020603050405020304" pitchFamily="18" charset="0"/>
+                      </a:endParaRPr>
+                    </a:p>
+                  </a:txBody>
+                  <a:tcPr marL="36261" marR="36261" marT="0" marB="0" anchor="b">
+                    <a:lnL>
+                      <a:noFill/>
+                    </a:lnL>
+                    <a:lnR>
+                      <a:noFill/>
+                    </a:lnR>
+                    <a:lnT>
+                      <a:noFill/>
+                    </a:lnT>
+                    <a:lnB>
+                      <a:noFill/>
+                    </a:lnB>
+                    <a:noFill/>
+                  </a:tcPr>
+                </a:tc>
+                <a:extLst>
+                  <a:ext uri="{0D108BD9-81ED-4DB2-BD59-A6C34878D82A}">
+                    <a16:rowId xmlns:a16="http://schemas.microsoft.com/office/drawing/2014/main" val="2644266853"/>
+                  </a:ext>
+                </a:extLst>
+              </a:tr>
+              <a:tr h="155405">
+                <a:tc>
+                  <a:txBody>
+                    <a:bodyPr/>
+                    <a:lstStyle/>
+                    <a:p>
+                      <a:pPr algn="ctr"/>
+                      <a:r>
+                        <a:rPr lang="es-ES" sz="900">
+                          <a:solidFill>
+                            <a:srgbClr val="000000"/>
+                          </a:solidFill>
+                          <a:effectLst/>
+                          <a:latin typeface="Calibri" panose="020F0502020204030204" pitchFamily="34" charset="0"/>
+                          <a:ea typeface="Times New Roman" panose="02020603050405020304" pitchFamily="18" charset="0"/>
+                        </a:rPr>
+                        <a:t>NH4+-N</a:t>
+                      </a:r>
+                      <a:endParaRPr lang="es-PE" sz="1000">
+                        <a:effectLst/>
+                        <a:latin typeface="Times New Roman" panose="02020603050405020304" pitchFamily="18" charset="0"/>
+                        <a:ea typeface="Times New Roman" panose="02020603050405020304" pitchFamily="18" charset="0"/>
+                      </a:endParaRPr>
+                    </a:p>
+                  </a:txBody>
+                  <a:tcPr marL="36261" marR="36261" marT="0" marB="0" anchor="b">
+                    <a:lnL>
+                      <a:noFill/>
+                    </a:lnL>
+                    <a:lnR>
+                      <a:noFill/>
+                    </a:lnR>
+                    <a:lnT>
+                      <a:noFill/>
+                    </a:lnT>
+                    <a:lnB>
+                      <a:noFill/>
+                    </a:lnB>
+                    <a:noFill/>
+                  </a:tcPr>
+                </a:tc>
+                <a:tc>
+                  <a:txBody>
+                    <a:bodyPr/>
+                    <a:lstStyle/>
+                    <a:p>
+                      <a:pPr algn="ctr"/>
+                      <a:r>
+                        <a:rPr lang="es-ES" sz="900">
+                          <a:solidFill>
+                            <a:srgbClr val="000000"/>
+                          </a:solidFill>
+                          <a:effectLst/>
+                          <a:latin typeface="Calibri" panose="020F0502020204030204" pitchFamily="34" charset="0"/>
+                          <a:ea typeface="Times New Roman" panose="02020603050405020304" pitchFamily="18" charset="0"/>
+                        </a:rPr>
+                        <a:t>N60</a:t>
+                      </a:r>
+                      <a:endParaRPr lang="es-PE" sz="1000">
+                        <a:effectLst/>
+                        <a:latin typeface="Times New Roman" panose="02020603050405020304" pitchFamily="18" charset="0"/>
+                        <a:ea typeface="Times New Roman" panose="02020603050405020304" pitchFamily="18" charset="0"/>
+                      </a:endParaRPr>
+                    </a:p>
+                  </a:txBody>
+                  <a:tcPr marL="36261" marR="36261" marT="0" marB="0" anchor="b">
+                    <a:lnL>
+                      <a:noFill/>
+                    </a:lnL>
+                    <a:lnR>
+                      <a:noFill/>
+                    </a:lnR>
+                    <a:lnT>
+                      <a:noFill/>
+                    </a:lnT>
+                    <a:lnB>
+                      <a:noFill/>
+                    </a:lnB>
+                    <a:noFill/>
+                  </a:tcPr>
+                </a:tc>
+                <a:tc>
+                  <a:txBody>
+                    <a:bodyPr/>
+                    <a:lstStyle/>
+                    <a:p>
+                      <a:pPr algn="ctr"/>
+                      <a:r>
+                        <a:rPr lang="es-ES" sz="900">
+                          <a:solidFill>
+                            <a:srgbClr val="000000"/>
+                          </a:solidFill>
+                          <a:effectLst/>
+                          <a:latin typeface="Calibri" panose="020F0502020204030204" pitchFamily="34" charset="0"/>
+                          <a:ea typeface="Times New Roman" panose="02020603050405020304" pitchFamily="18" charset="0"/>
+                        </a:rPr>
+                        <a:t>22.5</a:t>
+                      </a:r>
+                      <a:endParaRPr lang="es-PE" sz="1000">
+                        <a:effectLst/>
+                        <a:latin typeface="Times New Roman" panose="02020603050405020304" pitchFamily="18" charset="0"/>
+                        <a:ea typeface="Times New Roman" panose="02020603050405020304" pitchFamily="18" charset="0"/>
+                      </a:endParaRPr>
+                    </a:p>
+                  </a:txBody>
+                  <a:tcPr marL="36261" marR="36261" marT="0" marB="0" anchor="b">
+                    <a:lnL>
+                      <a:noFill/>
+                    </a:lnL>
+                    <a:lnR>
+                      <a:noFill/>
+                    </a:lnR>
+                    <a:lnT>
+                      <a:noFill/>
+                    </a:lnT>
+                    <a:lnB>
+                      <a:noFill/>
+                    </a:lnB>
+                    <a:noFill/>
+                  </a:tcPr>
+                </a:tc>
+                <a:tc>
+                  <a:txBody>
+                    <a:bodyPr/>
+                    <a:lstStyle/>
+                    <a:p>
+                      <a:pPr algn="l"/>
+                      <a:r>
+                        <a:rPr lang="es-ES" sz="900">
+                          <a:solidFill>
+                            <a:srgbClr val="000000"/>
+                          </a:solidFill>
+                          <a:effectLst/>
+                          <a:latin typeface="Calibri" panose="020F0502020204030204" pitchFamily="34" charset="0"/>
+                          <a:ea typeface="Times New Roman" panose="02020603050405020304" pitchFamily="18" charset="0"/>
+                        </a:rPr>
+                        <a:t>NO3-N</a:t>
+                      </a:r>
+                      <a:endParaRPr lang="es-PE" sz="1000">
+                        <a:effectLst/>
+                        <a:latin typeface="Times New Roman" panose="02020603050405020304" pitchFamily="18" charset="0"/>
+                        <a:ea typeface="Times New Roman" panose="02020603050405020304" pitchFamily="18" charset="0"/>
+                      </a:endParaRPr>
+                    </a:p>
+                  </a:txBody>
+                  <a:tcPr marL="36261" marR="36261" marT="0" marB="0" anchor="b">
+                    <a:lnL>
+                      <a:noFill/>
+                    </a:lnL>
+                    <a:lnR>
+                      <a:noFill/>
+                    </a:lnR>
+                    <a:lnT>
+                      <a:noFill/>
+                    </a:lnT>
+                    <a:lnB>
+                      <a:noFill/>
+                    </a:lnB>
+                    <a:noFill/>
+                  </a:tcPr>
+                </a:tc>
+                <a:tc>
+                  <a:txBody>
+                    <a:bodyPr/>
+                    <a:lstStyle/>
+                    <a:p>
+                      <a:pPr algn="l"/>
+                      <a:r>
+                        <a:rPr lang="es-ES" sz="900">
+                          <a:solidFill>
+                            <a:srgbClr val="000000"/>
+                          </a:solidFill>
+                          <a:effectLst/>
+                          <a:latin typeface="Calibri" panose="020F0502020204030204" pitchFamily="34" charset="0"/>
+                          <a:ea typeface="Times New Roman" panose="02020603050405020304" pitchFamily="18" charset="0"/>
+                        </a:rPr>
+                        <a:t>N40</a:t>
+                      </a:r>
+                      <a:endParaRPr lang="es-PE" sz="1000">
+                        <a:effectLst/>
+                        <a:latin typeface="Times New Roman" panose="02020603050405020304" pitchFamily="18" charset="0"/>
+                        <a:ea typeface="Times New Roman" panose="02020603050405020304" pitchFamily="18" charset="0"/>
+                      </a:endParaRPr>
+                    </a:p>
+                  </a:txBody>
+                  <a:tcPr marL="36261" marR="36261" marT="0" marB="0" anchor="b">
+                    <a:lnL>
+                      <a:noFill/>
+                    </a:lnL>
+                    <a:lnR>
+                      <a:noFill/>
+                    </a:lnR>
+                    <a:lnT>
+                      <a:noFill/>
+                    </a:lnT>
+                    <a:lnB>
+                      <a:noFill/>
+                    </a:lnB>
+                    <a:noFill/>
+                  </a:tcPr>
+                </a:tc>
+                <a:tc>
+                  <a:txBody>
+                    <a:bodyPr/>
+                    <a:lstStyle/>
+                    <a:p>
+                      <a:pPr algn="l"/>
+                      <a:r>
+                        <a:rPr lang="es-ES" sz="900">
+                          <a:solidFill>
+                            <a:srgbClr val="000000"/>
+                          </a:solidFill>
+                          <a:effectLst/>
+                          <a:latin typeface="Calibri" panose="020F0502020204030204" pitchFamily="34" charset="0"/>
+                          <a:ea typeface="Times New Roman" panose="02020603050405020304" pitchFamily="18" charset="0"/>
+                        </a:rPr>
+                        <a:t>4.4</a:t>
+                      </a:r>
+                      <a:endParaRPr lang="es-PE" sz="1000">
+                        <a:effectLst/>
+                        <a:latin typeface="Times New Roman" panose="02020603050405020304" pitchFamily="18" charset="0"/>
+                        <a:ea typeface="Times New Roman" panose="02020603050405020304" pitchFamily="18" charset="0"/>
+                      </a:endParaRPr>
+                    </a:p>
+                  </a:txBody>
+                  <a:tcPr marL="36261" marR="36261" marT="0" marB="0" anchor="b">
+                    <a:lnL>
+                      <a:noFill/>
+                    </a:lnL>
+                    <a:lnR>
+                      <a:noFill/>
+                    </a:lnR>
+                    <a:lnT>
+                      <a:noFill/>
+                    </a:lnT>
+                    <a:lnB>
+                      <a:noFill/>
+                    </a:lnB>
+                    <a:noFill/>
+                  </a:tcPr>
+                </a:tc>
+                <a:extLst>
+                  <a:ext uri="{0D108BD9-81ED-4DB2-BD59-A6C34878D82A}">
+                    <a16:rowId xmlns:a16="http://schemas.microsoft.com/office/drawing/2014/main" val="72507133"/>
+                  </a:ext>
+                </a:extLst>
+              </a:tr>
+              <a:tr h="155405">
+                <a:tc>
+                  <a:txBody>
+                    <a:bodyPr/>
+                    <a:lstStyle/>
+                    <a:p>
+                      <a:pPr algn="ctr"/>
+                      <a:r>
+                        <a:rPr lang="es-ES" sz="900">
+                          <a:solidFill>
+                            <a:srgbClr val="000000"/>
+                          </a:solidFill>
+                          <a:effectLst/>
+                          <a:latin typeface="Calibri" panose="020F0502020204030204" pitchFamily="34" charset="0"/>
+                          <a:ea typeface="Times New Roman" panose="02020603050405020304" pitchFamily="18" charset="0"/>
+                        </a:rPr>
+                        <a:t>NH4+-N</a:t>
+                      </a:r>
+                      <a:endParaRPr lang="es-PE" sz="1000">
+                        <a:effectLst/>
+                        <a:latin typeface="Times New Roman" panose="02020603050405020304" pitchFamily="18" charset="0"/>
+                        <a:ea typeface="Times New Roman" panose="02020603050405020304" pitchFamily="18" charset="0"/>
+                      </a:endParaRPr>
+                    </a:p>
+                  </a:txBody>
+                  <a:tcPr marL="36261" marR="36261" marT="0" marB="0" anchor="b">
+                    <a:lnL>
+                      <a:noFill/>
+                    </a:lnL>
+                    <a:lnR>
+                      <a:noFill/>
+                    </a:lnR>
+                    <a:lnT>
+                      <a:noFill/>
+                    </a:lnT>
+                    <a:lnB>
+                      <a:noFill/>
+                    </a:lnB>
+                    <a:noFill/>
+                  </a:tcPr>
+                </a:tc>
+                <a:tc>
+                  <a:txBody>
+                    <a:bodyPr/>
+                    <a:lstStyle/>
+                    <a:p>
+                      <a:pPr algn="ctr"/>
+                      <a:r>
+                        <a:rPr lang="es-ES" sz="900">
+                          <a:solidFill>
+                            <a:srgbClr val="000000"/>
+                          </a:solidFill>
+                          <a:effectLst/>
+                          <a:latin typeface="Calibri" panose="020F0502020204030204" pitchFamily="34" charset="0"/>
+                          <a:ea typeface="Times New Roman" panose="02020603050405020304" pitchFamily="18" charset="0"/>
+                        </a:rPr>
+                        <a:t>N60</a:t>
+                      </a:r>
+                      <a:endParaRPr lang="es-PE" sz="1000">
+                        <a:effectLst/>
+                        <a:latin typeface="Times New Roman" panose="02020603050405020304" pitchFamily="18" charset="0"/>
+                        <a:ea typeface="Times New Roman" panose="02020603050405020304" pitchFamily="18" charset="0"/>
+                      </a:endParaRPr>
+                    </a:p>
+                  </a:txBody>
+                  <a:tcPr marL="36261" marR="36261" marT="0" marB="0" anchor="b">
+                    <a:lnL>
+                      <a:noFill/>
+                    </a:lnL>
+                    <a:lnR>
+                      <a:noFill/>
+                    </a:lnR>
+                    <a:lnT>
+                      <a:noFill/>
+                    </a:lnT>
+                    <a:lnB>
+                      <a:noFill/>
+                    </a:lnB>
+                    <a:noFill/>
+                  </a:tcPr>
+                </a:tc>
+                <a:tc>
+                  <a:txBody>
+                    <a:bodyPr/>
+                    <a:lstStyle/>
+                    <a:p>
+                      <a:pPr algn="ctr"/>
+                      <a:r>
+                        <a:rPr lang="es-ES" sz="900">
+                          <a:solidFill>
+                            <a:srgbClr val="000000"/>
+                          </a:solidFill>
+                          <a:effectLst/>
+                          <a:latin typeface="Calibri" panose="020F0502020204030204" pitchFamily="34" charset="0"/>
+                          <a:ea typeface="Times New Roman" panose="02020603050405020304" pitchFamily="18" charset="0"/>
+                        </a:rPr>
+                        <a:t>23.7</a:t>
+                      </a:r>
+                      <a:endParaRPr lang="es-PE" sz="1000">
+                        <a:effectLst/>
+                        <a:latin typeface="Times New Roman" panose="02020603050405020304" pitchFamily="18" charset="0"/>
+                        <a:ea typeface="Times New Roman" panose="02020603050405020304" pitchFamily="18" charset="0"/>
+                      </a:endParaRPr>
+                    </a:p>
+                  </a:txBody>
+                  <a:tcPr marL="36261" marR="36261" marT="0" marB="0" anchor="b">
+                    <a:lnL>
+                      <a:noFill/>
+                    </a:lnL>
+                    <a:lnR>
+                      <a:noFill/>
+                    </a:lnR>
+                    <a:lnT>
+                      <a:noFill/>
+                    </a:lnT>
+                    <a:lnB>
+                      <a:noFill/>
+                    </a:lnB>
+                    <a:noFill/>
+                  </a:tcPr>
+                </a:tc>
+                <a:tc>
+                  <a:txBody>
+                    <a:bodyPr/>
+                    <a:lstStyle/>
+                    <a:p>
+                      <a:pPr algn="l"/>
+                      <a:r>
+                        <a:rPr lang="es-ES" sz="900">
+                          <a:solidFill>
+                            <a:srgbClr val="000000"/>
+                          </a:solidFill>
+                          <a:effectLst/>
+                          <a:latin typeface="Calibri" panose="020F0502020204030204" pitchFamily="34" charset="0"/>
+                          <a:ea typeface="Times New Roman" panose="02020603050405020304" pitchFamily="18" charset="0"/>
+                        </a:rPr>
+                        <a:t>NO3-N</a:t>
+                      </a:r>
+                      <a:endParaRPr lang="es-PE" sz="1000">
+                        <a:effectLst/>
+                        <a:latin typeface="Times New Roman" panose="02020603050405020304" pitchFamily="18" charset="0"/>
+                        <a:ea typeface="Times New Roman" panose="02020603050405020304" pitchFamily="18" charset="0"/>
+                      </a:endParaRPr>
+                    </a:p>
+                  </a:txBody>
+                  <a:tcPr marL="36261" marR="36261" marT="0" marB="0" anchor="b">
+                    <a:lnL>
+                      <a:noFill/>
+                    </a:lnL>
+                    <a:lnR>
+                      <a:noFill/>
+                    </a:lnR>
+                    <a:lnT>
+                      <a:noFill/>
+                    </a:lnT>
+                    <a:lnB>
+                      <a:noFill/>
+                    </a:lnB>
+                    <a:noFill/>
+                  </a:tcPr>
+                </a:tc>
+                <a:tc>
+                  <a:txBody>
+                    <a:bodyPr/>
+                    <a:lstStyle/>
+                    <a:p>
+                      <a:pPr algn="l"/>
+                      <a:r>
+                        <a:rPr lang="es-ES" sz="900">
+                          <a:solidFill>
+                            <a:srgbClr val="000000"/>
+                          </a:solidFill>
+                          <a:effectLst/>
+                          <a:latin typeface="Calibri" panose="020F0502020204030204" pitchFamily="34" charset="0"/>
+                          <a:ea typeface="Times New Roman" panose="02020603050405020304" pitchFamily="18" charset="0"/>
+                        </a:rPr>
+                        <a:t>N40</a:t>
+                      </a:r>
+                      <a:endParaRPr lang="es-PE" sz="1000">
+                        <a:effectLst/>
+                        <a:latin typeface="Times New Roman" panose="02020603050405020304" pitchFamily="18" charset="0"/>
+                        <a:ea typeface="Times New Roman" panose="02020603050405020304" pitchFamily="18" charset="0"/>
+                      </a:endParaRPr>
+                    </a:p>
+                  </a:txBody>
+                  <a:tcPr marL="36261" marR="36261" marT="0" marB="0" anchor="b">
+                    <a:lnL>
+                      <a:noFill/>
+                    </a:lnL>
+                    <a:lnR>
+                      <a:noFill/>
+                    </a:lnR>
+                    <a:lnT>
+                      <a:noFill/>
+                    </a:lnT>
+                    <a:lnB>
+                      <a:noFill/>
+                    </a:lnB>
+                    <a:noFill/>
+                  </a:tcPr>
+                </a:tc>
+                <a:tc>
+                  <a:txBody>
+                    <a:bodyPr/>
+                    <a:lstStyle/>
+                    <a:p>
+                      <a:pPr algn="l"/>
+                      <a:r>
+                        <a:rPr lang="es-ES" sz="900">
+                          <a:solidFill>
+                            <a:srgbClr val="000000"/>
+                          </a:solidFill>
+                          <a:effectLst/>
+                          <a:latin typeface="Calibri" panose="020F0502020204030204" pitchFamily="34" charset="0"/>
+                          <a:ea typeface="Times New Roman" panose="02020603050405020304" pitchFamily="18" charset="0"/>
+                        </a:rPr>
+                        <a:t>4.8</a:t>
+                      </a:r>
+                      <a:endParaRPr lang="es-PE" sz="1000">
+                        <a:effectLst/>
+                        <a:latin typeface="Times New Roman" panose="02020603050405020304" pitchFamily="18" charset="0"/>
+                        <a:ea typeface="Times New Roman" panose="02020603050405020304" pitchFamily="18" charset="0"/>
+                      </a:endParaRPr>
+                    </a:p>
+                  </a:txBody>
+                  <a:tcPr marL="36261" marR="36261" marT="0" marB="0" anchor="b">
+                    <a:lnL>
+                      <a:noFill/>
+                    </a:lnL>
+                    <a:lnR>
+                      <a:noFill/>
+                    </a:lnR>
+                    <a:lnT>
+                      <a:noFill/>
+                    </a:lnT>
+                    <a:lnB>
+                      <a:noFill/>
+                    </a:lnB>
+                    <a:noFill/>
+                  </a:tcPr>
+                </a:tc>
+                <a:extLst>
+                  <a:ext uri="{0D108BD9-81ED-4DB2-BD59-A6C34878D82A}">
+                    <a16:rowId xmlns:a16="http://schemas.microsoft.com/office/drawing/2014/main" val="2026112947"/>
+                  </a:ext>
+                </a:extLst>
+              </a:tr>
+              <a:tr h="155405">
+                <a:tc>
+                  <a:txBody>
+                    <a:bodyPr/>
+                    <a:lstStyle/>
+                    <a:p>
+                      <a:pPr algn="ctr"/>
+                      <a:r>
+                        <a:rPr lang="es-ES" sz="900">
+                          <a:solidFill>
+                            <a:srgbClr val="000000"/>
+                          </a:solidFill>
+                          <a:effectLst/>
+                          <a:latin typeface="Calibri" panose="020F0502020204030204" pitchFamily="34" charset="0"/>
+                          <a:ea typeface="Times New Roman" panose="02020603050405020304" pitchFamily="18" charset="0"/>
+                        </a:rPr>
+                        <a:t>NH4+-N</a:t>
+                      </a:r>
+                      <a:endParaRPr lang="es-PE" sz="1000">
+                        <a:effectLst/>
+                        <a:latin typeface="Times New Roman" panose="02020603050405020304" pitchFamily="18" charset="0"/>
+                        <a:ea typeface="Times New Roman" panose="02020603050405020304" pitchFamily="18" charset="0"/>
+                      </a:endParaRPr>
+                    </a:p>
+                  </a:txBody>
+                  <a:tcPr marL="36261" marR="36261" marT="0" marB="0" anchor="b">
+                    <a:lnL>
+                      <a:noFill/>
+                    </a:lnL>
+                    <a:lnR>
+                      <a:noFill/>
+                    </a:lnR>
+                    <a:lnT>
+                      <a:noFill/>
+                    </a:lnT>
+                    <a:lnB>
+                      <a:noFill/>
+                    </a:lnB>
+                    <a:noFill/>
+                  </a:tcPr>
+                </a:tc>
+                <a:tc>
+                  <a:txBody>
+                    <a:bodyPr/>
+                    <a:lstStyle/>
+                    <a:p>
+                      <a:pPr algn="ctr"/>
+                      <a:r>
+                        <a:rPr lang="es-ES" sz="900">
+                          <a:solidFill>
+                            <a:srgbClr val="000000"/>
+                          </a:solidFill>
+                          <a:effectLst/>
+                          <a:latin typeface="Calibri" panose="020F0502020204030204" pitchFamily="34" charset="0"/>
+                          <a:ea typeface="Times New Roman" panose="02020603050405020304" pitchFamily="18" charset="0"/>
+                        </a:rPr>
+                        <a:t>N80</a:t>
+                      </a:r>
+                      <a:endParaRPr lang="es-PE" sz="1000">
+                        <a:effectLst/>
+                        <a:latin typeface="Times New Roman" panose="02020603050405020304" pitchFamily="18" charset="0"/>
+                        <a:ea typeface="Times New Roman" panose="02020603050405020304" pitchFamily="18" charset="0"/>
+                      </a:endParaRPr>
+                    </a:p>
+                  </a:txBody>
+                  <a:tcPr marL="36261" marR="36261" marT="0" marB="0" anchor="b">
+                    <a:lnL>
+                      <a:noFill/>
+                    </a:lnL>
+                    <a:lnR>
+                      <a:noFill/>
+                    </a:lnR>
+                    <a:lnT>
+                      <a:noFill/>
+                    </a:lnT>
+                    <a:lnB>
+                      <a:noFill/>
+                    </a:lnB>
+                    <a:noFill/>
+                  </a:tcPr>
+                </a:tc>
+                <a:tc>
+                  <a:txBody>
+                    <a:bodyPr/>
+                    <a:lstStyle/>
+                    <a:p>
+                      <a:pPr algn="ctr"/>
+                      <a:r>
+                        <a:rPr lang="es-ES" sz="900">
+                          <a:solidFill>
+                            <a:srgbClr val="000000"/>
+                          </a:solidFill>
+                          <a:effectLst/>
+                          <a:latin typeface="Calibri" panose="020F0502020204030204" pitchFamily="34" charset="0"/>
+                          <a:ea typeface="Times New Roman" panose="02020603050405020304" pitchFamily="18" charset="0"/>
+                        </a:rPr>
+                        <a:t>22.9</a:t>
+                      </a:r>
+                      <a:endParaRPr lang="es-PE" sz="1000">
+                        <a:effectLst/>
+                        <a:latin typeface="Times New Roman" panose="02020603050405020304" pitchFamily="18" charset="0"/>
+                        <a:ea typeface="Times New Roman" panose="02020603050405020304" pitchFamily="18" charset="0"/>
+                      </a:endParaRPr>
+                    </a:p>
+                  </a:txBody>
+                  <a:tcPr marL="36261" marR="36261" marT="0" marB="0" anchor="b">
+                    <a:lnL>
+                      <a:noFill/>
+                    </a:lnL>
+                    <a:lnR>
+                      <a:noFill/>
+                    </a:lnR>
+                    <a:lnT>
+                      <a:noFill/>
+                    </a:lnT>
+                    <a:lnB>
+                      <a:noFill/>
+                    </a:lnB>
+                    <a:noFill/>
+                  </a:tcPr>
+                </a:tc>
+                <a:tc>
+                  <a:txBody>
+                    <a:bodyPr/>
+                    <a:lstStyle/>
+                    <a:p>
+                      <a:pPr algn="l"/>
+                      <a:r>
+                        <a:rPr lang="es-ES" sz="900">
+                          <a:solidFill>
+                            <a:srgbClr val="000000"/>
+                          </a:solidFill>
+                          <a:effectLst/>
+                          <a:latin typeface="Calibri" panose="020F0502020204030204" pitchFamily="34" charset="0"/>
+                          <a:ea typeface="Times New Roman" panose="02020603050405020304" pitchFamily="18" charset="0"/>
+                        </a:rPr>
+                        <a:t>NO3-N</a:t>
+                      </a:r>
+                      <a:endParaRPr lang="es-PE" sz="1000">
+                        <a:effectLst/>
+                        <a:latin typeface="Times New Roman" panose="02020603050405020304" pitchFamily="18" charset="0"/>
+                        <a:ea typeface="Times New Roman" panose="02020603050405020304" pitchFamily="18" charset="0"/>
+                      </a:endParaRPr>
+                    </a:p>
+                  </a:txBody>
+                  <a:tcPr marL="36261" marR="36261" marT="0" marB="0" anchor="b">
+                    <a:lnL>
+                      <a:noFill/>
+                    </a:lnL>
+                    <a:lnR>
+                      <a:noFill/>
+                    </a:lnR>
+                    <a:lnT>
+                      <a:noFill/>
+                    </a:lnT>
+                    <a:lnB>
+                      <a:noFill/>
+                    </a:lnB>
+                    <a:noFill/>
+                  </a:tcPr>
+                </a:tc>
+                <a:tc>
+                  <a:txBody>
+                    <a:bodyPr/>
+                    <a:lstStyle/>
+                    <a:p>
+                      <a:pPr algn="l"/>
+                      <a:r>
+                        <a:rPr lang="es-ES" sz="900">
+                          <a:solidFill>
+                            <a:srgbClr val="000000"/>
+                          </a:solidFill>
+                          <a:effectLst/>
+                          <a:latin typeface="Calibri" panose="020F0502020204030204" pitchFamily="34" charset="0"/>
+                          <a:ea typeface="Times New Roman" panose="02020603050405020304" pitchFamily="18" charset="0"/>
+                        </a:rPr>
+                        <a:t>N60</a:t>
+                      </a:r>
+                      <a:endParaRPr lang="es-PE" sz="1000">
+                        <a:effectLst/>
+                        <a:latin typeface="Times New Roman" panose="02020603050405020304" pitchFamily="18" charset="0"/>
+                        <a:ea typeface="Times New Roman" panose="02020603050405020304" pitchFamily="18" charset="0"/>
+                      </a:endParaRPr>
+                    </a:p>
+                  </a:txBody>
+                  <a:tcPr marL="36261" marR="36261" marT="0" marB="0" anchor="b">
+                    <a:lnL>
+                      <a:noFill/>
+                    </a:lnL>
+                    <a:lnR>
+                      <a:noFill/>
+                    </a:lnR>
+                    <a:lnT>
+                      <a:noFill/>
+                    </a:lnT>
+                    <a:lnB>
+                      <a:noFill/>
+                    </a:lnB>
+                    <a:noFill/>
+                  </a:tcPr>
+                </a:tc>
+                <a:tc>
+                  <a:txBody>
+                    <a:bodyPr/>
+                    <a:lstStyle/>
+                    <a:p>
+                      <a:pPr algn="l"/>
+                      <a:r>
+                        <a:rPr lang="es-ES" sz="900">
+                          <a:solidFill>
+                            <a:srgbClr val="000000"/>
+                          </a:solidFill>
+                          <a:effectLst/>
+                          <a:latin typeface="Calibri" panose="020F0502020204030204" pitchFamily="34" charset="0"/>
+                          <a:ea typeface="Times New Roman" panose="02020603050405020304" pitchFamily="18" charset="0"/>
+                        </a:rPr>
+                        <a:t>3.3</a:t>
+                      </a:r>
+                      <a:endParaRPr lang="es-PE" sz="1000">
+                        <a:effectLst/>
+                        <a:latin typeface="Times New Roman" panose="02020603050405020304" pitchFamily="18" charset="0"/>
+                        <a:ea typeface="Times New Roman" panose="02020603050405020304" pitchFamily="18" charset="0"/>
+                      </a:endParaRPr>
+                    </a:p>
+                  </a:txBody>
+                  <a:tcPr marL="36261" marR="36261" marT="0" marB="0" anchor="b">
+                    <a:lnL>
+                      <a:noFill/>
+                    </a:lnL>
+                    <a:lnR>
+                      <a:noFill/>
+                    </a:lnR>
+                    <a:lnT>
+                      <a:noFill/>
+                    </a:lnT>
+                    <a:lnB>
+                      <a:noFill/>
+                    </a:lnB>
+                    <a:noFill/>
+                  </a:tcPr>
+                </a:tc>
+                <a:extLst>
+                  <a:ext uri="{0D108BD9-81ED-4DB2-BD59-A6C34878D82A}">
+                    <a16:rowId xmlns:a16="http://schemas.microsoft.com/office/drawing/2014/main" val="2735907649"/>
+                  </a:ext>
+                </a:extLst>
+              </a:tr>
+              <a:tr h="155405">
+                <a:tc>
+                  <a:txBody>
+                    <a:bodyPr/>
+                    <a:lstStyle/>
+                    <a:p>
+                      <a:pPr algn="ctr"/>
+                      <a:r>
+                        <a:rPr lang="es-ES" sz="900">
+                          <a:solidFill>
+                            <a:srgbClr val="000000"/>
+                          </a:solidFill>
+                          <a:effectLst/>
+                          <a:latin typeface="Calibri" panose="020F0502020204030204" pitchFamily="34" charset="0"/>
+                          <a:ea typeface="Times New Roman" panose="02020603050405020304" pitchFamily="18" charset="0"/>
+                        </a:rPr>
+                        <a:t>NH4+-N</a:t>
+                      </a:r>
+                      <a:endParaRPr lang="es-PE" sz="1000">
+                        <a:effectLst/>
+                        <a:latin typeface="Times New Roman" panose="02020603050405020304" pitchFamily="18" charset="0"/>
+                        <a:ea typeface="Times New Roman" panose="02020603050405020304" pitchFamily="18" charset="0"/>
+                      </a:endParaRPr>
+                    </a:p>
+                  </a:txBody>
+                  <a:tcPr marL="36261" marR="36261" marT="0" marB="0" anchor="b">
+                    <a:lnL>
+                      <a:noFill/>
+                    </a:lnL>
+                    <a:lnR>
+                      <a:noFill/>
+                    </a:lnR>
+                    <a:lnT>
+                      <a:noFill/>
+                    </a:lnT>
+                    <a:lnB>
+                      <a:noFill/>
+                    </a:lnB>
+                    <a:noFill/>
+                  </a:tcPr>
+                </a:tc>
+                <a:tc>
+                  <a:txBody>
+                    <a:bodyPr/>
+                    <a:lstStyle/>
+                    <a:p>
+                      <a:pPr algn="ctr"/>
+                      <a:r>
+                        <a:rPr lang="es-ES" sz="900">
+                          <a:solidFill>
+                            <a:srgbClr val="000000"/>
+                          </a:solidFill>
+                          <a:effectLst/>
+                          <a:latin typeface="Calibri" panose="020F0502020204030204" pitchFamily="34" charset="0"/>
+                          <a:ea typeface="Times New Roman" panose="02020603050405020304" pitchFamily="18" charset="0"/>
+                        </a:rPr>
+                        <a:t>N80</a:t>
+                      </a:r>
+                      <a:endParaRPr lang="es-PE" sz="1000">
+                        <a:effectLst/>
+                        <a:latin typeface="Times New Roman" panose="02020603050405020304" pitchFamily="18" charset="0"/>
+                        <a:ea typeface="Times New Roman" panose="02020603050405020304" pitchFamily="18" charset="0"/>
+                      </a:endParaRPr>
+                    </a:p>
+                  </a:txBody>
+                  <a:tcPr marL="36261" marR="36261" marT="0" marB="0" anchor="b">
+                    <a:lnL>
+                      <a:noFill/>
+                    </a:lnL>
+                    <a:lnR>
+                      <a:noFill/>
+                    </a:lnR>
+                    <a:lnT>
+                      <a:noFill/>
+                    </a:lnT>
+                    <a:lnB>
+                      <a:noFill/>
+                    </a:lnB>
+                    <a:noFill/>
+                  </a:tcPr>
+                </a:tc>
+                <a:tc>
+                  <a:txBody>
+                    <a:bodyPr/>
+                    <a:lstStyle/>
+                    <a:p>
+                      <a:pPr algn="ctr"/>
+                      <a:r>
+                        <a:rPr lang="es-ES" sz="900">
+                          <a:solidFill>
+                            <a:srgbClr val="000000"/>
+                          </a:solidFill>
+                          <a:effectLst/>
+                          <a:latin typeface="Calibri" panose="020F0502020204030204" pitchFamily="34" charset="0"/>
+                          <a:ea typeface="Times New Roman" panose="02020603050405020304" pitchFamily="18" charset="0"/>
+                        </a:rPr>
+                        <a:t>26.3</a:t>
+                      </a:r>
+                      <a:endParaRPr lang="es-PE" sz="1000">
+                        <a:effectLst/>
+                        <a:latin typeface="Times New Roman" panose="02020603050405020304" pitchFamily="18" charset="0"/>
+                        <a:ea typeface="Times New Roman" panose="02020603050405020304" pitchFamily="18" charset="0"/>
+                      </a:endParaRPr>
+                    </a:p>
+                  </a:txBody>
+                  <a:tcPr marL="36261" marR="36261" marT="0" marB="0" anchor="b">
+                    <a:lnL>
+                      <a:noFill/>
+                    </a:lnL>
+                    <a:lnR>
+                      <a:noFill/>
+                    </a:lnR>
+                    <a:lnT>
+                      <a:noFill/>
+                    </a:lnT>
+                    <a:lnB>
+                      <a:noFill/>
+                    </a:lnB>
+                    <a:noFill/>
+                  </a:tcPr>
+                </a:tc>
+                <a:tc>
+                  <a:txBody>
+                    <a:bodyPr/>
+                    <a:lstStyle/>
+                    <a:p>
+                      <a:pPr algn="l"/>
+                      <a:r>
+                        <a:rPr lang="es-ES" sz="900">
+                          <a:solidFill>
+                            <a:srgbClr val="000000"/>
+                          </a:solidFill>
+                          <a:effectLst/>
+                          <a:latin typeface="Calibri" panose="020F0502020204030204" pitchFamily="34" charset="0"/>
+                          <a:ea typeface="Times New Roman" panose="02020603050405020304" pitchFamily="18" charset="0"/>
+                        </a:rPr>
+                        <a:t>NO3-N</a:t>
+                      </a:r>
+                      <a:endParaRPr lang="es-PE" sz="1000">
+                        <a:effectLst/>
+                        <a:latin typeface="Times New Roman" panose="02020603050405020304" pitchFamily="18" charset="0"/>
+                        <a:ea typeface="Times New Roman" panose="02020603050405020304" pitchFamily="18" charset="0"/>
+                      </a:endParaRPr>
+                    </a:p>
+                  </a:txBody>
+                  <a:tcPr marL="36261" marR="36261" marT="0" marB="0" anchor="b">
+                    <a:lnL>
+                      <a:noFill/>
+                    </a:lnL>
+                    <a:lnR>
+                      <a:noFill/>
+                    </a:lnR>
+                    <a:lnT>
+                      <a:noFill/>
+                    </a:lnT>
+                    <a:lnB>
+                      <a:noFill/>
+                    </a:lnB>
+                    <a:noFill/>
+                  </a:tcPr>
+                </a:tc>
+                <a:tc>
+                  <a:txBody>
+                    <a:bodyPr/>
+                    <a:lstStyle/>
+                    <a:p>
+                      <a:pPr algn="l"/>
+                      <a:r>
+                        <a:rPr lang="es-ES" sz="900">
+                          <a:solidFill>
+                            <a:srgbClr val="000000"/>
+                          </a:solidFill>
+                          <a:effectLst/>
+                          <a:latin typeface="Calibri" panose="020F0502020204030204" pitchFamily="34" charset="0"/>
+                          <a:ea typeface="Times New Roman" panose="02020603050405020304" pitchFamily="18" charset="0"/>
+                        </a:rPr>
+                        <a:t>N60</a:t>
+                      </a:r>
+                      <a:endParaRPr lang="es-PE" sz="1000">
+                        <a:effectLst/>
+                        <a:latin typeface="Times New Roman" panose="02020603050405020304" pitchFamily="18" charset="0"/>
+                        <a:ea typeface="Times New Roman" panose="02020603050405020304" pitchFamily="18" charset="0"/>
+                      </a:endParaRPr>
+                    </a:p>
+                  </a:txBody>
+                  <a:tcPr marL="36261" marR="36261" marT="0" marB="0" anchor="b">
+                    <a:lnL>
+                      <a:noFill/>
+                    </a:lnL>
+                    <a:lnR>
+                      <a:noFill/>
+                    </a:lnR>
+                    <a:lnT>
+                      <a:noFill/>
+                    </a:lnT>
+                    <a:lnB>
+                      <a:noFill/>
+                    </a:lnB>
+                    <a:noFill/>
+                  </a:tcPr>
+                </a:tc>
+                <a:tc>
+                  <a:txBody>
+                    <a:bodyPr/>
+                    <a:lstStyle/>
+                    <a:p>
+                      <a:pPr algn="l"/>
+                      <a:r>
+                        <a:rPr lang="es-ES" sz="900">
+                          <a:solidFill>
+                            <a:srgbClr val="000000"/>
+                          </a:solidFill>
+                          <a:effectLst/>
+                          <a:latin typeface="Calibri" panose="020F0502020204030204" pitchFamily="34" charset="0"/>
+                          <a:ea typeface="Times New Roman" panose="02020603050405020304" pitchFamily="18" charset="0"/>
+                        </a:rPr>
+                        <a:t>4.4</a:t>
+                      </a:r>
+                      <a:endParaRPr lang="es-PE" sz="1000">
+                        <a:effectLst/>
+                        <a:latin typeface="Times New Roman" panose="02020603050405020304" pitchFamily="18" charset="0"/>
+                        <a:ea typeface="Times New Roman" panose="02020603050405020304" pitchFamily="18" charset="0"/>
+                      </a:endParaRPr>
+                    </a:p>
+                  </a:txBody>
+                  <a:tcPr marL="36261" marR="36261" marT="0" marB="0" anchor="b">
+                    <a:lnL>
+                      <a:noFill/>
+                    </a:lnL>
+                    <a:lnR>
+                      <a:noFill/>
+                    </a:lnR>
+                    <a:lnT>
+                      <a:noFill/>
+                    </a:lnT>
+                    <a:lnB>
+                      <a:noFill/>
+                    </a:lnB>
+                    <a:noFill/>
+                  </a:tcPr>
+                </a:tc>
+                <a:extLst>
+                  <a:ext uri="{0D108BD9-81ED-4DB2-BD59-A6C34878D82A}">
+                    <a16:rowId xmlns:a16="http://schemas.microsoft.com/office/drawing/2014/main" val="3664986639"/>
+                  </a:ext>
+                </a:extLst>
+              </a:tr>
+              <a:tr h="155405">
+                <a:tc>
+                  <a:txBody>
+                    <a:bodyPr/>
+                    <a:lstStyle/>
+                    <a:p>
+                      <a:pPr algn="ctr"/>
+                      <a:r>
+                        <a:rPr lang="es-ES" sz="900">
+                          <a:solidFill>
+                            <a:srgbClr val="000000"/>
+                          </a:solidFill>
+                          <a:effectLst/>
+                          <a:latin typeface="Calibri" panose="020F0502020204030204" pitchFamily="34" charset="0"/>
+                          <a:ea typeface="Times New Roman" panose="02020603050405020304" pitchFamily="18" charset="0"/>
+                        </a:rPr>
+                        <a:t>NH4+-N</a:t>
+                      </a:r>
+                      <a:endParaRPr lang="es-PE" sz="1000">
+                        <a:effectLst/>
+                        <a:latin typeface="Times New Roman" panose="02020603050405020304" pitchFamily="18" charset="0"/>
+                        <a:ea typeface="Times New Roman" panose="02020603050405020304" pitchFamily="18" charset="0"/>
+                      </a:endParaRPr>
+                    </a:p>
+                  </a:txBody>
+                  <a:tcPr marL="36261" marR="36261" marT="0" marB="0" anchor="b">
+                    <a:lnL>
+                      <a:noFill/>
+                    </a:lnL>
+                    <a:lnR>
+                      <a:noFill/>
+                    </a:lnR>
+                    <a:lnT>
+                      <a:noFill/>
+                    </a:lnT>
+                    <a:lnB>
+                      <a:noFill/>
+                    </a:lnB>
+                    <a:noFill/>
+                  </a:tcPr>
+                </a:tc>
+                <a:tc>
+                  <a:txBody>
+                    <a:bodyPr/>
+                    <a:lstStyle/>
+                    <a:p>
+                      <a:pPr algn="ctr"/>
+                      <a:r>
+                        <a:rPr lang="es-ES" sz="900">
+                          <a:solidFill>
+                            <a:srgbClr val="000000"/>
+                          </a:solidFill>
+                          <a:effectLst/>
+                          <a:latin typeface="Calibri" panose="020F0502020204030204" pitchFamily="34" charset="0"/>
+                          <a:ea typeface="Times New Roman" panose="02020603050405020304" pitchFamily="18" charset="0"/>
+                        </a:rPr>
+                        <a:t>N80</a:t>
+                      </a:r>
+                      <a:endParaRPr lang="es-PE" sz="1000">
+                        <a:effectLst/>
+                        <a:latin typeface="Times New Roman" panose="02020603050405020304" pitchFamily="18" charset="0"/>
+                        <a:ea typeface="Times New Roman" panose="02020603050405020304" pitchFamily="18" charset="0"/>
+                      </a:endParaRPr>
+                    </a:p>
+                  </a:txBody>
+                  <a:tcPr marL="36261" marR="36261" marT="0" marB="0" anchor="b">
+                    <a:lnL>
+                      <a:noFill/>
+                    </a:lnL>
+                    <a:lnR>
+                      <a:noFill/>
+                    </a:lnR>
+                    <a:lnT>
+                      <a:noFill/>
+                    </a:lnT>
+                    <a:lnB>
+                      <a:noFill/>
+                    </a:lnB>
+                    <a:noFill/>
+                  </a:tcPr>
+                </a:tc>
+                <a:tc>
+                  <a:txBody>
+                    <a:bodyPr/>
+                    <a:lstStyle/>
+                    <a:p>
+                      <a:pPr algn="ctr"/>
+                      <a:r>
+                        <a:rPr lang="es-ES" sz="900">
+                          <a:solidFill>
+                            <a:srgbClr val="000000"/>
+                          </a:solidFill>
+                          <a:effectLst/>
+                          <a:latin typeface="Calibri" panose="020F0502020204030204" pitchFamily="34" charset="0"/>
+                          <a:ea typeface="Times New Roman" panose="02020603050405020304" pitchFamily="18" charset="0"/>
+                        </a:rPr>
+                        <a:t>29.7</a:t>
+                      </a:r>
+                      <a:endParaRPr lang="es-PE" sz="1000">
+                        <a:effectLst/>
+                        <a:latin typeface="Times New Roman" panose="02020603050405020304" pitchFamily="18" charset="0"/>
+                        <a:ea typeface="Times New Roman" panose="02020603050405020304" pitchFamily="18" charset="0"/>
+                      </a:endParaRPr>
+                    </a:p>
+                  </a:txBody>
+                  <a:tcPr marL="36261" marR="36261" marT="0" marB="0" anchor="b">
+                    <a:lnL>
+                      <a:noFill/>
+                    </a:lnL>
+                    <a:lnR>
+                      <a:noFill/>
+                    </a:lnR>
+                    <a:lnT>
+                      <a:noFill/>
+                    </a:lnT>
+                    <a:lnB>
+                      <a:noFill/>
+                    </a:lnB>
+                    <a:noFill/>
+                  </a:tcPr>
+                </a:tc>
+                <a:tc>
+                  <a:txBody>
+                    <a:bodyPr/>
+                    <a:lstStyle/>
+                    <a:p>
+                      <a:pPr algn="l"/>
+                      <a:r>
+                        <a:rPr lang="es-ES" sz="900">
+                          <a:solidFill>
+                            <a:srgbClr val="000000"/>
+                          </a:solidFill>
+                          <a:effectLst/>
+                          <a:latin typeface="Calibri" panose="020F0502020204030204" pitchFamily="34" charset="0"/>
+                          <a:ea typeface="Times New Roman" panose="02020603050405020304" pitchFamily="18" charset="0"/>
+                        </a:rPr>
+                        <a:t>NO3-N</a:t>
+                      </a:r>
+                      <a:endParaRPr lang="es-PE" sz="1000">
+                        <a:effectLst/>
+                        <a:latin typeface="Times New Roman" panose="02020603050405020304" pitchFamily="18" charset="0"/>
+                        <a:ea typeface="Times New Roman" panose="02020603050405020304" pitchFamily="18" charset="0"/>
+                      </a:endParaRPr>
+                    </a:p>
+                  </a:txBody>
+                  <a:tcPr marL="36261" marR="36261" marT="0" marB="0" anchor="b">
+                    <a:lnL>
+                      <a:noFill/>
+                    </a:lnL>
+                    <a:lnR>
+                      <a:noFill/>
+                    </a:lnR>
+                    <a:lnT>
+                      <a:noFill/>
+                    </a:lnT>
+                    <a:lnB>
+                      <a:noFill/>
+                    </a:lnB>
+                    <a:noFill/>
+                  </a:tcPr>
+                </a:tc>
+                <a:tc>
+                  <a:txBody>
+                    <a:bodyPr/>
+                    <a:lstStyle/>
+                    <a:p>
+                      <a:pPr algn="l"/>
+                      <a:r>
+                        <a:rPr lang="es-ES" sz="900">
+                          <a:solidFill>
+                            <a:srgbClr val="000000"/>
+                          </a:solidFill>
+                          <a:effectLst/>
+                          <a:latin typeface="Calibri" panose="020F0502020204030204" pitchFamily="34" charset="0"/>
+                          <a:ea typeface="Times New Roman" panose="02020603050405020304" pitchFamily="18" charset="0"/>
+                        </a:rPr>
+                        <a:t>N60</a:t>
+                      </a:r>
+                      <a:endParaRPr lang="es-PE" sz="1000">
+                        <a:effectLst/>
+                        <a:latin typeface="Times New Roman" panose="02020603050405020304" pitchFamily="18" charset="0"/>
+                        <a:ea typeface="Times New Roman" panose="02020603050405020304" pitchFamily="18" charset="0"/>
+                      </a:endParaRPr>
+                    </a:p>
+                  </a:txBody>
+                  <a:tcPr marL="36261" marR="36261" marT="0" marB="0" anchor="b">
+                    <a:lnL>
+                      <a:noFill/>
+                    </a:lnL>
+                    <a:lnR>
+                      <a:noFill/>
+                    </a:lnR>
+                    <a:lnT>
+                      <a:noFill/>
+                    </a:lnT>
+                    <a:lnB>
+                      <a:noFill/>
+                    </a:lnB>
+                    <a:noFill/>
+                  </a:tcPr>
+                </a:tc>
+                <a:tc>
+                  <a:txBody>
+                    <a:bodyPr/>
+                    <a:lstStyle/>
+                    <a:p>
+                      <a:pPr algn="l"/>
+                      <a:r>
+                        <a:rPr lang="es-ES" sz="900">
+                          <a:solidFill>
+                            <a:srgbClr val="000000"/>
+                          </a:solidFill>
+                          <a:effectLst/>
+                          <a:latin typeface="Calibri" panose="020F0502020204030204" pitchFamily="34" charset="0"/>
+                          <a:ea typeface="Times New Roman" panose="02020603050405020304" pitchFamily="18" charset="0"/>
+                        </a:rPr>
+                        <a:t>5.5</a:t>
+                      </a:r>
+                      <a:endParaRPr lang="es-PE" sz="1000">
+                        <a:effectLst/>
+                        <a:latin typeface="Times New Roman" panose="02020603050405020304" pitchFamily="18" charset="0"/>
+                        <a:ea typeface="Times New Roman" panose="02020603050405020304" pitchFamily="18" charset="0"/>
+                      </a:endParaRPr>
+                    </a:p>
+                  </a:txBody>
+                  <a:tcPr marL="36261" marR="36261" marT="0" marB="0" anchor="b">
+                    <a:lnL>
+                      <a:noFill/>
+                    </a:lnL>
+                    <a:lnR>
+                      <a:noFill/>
+                    </a:lnR>
+                    <a:lnT>
+                      <a:noFill/>
+                    </a:lnT>
+                    <a:lnB>
+                      <a:noFill/>
+                    </a:lnB>
+                    <a:noFill/>
+                  </a:tcPr>
+                </a:tc>
+                <a:extLst>
+                  <a:ext uri="{0D108BD9-81ED-4DB2-BD59-A6C34878D82A}">
+                    <a16:rowId xmlns:a16="http://schemas.microsoft.com/office/drawing/2014/main" val="4252765586"/>
+                  </a:ext>
+                </a:extLst>
+              </a:tr>
+              <a:tr h="155405">
+                <a:tc>
+                  <a:txBody>
+                    <a:bodyPr/>
+                    <a:lstStyle/>
+                    <a:p>
+                      <a:pPr algn="ctr"/>
+                      <a:r>
+                        <a:rPr lang="es-ES" sz="900">
+                          <a:solidFill>
+                            <a:srgbClr val="000000"/>
+                          </a:solidFill>
+                          <a:effectLst/>
+                          <a:latin typeface="Calibri" panose="020F0502020204030204" pitchFamily="34" charset="0"/>
+                          <a:ea typeface="Times New Roman" panose="02020603050405020304" pitchFamily="18" charset="0"/>
+                        </a:rPr>
+                        <a:t>Nmin</a:t>
+                      </a:r>
+                      <a:endParaRPr lang="es-PE" sz="1000">
+                        <a:effectLst/>
+                        <a:latin typeface="Times New Roman" panose="02020603050405020304" pitchFamily="18" charset="0"/>
+                        <a:ea typeface="Times New Roman" panose="02020603050405020304" pitchFamily="18" charset="0"/>
+                      </a:endParaRPr>
+                    </a:p>
+                  </a:txBody>
+                  <a:tcPr marL="36261" marR="36261" marT="0" marB="0" anchor="b">
+                    <a:lnL>
+                      <a:noFill/>
+                    </a:lnL>
+                    <a:lnR>
+                      <a:noFill/>
+                    </a:lnR>
+                    <a:lnT>
+                      <a:noFill/>
+                    </a:lnT>
+                    <a:lnB>
+                      <a:noFill/>
+                    </a:lnB>
+                    <a:noFill/>
+                  </a:tcPr>
+                </a:tc>
+                <a:tc>
+                  <a:txBody>
+                    <a:bodyPr/>
+                    <a:lstStyle/>
+                    <a:p>
+                      <a:pPr algn="ctr"/>
+                      <a:r>
+                        <a:rPr lang="es-ES" sz="900">
+                          <a:solidFill>
+                            <a:srgbClr val="000000"/>
+                          </a:solidFill>
+                          <a:effectLst/>
+                          <a:latin typeface="Calibri" panose="020F0502020204030204" pitchFamily="34" charset="0"/>
+                          <a:ea typeface="Times New Roman" panose="02020603050405020304" pitchFamily="18" charset="0"/>
+                        </a:rPr>
+                        <a:t>N0</a:t>
+                      </a:r>
+                      <a:endParaRPr lang="es-PE" sz="1000">
+                        <a:effectLst/>
+                        <a:latin typeface="Times New Roman" panose="02020603050405020304" pitchFamily="18" charset="0"/>
+                        <a:ea typeface="Times New Roman" panose="02020603050405020304" pitchFamily="18" charset="0"/>
+                      </a:endParaRPr>
+                    </a:p>
+                  </a:txBody>
+                  <a:tcPr marL="36261" marR="36261" marT="0" marB="0" anchor="b">
+                    <a:lnL>
+                      <a:noFill/>
+                    </a:lnL>
+                    <a:lnR>
+                      <a:noFill/>
+                    </a:lnR>
+                    <a:lnT>
+                      <a:noFill/>
+                    </a:lnT>
+                    <a:lnB>
+                      <a:noFill/>
+                    </a:lnB>
+                    <a:noFill/>
+                  </a:tcPr>
+                </a:tc>
+                <a:tc>
+                  <a:txBody>
+                    <a:bodyPr/>
+                    <a:lstStyle/>
+                    <a:p>
+                      <a:pPr algn="ctr"/>
+                      <a:r>
+                        <a:rPr lang="es-ES" sz="900">
+                          <a:solidFill>
+                            <a:srgbClr val="000000"/>
+                          </a:solidFill>
+                          <a:effectLst/>
+                          <a:latin typeface="Calibri" panose="020F0502020204030204" pitchFamily="34" charset="0"/>
+                          <a:ea typeface="Times New Roman" panose="02020603050405020304" pitchFamily="18" charset="0"/>
+                        </a:rPr>
+                        <a:t>28.6</a:t>
+                      </a:r>
+                      <a:endParaRPr lang="es-PE" sz="1000">
+                        <a:effectLst/>
+                        <a:latin typeface="Times New Roman" panose="02020603050405020304" pitchFamily="18" charset="0"/>
+                        <a:ea typeface="Times New Roman" panose="02020603050405020304" pitchFamily="18" charset="0"/>
+                      </a:endParaRPr>
+                    </a:p>
+                  </a:txBody>
+                  <a:tcPr marL="36261" marR="36261" marT="0" marB="0" anchor="b">
+                    <a:lnL>
+                      <a:noFill/>
+                    </a:lnL>
+                    <a:lnR>
+                      <a:noFill/>
+                    </a:lnR>
+                    <a:lnT>
+                      <a:noFill/>
+                    </a:lnT>
+                    <a:lnB>
+                      <a:noFill/>
+                    </a:lnB>
+                    <a:noFill/>
+                  </a:tcPr>
+                </a:tc>
+                <a:tc>
+                  <a:txBody>
+                    <a:bodyPr/>
+                    <a:lstStyle/>
+                    <a:p>
+                      <a:pPr algn="l"/>
+                      <a:r>
+                        <a:rPr lang="es-ES" sz="900">
+                          <a:solidFill>
+                            <a:srgbClr val="000000"/>
+                          </a:solidFill>
+                          <a:effectLst/>
+                          <a:latin typeface="Calibri" panose="020F0502020204030204" pitchFamily="34" charset="0"/>
+                          <a:ea typeface="Times New Roman" panose="02020603050405020304" pitchFamily="18" charset="0"/>
+                        </a:rPr>
+                        <a:t>NO3-N</a:t>
+                      </a:r>
+                      <a:endParaRPr lang="es-PE" sz="1000">
+                        <a:effectLst/>
+                        <a:latin typeface="Times New Roman" panose="02020603050405020304" pitchFamily="18" charset="0"/>
+                        <a:ea typeface="Times New Roman" panose="02020603050405020304" pitchFamily="18" charset="0"/>
+                      </a:endParaRPr>
+                    </a:p>
+                  </a:txBody>
+                  <a:tcPr marL="36261" marR="36261" marT="0" marB="0" anchor="b">
+                    <a:lnL>
+                      <a:noFill/>
+                    </a:lnL>
+                    <a:lnR>
+                      <a:noFill/>
+                    </a:lnR>
+                    <a:lnT>
+                      <a:noFill/>
+                    </a:lnT>
+                    <a:lnB>
+                      <a:noFill/>
+                    </a:lnB>
+                    <a:noFill/>
+                  </a:tcPr>
+                </a:tc>
+                <a:tc>
+                  <a:txBody>
+                    <a:bodyPr/>
+                    <a:lstStyle/>
+                    <a:p>
+                      <a:pPr algn="l"/>
+                      <a:r>
+                        <a:rPr lang="es-ES" sz="900">
+                          <a:solidFill>
+                            <a:srgbClr val="000000"/>
+                          </a:solidFill>
+                          <a:effectLst/>
+                          <a:latin typeface="Calibri" panose="020F0502020204030204" pitchFamily="34" charset="0"/>
+                          <a:ea typeface="Times New Roman" panose="02020603050405020304" pitchFamily="18" charset="0"/>
+                        </a:rPr>
+                        <a:t>N80</a:t>
+                      </a:r>
+                      <a:endParaRPr lang="es-PE" sz="1000">
+                        <a:effectLst/>
+                        <a:latin typeface="Times New Roman" panose="02020603050405020304" pitchFamily="18" charset="0"/>
+                        <a:ea typeface="Times New Roman" panose="02020603050405020304" pitchFamily="18" charset="0"/>
+                      </a:endParaRPr>
+                    </a:p>
+                  </a:txBody>
+                  <a:tcPr marL="36261" marR="36261" marT="0" marB="0" anchor="b">
+                    <a:lnL>
+                      <a:noFill/>
+                    </a:lnL>
+                    <a:lnR>
+                      <a:noFill/>
+                    </a:lnR>
+                    <a:lnT>
+                      <a:noFill/>
+                    </a:lnT>
+                    <a:lnB>
+                      <a:noFill/>
+                    </a:lnB>
+                    <a:noFill/>
+                  </a:tcPr>
+                </a:tc>
+                <a:tc>
+                  <a:txBody>
+                    <a:bodyPr/>
+                    <a:lstStyle/>
+                    <a:p>
+                      <a:pPr algn="l"/>
+                      <a:r>
+                        <a:rPr lang="es-ES" sz="900">
+                          <a:solidFill>
+                            <a:srgbClr val="000000"/>
+                          </a:solidFill>
+                          <a:effectLst/>
+                          <a:latin typeface="Calibri" panose="020F0502020204030204" pitchFamily="34" charset="0"/>
+                          <a:ea typeface="Times New Roman" panose="02020603050405020304" pitchFamily="18" charset="0"/>
+                        </a:rPr>
+                        <a:t>5.4</a:t>
+                      </a:r>
+                      <a:endParaRPr lang="es-PE" sz="1000">
+                        <a:effectLst/>
+                        <a:latin typeface="Times New Roman" panose="02020603050405020304" pitchFamily="18" charset="0"/>
+                        <a:ea typeface="Times New Roman" panose="02020603050405020304" pitchFamily="18" charset="0"/>
+                      </a:endParaRPr>
+                    </a:p>
+                  </a:txBody>
+                  <a:tcPr marL="36261" marR="36261" marT="0" marB="0" anchor="b">
+                    <a:lnL>
+                      <a:noFill/>
+                    </a:lnL>
+                    <a:lnR>
+                      <a:noFill/>
+                    </a:lnR>
+                    <a:lnT>
+                      <a:noFill/>
+                    </a:lnT>
+                    <a:lnB>
+                      <a:noFill/>
+                    </a:lnB>
+                    <a:noFill/>
+                  </a:tcPr>
+                </a:tc>
+                <a:extLst>
+                  <a:ext uri="{0D108BD9-81ED-4DB2-BD59-A6C34878D82A}">
+                    <a16:rowId xmlns:a16="http://schemas.microsoft.com/office/drawing/2014/main" val="3397284725"/>
+                  </a:ext>
+                </a:extLst>
+              </a:tr>
+              <a:tr h="155405">
+                <a:tc>
+                  <a:txBody>
+                    <a:bodyPr/>
+                    <a:lstStyle/>
+                    <a:p>
+                      <a:pPr algn="ctr"/>
+                      <a:r>
+                        <a:rPr lang="es-ES" sz="900">
+                          <a:solidFill>
+                            <a:srgbClr val="000000"/>
+                          </a:solidFill>
+                          <a:effectLst/>
+                          <a:latin typeface="Calibri" panose="020F0502020204030204" pitchFamily="34" charset="0"/>
+                          <a:ea typeface="Times New Roman" panose="02020603050405020304" pitchFamily="18" charset="0"/>
+                        </a:rPr>
+                        <a:t>Nmin</a:t>
+                      </a:r>
+                      <a:endParaRPr lang="es-PE" sz="1000">
+                        <a:effectLst/>
+                        <a:latin typeface="Times New Roman" panose="02020603050405020304" pitchFamily="18" charset="0"/>
+                        <a:ea typeface="Times New Roman" panose="02020603050405020304" pitchFamily="18" charset="0"/>
+                      </a:endParaRPr>
+                    </a:p>
+                  </a:txBody>
+                  <a:tcPr marL="36261" marR="36261" marT="0" marB="0" anchor="b">
+                    <a:lnL>
+                      <a:noFill/>
+                    </a:lnL>
+                    <a:lnR>
+                      <a:noFill/>
+                    </a:lnR>
+                    <a:lnT>
+                      <a:noFill/>
+                    </a:lnT>
+                    <a:lnB>
+                      <a:noFill/>
+                    </a:lnB>
+                    <a:noFill/>
+                  </a:tcPr>
+                </a:tc>
+                <a:tc>
+                  <a:txBody>
+                    <a:bodyPr/>
+                    <a:lstStyle/>
+                    <a:p>
+                      <a:pPr algn="ctr"/>
+                      <a:r>
+                        <a:rPr lang="es-ES" sz="900">
+                          <a:solidFill>
+                            <a:srgbClr val="000000"/>
+                          </a:solidFill>
+                          <a:effectLst/>
+                          <a:latin typeface="Calibri" panose="020F0502020204030204" pitchFamily="34" charset="0"/>
+                          <a:ea typeface="Times New Roman" panose="02020603050405020304" pitchFamily="18" charset="0"/>
+                        </a:rPr>
+                        <a:t>N0</a:t>
+                      </a:r>
+                      <a:endParaRPr lang="es-PE" sz="1000">
+                        <a:effectLst/>
+                        <a:latin typeface="Times New Roman" panose="02020603050405020304" pitchFamily="18" charset="0"/>
+                        <a:ea typeface="Times New Roman" panose="02020603050405020304" pitchFamily="18" charset="0"/>
+                      </a:endParaRPr>
+                    </a:p>
+                  </a:txBody>
+                  <a:tcPr marL="36261" marR="36261" marT="0" marB="0" anchor="b">
+                    <a:lnL>
+                      <a:noFill/>
+                    </a:lnL>
+                    <a:lnR>
+                      <a:noFill/>
+                    </a:lnR>
+                    <a:lnT>
+                      <a:noFill/>
+                    </a:lnT>
+                    <a:lnB>
+                      <a:noFill/>
+                    </a:lnB>
+                    <a:noFill/>
+                  </a:tcPr>
+                </a:tc>
+                <a:tc>
+                  <a:txBody>
+                    <a:bodyPr/>
+                    <a:lstStyle/>
+                    <a:p>
+                      <a:pPr algn="ctr"/>
+                      <a:r>
+                        <a:rPr lang="es-ES" sz="900">
+                          <a:solidFill>
+                            <a:srgbClr val="000000"/>
+                          </a:solidFill>
+                          <a:effectLst/>
+                          <a:latin typeface="Calibri" panose="020F0502020204030204" pitchFamily="34" charset="0"/>
+                          <a:ea typeface="Times New Roman" panose="02020603050405020304" pitchFamily="18" charset="0"/>
+                        </a:rPr>
+                        <a:t>30.4</a:t>
+                      </a:r>
+                      <a:endParaRPr lang="es-PE" sz="1000">
+                        <a:effectLst/>
+                        <a:latin typeface="Times New Roman" panose="02020603050405020304" pitchFamily="18" charset="0"/>
+                        <a:ea typeface="Times New Roman" panose="02020603050405020304" pitchFamily="18" charset="0"/>
+                      </a:endParaRPr>
+                    </a:p>
+                  </a:txBody>
+                  <a:tcPr marL="36261" marR="36261" marT="0" marB="0" anchor="b">
+                    <a:lnL>
+                      <a:noFill/>
+                    </a:lnL>
+                    <a:lnR>
+                      <a:noFill/>
+                    </a:lnR>
+                    <a:lnT>
+                      <a:noFill/>
+                    </a:lnT>
+                    <a:lnB>
+                      <a:noFill/>
+                    </a:lnB>
+                    <a:noFill/>
+                  </a:tcPr>
+                </a:tc>
+                <a:tc>
+                  <a:txBody>
+                    <a:bodyPr/>
+                    <a:lstStyle/>
+                    <a:p>
+                      <a:pPr algn="l"/>
+                      <a:r>
+                        <a:rPr lang="es-ES" sz="900">
+                          <a:solidFill>
+                            <a:srgbClr val="000000"/>
+                          </a:solidFill>
+                          <a:effectLst/>
+                          <a:latin typeface="Calibri" panose="020F0502020204030204" pitchFamily="34" charset="0"/>
+                          <a:ea typeface="Times New Roman" panose="02020603050405020304" pitchFamily="18" charset="0"/>
+                        </a:rPr>
+                        <a:t>NO3-N</a:t>
+                      </a:r>
+                      <a:endParaRPr lang="es-PE" sz="1000">
+                        <a:effectLst/>
+                        <a:latin typeface="Times New Roman" panose="02020603050405020304" pitchFamily="18" charset="0"/>
+                        <a:ea typeface="Times New Roman" panose="02020603050405020304" pitchFamily="18" charset="0"/>
+                      </a:endParaRPr>
+                    </a:p>
+                  </a:txBody>
+                  <a:tcPr marL="36261" marR="36261" marT="0" marB="0" anchor="b">
+                    <a:lnL>
+                      <a:noFill/>
+                    </a:lnL>
+                    <a:lnR>
+                      <a:noFill/>
+                    </a:lnR>
+                    <a:lnT>
+                      <a:noFill/>
+                    </a:lnT>
+                    <a:lnB>
+                      <a:noFill/>
+                    </a:lnB>
+                    <a:noFill/>
+                  </a:tcPr>
+                </a:tc>
+                <a:tc>
+                  <a:txBody>
+                    <a:bodyPr/>
+                    <a:lstStyle/>
+                    <a:p>
+                      <a:pPr algn="l"/>
+                      <a:r>
+                        <a:rPr lang="es-ES" sz="900">
+                          <a:solidFill>
+                            <a:srgbClr val="000000"/>
+                          </a:solidFill>
+                          <a:effectLst/>
+                          <a:latin typeface="Calibri" panose="020F0502020204030204" pitchFamily="34" charset="0"/>
+                          <a:ea typeface="Times New Roman" panose="02020603050405020304" pitchFamily="18" charset="0"/>
+                        </a:rPr>
+                        <a:t>N80</a:t>
+                      </a:r>
+                      <a:endParaRPr lang="es-PE" sz="1000">
+                        <a:effectLst/>
+                        <a:latin typeface="Times New Roman" panose="02020603050405020304" pitchFamily="18" charset="0"/>
+                        <a:ea typeface="Times New Roman" panose="02020603050405020304" pitchFamily="18" charset="0"/>
+                      </a:endParaRPr>
+                    </a:p>
+                  </a:txBody>
+                  <a:tcPr marL="36261" marR="36261" marT="0" marB="0" anchor="b">
+                    <a:lnL>
+                      <a:noFill/>
+                    </a:lnL>
+                    <a:lnR>
+                      <a:noFill/>
+                    </a:lnR>
+                    <a:lnT>
+                      <a:noFill/>
+                    </a:lnT>
+                    <a:lnB>
+                      <a:noFill/>
+                    </a:lnB>
+                    <a:noFill/>
+                  </a:tcPr>
+                </a:tc>
+                <a:tc>
+                  <a:txBody>
+                    <a:bodyPr/>
+                    <a:lstStyle/>
+                    <a:p>
+                      <a:pPr algn="l"/>
+                      <a:r>
+                        <a:rPr lang="es-ES" sz="900">
+                          <a:solidFill>
+                            <a:srgbClr val="000000"/>
+                          </a:solidFill>
+                          <a:effectLst/>
+                          <a:latin typeface="Calibri" panose="020F0502020204030204" pitchFamily="34" charset="0"/>
+                          <a:ea typeface="Times New Roman" panose="02020603050405020304" pitchFamily="18" charset="0"/>
+                        </a:rPr>
+                        <a:t>6.5</a:t>
+                      </a:r>
+                      <a:endParaRPr lang="es-PE" sz="1000">
+                        <a:effectLst/>
+                        <a:latin typeface="Times New Roman" panose="02020603050405020304" pitchFamily="18" charset="0"/>
+                        <a:ea typeface="Times New Roman" panose="02020603050405020304" pitchFamily="18" charset="0"/>
+                      </a:endParaRPr>
+                    </a:p>
+                  </a:txBody>
+                  <a:tcPr marL="36261" marR="36261" marT="0" marB="0" anchor="b">
+                    <a:lnL>
+                      <a:noFill/>
+                    </a:lnL>
+                    <a:lnR>
+                      <a:noFill/>
+                    </a:lnR>
+                    <a:lnT>
+                      <a:noFill/>
+                    </a:lnT>
+                    <a:lnB>
+                      <a:noFill/>
+                    </a:lnB>
+                    <a:noFill/>
+                  </a:tcPr>
+                </a:tc>
+                <a:extLst>
+                  <a:ext uri="{0D108BD9-81ED-4DB2-BD59-A6C34878D82A}">
+                    <a16:rowId xmlns:a16="http://schemas.microsoft.com/office/drawing/2014/main" val="2272649464"/>
+                  </a:ext>
+                </a:extLst>
+              </a:tr>
+              <a:tr h="155405">
+                <a:tc>
+                  <a:txBody>
+                    <a:bodyPr/>
+                    <a:lstStyle/>
+                    <a:p>
+                      <a:pPr algn="ctr"/>
+                      <a:r>
+                        <a:rPr lang="es-ES" sz="900">
+                          <a:solidFill>
+                            <a:srgbClr val="000000"/>
+                          </a:solidFill>
+                          <a:effectLst/>
+                          <a:latin typeface="Calibri" panose="020F0502020204030204" pitchFamily="34" charset="0"/>
+                          <a:ea typeface="Times New Roman" panose="02020603050405020304" pitchFamily="18" charset="0"/>
+                        </a:rPr>
+                        <a:t>Nmin</a:t>
+                      </a:r>
+                      <a:endParaRPr lang="es-PE" sz="1000">
+                        <a:effectLst/>
+                        <a:latin typeface="Times New Roman" panose="02020603050405020304" pitchFamily="18" charset="0"/>
+                        <a:ea typeface="Times New Roman" panose="02020603050405020304" pitchFamily="18" charset="0"/>
+                      </a:endParaRPr>
+                    </a:p>
+                  </a:txBody>
+                  <a:tcPr marL="36261" marR="36261" marT="0" marB="0" anchor="b">
+                    <a:lnL>
+                      <a:noFill/>
+                    </a:lnL>
+                    <a:lnR>
+                      <a:noFill/>
+                    </a:lnR>
+                    <a:lnT>
+                      <a:noFill/>
+                    </a:lnT>
+                    <a:lnB>
+                      <a:noFill/>
+                    </a:lnB>
+                    <a:noFill/>
+                  </a:tcPr>
+                </a:tc>
+                <a:tc>
+                  <a:txBody>
+                    <a:bodyPr/>
+                    <a:lstStyle/>
+                    <a:p>
+                      <a:pPr algn="ctr"/>
+                      <a:r>
+                        <a:rPr lang="es-ES" sz="900">
+                          <a:solidFill>
+                            <a:srgbClr val="000000"/>
+                          </a:solidFill>
+                          <a:effectLst/>
+                          <a:latin typeface="Calibri" panose="020F0502020204030204" pitchFamily="34" charset="0"/>
+                          <a:ea typeface="Times New Roman" panose="02020603050405020304" pitchFamily="18" charset="0"/>
+                        </a:rPr>
+                        <a:t>N0</a:t>
+                      </a:r>
+                      <a:endParaRPr lang="es-PE" sz="1000">
+                        <a:effectLst/>
+                        <a:latin typeface="Times New Roman" panose="02020603050405020304" pitchFamily="18" charset="0"/>
+                        <a:ea typeface="Times New Roman" panose="02020603050405020304" pitchFamily="18" charset="0"/>
+                      </a:endParaRPr>
+                    </a:p>
+                  </a:txBody>
+                  <a:tcPr marL="36261" marR="36261" marT="0" marB="0" anchor="b">
+                    <a:lnL>
+                      <a:noFill/>
+                    </a:lnL>
+                    <a:lnR>
+                      <a:noFill/>
+                    </a:lnR>
+                    <a:lnT>
+                      <a:noFill/>
+                    </a:lnT>
+                    <a:lnB>
+                      <a:noFill/>
+                    </a:lnB>
+                    <a:noFill/>
+                  </a:tcPr>
+                </a:tc>
+                <a:tc>
+                  <a:txBody>
+                    <a:bodyPr/>
+                    <a:lstStyle/>
+                    <a:p>
+                      <a:pPr algn="ctr"/>
+                      <a:r>
+                        <a:rPr lang="es-ES" sz="900">
+                          <a:solidFill>
+                            <a:srgbClr val="000000"/>
+                          </a:solidFill>
+                          <a:effectLst/>
+                          <a:latin typeface="Calibri" panose="020F0502020204030204" pitchFamily="34" charset="0"/>
+                          <a:ea typeface="Times New Roman" panose="02020603050405020304" pitchFamily="18" charset="0"/>
+                        </a:rPr>
+                        <a:t>32.2</a:t>
+                      </a:r>
+                      <a:endParaRPr lang="es-PE" sz="1000">
+                        <a:effectLst/>
+                        <a:latin typeface="Times New Roman" panose="02020603050405020304" pitchFamily="18" charset="0"/>
+                        <a:ea typeface="Times New Roman" panose="02020603050405020304" pitchFamily="18" charset="0"/>
+                      </a:endParaRPr>
+                    </a:p>
+                  </a:txBody>
+                  <a:tcPr marL="36261" marR="36261" marT="0" marB="0" anchor="b">
+                    <a:lnL>
+                      <a:noFill/>
+                    </a:lnL>
+                    <a:lnR>
+                      <a:noFill/>
+                    </a:lnR>
+                    <a:lnT>
+                      <a:noFill/>
+                    </a:lnT>
+                    <a:lnB>
+                      <a:noFill/>
+                    </a:lnB>
+                    <a:noFill/>
+                  </a:tcPr>
+                </a:tc>
+                <a:tc>
+                  <a:txBody>
+                    <a:bodyPr/>
+                    <a:lstStyle/>
+                    <a:p>
+                      <a:pPr algn="l"/>
+                      <a:r>
+                        <a:rPr lang="es-ES" sz="900">
+                          <a:solidFill>
+                            <a:srgbClr val="000000"/>
+                          </a:solidFill>
+                          <a:effectLst/>
+                          <a:latin typeface="Calibri" panose="020F0502020204030204" pitchFamily="34" charset="0"/>
+                          <a:ea typeface="Times New Roman" panose="02020603050405020304" pitchFamily="18" charset="0"/>
+                        </a:rPr>
+                        <a:t>NO3-N</a:t>
+                      </a:r>
+                      <a:endParaRPr lang="es-PE" sz="1000">
+                        <a:effectLst/>
+                        <a:latin typeface="Times New Roman" panose="02020603050405020304" pitchFamily="18" charset="0"/>
+                        <a:ea typeface="Times New Roman" panose="02020603050405020304" pitchFamily="18" charset="0"/>
+                      </a:endParaRPr>
+                    </a:p>
+                  </a:txBody>
+                  <a:tcPr marL="36261" marR="36261" marT="0" marB="0" anchor="b">
+                    <a:lnL>
+                      <a:noFill/>
+                    </a:lnL>
+                    <a:lnR>
+                      <a:noFill/>
+                    </a:lnR>
+                    <a:lnT>
+                      <a:noFill/>
+                    </a:lnT>
+                    <a:lnB w="12700" cap="flat" cmpd="sng" algn="ctr">
+                      <a:solidFill>
+                        <a:srgbClr val="000000"/>
+                      </a:solidFill>
+                      <a:prstDash val="solid"/>
+                      <a:round/>
+                      <a:headEnd type="none" w="med" len="med"/>
+                      <a:tailEnd type="none" w="med" len="med"/>
+                    </a:lnB>
+                    <a:noFill/>
+                  </a:tcPr>
+                </a:tc>
+                <a:tc>
+                  <a:txBody>
+                    <a:bodyPr/>
+                    <a:lstStyle/>
+                    <a:p>
+                      <a:pPr algn="l"/>
+                      <a:r>
+                        <a:rPr lang="es-ES" sz="900">
+                          <a:solidFill>
+                            <a:srgbClr val="000000"/>
+                          </a:solidFill>
+                          <a:effectLst/>
+                          <a:latin typeface="Calibri" panose="020F0502020204030204" pitchFamily="34" charset="0"/>
+                          <a:ea typeface="Times New Roman" panose="02020603050405020304" pitchFamily="18" charset="0"/>
+                        </a:rPr>
+                        <a:t>N80</a:t>
+                      </a:r>
+                      <a:endParaRPr lang="es-PE" sz="1000">
+                        <a:effectLst/>
+                        <a:latin typeface="Times New Roman" panose="02020603050405020304" pitchFamily="18" charset="0"/>
+                        <a:ea typeface="Times New Roman" panose="02020603050405020304" pitchFamily="18" charset="0"/>
+                      </a:endParaRPr>
+                    </a:p>
+                  </a:txBody>
+                  <a:tcPr marL="36261" marR="36261" marT="0" marB="0" anchor="b">
+                    <a:lnL>
+                      <a:noFill/>
+                    </a:lnL>
+                    <a:lnR>
+                      <a:noFill/>
+                    </a:lnR>
+                    <a:lnT>
+                      <a:noFill/>
+                    </a:lnT>
+                    <a:lnB w="12700" cap="flat" cmpd="sng" algn="ctr">
+                      <a:solidFill>
+                        <a:srgbClr val="000000"/>
+                      </a:solidFill>
+                      <a:prstDash val="solid"/>
+                      <a:round/>
+                      <a:headEnd type="none" w="med" len="med"/>
+                      <a:tailEnd type="none" w="med" len="med"/>
+                    </a:lnB>
+                    <a:noFill/>
+                  </a:tcPr>
+                </a:tc>
+                <a:tc>
+                  <a:txBody>
+                    <a:bodyPr/>
+                    <a:lstStyle/>
+                    <a:p>
+                      <a:pPr algn="l"/>
+                      <a:r>
+                        <a:rPr lang="es-ES" sz="900">
+                          <a:solidFill>
+                            <a:srgbClr val="000000"/>
+                          </a:solidFill>
+                          <a:effectLst/>
+                          <a:latin typeface="Calibri" panose="020F0502020204030204" pitchFamily="34" charset="0"/>
+                          <a:ea typeface="Times New Roman" panose="02020603050405020304" pitchFamily="18" charset="0"/>
+                        </a:rPr>
+                        <a:t>7.6</a:t>
+                      </a:r>
+                      <a:endParaRPr lang="es-PE" sz="1000">
+                        <a:effectLst/>
+                        <a:latin typeface="Times New Roman" panose="02020603050405020304" pitchFamily="18" charset="0"/>
+                        <a:ea typeface="Times New Roman" panose="02020603050405020304" pitchFamily="18" charset="0"/>
+                      </a:endParaRPr>
+                    </a:p>
+                  </a:txBody>
+                  <a:tcPr marL="36261" marR="36261" marT="0" marB="0" anchor="b">
+                    <a:lnL>
+                      <a:noFill/>
+                    </a:lnL>
+                    <a:lnR>
+                      <a:noFill/>
+                    </a:lnR>
+                    <a:lnT>
+                      <a:noFill/>
+                    </a:lnT>
+                    <a:lnB w="12700" cap="flat" cmpd="sng" algn="ctr">
+                      <a:solidFill>
+                        <a:srgbClr val="000000"/>
+                      </a:solidFill>
+                      <a:prstDash val="solid"/>
+                      <a:round/>
+                      <a:headEnd type="none" w="med" len="med"/>
+                      <a:tailEnd type="none" w="med" len="med"/>
+                    </a:lnB>
+                    <a:noFill/>
+                  </a:tcPr>
+                </a:tc>
+                <a:extLst>
+                  <a:ext uri="{0D108BD9-81ED-4DB2-BD59-A6C34878D82A}">
+                    <a16:rowId xmlns:a16="http://schemas.microsoft.com/office/drawing/2014/main" val="588538065"/>
+                  </a:ext>
+                </a:extLst>
+              </a:tr>
+              <a:tr h="155405">
+                <a:tc>
+                  <a:txBody>
+                    <a:bodyPr/>
+                    <a:lstStyle/>
+                    <a:p>
+                      <a:pPr algn="ctr"/>
+                      <a:r>
+                        <a:rPr lang="es-ES" sz="900">
+                          <a:solidFill>
+                            <a:srgbClr val="000000"/>
+                          </a:solidFill>
+                          <a:effectLst/>
+                          <a:latin typeface="Calibri" panose="020F0502020204030204" pitchFamily="34" charset="0"/>
+                          <a:ea typeface="Times New Roman" panose="02020603050405020304" pitchFamily="18" charset="0"/>
+                        </a:rPr>
+                        <a:t>Nmin</a:t>
+                      </a:r>
+                      <a:endParaRPr lang="es-PE" sz="1000">
+                        <a:effectLst/>
+                        <a:latin typeface="Times New Roman" panose="02020603050405020304" pitchFamily="18" charset="0"/>
+                        <a:ea typeface="Times New Roman" panose="02020603050405020304" pitchFamily="18" charset="0"/>
+                      </a:endParaRPr>
+                    </a:p>
+                  </a:txBody>
+                  <a:tcPr marL="36261" marR="36261" marT="0" marB="0" anchor="b">
+                    <a:lnL>
+                      <a:noFill/>
+                    </a:lnL>
+                    <a:lnR>
+                      <a:noFill/>
+                    </a:lnR>
+                    <a:lnT>
+                      <a:noFill/>
+                    </a:lnT>
+                    <a:lnB>
+                      <a:noFill/>
+                    </a:lnB>
+                    <a:noFill/>
+                  </a:tcPr>
+                </a:tc>
+                <a:tc>
+                  <a:txBody>
+                    <a:bodyPr/>
+                    <a:lstStyle/>
+                    <a:p>
+                      <a:pPr algn="ctr"/>
+                      <a:r>
+                        <a:rPr lang="es-ES" sz="900">
+                          <a:solidFill>
+                            <a:srgbClr val="000000"/>
+                          </a:solidFill>
+                          <a:effectLst/>
+                          <a:latin typeface="Calibri" panose="020F0502020204030204" pitchFamily="34" charset="0"/>
+                          <a:ea typeface="Times New Roman" panose="02020603050405020304" pitchFamily="18" charset="0"/>
+                        </a:rPr>
+                        <a:t>N20</a:t>
+                      </a:r>
+                      <a:endParaRPr lang="es-PE" sz="1000">
+                        <a:effectLst/>
+                        <a:latin typeface="Times New Roman" panose="02020603050405020304" pitchFamily="18" charset="0"/>
+                        <a:ea typeface="Times New Roman" panose="02020603050405020304" pitchFamily="18" charset="0"/>
+                      </a:endParaRPr>
+                    </a:p>
+                  </a:txBody>
+                  <a:tcPr marL="36261" marR="36261" marT="0" marB="0" anchor="b">
+                    <a:lnL>
+                      <a:noFill/>
+                    </a:lnL>
+                    <a:lnR>
+                      <a:noFill/>
+                    </a:lnR>
+                    <a:lnT>
+                      <a:noFill/>
+                    </a:lnT>
+                    <a:lnB>
+                      <a:noFill/>
+                    </a:lnB>
+                    <a:noFill/>
+                  </a:tcPr>
+                </a:tc>
+                <a:tc>
+                  <a:txBody>
+                    <a:bodyPr/>
+                    <a:lstStyle/>
+                    <a:p>
+                      <a:pPr algn="ctr"/>
+                      <a:r>
+                        <a:rPr lang="es-ES" sz="900">
+                          <a:solidFill>
+                            <a:srgbClr val="000000"/>
+                          </a:solidFill>
+                          <a:effectLst/>
+                          <a:latin typeface="Calibri" panose="020F0502020204030204" pitchFamily="34" charset="0"/>
+                          <a:ea typeface="Times New Roman" panose="02020603050405020304" pitchFamily="18" charset="0"/>
+                        </a:rPr>
+                        <a:t>26.7</a:t>
+                      </a:r>
+                      <a:endParaRPr lang="es-PE" sz="1000">
+                        <a:effectLst/>
+                        <a:latin typeface="Times New Roman" panose="02020603050405020304" pitchFamily="18" charset="0"/>
+                        <a:ea typeface="Times New Roman" panose="02020603050405020304" pitchFamily="18" charset="0"/>
+                      </a:endParaRPr>
+                    </a:p>
+                  </a:txBody>
+                  <a:tcPr marL="36261" marR="36261" marT="0" marB="0" anchor="b">
+                    <a:lnL>
+                      <a:noFill/>
+                    </a:lnL>
+                    <a:lnR>
+                      <a:noFill/>
+                    </a:lnR>
+                    <a:lnT>
+                      <a:noFill/>
+                    </a:lnT>
+                    <a:lnB>
+                      <a:noFill/>
+                    </a:lnB>
+                    <a:noFill/>
+                  </a:tcPr>
+                </a:tc>
+                <a:tc gridSpan="3">
+                  <a:txBody>
+                    <a:bodyPr/>
+                    <a:lstStyle/>
+                    <a:p>
+                      <a:pPr algn="just"/>
+                      <a:r>
+                        <a:rPr lang="es-PE" sz="1000">
+                          <a:effectLst/>
+                          <a:latin typeface="Times New Roman" panose="02020603050405020304" pitchFamily="18" charset="0"/>
+                          <a:ea typeface="Times New Roman" panose="02020603050405020304" pitchFamily="18" charset="0"/>
+                        </a:rPr>
+                        <a:t> </a:t>
+                      </a:r>
+                    </a:p>
+                  </a:txBody>
+                  <a:tcPr marL="0" marR="0" marT="0" marB="0" anchor="ctr">
+                    <a:lnL>
+                      <a:noFill/>
+                    </a:lnL>
+                    <a:lnR>
+                      <a:noFill/>
+                    </a:lnR>
+                    <a:lnT w="12700" cap="flat" cmpd="sng" algn="ctr">
+                      <a:solidFill>
+                        <a:srgbClr val="000000"/>
+                      </a:solidFill>
+                      <a:prstDash val="solid"/>
+                      <a:round/>
+                      <a:headEnd type="none" w="med" len="med"/>
+                      <a:tailEnd type="none" w="med" len="med"/>
+                    </a:lnT>
+                    <a:lnB>
+                      <a:noFill/>
+                    </a:lnB>
+                    <a:noFill/>
+                  </a:tcPr>
+                </a:tc>
+                <a:tc hMerge="1">
+                  <a:txBody>
+                    <a:bodyPr/>
+                    <a:lstStyle/>
+                    <a:p>
+                      <a:endParaRPr lang="es-PE"/>
+                    </a:p>
+                  </a:txBody>
+                  <a:tcPr/>
+                </a:tc>
+                <a:tc hMerge="1">
+                  <a:txBody>
+                    <a:bodyPr/>
+                    <a:lstStyle/>
+                    <a:p>
+                      <a:endParaRPr lang="es-PE"/>
+                    </a:p>
+                  </a:txBody>
+                  <a:tcPr/>
+                </a:tc>
+                <a:extLst>
+                  <a:ext uri="{0D108BD9-81ED-4DB2-BD59-A6C34878D82A}">
+                    <a16:rowId xmlns:a16="http://schemas.microsoft.com/office/drawing/2014/main" val="385237297"/>
+                  </a:ext>
+                </a:extLst>
+              </a:tr>
+              <a:tr h="155405">
+                <a:tc>
+                  <a:txBody>
+                    <a:bodyPr/>
+                    <a:lstStyle/>
+                    <a:p>
+                      <a:pPr algn="ctr"/>
+                      <a:r>
+                        <a:rPr lang="es-ES" sz="900">
+                          <a:solidFill>
+                            <a:srgbClr val="000000"/>
+                          </a:solidFill>
+                          <a:effectLst/>
+                          <a:latin typeface="Calibri" panose="020F0502020204030204" pitchFamily="34" charset="0"/>
+                          <a:ea typeface="Times New Roman" panose="02020603050405020304" pitchFamily="18" charset="0"/>
+                        </a:rPr>
+                        <a:t>Nmin</a:t>
+                      </a:r>
+                      <a:endParaRPr lang="es-PE" sz="1000">
+                        <a:effectLst/>
+                        <a:latin typeface="Times New Roman" panose="02020603050405020304" pitchFamily="18" charset="0"/>
+                        <a:ea typeface="Times New Roman" panose="02020603050405020304" pitchFamily="18" charset="0"/>
+                      </a:endParaRPr>
+                    </a:p>
+                  </a:txBody>
+                  <a:tcPr marL="36261" marR="36261" marT="0" marB="0" anchor="b">
+                    <a:lnL>
+                      <a:noFill/>
+                    </a:lnL>
+                    <a:lnR>
+                      <a:noFill/>
+                    </a:lnR>
+                    <a:lnT>
+                      <a:noFill/>
+                    </a:lnT>
+                    <a:lnB>
+                      <a:noFill/>
+                    </a:lnB>
+                    <a:noFill/>
+                  </a:tcPr>
+                </a:tc>
+                <a:tc>
+                  <a:txBody>
+                    <a:bodyPr/>
+                    <a:lstStyle/>
+                    <a:p>
+                      <a:pPr algn="ctr"/>
+                      <a:r>
+                        <a:rPr lang="es-ES" sz="900">
+                          <a:solidFill>
+                            <a:srgbClr val="000000"/>
+                          </a:solidFill>
+                          <a:effectLst/>
+                          <a:latin typeface="Calibri" panose="020F0502020204030204" pitchFamily="34" charset="0"/>
+                          <a:ea typeface="Times New Roman" panose="02020603050405020304" pitchFamily="18" charset="0"/>
+                        </a:rPr>
+                        <a:t>N20</a:t>
+                      </a:r>
+                      <a:endParaRPr lang="es-PE" sz="1000">
+                        <a:effectLst/>
+                        <a:latin typeface="Times New Roman" panose="02020603050405020304" pitchFamily="18" charset="0"/>
+                        <a:ea typeface="Times New Roman" panose="02020603050405020304" pitchFamily="18" charset="0"/>
+                      </a:endParaRPr>
+                    </a:p>
+                  </a:txBody>
+                  <a:tcPr marL="36261" marR="36261" marT="0" marB="0" anchor="b">
+                    <a:lnL>
+                      <a:noFill/>
+                    </a:lnL>
+                    <a:lnR>
+                      <a:noFill/>
+                    </a:lnR>
+                    <a:lnT>
+                      <a:noFill/>
+                    </a:lnT>
+                    <a:lnB>
+                      <a:noFill/>
+                    </a:lnB>
+                    <a:noFill/>
+                  </a:tcPr>
+                </a:tc>
+                <a:tc>
+                  <a:txBody>
+                    <a:bodyPr/>
+                    <a:lstStyle/>
+                    <a:p>
+                      <a:pPr algn="ctr"/>
+                      <a:r>
+                        <a:rPr lang="es-ES" sz="900">
+                          <a:solidFill>
+                            <a:srgbClr val="000000"/>
+                          </a:solidFill>
+                          <a:effectLst/>
+                          <a:latin typeface="Calibri" panose="020F0502020204030204" pitchFamily="34" charset="0"/>
+                          <a:ea typeface="Times New Roman" panose="02020603050405020304" pitchFamily="18" charset="0"/>
+                        </a:rPr>
+                        <a:t>29</a:t>
+                      </a:r>
+                      <a:endParaRPr lang="es-PE" sz="1000">
+                        <a:effectLst/>
+                        <a:latin typeface="Times New Roman" panose="02020603050405020304" pitchFamily="18" charset="0"/>
+                        <a:ea typeface="Times New Roman" panose="02020603050405020304" pitchFamily="18" charset="0"/>
+                      </a:endParaRPr>
+                    </a:p>
+                  </a:txBody>
+                  <a:tcPr marL="36261" marR="36261" marT="0" marB="0" anchor="b">
+                    <a:lnL>
+                      <a:noFill/>
+                    </a:lnL>
+                    <a:lnR>
+                      <a:noFill/>
+                    </a:lnR>
+                    <a:lnT>
+                      <a:noFill/>
+                    </a:lnT>
+                    <a:lnB>
+                      <a:noFill/>
+                    </a:lnB>
+                    <a:noFill/>
+                  </a:tcPr>
+                </a:tc>
+                <a:tc gridSpan="3">
+                  <a:txBody>
+                    <a:bodyPr/>
+                    <a:lstStyle/>
+                    <a:p>
+                      <a:pPr algn="just"/>
+                      <a:r>
+                        <a:rPr lang="es-PE" sz="1000">
+                          <a:effectLst/>
+                          <a:latin typeface="Times New Roman" panose="02020603050405020304" pitchFamily="18" charset="0"/>
+                          <a:ea typeface="Times New Roman" panose="02020603050405020304" pitchFamily="18" charset="0"/>
+                        </a:rPr>
+                        <a:t> </a:t>
+                      </a:r>
+                    </a:p>
+                  </a:txBody>
+                  <a:tcPr marL="0" marR="0" marT="0" marB="0" anchor="ctr">
+                    <a:lnL>
+                      <a:noFill/>
+                    </a:lnL>
+                    <a:lnR>
+                      <a:noFill/>
+                    </a:lnR>
+                    <a:lnT>
+                      <a:noFill/>
+                    </a:lnT>
+                    <a:lnB>
+                      <a:noFill/>
+                    </a:lnB>
+                    <a:noFill/>
+                  </a:tcPr>
+                </a:tc>
+                <a:tc hMerge="1">
+                  <a:txBody>
+                    <a:bodyPr/>
+                    <a:lstStyle/>
+                    <a:p>
+                      <a:endParaRPr lang="es-PE"/>
+                    </a:p>
+                  </a:txBody>
+                  <a:tcPr/>
+                </a:tc>
+                <a:tc hMerge="1">
+                  <a:txBody>
+                    <a:bodyPr/>
+                    <a:lstStyle/>
+                    <a:p>
+                      <a:endParaRPr lang="es-PE"/>
+                    </a:p>
+                  </a:txBody>
+                  <a:tcPr/>
+                </a:tc>
+                <a:extLst>
+                  <a:ext uri="{0D108BD9-81ED-4DB2-BD59-A6C34878D82A}">
+                    <a16:rowId xmlns:a16="http://schemas.microsoft.com/office/drawing/2014/main" val="3877054951"/>
+                  </a:ext>
+                </a:extLst>
+              </a:tr>
+              <a:tr h="155405">
+                <a:tc>
+                  <a:txBody>
+                    <a:bodyPr/>
+                    <a:lstStyle/>
+                    <a:p>
+                      <a:pPr algn="ctr"/>
+                      <a:r>
+                        <a:rPr lang="es-ES" sz="900">
+                          <a:solidFill>
+                            <a:srgbClr val="000000"/>
+                          </a:solidFill>
+                          <a:effectLst/>
+                          <a:latin typeface="Calibri" panose="020F0502020204030204" pitchFamily="34" charset="0"/>
+                          <a:ea typeface="Times New Roman" panose="02020603050405020304" pitchFamily="18" charset="0"/>
+                        </a:rPr>
+                        <a:t>Nmin</a:t>
+                      </a:r>
+                      <a:endParaRPr lang="es-PE" sz="1000">
+                        <a:effectLst/>
+                        <a:latin typeface="Times New Roman" panose="02020603050405020304" pitchFamily="18" charset="0"/>
+                        <a:ea typeface="Times New Roman" panose="02020603050405020304" pitchFamily="18" charset="0"/>
+                      </a:endParaRPr>
+                    </a:p>
+                  </a:txBody>
+                  <a:tcPr marL="36261" marR="36261" marT="0" marB="0" anchor="b">
+                    <a:lnL>
+                      <a:noFill/>
+                    </a:lnL>
+                    <a:lnR>
+                      <a:noFill/>
+                    </a:lnR>
+                    <a:lnT>
+                      <a:noFill/>
+                    </a:lnT>
+                    <a:lnB>
+                      <a:noFill/>
+                    </a:lnB>
+                    <a:noFill/>
+                  </a:tcPr>
+                </a:tc>
+                <a:tc>
+                  <a:txBody>
+                    <a:bodyPr/>
+                    <a:lstStyle/>
+                    <a:p>
+                      <a:pPr algn="ctr"/>
+                      <a:r>
+                        <a:rPr lang="es-ES" sz="900">
+                          <a:solidFill>
+                            <a:srgbClr val="000000"/>
+                          </a:solidFill>
+                          <a:effectLst/>
+                          <a:latin typeface="Calibri" panose="020F0502020204030204" pitchFamily="34" charset="0"/>
+                          <a:ea typeface="Times New Roman" panose="02020603050405020304" pitchFamily="18" charset="0"/>
+                        </a:rPr>
+                        <a:t>N20</a:t>
+                      </a:r>
+                      <a:endParaRPr lang="es-PE" sz="1000">
+                        <a:effectLst/>
+                        <a:latin typeface="Times New Roman" panose="02020603050405020304" pitchFamily="18" charset="0"/>
+                        <a:ea typeface="Times New Roman" panose="02020603050405020304" pitchFamily="18" charset="0"/>
+                      </a:endParaRPr>
+                    </a:p>
+                  </a:txBody>
+                  <a:tcPr marL="36261" marR="36261" marT="0" marB="0" anchor="b">
+                    <a:lnL>
+                      <a:noFill/>
+                    </a:lnL>
+                    <a:lnR>
+                      <a:noFill/>
+                    </a:lnR>
+                    <a:lnT>
+                      <a:noFill/>
+                    </a:lnT>
+                    <a:lnB>
+                      <a:noFill/>
+                    </a:lnB>
+                    <a:noFill/>
+                  </a:tcPr>
+                </a:tc>
+                <a:tc>
+                  <a:txBody>
+                    <a:bodyPr/>
+                    <a:lstStyle/>
+                    <a:p>
+                      <a:pPr algn="ctr"/>
+                      <a:r>
+                        <a:rPr lang="es-ES" sz="900">
+                          <a:solidFill>
+                            <a:srgbClr val="000000"/>
+                          </a:solidFill>
+                          <a:effectLst/>
+                          <a:latin typeface="Calibri" panose="020F0502020204030204" pitchFamily="34" charset="0"/>
+                          <a:ea typeface="Times New Roman" panose="02020603050405020304" pitchFamily="18" charset="0"/>
+                        </a:rPr>
+                        <a:t>31.3</a:t>
+                      </a:r>
+                      <a:endParaRPr lang="es-PE" sz="1000">
+                        <a:effectLst/>
+                        <a:latin typeface="Times New Roman" panose="02020603050405020304" pitchFamily="18" charset="0"/>
+                        <a:ea typeface="Times New Roman" panose="02020603050405020304" pitchFamily="18" charset="0"/>
+                      </a:endParaRPr>
+                    </a:p>
+                  </a:txBody>
+                  <a:tcPr marL="36261" marR="36261" marT="0" marB="0" anchor="b">
+                    <a:lnL>
+                      <a:noFill/>
+                    </a:lnL>
+                    <a:lnR>
+                      <a:noFill/>
+                    </a:lnR>
+                    <a:lnT>
+                      <a:noFill/>
+                    </a:lnT>
+                    <a:lnB>
+                      <a:noFill/>
+                    </a:lnB>
+                    <a:noFill/>
+                  </a:tcPr>
+                </a:tc>
+                <a:tc gridSpan="3">
+                  <a:txBody>
+                    <a:bodyPr/>
+                    <a:lstStyle/>
+                    <a:p>
+                      <a:pPr algn="just"/>
+                      <a:r>
+                        <a:rPr lang="es-PE" sz="1000">
+                          <a:effectLst/>
+                          <a:latin typeface="Times New Roman" panose="02020603050405020304" pitchFamily="18" charset="0"/>
+                          <a:ea typeface="Times New Roman" panose="02020603050405020304" pitchFamily="18" charset="0"/>
+                        </a:rPr>
+                        <a:t> </a:t>
+                      </a:r>
+                    </a:p>
+                  </a:txBody>
+                  <a:tcPr marL="0" marR="0" marT="0" marB="0" anchor="ctr">
+                    <a:lnL>
+                      <a:noFill/>
+                    </a:lnL>
+                    <a:lnR>
+                      <a:noFill/>
+                    </a:lnR>
+                    <a:lnT>
+                      <a:noFill/>
+                    </a:lnT>
+                    <a:lnB>
+                      <a:noFill/>
+                    </a:lnB>
+                    <a:noFill/>
+                  </a:tcPr>
+                </a:tc>
+                <a:tc hMerge="1">
+                  <a:txBody>
+                    <a:bodyPr/>
+                    <a:lstStyle/>
+                    <a:p>
+                      <a:endParaRPr lang="es-PE"/>
+                    </a:p>
+                  </a:txBody>
+                  <a:tcPr/>
+                </a:tc>
+                <a:tc hMerge="1">
+                  <a:txBody>
+                    <a:bodyPr/>
+                    <a:lstStyle/>
+                    <a:p>
+                      <a:endParaRPr lang="es-PE"/>
+                    </a:p>
+                  </a:txBody>
+                  <a:tcPr/>
+                </a:tc>
+                <a:extLst>
+                  <a:ext uri="{0D108BD9-81ED-4DB2-BD59-A6C34878D82A}">
+                    <a16:rowId xmlns:a16="http://schemas.microsoft.com/office/drawing/2014/main" val="2090477102"/>
+                  </a:ext>
+                </a:extLst>
+              </a:tr>
+              <a:tr h="155405">
+                <a:tc>
+                  <a:txBody>
+                    <a:bodyPr/>
+                    <a:lstStyle/>
+                    <a:p>
+                      <a:pPr algn="ctr"/>
+                      <a:r>
+                        <a:rPr lang="es-ES" sz="900">
+                          <a:solidFill>
+                            <a:srgbClr val="000000"/>
+                          </a:solidFill>
+                          <a:effectLst/>
+                          <a:latin typeface="Calibri" panose="020F0502020204030204" pitchFamily="34" charset="0"/>
+                          <a:ea typeface="Times New Roman" panose="02020603050405020304" pitchFamily="18" charset="0"/>
+                        </a:rPr>
+                        <a:t>Nmin</a:t>
+                      </a:r>
+                      <a:endParaRPr lang="es-PE" sz="1000">
+                        <a:effectLst/>
+                        <a:latin typeface="Times New Roman" panose="02020603050405020304" pitchFamily="18" charset="0"/>
+                        <a:ea typeface="Times New Roman" panose="02020603050405020304" pitchFamily="18" charset="0"/>
+                      </a:endParaRPr>
+                    </a:p>
+                  </a:txBody>
+                  <a:tcPr marL="36261" marR="36261" marT="0" marB="0" anchor="b">
+                    <a:lnL>
+                      <a:noFill/>
+                    </a:lnL>
+                    <a:lnR>
+                      <a:noFill/>
+                    </a:lnR>
+                    <a:lnT>
+                      <a:noFill/>
+                    </a:lnT>
+                    <a:lnB>
+                      <a:noFill/>
+                    </a:lnB>
+                    <a:noFill/>
+                  </a:tcPr>
+                </a:tc>
+                <a:tc>
+                  <a:txBody>
+                    <a:bodyPr/>
+                    <a:lstStyle/>
+                    <a:p>
+                      <a:pPr algn="ctr"/>
+                      <a:r>
+                        <a:rPr lang="es-ES" sz="900">
+                          <a:solidFill>
+                            <a:srgbClr val="000000"/>
+                          </a:solidFill>
+                          <a:effectLst/>
+                          <a:latin typeface="Calibri" panose="020F0502020204030204" pitchFamily="34" charset="0"/>
+                          <a:ea typeface="Times New Roman" panose="02020603050405020304" pitchFamily="18" charset="0"/>
+                        </a:rPr>
+                        <a:t>N40</a:t>
+                      </a:r>
+                      <a:endParaRPr lang="es-PE" sz="1000">
+                        <a:effectLst/>
+                        <a:latin typeface="Times New Roman" panose="02020603050405020304" pitchFamily="18" charset="0"/>
+                        <a:ea typeface="Times New Roman" panose="02020603050405020304" pitchFamily="18" charset="0"/>
+                      </a:endParaRPr>
+                    </a:p>
+                  </a:txBody>
+                  <a:tcPr marL="36261" marR="36261" marT="0" marB="0" anchor="b">
+                    <a:lnL>
+                      <a:noFill/>
+                    </a:lnL>
+                    <a:lnR>
+                      <a:noFill/>
+                    </a:lnR>
+                    <a:lnT>
+                      <a:noFill/>
+                    </a:lnT>
+                    <a:lnB>
+                      <a:noFill/>
+                    </a:lnB>
+                    <a:noFill/>
+                  </a:tcPr>
+                </a:tc>
+                <a:tc>
+                  <a:txBody>
+                    <a:bodyPr/>
+                    <a:lstStyle/>
+                    <a:p>
+                      <a:pPr algn="ctr"/>
+                      <a:r>
+                        <a:rPr lang="es-ES" sz="900">
+                          <a:solidFill>
+                            <a:srgbClr val="000000"/>
+                          </a:solidFill>
+                          <a:effectLst/>
+                          <a:latin typeface="Calibri" panose="020F0502020204030204" pitchFamily="34" charset="0"/>
+                          <a:ea typeface="Times New Roman" panose="02020603050405020304" pitchFamily="18" charset="0"/>
+                        </a:rPr>
+                        <a:t>25.5</a:t>
+                      </a:r>
+                      <a:endParaRPr lang="es-PE" sz="1000">
+                        <a:effectLst/>
+                        <a:latin typeface="Times New Roman" panose="02020603050405020304" pitchFamily="18" charset="0"/>
+                        <a:ea typeface="Times New Roman" panose="02020603050405020304" pitchFamily="18" charset="0"/>
+                      </a:endParaRPr>
+                    </a:p>
+                  </a:txBody>
+                  <a:tcPr marL="36261" marR="36261" marT="0" marB="0" anchor="b">
+                    <a:lnL>
+                      <a:noFill/>
+                    </a:lnL>
+                    <a:lnR>
+                      <a:noFill/>
+                    </a:lnR>
+                    <a:lnT>
+                      <a:noFill/>
+                    </a:lnT>
+                    <a:lnB>
+                      <a:noFill/>
+                    </a:lnB>
+                    <a:noFill/>
+                  </a:tcPr>
+                </a:tc>
+                <a:tc gridSpan="3">
+                  <a:txBody>
+                    <a:bodyPr/>
+                    <a:lstStyle/>
+                    <a:p>
+                      <a:pPr algn="just"/>
+                      <a:r>
+                        <a:rPr lang="es-PE" sz="1000">
+                          <a:effectLst/>
+                          <a:latin typeface="Times New Roman" panose="02020603050405020304" pitchFamily="18" charset="0"/>
+                          <a:ea typeface="Times New Roman" panose="02020603050405020304" pitchFamily="18" charset="0"/>
+                        </a:rPr>
+                        <a:t> </a:t>
+                      </a:r>
+                    </a:p>
+                  </a:txBody>
+                  <a:tcPr marL="0" marR="0" marT="0" marB="0" anchor="ctr">
+                    <a:lnL>
+                      <a:noFill/>
+                    </a:lnL>
+                    <a:lnR>
+                      <a:noFill/>
+                    </a:lnR>
+                    <a:lnT>
+                      <a:noFill/>
+                    </a:lnT>
+                    <a:lnB>
+                      <a:noFill/>
+                    </a:lnB>
+                    <a:noFill/>
+                  </a:tcPr>
+                </a:tc>
+                <a:tc hMerge="1">
+                  <a:txBody>
+                    <a:bodyPr/>
+                    <a:lstStyle/>
+                    <a:p>
+                      <a:endParaRPr lang="es-PE"/>
+                    </a:p>
+                  </a:txBody>
+                  <a:tcPr/>
+                </a:tc>
+                <a:tc hMerge="1">
+                  <a:txBody>
+                    <a:bodyPr/>
+                    <a:lstStyle/>
+                    <a:p>
+                      <a:endParaRPr lang="es-PE"/>
+                    </a:p>
+                  </a:txBody>
+                  <a:tcPr/>
+                </a:tc>
+                <a:extLst>
+                  <a:ext uri="{0D108BD9-81ED-4DB2-BD59-A6C34878D82A}">
+                    <a16:rowId xmlns:a16="http://schemas.microsoft.com/office/drawing/2014/main" val="1412144697"/>
+                  </a:ext>
+                </a:extLst>
+              </a:tr>
+              <a:tr h="155405">
+                <a:tc>
+                  <a:txBody>
+                    <a:bodyPr/>
+                    <a:lstStyle/>
+                    <a:p>
+                      <a:pPr algn="ctr"/>
+                      <a:r>
+                        <a:rPr lang="es-ES" sz="900">
+                          <a:solidFill>
+                            <a:srgbClr val="000000"/>
+                          </a:solidFill>
+                          <a:effectLst/>
+                          <a:latin typeface="Calibri" panose="020F0502020204030204" pitchFamily="34" charset="0"/>
+                          <a:ea typeface="Times New Roman" panose="02020603050405020304" pitchFamily="18" charset="0"/>
+                        </a:rPr>
+                        <a:t>Nmin</a:t>
+                      </a:r>
+                      <a:endParaRPr lang="es-PE" sz="1000">
+                        <a:effectLst/>
+                        <a:latin typeface="Times New Roman" panose="02020603050405020304" pitchFamily="18" charset="0"/>
+                        <a:ea typeface="Times New Roman" panose="02020603050405020304" pitchFamily="18" charset="0"/>
+                      </a:endParaRPr>
+                    </a:p>
+                  </a:txBody>
+                  <a:tcPr marL="36261" marR="36261" marT="0" marB="0" anchor="b">
+                    <a:lnL>
+                      <a:noFill/>
+                    </a:lnL>
+                    <a:lnR>
+                      <a:noFill/>
+                    </a:lnR>
+                    <a:lnT>
+                      <a:noFill/>
+                    </a:lnT>
+                    <a:lnB>
+                      <a:noFill/>
+                    </a:lnB>
+                    <a:noFill/>
+                  </a:tcPr>
+                </a:tc>
+                <a:tc>
+                  <a:txBody>
+                    <a:bodyPr/>
+                    <a:lstStyle/>
+                    <a:p>
+                      <a:pPr algn="ctr"/>
+                      <a:r>
+                        <a:rPr lang="es-ES" sz="900">
+                          <a:solidFill>
+                            <a:srgbClr val="000000"/>
+                          </a:solidFill>
+                          <a:effectLst/>
+                          <a:latin typeface="Calibri" panose="020F0502020204030204" pitchFamily="34" charset="0"/>
+                          <a:ea typeface="Times New Roman" panose="02020603050405020304" pitchFamily="18" charset="0"/>
+                        </a:rPr>
+                        <a:t>N40</a:t>
+                      </a:r>
+                      <a:endParaRPr lang="es-PE" sz="1000">
+                        <a:effectLst/>
+                        <a:latin typeface="Times New Roman" panose="02020603050405020304" pitchFamily="18" charset="0"/>
+                        <a:ea typeface="Times New Roman" panose="02020603050405020304" pitchFamily="18" charset="0"/>
+                      </a:endParaRPr>
+                    </a:p>
+                  </a:txBody>
+                  <a:tcPr marL="36261" marR="36261" marT="0" marB="0" anchor="b">
+                    <a:lnL>
+                      <a:noFill/>
+                    </a:lnL>
+                    <a:lnR>
+                      <a:noFill/>
+                    </a:lnR>
+                    <a:lnT>
+                      <a:noFill/>
+                    </a:lnT>
+                    <a:lnB>
+                      <a:noFill/>
+                    </a:lnB>
+                    <a:noFill/>
+                  </a:tcPr>
+                </a:tc>
+                <a:tc>
+                  <a:txBody>
+                    <a:bodyPr/>
+                    <a:lstStyle/>
+                    <a:p>
+                      <a:pPr algn="ctr"/>
+                      <a:r>
+                        <a:rPr lang="es-ES" sz="900">
+                          <a:solidFill>
+                            <a:srgbClr val="000000"/>
+                          </a:solidFill>
+                          <a:effectLst/>
+                          <a:latin typeface="Calibri" panose="020F0502020204030204" pitchFamily="34" charset="0"/>
+                          <a:ea typeface="Times New Roman" panose="02020603050405020304" pitchFamily="18" charset="0"/>
+                        </a:rPr>
+                        <a:t>26.7</a:t>
+                      </a:r>
+                      <a:endParaRPr lang="es-PE" sz="1000">
+                        <a:effectLst/>
+                        <a:latin typeface="Times New Roman" panose="02020603050405020304" pitchFamily="18" charset="0"/>
+                        <a:ea typeface="Times New Roman" panose="02020603050405020304" pitchFamily="18" charset="0"/>
+                      </a:endParaRPr>
+                    </a:p>
+                  </a:txBody>
+                  <a:tcPr marL="36261" marR="36261" marT="0" marB="0" anchor="b">
+                    <a:lnL>
+                      <a:noFill/>
+                    </a:lnL>
+                    <a:lnR>
+                      <a:noFill/>
+                    </a:lnR>
+                    <a:lnT>
+                      <a:noFill/>
+                    </a:lnT>
+                    <a:lnB>
+                      <a:noFill/>
+                    </a:lnB>
+                    <a:noFill/>
+                  </a:tcPr>
+                </a:tc>
+                <a:tc gridSpan="3">
+                  <a:txBody>
+                    <a:bodyPr/>
+                    <a:lstStyle/>
+                    <a:p>
+                      <a:pPr algn="just"/>
+                      <a:r>
+                        <a:rPr lang="es-PE" sz="1000">
+                          <a:effectLst/>
+                          <a:latin typeface="Times New Roman" panose="02020603050405020304" pitchFamily="18" charset="0"/>
+                          <a:ea typeface="Times New Roman" panose="02020603050405020304" pitchFamily="18" charset="0"/>
+                        </a:rPr>
+                        <a:t> </a:t>
+                      </a:r>
+                    </a:p>
+                  </a:txBody>
+                  <a:tcPr marL="0" marR="0" marT="0" marB="0" anchor="ctr">
+                    <a:lnL>
+                      <a:noFill/>
+                    </a:lnL>
+                    <a:lnR>
+                      <a:noFill/>
+                    </a:lnR>
+                    <a:lnT>
+                      <a:noFill/>
+                    </a:lnT>
+                    <a:lnB>
+                      <a:noFill/>
+                    </a:lnB>
+                    <a:noFill/>
+                  </a:tcPr>
+                </a:tc>
+                <a:tc hMerge="1">
+                  <a:txBody>
+                    <a:bodyPr/>
+                    <a:lstStyle/>
+                    <a:p>
+                      <a:endParaRPr lang="es-PE"/>
+                    </a:p>
+                  </a:txBody>
+                  <a:tcPr/>
+                </a:tc>
+                <a:tc hMerge="1">
+                  <a:txBody>
+                    <a:bodyPr/>
+                    <a:lstStyle/>
+                    <a:p>
+                      <a:endParaRPr lang="es-PE"/>
+                    </a:p>
+                  </a:txBody>
+                  <a:tcPr/>
+                </a:tc>
+                <a:extLst>
+                  <a:ext uri="{0D108BD9-81ED-4DB2-BD59-A6C34878D82A}">
+                    <a16:rowId xmlns:a16="http://schemas.microsoft.com/office/drawing/2014/main" val="3289340332"/>
+                  </a:ext>
+                </a:extLst>
+              </a:tr>
+              <a:tr h="155405">
+                <a:tc>
+                  <a:txBody>
+                    <a:bodyPr/>
+                    <a:lstStyle/>
+                    <a:p>
+                      <a:pPr algn="ctr"/>
+                      <a:r>
+                        <a:rPr lang="es-ES" sz="900">
+                          <a:solidFill>
+                            <a:srgbClr val="000000"/>
+                          </a:solidFill>
+                          <a:effectLst/>
+                          <a:latin typeface="Calibri" panose="020F0502020204030204" pitchFamily="34" charset="0"/>
+                          <a:ea typeface="Times New Roman" panose="02020603050405020304" pitchFamily="18" charset="0"/>
+                        </a:rPr>
+                        <a:t>Nmin</a:t>
+                      </a:r>
+                      <a:endParaRPr lang="es-PE" sz="1000">
+                        <a:effectLst/>
+                        <a:latin typeface="Times New Roman" panose="02020603050405020304" pitchFamily="18" charset="0"/>
+                        <a:ea typeface="Times New Roman" panose="02020603050405020304" pitchFamily="18" charset="0"/>
+                      </a:endParaRPr>
+                    </a:p>
+                  </a:txBody>
+                  <a:tcPr marL="36261" marR="36261" marT="0" marB="0" anchor="b">
+                    <a:lnL>
+                      <a:noFill/>
+                    </a:lnL>
+                    <a:lnR>
+                      <a:noFill/>
+                    </a:lnR>
+                    <a:lnT>
+                      <a:noFill/>
+                    </a:lnT>
+                    <a:lnB>
+                      <a:noFill/>
+                    </a:lnB>
+                    <a:noFill/>
+                  </a:tcPr>
+                </a:tc>
+                <a:tc>
+                  <a:txBody>
+                    <a:bodyPr/>
+                    <a:lstStyle/>
+                    <a:p>
+                      <a:pPr algn="ctr"/>
+                      <a:r>
+                        <a:rPr lang="es-ES" sz="900">
+                          <a:solidFill>
+                            <a:srgbClr val="000000"/>
+                          </a:solidFill>
+                          <a:effectLst/>
+                          <a:latin typeface="Calibri" panose="020F0502020204030204" pitchFamily="34" charset="0"/>
+                          <a:ea typeface="Times New Roman" panose="02020603050405020304" pitchFamily="18" charset="0"/>
+                        </a:rPr>
+                        <a:t>N40</a:t>
+                      </a:r>
+                      <a:endParaRPr lang="es-PE" sz="1000">
+                        <a:effectLst/>
+                        <a:latin typeface="Times New Roman" panose="02020603050405020304" pitchFamily="18" charset="0"/>
+                        <a:ea typeface="Times New Roman" panose="02020603050405020304" pitchFamily="18" charset="0"/>
+                      </a:endParaRPr>
+                    </a:p>
+                  </a:txBody>
+                  <a:tcPr marL="36261" marR="36261" marT="0" marB="0" anchor="b">
+                    <a:lnL>
+                      <a:noFill/>
+                    </a:lnL>
+                    <a:lnR>
+                      <a:noFill/>
+                    </a:lnR>
+                    <a:lnT>
+                      <a:noFill/>
+                    </a:lnT>
+                    <a:lnB>
+                      <a:noFill/>
+                    </a:lnB>
+                    <a:noFill/>
+                  </a:tcPr>
+                </a:tc>
+                <a:tc>
+                  <a:txBody>
+                    <a:bodyPr/>
+                    <a:lstStyle/>
+                    <a:p>
+                      <a:pPr algn="ctr"/>
+                      <a:r>
+                        <a:rPr lang="es-ES" sz="900">
+                          <a:solidFill>
+                            <a:srgbClr val="000000"/>
+                          </a:solidFill>
+                          <a:effectLst/>
+                          <a:latin typeface="Calibri" panose="020F0502020204030204" pitchFamily="34" charset="0"/>
+                          <a:ea typeface="Times New Roman" panose="02020603050405020304" pitchFamily="18" charset="0"/>
+                        </a:rPr>
+                        <a:t>27.9</a:t>
+                      </a:r>
+                      <a:endParaRPr lang="es-PE" sz="1000">
+                        <a:effectLst/>
+                        <a:latin typeface="Times New Roman" panose="02020603050405020304" pitchFamily="18" charset="0"/>
+                        <a:ea typeface="Times New Roman" panose="02020603050405020304" pitchFamily="18" charset="0"/>
+                      </a:endParaRPr>
+                    </a:p>
+                  </a:txBody>
+                  <a:tcPr marL="36261" marR="36261" marT="0" marB="0" anchor="b">
+                    <a:lnL>
+                      <a:noFill/>
+                    </a:lnL>
+                    <a:lnR>
+                      <a:noFill/>
+                    </a:lnR>
+                    <a:lnT>
+                      <a:noFill/>
+                    </a:lnT>
+                    <a:lnB>
+                      <a:noFill/>
+                    </a:lnB>
+                    <a:noFill/>
+                  </a:tcPr>
+                </a:tc>
+                <a:tc gridSpan="3">
+                  <a:txBody>
+                    <a:bodyPr/>
+                    <a:lstStyle/>
+                    <a:p>
+                      <a:pPr algn="just"/>
+                      <a:r>
+                        <a:rPr lang="es-PE" sz="1000">
+                          <a:effectLst/>
+                          <a:latin typeface="Times New Roman" panose="02020603050405020304" pitchFamily="18" charset="0"/>
+                          <a:ea typeface="Times New Roman" panose="02020603050405020304" pitchFamily="18" charset="0"/>
+                        </a:rPr>
+                        <a:t> </a:t>
+                      </a:r>
+                    </a:p>
+                  </a:txBody>
+                  <a:tcPr marL="0" marR="0" marT="0" marB="0" anchor="ctr">
+                    <a:lnL>
+                      <a:noFill/>
+                    </a:lnL>
+                    <a:lnR>
+                      <a:noFill/>
+                    </a:lnR>
+                    <a:lnT>
+                      <a:noFill/>
+                    </a:lnT>
+                    <a:lnB>
+                      <a:noFill/>
+                    </a:lnB>
+                    <a:noFill/>
+                  </a:tcPr>
+                </a:tc>
+                <a:tc hMerge="1">
+                  <a:txBody>
+                    <a:bodyPr/>
+                    <a:lstStyle/>
+                    <a:p>
+                      <a:endParaRPr lang="es-PE"/>
+                    </a:p>
+                  </a:txBody>
+                  <a:tcPr/>
+                </a:tc>
+                <a:tc hMerge="1">
+                  <a:txBody>
+                    <a:bodyPr/>
+                    <a:lstStyle/>
+                    <a:p>
+                      <a:endParaRPr lang="es-PE"/>
+                    </a:p>
+                  </a:txBody>
+                  <a:tcPr/>
+                </a:tc>
+                <a:extLst>
+                  <a:ext uri="{0D108BD9-81ED-4DB2-BD59-A6C34878D82A}">
+                    <a16:rowId xmlns:a16="http://schemas.microsoft.com/office/drawing/2014/main" val="1334017249"/>
+                  </a:ext>
+                </a:extLst>
+              </a:tr>
+              <a:tr h="155405">
+                <a:tc>
+                  <a:txBody>
+                    <a:bodyPr/>
+                    <a:lstStyle/>
+                    <a:p>
+                      <a:pPr algn="ctr"/>
+                      <a:r>
+                        <a:rPr lang="es-ES" sz="900">
+                          <a:solidFill>
+                            <a:srgbClr val="000000"/>
+                          </a:solidFill>
+                          <a:effectLst/>
+                          <a:latin typeface="Calibri" panose="020F0502020204030204" pitchFamily="34" charset="0"/>
+                          <a:ea typeface="Times New Roman" panose="02020603050405020304" pitchFamily="18" charset="0"/>
+                        </a:rPr>
+                        <a:t>Nmin</a:t>
+                      </a:r>
+                      <a:endParaRPr lang="es-PE" sz="1000">
+                        <a:effectLst/>
+                        <a:latin typeface="Times New Roman" panose="02020603050405020304" pitchFamily="18" charset="0"/>
+                        <a:ea typeface="Times New Roman" panose="02020603050405020304" pitchFamily="18" charset="0"/>
+                      </a:endParaRPr>
+                    </a:p>
+                  </a:txBody>
+                  <a:tcPr marL="36261" marR="36261" marT="0" marB="0" anchor="b">
+                    <a:lnL>
+                      <a:noFill/>
+                    </a:lnL>
+                    <a:lnR>
+                      <a:noFill/>
+                    </a:lnR>
+                    <a:lnT>
+                      <a:noFill/>
+                    </a:lnT>
+                    <a:lnB>
+                      <a:noFill/>
+                    </a:lnB>
+                    <a:noFill/>
+                  </a:tcPr>
+                </a:tc>
+                <a:tc>
+                  <a:txBody>
+                    <a:bodyPr/>
+                    <a:lstStyle/>
+                    <a:p>
+                      <a:pPr algn="ctr"/>
+                      <a:r>
+                        <a:rPr lang="es-ES" sz="900">
+                          <a:solidFill>
+                            <a:srgbClr val="000000"/>
+                          </a:solidFill>
+                          <a:effectLst/>
+                          <a:latin typeface="Calibri" panose="020F0502020204030204" pitchFamily="34" charset="0"/>
+                          <a:ea typeface="Times New Roman" panose="02020603050405020304" pitchFamily="18" charset="0"/>
+                        </a:rPr>
+                        <a:t>N60</a:t>
+                      </a:r>
+                      <a:endParaRPr lang="es-PE" sz="1000">
+                        <a:effectLst/>
+                        <a:latin typeface="Times New Roman" panose="02020603050405020304" pitchFamily="18" charset="0"/>
+                        <a:ea typeface="Times New Roman" panose="02020603050405020304" pitchFamily="18" charset="0"/>
+                      </a:endParaRPr>
+                    </a:p>
+                  </a:txBody>
+                  <a:tcPr marL="36261" marR="36261" marT="0" marB="0" anchor="b">
+                    <a:lnL>
+                      <a:noFill/>
+                    </a:lnL>
+                    <a:lnR>
+                      <a:noFill/>
+                    </a:lnR>
+                    <a:lnT>
+                      <a:noFill/>
+                    </a:lnT>
+                    <a:lnB>
+                      <a:noFill/>
+                    </a:lnB>
+                    <a:noFill/>
+                  </a:tcPr>
+                </a:tc>
+                <a:tc>
+                  <a:txBody>
+                    <a:bodyPr/>
+                    <a:lstStyle/>
+                    <a:p>
+                      <a:pPr algn="ctr"/>
+                      <a:r>
+                        <a:rPr lang="es-ES" sz="900">
+                          <a:solidFill>
+                            <a:srgbClr val="000000"/>
+                          </a:solidFill>
+                          <a:effectLst/>
+                          <a:latin typeface="Calibri" panose="020F0502020204030204" pitchFamily="34" charset="0"/>
+                          <a:ea typeface="Times New Roman" panose="02020603050405020304" pitchFamily="18" charset="0"/>
+                        </a:rPr>
+                        <a:t>25</a:t>
+                      </a:r>
+                      <a:endParaRPr lang="es-PE" sz="1000">
+                        <a:effectLst/>
+                        <a:latin typeface="Times New Roman" panose="02020603050405020304" pitchFamily="18" charset="0"/>
+                        <a:ea typeface="Times New Roman" panose="02020603050405020304" pitchFamily="18" charset="0"/>
+                      </a:endParaRPr>
+                    </a:p>
+                  </a:txBody>
+                  <a:tcPr marL="36261" marR="36261" marT="0" marB="0" anchor="b">
+                    <a:lnL>
+                      <a:noFill/>
+                    </a:lnL>
+                    <a:lnR>
+                      <a:noFill/>
+                    </a:lnR>
+                    <a:lnT>
+                      <a:noFill/>
+                    </a:lnT>
+                    <a:lnB>
+                      <a:noFill/>
+                    </a:lnB>
+                    <a:noFill/>
+                  </a:tcPr>
+                </a:tc>
+                <a:tc gridSpan="3">
+                  <a:txBody>
+                    <a:bodyPr/>
+                    <a:lstStyle/>
+                    <a:p>
+                      <a:pPr algn="just"/>
+                      <a:r>
+                        <a:rPr lang="es-PE" sz="1000">
+                          <a:effectLst/>
+                          <a:latin typeface="Times New Roman" panose="02020603050405020304" pitchFamily="18" charset="0"/>
+                          <a:ea typeface="Times New Roman" panose="02020603050405020304" pitchFamily="18" charset="0"/>
+                        </a:rPr>
+                        <a:t> </a:t>
+                      </a:r>
+                    </a:p>
+                  </a:txBody>
+                  <a:tcPr marL="0" marR="0" marT="0" marB="0" anchor="ctr">
+                    <a:lnL>
+                      <a:noFill/>
+                    </a:lnL>
+                    <a:lnR>
+                      <a:noFill/>
+                    </a:lnR>
+                    <a:lnT>
+                      <a:noFill/>
+                    </a:lnT>
+                    <a:lnB>
+                      <a:noFill/>
+                    </a:lnB>
+                    <a:noFill/>
+                  </a:tcPr>
+                </a:tc>
+                <a:tc hMerge="1">
+                  <a:txBody>
+                    <a:bodyPr/>
+                    <a:lstStyle/>
+                    <a:p>
+                      <a:endParaRPr lang="es-PE"/>
+                    </a:p>
+                  </a:txBody>
+                  <a:tcPr/>
+                </a:tc>
+                <a:tc hMerge="1">
+                  <a:txBody>
+                    <a:bodyPr/>
+                    <a:lstStyle/>
+                    <a:p>
+                      <a:endParaRPr lang="es-PE"/>
+                    </a:p>
+                  </a:txBody>
+                  <a:tcPr/>
+                </a:tc>
+                <a:extLst>
+                  <a:ext uri="{0D108BD9-81ED-4DB2-BD59-A6C34878D82A}">
+                    <a16:rowId xmlns:a16="http://schemas.microsoft.com/office/drawing/2014/main" val="2114702634"/>
+                  </a:ext>
+                </a:extLst>
+              </a:tr>
+              <a:tr h="155405">
+                <a:tc>
+                  <a:txBody>
+                    <a:bodyPr/>
+                    <a:lstStyle/>
+                    <a:p>
+                      <a:pPr algn="ctr"/>
+                      <a:r>
+                        <a:rPr lang="es-ES" sz="900">
+                          <a:solidFill>
+                            <a:srgbClr val="000000"/>
+                          </a:solidFill>
+                          <a:effectLst/>
+                          <a:latin typeface="Calibri" panose="020F0502020204030204" pitchFamily="34" charset="0"/>
+                          <a:ea typeface="Times New Roman" panose="02020603050405020304" pitchFamily="18" charset="0"/>
+                        </a:rPr>
+                        <a:t>Nmin</a:t>
+                      </a:r>
+                      <a:endParaRPr lang="es-PE" sz="1000">
+                        <a:effectLst/>
+                        <a:latin typeface="Times New Roman" panose="02020603050405020304" pitchFamily="18" charset="0"/>
+                        <a:ea typeface="Times New Roman" panose="02020603050405020304" pitchFamily="18" charset="0"/>
+                      </a:endParaRPr>
+                    </a:p>
+                  </a:txBody>
+                  <a:tcPr marL="36261" marR="36261" marT="0" marB="0" anchor="b">
+                    <a:lnL>
+                      <a:noFill/>
+                    </a:lnL>
+                    <a:lnR>
+                      <a:noFill/>
+                    </a:lnR>
+                    <a:lnT>
+                      <a:noFill/>
+                    </a:lnT>
+                    <a:lnB>
+                      <a:noFill/>
+                    </a:lnB>
+                    <a:noFill/>
+                  </a:tcPr>
+                </a:tc>
+                <a:tc>
+                  <a:txBody>
+                    <a:bodyPr/>
+                    <a:lstStyle/>
+                    <a:p>
+                      <a:pPr algn="ctr"/>
+                      <a:r>
+                        <a:rPr lang="es-ES" sz="900">
+                          <a:solidFill>
+                            <a:srgbClr val="000000"/>
+                          </a:solidFill>
+                          <a:effectLst/>
+                          <a:latin typeface="Calibri" panose="020F0502020204030204" pitchFamily="34" charset="0"/>
+                          <a:ea typeface="Times New Roman" panose="02020603050405020304" pitchFamily="18" charset="0"/>
+                        </a:rPr>
+                        <a:t>N60</a:t>
+                      </a:r>
+                      <a:endParaRPr lang="es-PE" sz="1000">
+                        <a:effectLst/>
+                        <a:latin typeface="Times New Roman" panose="02020603050405020304" pitchFamily="18" charset="0"/>
+                        <a:ea typeface="Times New Roman" panose="02020603050405020304" pitchFamily="18" charset="0"/>
+                      </a:endParaRPr>
+                    </a:p>
+                  </a:txBody>
+                  <a:tcPr marL="36261" marR="36261" marT="0" marB="0" anchor="b">
+                    <a:lnL>
+                      <a:noFill/>
+                    </a:lnL>
+                    <a:lnR>
+                      <a:noFill/>
+                    </a:lnR>
+                    <a:lnT>
+                      <a:noFill/>
+                    </a:lnT>
+                    <a:lnB>
+                      <a:noFill/>
+                    </a:lnB>
+                    <a:noFill/>
+                  </a:tcPr>
+                </a:tc>
+                <a:tc>
+                  <a:txBody>
+                    <a:bodyPr/>
+                    <a:lstStyle/>
+                    <a:p>
+                      <a:pPr algn="ctr"/>
+                      <a:r>
+                        <a:rPr lang="es-ES" sz="900">
+                          <a:solidFill>
+                            <a:srgbClr val="000000"/>
+                          </a:solidFill>
+                          <a:effectLst/>
+                          <a:latin typeface="Calibri" panose="020F0502020204030204" pitchFamily="34" charset="0"/>
+                          <a:ea typeface="Times New Roman" panose="02020603050405020304" pitchFamily="18" charset="0"/>
+                        </a:rPr>
+                        <a:t>26.9</a:t>
+                      </a:r>
+                      <a:endParaRPr lang="es-PE" sz="1000">
+                        <a:effectLst/>
+                        <a:latin typeface="Times New Roman" panose="02020603050405020304" pitchFamily="18" charset="0"/>
+                        <a:ea typeface="Times New Roman" panose="02020603050405020304" pitchFamily="18" charset="0"/>
+                      </a:endParaRPr>
+                    </a:p>
+                  </a:txBody>
+                  <a:tcPr marL="36261" marR="36261" marT="0" marB="0" anchor="b">
+                    <a:lnL>
+                      <a:noFill/>
+                    </a:lnL>
+                    <a:lnR>
+                      <a:noFill/>
+                    </a:lnR>
+                    <a:lnT>
+                      <a:noFill/>
+                    </a:lnT>
+                    <a:lnB>
+                      <a:noFill/>
+                    </a:lnB>
+                    <a:noFill/>
+                  </a:tcPr>
+                </a:tc>
+                <a:tc gridSpan="3">
+                  <a:txBody>
+                    <a:bodyPr/>
+                    <a:lstStyle/>
+                    <a:p>
+                      <a:pPr algn="just"/>
+                      <a:r>
+                        <a:rPr lang="es-PE" sz="1000">
+                          <a:effectLst/>
+                          <a:latin typeface="Times New Roman" panose="02020603050405020304" pitchFamily="18" charset="0"/>
+                          <a:ea typeface="Times New Roman" panose="02020603050405020304" pitchFamily="18" charset="0"/>
+                        </a:rPr>
+                        <a:t> </a:t>
+                      </a:r>
+                    </a:p>
+                  </a:txBody>
+                  <a:tcPr marL="0" marR="0" marT="0" marB="0" anchor="ctr">
+                    <a:lnL>
+                      <a:noFill/>
+                    </a:lnL>
+                    <a:lnR>
+                      <a:noFill/>
+                    </a:lnR>
+                    <a:lnT>
+                      <a:noFill/>
+                    </a:lnT>
+                    <a:lnB>
+                      <a:noFill/>
+                    </a:lnB>
+                    <a:noFill/>
+                  </a:tcPr>
+                </a:tc>
+                <a:tc hMerge="1">
+                  <a:txBody>
+                    <a:bodyPr/>
+                    <a:lstStyle/>
+                    <a:p>
+                      <a:endParaRPr lang="es-PE"/>
+                    </a:p>
+                  </a:txBody>
+                  <a:tcPr/>
+                </a:tc>
+                <a:tc hMerge="1">
+                  <a:txBody>
+                    <a:bodyPr/>
+                    <a:lstStyle/>
+                    <a:p>
+                      <a:endParaRPr lang="es-PE"/>
+                    </a:p>
+                  </a:txBody>
+                  <a:tcPr/>
+                </a:tc>
+                <a:extLst>
+                  <a:ext uri="{0D108BD9-81ED-4DB2-BD59-A6C34878D82A}">
+                    <a16:rowId xmlns:a16="http://schemas.microsoft.com/office/drawing/2014/main" val="3392718065"/>
+                  </a:ext>
+                </a:extLst>
+              </a:tr>
+              <a:tr h="155405">
+                <a:tc>
+                  <a:txBody>
+                    <a:bodyPr/>
+                    <a:lstStyle/>
+                    <a:p>
+                      <a:pPr algn="ctr"/>
+                      <a:r>
+                        <a:rPr lang="es-ES" sz="900">
+                          <a:solidFill>
+                            <a:srgbClr val="000000"/>
+                          </a:solidFill>
+                          <a:effectLst/>
+                          <a:latin typeface="Calibri" panose="020F0502020204030204" pitchFamily="34" charset="0"/>
+                          <a:ea typeface="Times New Roman" panose="02020603050405020304" pitchFamily="18" charset="0"/>
+                        </a:rPr>
+                        <a:t>Nmin</a:t>
+                      </a:r>
+                      <a:endParaRPr lang="es-PE" sz="1000">
+                        <a:effectLst/>
+                        <a:latin typeface="Times New Roman" panose="02020603050405020304" pitchFamily="18" charset="0"/>
+                        <a:ea typeface="Times New Roman" panose="02020603050405020304" pitchFamily="18" charset="0"/>
+                      </a:endParaRPr>
+                    </a:p>
+                  </a:txBody>
+                  <a:tcPr marL="36261" marR="36261" marT="0" marB="0" anchor="b">
+                    <a:lnL>
+                      <a:noFill/>
+                    </a:lnL>
+                    <a:lnR>
+                      <a:noFill/>
+                    </a:lnR>
+                    <a:lnT>
+                      <a:noFill/>
+                    </a:lnT>
+                    <a:lnB w="12700" cap="flat" cmpd="sng" algn="ctr">
+                      <a:solidFill>
+                        <a:srgbClr val="000000"/>
+                      </a:solidFill>
+                      <a:prstDash val="solid"/>
+                      <a:round/>
+                      <a:headEnd type="none" w="med" len="med"/>
+                      <a:tailEnd type="none" w="med" len="med"/>
+                    </a:lnB>
+                    <a:noFill/>
+                  </a:tcPr>
+                </a:tc>
+                <a:tc>
+                  <a:txBody>
+                    <a:bodyPr/>
+                    <a:lstStyle/>
+                    <a:p>
+                      <a:pPr algn="ctr"/>
+                      <a:r>
+                        <a:rPr lang="es-ES" sz="900">
+                          <a:solidFill>
+                            <a:srgbClr val="000000"/>
+                          </a:solidFill>
+                          <a:effectLst/>
+                          <a:latin typeface="Calibri" panose="020F0502020204030204" pitchFamily="34" charset="0"/>
+                          <a:ea typeface="Times New Roman" panose="02020603050405020304" pitchFamily="18" charset="0"/>
+                        </a:rPr>
+                        <a:t>N60</a:t>
+                      </a:r>
+                      <a:endParaRPr lang="es-PE" sz="1000">
+                        <a:effectLst/>
+                        <a:latin typeface="Times New Roman" panose="02020603050405020304" pitchFamily="18" charset="0"/>
+                        <a:ea typeface="Times New Roman" panose="02020603050405020304" pitchFamily="18" charset="0"/>
+                      </a:endParaRPr>
+                    </a:p>
+                  </a:txBody>
+                  <a:tcPr marL="36261" marR="36261" marT="0" marB="0" anchor="b">
+                    <a:lnL>
+                      <a:noFill/>
+                    </a:lnL>
+                    <a:lnR>
+                      <a:noFill/>
+                    </a:lnR>
+                    <a:lnT>
+                      <a:noFill/>
+                    </a:lnT>
+                    <a:lnB w="12700" cap="flat" cmpd="sng" algn="ctr">
+                      <a:solidFill>
+                        <a:srgbClr val="000000"/>
+                      </a:solidFill>
+                      <a:prstDash val="solid"/>
+                      <a:round/>
+                      <a:headEnd type="none" w="med" len="med"/>
+                      <a:tailEnd type="none" w="med" len="med"/>
+                    </a:lnB>
+                    <a:noFill/>
+                  </a:tcPr>
+                </a:tc>
+                <a:tc>
+                  <a:txBody>
+                    <a:bodyPr/>
+                    <a:lstStyle/>
+                    <a:p>
+                      <a:pPr algn="ctr"/>
+                      <a:r>
+                        <a:rPr lang="es-ES" sz="900">
+                          <a:solidFill>
+                            <a:srgbClr val="000000"/>
+                          </a:solidFill>
+                          <a:effectLst/>
+                          <a:latin typeface="Calibri" panose="020F0502020204030204" pitchFamily="34" charset="0"/>
+                          <a:ea typeface="Times New Roman" panose="02020603050405020304" pitchFamily="18" charset="0"/>
+                        </a:rPr>
+                        <a:t>28.8</a:t>
+                      </a:r>
+                      <a:endParaRPr lang="es-PE" sz="1000">
+                        <a:effectLst/>
+                        <a:latin typeface="Times New Roman" panose="02020603050405020304" pitchFamily="18" charset="0"/>
+                        <a:ea typeface="Times New Roman" panose="02020603050405020304" pitchFamily="18" charset="0"/>
+                      </a:endParaRPr>
+                    </a:p>
+                  </a:txBody>
+                  <a:tcPr marL="36261" marR="36261" marT="0" marB="0" anchor="b">
+                    <a:lnL>
+                      <a:noFill/>
+                    </a:lnL>
+                    <a:lnR>
+                      <a:noFill/>
+                    </a:lnR>
+                    <a:lnT>
+                      <a:noFill/>
+                    </a:lnT>
+                    <a:lnB w="12700" cap="flat" cmpd="sng" algn="ctr">
+                      <a:solidFill>
+                        <a:srgbClr val="000000"/>
+                      </a:solidFill>
+                      <a:prstDash val="solid"/>
+                      <a:round/>
+                      <a:headEnd type="none" w="med" len="med"/>
+                      <a:tailEnd type="none" w="med" len="med"/>
+                    </a:lnB>
+                    <a:noFill/>
+                  </a:tcPr>
+                </a:tc>
+                <a:tc gridSpan="3">
+                  <a:txBody>
+                    <a:bodyPr/>
+                    <a:lstStyle/>
+                    <a:p>
+                      <a:pPr algn="just"/>
+                      <a:r>
+                        <a:rPr lang="es-PE" sz="1000" dirty="0">
+                          <a:effectLst/>
+                          <a:latin typeface="Times New Roman" panose="02020603050405020304" pitchFamily="18" charset="0"/>
+                          <a:ea typeface="Times New Roman" panose="02020603050405020304" pitchFamily="18" charset="0"/>
+                        </a:rPr>
+                        <a:t> </a:t>
+                      </a:r>
+                    </a:p>
+                  </a:txBody>
+                  <a:tcPr marL="0" marR="0" marT="0" marB="0" anchor="ctr">
+                    <a:lnL>
+                      <a:noFill/>
+                    </a:lnL>
+                    <a:lnR>
+                      <a:noFill/>
+                    </a:lnR>
+                    <a:lnT>
+                      <a:noFill/>
+                    </a:lnT>
+                    <a:lnB>
+                      <a:noFill/>
+                    </a:lnB>
+                    <a:noFill/>
+                  </a:tcPr>
+                </a:tc>
+                <a:tc hMerge="1">
+                  <a:txBody>
+                    <a:bodyPr/>
+                    <a:lstStyle/>
+                    <a:p>
+                      <a:endParaRPr lang="es-PE"/>
+                    </a:p>
+                  </a:txBody>
+                  <a:tcPr/>
+                </a:tc>
+                <a:tc hMerge="1">
+                  <a:txBody>
+                    <a:bodyPr/>
+                    <a:lstStyle/>
+                    <a:p>
+                      <a:endParaRPr lang="es-PE"/>
+                    </a:p>
+                  </a:txBody>
+                  <a:tcPr/>
+                </a:tc>
+                <a:extLst>
+                  <a:ext uri="{0D108BD9-81ED-4DB2-BD59-A6C34878D82A}">
+                    <a16:rowId xmlns:a16="http://schemas.microsoft.com/office/drawing/2014/main" val="2145094123"/>
+                  </a:ext>
+                </a:extLst>
+              </a:tr>
+            </a:tbl>
+          </a:graphicData>
+        </a:graphic>
+      </p:graphicFrame>
       <p:pic>
         <p:nvPicPr>
-          <p:cNvPr id="10" name="Imagen 9">
+          <p:cNvPr id="8" name="Imagen 7">
             <a:extLst>
               <a:ext uri="{FF2B5EF4-FFF2-40B4-BE49-F238E27FC236}">
-                <a16:creationId xmlns:a16="http://schemas.microsoft.com/office/drawing/2014/main" id="{13FCE92F-B78C-45F8-B036-5E7E5F2F948C}"/>
+                <a16:creationId xmlns:a16="http://schemas.microsoft.com/office/drawing/2014/main" id="{FB5BE500-5C4D-E443-7CD5-6E7BDA184F4D}"/>
               </a:ext>
             </a:extLst>
           </p:cNvPr>
@@ -20813,8 +27396,8 @@
         </p:blipFill>
         <p:spPr>
           <a:xfrm>
-            <a:off x="72002" y="1472517"/>
-            <a:ext cx="5273040" cy="3433572"/>
+            <a:off x="5512728" y="763771"/>
+            <a:ext cx="5274310" cy="3771900"/>
           </a:xfrm>
           <a:prstGeom prst="rect">
             <a:avLst/>
@@ -20823,10 +27406,10 @@
       </p:pic>
       <p:pic>
         <p:nvPicPr>
-          <p:cNvPr id="12" name="Imagen 11">
+          <p:cNvPr id="11" name="Imagen 10">
             <a:extLst>
               <a:ext uri="{FF2B5EF4-FFF2-40B4-BE49-F238E27FC236}">
-                <a16:creationId xmlns:a16="http://schemas.microsoft.com/office/drawing/2014/main" id="{F03F2415-069E-4E3E-89AA-F3C442B66D67}"/>
+                <a16:creationId xmlns:a16="http://schemas.microsoft.com/office/drawing/2014/main" id="{8E530BA8-88D2-8D9D-425C-0ED4DA9EE373}"/>
               </a:ext>
             </a:extLst>
           </p:cNvPr>
@@ -20843,37 +27426,8 @@
         </p:blipFill>
         <p:spPr>
           <a:xfrm>
-            <a:off x="5595780" y="692150"/>
-            <a:ext cx="5497268" cy="2772745"/>
-          </a:xfrm>
-          <a:prstGeom prst="rect">
-            <a:avLst/>
-          </a:prstGeom>
-        </p:spPr>
-      </p:pic>
-      <p:pic>
-        <p:nvPicPr>
-          <p:cNvPr id="14" name="Imagen 13">
-            <a:extLst>
-              <a:ext uri="{FF2B5EF4-FFF2-40B4-BE49-F238E27FC236}">
-                <a16:creationId xmlns:a16="http://schemas.microsoft.com/office/drawing/2014/main" id="{D5B8B28B-7A81-41E7-8014-C660D290D95C}"/>
-              </a:ext>
-            </a:extLst>
-          </p:cNvPr>
-          <p:cNvPicPr>
-            <a:picLocks noChangeAspect="1"/>
-          </p:cNvPicPr>
-          <p:nvPr/>
-        </p:nvPicPr>
-        <p:blipFill rotWithShape="1">
-          <a:blip r:embed="rId6"/>
-          <a:srcRect t="4652"/>
-          <a:stretch/>
-        </p:blipFill>
-        <p:spPr>
-          <a:xfrm>
-            <a:off x="5776278" y="3730303"/>
-            <a:ext cx="5136271" cy="2351572"/>
+            <a:off x="5512728" y="4850355"/>
+            <a:ext cx="5600700" cy="1266825"/>
           </a:xfrm>
           <a:prstGeom prst="rect">
             <a:avLst/>
@@ -21109,7 +27663,7 @@
         </p:blipFill>
         <p:spPr>
           <a:xfrm>
-            <a:off x="7461681" y="1440205"/>
+            <a:off x="7349140" y="1535965"/>
             <a:ext cx="2933546" cy="672680"/>
           </a:xfrm>
           <a:prstGeom prst="rect">
@@ -21132,7 +27686,7 @@
         <p:spPr>
           <a:xfrm>
             <a:off x="617408" y="1130046"/>
-            <a:ext cx="5952068" cy="2862322"/>
+            <a:ext cx="5952068" cy="2031325"/>
           </a:xfrm>
           <a:prstGeom prst="rect">
             <a:avLst/>
@@ -21147,31 +27701,28 @@
           <a:p>
             <a:pPr algn="just"/>
             <a:r>
-              <a:rPr lang="es-ES" sz="1800" dirty="0">
+              <a:rPr lang="es-PE" sz="1800" dirty="0">
                 <a:effectLst/>
                 <a:latin typeface="Times New Roman" panose="02020603050405020304" pitchFamily="18" charset="0"/>
                 <a:ea typeface="Times New Roman" panose="02020603050405020304" pitchFamily="18" charset="0"/>
               </a:rPr>
-              <a:t>El resultado de la prueba de normalidad de Shapiro-Wilk para los residuos del modelo muestra un estadístico W de 0.89791 y un valor p de 0.07441. Dado que el valor p es mayor que el nivel de significancia comúnmente utilizado (por ejemplo, 0.05), no hay suficiente evidencia para rechazar la hipótesis nula de que los residuos siguen una distribución normal. Esto sugiere que la suposición de normalidad de los residuos es razonablemente válida para el modelo de ANOVA analizado, cumpliendo así uno de los requisitos clave para la validez del ANOVA.</a:t>
+              <a:t>Los resultados obtenidos muestran que los residuos del ANOVA se sometieron a la prueba de normalidad de Shapiro-Wilk, que arrojó un valor W de 0.9739 y un valor p de 0.3977. Dado que el valor p es mayor que 0.05, no hay evidencia suficiente para rechazar la hipótesis nula de normalidad, lo que indica que los residuos siguen una distribución normal, cumpliendo así con uno de los supuestos del ANOVA.</a:t>
             </a:r>
-            <a:endParaRPr lang="es-PE" sz="1800" dirty="0">
-              <a:effectLst/>
-              <a:latin typeface="Times New Roman" panose="02020603050405020304" pitchFamily="18" charset="0"/>
-              <a:ea typeface="Times New Roman" panose="02020603050405020304" pitchFamily="18" charset="0"/>
-            </a:endParaRPr>
           </a:p>
         </p:txBody>
       </p:sp>
       <p:pic>
         <p:nvPicPr>
-          <p:cNvPr id="9" name="Imagen 8">
+          <p:cNvPr id="10" name="Imagen 9">
             <a:extLst>
               <a:ext uri="{FF2B5EF4-FFF2-40B4-BE49-F238E27FC236}">
-                <a16:creationId xmlns:a16="http://schemas.microsoft.com/office/drawing/2014/main" id="{CD4769C5-9564-4809-98CA-9BCC3FEC99DB}"/>
+                <a16:creationId xmlns:a16="http://schemas.microsoft.com/office/drawing/2014/main" id="{0F46B8BD-B487-CF9D-4164-F5777C0968EE}"/>
               </a:ext>
             </a:extLst>
           </p:cNvPr>
-          <p:cNvPicPr/>
+          <p:cNvPicPr>
+            <a:picLocks noChangeAspect="1"/>
+          </p:cNvPicPr>
           <p:nvPr/>
         </p:nvPicPr>
         <p:blipFill>
@@ -21188,8 +27739,8 @@
         </p:blipFill>
         <p:spPr>
           <a:xfrm>
-            <a:off x="6894503" y="3240402"/>
-            <a:ext cx="4815144" cy="2768832"/>
+            <a:off x="6569476" y="2208645"/>
+            <a:ext cx="5014727" cy="4187830"/>
           </a:xfrm>
           <a:prstGeom prst="rect">
             <a:avLst/>
@@ -21405,36 +27956,6 @@
           </a:p>
         </p:txBody>
       </p:sp>
-      <p:pic>
-        <p:nvPicPr>
-          <p:cNvPr id="7" name="Imagen 6">
-            <a:extLst>
-              <a:ext uri="{FF2B5EF4-FFF2-40B4-BE49-F238E27FC236}">
-                <a16:creationId xmlns:a16="http://schemas.microsoft.com/office/drawing/2014/main" id="{2973911B-723C-4165-9725-68BC67A4D5A7}"/>
-              </a:ext>
-            </a:extLst>
-          </p:cNvPr>
-          <p:cNvPicPr>
-            <a:picLocks noChangeAspect="1"/>
-          </p:cNvPicPr>
-          <p:nvPr/>
-        </p:nvPicPr>
-        <p:blipFill>
-          <a:blip r:embed="rId4"/>
-          <a:stretch>
-            <a:fillRect/>
-          </a:stretch>
-        </p:blipFill>
-        <p:spPr>
-          <a:xfrm>
-            <a:off x="6855848" y="2339957"/>
-            <a:ext cx="4898187" cy="1162432"/>
-          </a:xfrm>
-          <a:prstGeom prst="rect">
-            <a:avLst/>
-          </a:prstGeom>
-        </p:spPr>
-      </p:pic>
       <p:graphicFrame>
         <p:nvGraphicFramePr>
           <p:cNvPr id="8" name="Tabla 7">
@@ -21450,14 +27971,14 @@
           <p:nvPr>
             <p:extLst>
               <p:ext uri="{D42A27DB-BD31-4B8C-83A1-F6EECF244321}">
-                <p14:modId xmlns:p14="http://schemas.microsoft.com/office/powerpoint/2010/main" val="681221238"/>
+                <p14:modId xmlns:p14="http://schemas.microsoft.com/office/powerpoint/2010/main" val="920099583"/>
               </p:ext>
             </p:extLst>
           </p:nvPr>
         </p:nvGraphicFramePr>
         <p:xfrm>
           <a:off x="6323921" y="3908649"/>
-          <a:ext cx="5686457" cy="2140576"/>
+          <a:ext cx="5686457" cy="2045648"/>
         </p:xfrm>
         <a:graphic>
           <a:graphicData uri="http://schemas.openxmlformats.org/drawingml/2006/table">
@@ -21508,7 +28029,7 @@
                     <a:p>
                       <a:pPr algn="ctr"/>
                       <a:r>
-                        <a:rPr lang="es-PE" sz="1100" b="1">
+                        <a:rPr lang="es-PE" sz="1600" b="1" dirty="0">
                           <a:solidFill>
                             <a:srgbClr val="000000"/>
                           </a:solidFill>
@@ -21518,7 +28039,7 @@
                         </a:rPr>
                         <a:t>Variable</a:t>
                       </a:r>
-                      <a:endParaRPr lang="es-PE" sz="1200">
+                      <a:endParaRPr lang="es-PE" sz="1800" dirty="0">
                         <a:effectLst/>
                         <a:latin typeface="Times New Roman" panose="02020603050405020304" pitchFamily="18" charset="0"/>
                         <a:ea typeface="Times New Roman" panose="02020603050405020304" pitchFamily="18" charset="0"/>
@@ -21553,7 +28074,7 @@
                     <a:p>
                       <a:pPr algn="ctr"/>
                       <a:r>
-                        <a:rPr lang="es-PE" sz="1100" b="1">
+                        <a:rPr lang="es-PE" sz="1600" b="1" dirty="0">
                           <a:solidFill>
                             <a:srgbClr val="000000"/>
                           </a:solidFill>
@@ -21563,7 +28084,7 @@
                         </a:rPr>
                         <a:t>K-cuadrado de Bartlett</a:t>
                       </a:r>
-                      <a:endParaRPr lang="es-PE" sz="1200">
+                      <a:endParaRPr lang="es-PE" sz="1800" dirty="0">
                         <a:effectLst/>
                         <a:latin typeface="Times New Roman" panose="02020603050405020304" pitchFamily="18" charset="0"/>
                         <a:ea typeface="Times New Roman" panose="02020603050405020304" pitchFamily="18" charset="0"/>
@@ -21598,7 +28119,7 @@
                     <a:p>
                       <a:pPr algn="ctr"/>
                       <a:r>
-                        <a:rPr lang="es-PE" sz="1100" b="1">
+                        <a:rPr lang="es-PE" sz="1600" b="1">
                           <a:solidFill>
                             <a:srgbClr val="000000"/>
                           </a:solidFill>
@@ -21608,7 +28129,7 @@
                         </a:rPr>
                         <a:t>Grados de libertad</a:t>
                       </a:r>
-                      <a:endParaRPr lang="es-PE" sz="1200">
+                      <a:endParaRPr lang="es-PE" sz="1800">
                         <a:effectLst/>
                         <a:latin typeface="Times New Roman" panose="02020603050405020304" pitchFamily="18" charset="0"/>
                         <a:ea typeface="Times New Roman" panose="02020603050405020304" pitchFamily="18" charset="0"/>
@@ -21643,7 +28164,7 @@
                     <a:p>
                       <a:pPr algn="ctr"/>
                       <a:r>
-                        <a:rPr lang="es-PE" sz="1100" b="1" dirty="0">
+                        <a:rPr lang="es-PE" sz="1600" b="1" dirty="0">
                           <a:solidFill>
                             <a:srgbClr val="000000"/>
                           </a:solidFill>
@@ -21653,7 +28174,7 @@
                         </a:rPr>
                         <a:t>Valor p</a:t>
                       </a:r>
-                      <a:endParaRPr lang="es-PE" sz="1200" dirty="0">
+                      <a:endParaRPr lang="es-PE" sz="1800" dirty="0">
                         <a:effectLst/>
                         <a:latin typeface="Times New Roman" panose="02020603050405020304" pitchFamily="18" charset="0"/>
                         <a:ea typeface="Times New Roman" panose="02020603050405020304" pitchFamily="18" charset="0"/>
@@ -21688,7 +28209,7 @@
                     <a:p>
                       <a:pPr algn="ctr"/>
                       <a:r>
-                        <a:rPr lang="es-PE" sz="1100" b="1">
+                        <a:rPr lang="es-PE" sz="1600" b="1">
                           <a:solidFill>
                             <a:srgbClr val="000000"/>
                           </a:solidFill>
@@ -21698,7 +28219,7 @@
                         </a:rPr>
                         <a:t>Conclusión</a:t>
                       </a:r>
-                      <a:endParaRPr lang="es-PE" sz="1200">
+                      <a:endParaRPr lang="es-PE" sz="1800">
                         <a:effectLst/>
                         <a:latin typeface="Times New Roman" panose="02020603050405020304" pitchFamily="18" charset="0"/>
                         <a:ea typeface="Times New Roman" panose="02020603050405020304" pitchFamily="18" charset="0"/>
@@ -21738,26 +28259,20 @@
                     <a:bodyPr/>
                     <a:lstStyle/>
                     <a:p>
-                      <a:pPr algn="ctr"/>
+                      <a:pPr algn="ctr" fontAlgn="b"/>
                       <a:r>
-                        <a:rPr lang="es-PE" sz="1100">
+                        <a:rPr lang="es-PE" sz="1600" b="0" i="0" u="none" strike="noStrike" dirty="0">
                           <a:solidFill>
                             <a:srgbClr val="000000"/>
                           </a:solidFill>
                           <a:effectLst/>
                           <a:latin typeface="Calibri" panose="020F0502020204030204" pitchFamily="34" charset="0"/>
-                          <a:ea typeface="Times New Roman" panose="02020603050405020304" pitchFamily="18" charset="0"/>
                         </a:rPr>
-                        <a:t>Especie</a:t>
+                        <a:t>Variable</a:t>
                       </a:r>
-                      <a:endParaRPr lang="es-PE" sz="1200">
-                        <a:effectLst/>
-                        <a:latin typeface="Times New Roman" panose="02020603050405020304" pitchFamily="18" charset="0"/>
-                        <a:ea typeface="Times New Roman" panose="02020603050405020304" pitchFamily="18" charset="0"/>
-                      </a:endParaRPr>
                     </a:p>
                   </a:txBody>
-                  <a:tcPr marL="44450" marR="44450" marT="0" marB="0" anchor="b">
+                  <a:tcPr marL="9525" marR="9525" marT="9525" marB="0" anchor="b">
                     <a:lnL>
                       <a:noFill/>
                     </a:lnL>
@@ -21783,26 +28298,20 @@
                     <a:bodyPr/>
                     <a:lstStyle/>
                     <a:p>
-                      <a:pPr algn="ctr"/>
+                      <a:pPr algn="ctr" fontAlgn="b"/>
                       <a:r>
-                        <a:rPr lang="es-PE" sz="1100" dirty="0">
+                        <a:rPr lang="es-PE" sz="1600" b="0" i="0" u="none" strike="noStrike" dirty="0">
                           <a:solidFill>
                             <a:srgbClr val="000000"/>
                           </a:solidFill>
                           <a:effectLst/>
                           <a:latin typeface="Calibri" panose="020F0502020204030204" pitchFamily="34" charset="0"/>
-                          <a:ea typeface="Times New Roman" panose="02020603050405020304" pitchFamily="18" charset="0"/>
                         </a:rPr>
-                        <a:t>1.0396</a:t>
+                        <a:t>12.175</a:t>
                       </a:r>
-                      <a:endParaRPr lang="es-PE" sz="1200" dirty="0">
-                        <a:effectLst/>
-                        <a:latin typeface="Times New Roman" panose="02020603050405020304" pitchFamily="18" charset="0"/>
-                        <a:ea typeface="Times New Roman" panose="02020603050405020304" pitchFamily="18" charset="0"/>
-                      </a:endParaRPr>
                     </a:p>
                   </a:txBody>
-                  <a:tcPr marL="44450" marR="44450" marT="0" marB="0" anchor="b">
+                  <a:tcPr marL="9525" marR="9525" marT="9525" marB="0" anchor="b">
                     <a:lnL>
                       <a:noFill/>
                     </a:lnL>
@@ -21828,26 +28337,20 @@
                     <a:bodyPr/>
                     <a:lstStyle/>
                     <a:p>
-                      <a:pPr algn="ctr"/>
+                      <a:pPr algn="ctr" fontAlgn="b"/>
                       <a:r>
-                        <a:rPr lang="es-PE" sz="1100">
+                        <a:rPr lang="es-PE" sz="1600" b="0" i="0" u="none" strike="noStrike" dirty="0">
                           <a:solidFill>
                             <a:srgbClr val="000000"/>
                           </a:solidFill>
                           <a:effectLst/>
                           <a:latin typeface="Calibri" panose="020F0502020204030204" pitchFamily="34" charset="0"/>
-                          <a:ea typeface="Times New Roman" panose="02020603050405020304" pitchFamily="18" charset="0"/>
                         </a:rPr>
-                        <a:t>1</a:t>
+                        <a:t>2</a:t>
                       </a:r>
-                      <a:endParaRPr lang="es-PE" sz="1200">
-                        <a:effectLst/>
-                        <a:latin typeface="Times New Roman" panose="02020603050405020304" pitchFamily="18" charset="0"/>
-                        <a:ea typeface="Times New Roman" panose="02020603050405020304" pitchFamily="18" charset="0"/>
-                      </a:endParaRPr>
                     </a:p>
                   </a:txBody>
-                  <a:tcPr marL="44450" marR="44450" marT="0" marB="0" anchor="b">
+                  <a:tcPr marL="9525" marR="9525" marT="9525" marB="0" anchor="b">
                     <a:lnL>
                       <a:noFill/>
                     </a:lnL>
@@ -21873,26 +28376,20 @@
                     <a:bodyPr/>
                     <a:lstStyle/>
                     <a:p>
-                      <a:pPr algn="ctr"/>
+                      <a:pPr algn="ctr" fontAlgn="b"/>
                       <a:r>
-                        <a:rPr lang="es-PE" sz="1100" dirty="0">
+                        <a:rPr lang="es-PE" sz="1600" b="0" i="0" u="none" strike="noStrike">
                           <a:solidFill>
                             <a:srgbClr val="000000"/>
                           </a:solidFill>
                           <a:effectLst/>
                           <a:latin typeface="Calibri" panose="020F0502020204030204" pitchFamily="34" charset="0"/>
-                          <a:ea typeface="Times New Roman" panose="02020603050405020304" pitchFamily="18" charset="0"/>
                         </a:rPr>
-                        <a:t>0.3079</a:t>
+                        <a:t>0.002271</a:t>
                       </a:r>
-                      <a:endParaRPr lang="es-PE" sz="1200" dirty="0">
-                        <a:effectLst/>
-                        <a:latin typeface="Times New Roman" panose="02020603050405020304" pitchFamily="18" charset="0"/>
-                        <a:ea typeface="Times New Roman" panose="02020603050405020304" pitchFamily="18" charset="0"/>
-                      </a:endParaRPr>
                     </a:p>
                   </a:txBody>
-                  <a:tcPr marL="44450" marR="44450" marT="0" marB="0" anchor="b">
+                  <a:tcPr marL="9525" marR="9525" marT="9525" marB="0" anchor="b">
                     <a:lnL>
                       <a:noFill/>
                     </a:lnL>
@@ -21918,26 +28415,20 @@
                     <a:bodyPr/>
                     <a:lstStyle/>
                     <a:p>
-                      <a:pPr algn="ctr"/>
+                      <a:pPr algn="ctr" fontAlgn="b"/>
                       <a:r>
-                        <a:rPr lang="es-PE" sz="1100">
+                        <a:rPr lang="es-PE" sz="1600" b="0" i="0" u="none" strike="noStrike">
                           <a:solidFill>
                             <a:srgbClr val="000000"/>
                           </a:solidFill>
                           <a:effectLst/>
                           <a:latin typeface="Calibri" panose="020F0502020204030204" pitchFamily="34" charset="0"/>
-                          <a:ea typeface="Times New Roman" panose="02020603050405020304" pitchFamily="18" charset="0"/>
                         </a:rPr>
-                        <a:t>No hay evidencia de varianzas diferentes</a:t>
+                        <a:t>Variable</a:t>
                       </a:r>
-                      <a:endParaRPr lang="es-PE" sz="1200">
-                        <a:effectLst/>
-                        <a:latin typeface="Times New Roman" panose="02020603050405020304" pitchFamily="18" charset="0"/>
-                        <a:ea typeface="Times New Roman" panose="02020603050405020304" pitchFamily="18" charset="0"/>
-                      </a:endParaRPr>
                     </a:p>
                   </a:txBody>
-                  <a:tcPr marL="44450" marR="44450" marT="0" marB="0" anchor="b">
+                  <a:tcPr marL="9525" marR="9525" marT="9525" marB="0" anchor="b">
                     <a:lnL>
                       <a:noFill/>
                     </a:lnL>
@@ -21970,26 +28461,20 @@
                     <a:bodyPr/>
                     <a:lstStyle/>
                     <a:p>
-                      <a:pPr algn="ctr"/>
+                      <a:pPr algn="ctr" fontAlgn="b"/>
                       <a:r>
-                        <a:rPr lang="es-PE" sz="1100">
+                        <a:rPr lang="es-PE" sz="1600" b="0" i="0" u="none" strike="noStrike">
                           <a:solidFill>
                             <a:srgbClr val="000000"/>
                           </a:solidFill>
                           <a:effectLst/>
                           <a:latin typeface="Calibri" panose="020F0502020204030204" pitchFamily="34" charset="0"/>
-                          <a:ea typeface="Times New Roman" panose="02020603050405020304" pitchFamily="18" charset="0"/>
                         </a:rPr>
                         <a:t>Tratamiento</a:t>
                       </a:r>
-                      <a:endParaRPr lang="es-PE" sz="1200">
-                        <a:effectLst/>
-                        <a:latin typeface="Times New Roman" panose="02020603050405020304" pitchFamily="18" charset="0"/>
-                        <a:ea typeface="Times New Roman" panose="02020603050405020304" pitchFamily="18" charset="0"/>
-                      </a:endParaRPr>
                     </a:p>
                   </a:txBody>
-                  <a:tcPr marL="44450" marR="44450" marT="0" marB="0" anchor="b">
+                  <a:tcPr marL="9525" marR="9525" marT="9525" marB="0" anchor="b">
                     <a:lnL>
                       <a:noFill/>
                     </a:lnL>
@@ -22009,26 +28494,20 @@
                     <a:bodyPr/>
                     <a:lstStyle/>
                     <a:p>
-                      <a:pPr algn="ctr"/>
+                      <a:pPr algn="ctr" fontAlgn="b"/>
                       <a:r>
-                        <a:rPr lang="es-PE" sz="1100">
+                        <a:rPr lang="es-PE" sz="1600" b="0" i="0" u="none" strike="noStrike">
                           <a:solidFill>
                             <a:srgbClr val="000000"/>
                           </a:solidFill>
                           <a:effectLst/>
                           <a:latin typeface="Calibri" panose="020F0502020204030204" pitchFamily="34" charset="0"/>
-                          <a:ea typeface="Times New Roman" panose="02020603050405020304" pitchFamily="18" charset="0"/>
                         </a:rPr>
-                        <a:t>0.31441</a:t>
+                        <a:t>0.41029</a:t>
                       </a:r>
-                      <a:endParaRPr lang="es-PE" sz="1200">
-                        <a:effectLst/>
-                        <a:latin typeface="Times New Roman" panose="02020603050405020304" pitchFamily="18" charset="0"/>
-                        <a:ea typeface="Times New Roman" panose="02020603050405020304" pitchFamily="18" charset="0"/>
-                      </a:endParaRPr>
                     </a:p>
                   </a:txBody>
-                  <a:tcPr marL="44450" marR="44450" marT="0" marB="0" anchor="b">
+                  <a:tcPr marL="9525" marR="9525" marT="9525" marB="0" anchor="b">
                     <a:lnL>
                       <a:noFill/>
                     </a:lnL>
@@ -22048,26 +28527,20 @@
                     <a:bodyPr/>
                     <a:lstStyle/>
                     <a:p>
-                      <a:pPr algn="ctr"/>
+                      <a:pPr algn="ctr" fontAlgn="b"/>
                       <a:r>
-                        <a:rPr lang="es-PE" sz="1100">
+                        <a:rPr lang="es-PE" sz="1600" b="0" i="0" u="none" strike="noStrike" dirty="0">
                           <a:solidFill>
                             <a:srgbClr val="000000"/>
                           </a:solidFill>
                           <a:effectLst/>
                           <a:latin typeface="Calibri" panose="020F0502020204030204" pitchFamily="34" charset="0"/>
-                          <a:ea typeface="Times New Roman" panose="02020603050405020304" pitchFamily="18" charset="0"/>
                         </a:rPr>
-                        <a:t>1</a:t>
+                        <a:t>4</a:t>
                       </a:r>
-                      <a:endParaRPr lang="es-PE" sz="1200">
-                        <a:effectLst/>
-                        <a:latin typeface="Times New Roman" panose="02020603050405020304" pitchFamily="18" charset="0"/>
-                        <a:ea typeface="Times New Roman" panose="02020603050405020304" pitchFamily="18" charset="0"/>
-                      </a:endParaRPr>
                     </a:p>
                   </a:txBody>
-                  <a:tcPr marL="44450" marR="44450" marT="0" marB="0" anchor="b">
+                  <a:tcPr marL="9525" marR="9525" marT="9525" marB="0" anchor="b">
                     <a:lnL>
                       <a:noFill/>
                     </a:lnL>
@@ -22087,26 +28560,20 @@
                     <a:bodyPr/>
                     <a:lstStyle/>
                     <a:p>
-                      <a:pPr algn="ctr"/>
+                      <a:pPr algn="ctr" fontAlgn="b"/>
                       <a:r>
-                        <a:rPr lang="es-PE" sz="1100" dirty="0">
+                        <a:rPr lang="es-PE" sz="1600" b="0" i="0" u="none" strike="noStrike" dirty="0">
                           <a:solidFill>
                             <a:srgbClr val="000000"/>
                           </a:solidFill>
                           <a:effectLst/>
                           <a:latin typeface="Calibri" panose="020F0502020204030204" pitchFamily="34" charset="0"/>
-                          <a:ea typeface="Times New Roman" panose="02020603050405020304" pitchFamily="18" charset="0"/>
                         </a:rPr>
-                        <a:t>0.575</a:t>
+                        <a:t>0.9816</a:t>
                       </a:r>
-                      <a:endParaRPr lang="es-PE" sz="1200" dirty="0">
-                        <a:effectLst/>
-                        <a:latin typeface="Times New Roman" panose="02020603050405020304" pitchFamily="18" charset="0"/>
-                        <a:ea typeface="Times New Roman" panose="02020603050405020304" pitchFamily="18" charset="0"/>
-                      </a:endParaRPr>
                     </a:p>
                   </a:txBody>
-                  <a:tcPr marL="44450" marR="44450" marT="0" marB="0" anchor="b">
+                  <a:tcPr marL="9525" marR="9525" marT="9525" marB="0" anchor="b">
                     <a:lnL>
                       <a:noFill/>
                     </a:lnL>
@@ -22126,26 +28593,20 @@
                     <a:bodyPr/>
                     <a:lstStyle/>
                     <a:p>
-                      <a:pPr algn="ctr"/>
+                      <a:pPr algn="ctr" fontAlgn="b"/>
                       <a:r>
-                        <a:rPr lang="es-PE" sz="1100">
+                        <a:rPr lang="es-PE" sz="1600" b="0" i="0" u="none" strike="noStrike" dirty="0">
                           <a:solidFill>
                             <a:srgbClr val="000000"/>
                           </a:solidFill>
                           <a:effectLst/>
                           <a:latin typeface="Calibri" panose="020F0502020204030204" pitchFamily="34" charset="0"/>
-                          <a:ea typeface="Times New Roman" panose="02020603050405020304" pitchFamily="18" charset="0"/>
                         </a:rPr>
-                        <a:t>No hay evidencia de varianzas diferentes</a:t>
+                        <a:t>Tratamiento</a:t>
                       </a:r>
-                      <a:endParaRPr lang="es-PE" sz="1200">
-                        <a:effectLst/>
-                        <a:latin typeface="Times New Roman" panose="02020603050405020304" pitchFamily="18" charset="0"/>
-                        <a:ea typeface="Times New Roman" panose="02020603050405020304" pitchFamily="18" charset="0"/>
-                      </a:endParaRPr>
                     </a:p>
                   </a:txBody>
-                  <a:tcPr marL="44450" marR="44450" marT="0" marB="0" anchor="b">
+                  <a:tcPr marL="9525" marR="9525" marT="9525" marB="0" anchor="b">
                     <a:lnL>
                       <a:noFill/>
                     </a:lnL>
@@ -22163,238 +28624,6 @@
                 <a:extLst>
                   <a:ext uri="{0D108BD9-81ED-4DB2-BD59-A6C34878D82A}">
                     <a16:rowId xmlns:a16="http://schemas.microsoft.com/office/drawing/2014/main" val="1944426610"/>
-                  </a:ext>
-                </a:extLst>
-              </a:tr>
-              <a:tr h="535144">
-                <a:tc>
-                  <a:txBody>
-                    <a:bodyPr/>
-                    <a:lstStyle/>
-                    <a:p>
-                      <a:pPr algn="ctr"/>
-                      <a:r>
-                        <a:rPr lang="es-PE" sz="1100">
-                          <a:solidFill>
-                            <a:srgbClr val="000000"/>
-                          </a:solidFill>
-                          <a:effectLst/>
-                          <a:latin typeface="Calibri" panose="020F0502020204030204" pitchFamily="34" charset="0"/>
-                          <a:ea typeface="Times New Roman" panose="02020603050405020304" pitchFamily="18" charset="0"/>
-                        </a:rPr>
-                        <a:t>Malla</a:t>
-                      </a:r>
-                      <a:endParaRPr lang="es-PE" sz="1200">
-                        <a:effectLst/>
-                        <a:latin typeface="Times New Roman" panose="02020603050405020304" pitchFamily="18" charset="0"/>
-                        <a:ea typeface="Times New Roman" panose="02020603050405020304" pitchFamily="18" charset="0"/>
-                      </a:endParaRPr>
-                    </a:p>
-                  </a:txBody>
-                  <a:tcPr marL="44450" marR="44450" marT="0" marB="0" anchor="b">
-                    <a:lnL>
-                      <a:noFill/>
-                    </a:lnL>
-                    <a:lnR>
-                      <a:noFill/>
-                    </a:lnR>
-                    <a:lnT>
-                      <a:noFill/>
-                    </a:lnT>
-                    <a:lnB w="12700" cap="flat" cmpd="sng" algn="ctr">
-                      <a:solidFill>
-                        <a:srgbClr val="000000"/>
-                      </a:solidFill>
-                      <a:prstDash val="solid"/>
-                      <a:round/>
-                      <a:headEnd type="none" w="med" len="med"/>
-                      <a:tailEnd type="none" w="med" len="med"/>
-                    </a:lnB>
-                  </a:tcPr>
-                </a:tc>
-                <a:tc>
-                  <a:txBody>
-                    <a:bodyPr/>
-                    <a:lstStyle/>
-                    <a:p>
-                      <a:pPr algn="ctr"/>
-                      <a:r>
-                        <a:rPr lang="es-PE" sz="1100">
-                          <a:solidFill>
-                            <a:srgbClr val="000000"/>
-                          </a:solidFill>
-                          <a:effectLst/>
-                          <a:latin typeface="Calibri" panose="020F0502020204030204" pitchFamily="34" charset="0"/>
-                          <a:ea typeface="Times New Roman" panose="02020603050405020304" pitchFamily="18" charset="0"/>
-                        </a:rPr>
-                        <a:t>10.203</a:t>
-                      </a:r>
-                      <a:endParaRPr lang="es-PE" sz="1200">
-                        <a:effectLst/>
-                        <a:latin typeface="Times New Roman" panose="02020603050405020304" pitchFamily="18" charset="0"/>
-                        <a:ea typeface="Times New Roman" panose="02020603050405020304" pitchFamily="18" charset="0"/>
-                      </a:endParaRPr>
-                    </a:p>
-                  </a:txBody>
-                  <a:tcPr marL="44450" marR="44450" marT="0" marB="0" anchor="b">
-                    <a:lnL>
-                      <a:noFill/>
-                    </a:lnL>
-                    <a:lnR>
-                      <a:noFill/>
-                    </a:lnR>
-                    <a:lnT>
-                      <a:noFill/>
-                    </a:lnT>
-                    <a:lnB w="12700" cap="flat" cmpd="sng" algn="ctr">
-                      <a:solidFill>
-                        <a:srgbClr val="000000"/>
-                      </a:solidFill>
-                      <a:prstDash val="solid"/>
-                      <a:round/>
-                      <a:headEnd type="none" w="med" len="med"/>
-                      <a:tailEnd type="none" w="med" len="med"/>
-                    </a:lnB>
-                  </a:tcPr>
-                </a:tc>
-                <a:tc>
-                  <a:txBody>
-                    <a:bodyPr/>
-                    <a:lstStyle/>
-                    <a:p>
-                      <a:pPr algn="ctr"/>
-                      <a:r>
-                        <a:rPr lang="es-PE" sz="1100">
-                          <a:solidFill>
-                            <a:srgbClr val="000000"/>
-                          </a:solidFill>
-                          <a:effectLst/>
-                          <a:latin typeface="Calibri" panose="020F0502020204030204" pitchFamily="34" charset="0"/>
-                          <a:ea typeface="Times New Roman" panose="02020603050405020304" pitchFamily="18" charset="0"/>
-                        </a:rPr>
-                        <a:t>3</a:t>
-                      </a:r>
-                      <a:endParaRPr lang="es-PE" sz="1200">
-                        <a:effectLst/>
-                        <a:latin typeface="Times New Roman" panose="02020603050405020304" pitchFamily="18" charset="0"/>
-                        <a:ea typeface="Times New Roman" panose="02020603050405020304" pitchFamily="18" charset="0"/>
-                      </a:endParaRPr>
-                    </a:p>
-                  </a:txBody>
-                  <a:tcPr marL="44450" marR="44450" marT="0" marB="0" anchor="b">
-                    <a:lnL>
-                      <a:noFill/>
-                    </a:lnL>
-                    <a:lnR>
-                      <a:noFill/>
-                    </a:lnR>
-                    <a:lnT>
-                      <a:noFill/>
-                    </a:lnT>
-                    <a:lnB w="12700" cap="flat" cmpd="sng" algn="ctr">
-                      <a:solidFill>
-                        <a:srgbClr val="000000"/>
-                      </a:solidFill>
-                      <a:prstDash val="solid"/>
-                      <a:round/>
-                      <a:headEnd type="none" w="med" len="med"/>
-                      <a:tailEnd type="none" w="med" len="med"/>
-                    </a:lnB>
-                  </a:tcPr>
-                </a:tc>
-                <a:tc>
-                  <a:txBody>
-                    <a:bodyPr/>
-                    <a:lstStyle/>
-                    <a:p>
-                      <a:pPr algn="ctr"/>
-                      <a:r>
-                        <a:rPr lang="es-PE" sz="1100">
-                          <a:solidFill>
-                            <a:srgbClr val="000000"/>
-                          </a:solidFill>
-                          <a:effectLst/>
-                          <a:latin typeface="Calibri" panose="020F0502020204030204" pitchFamily="34" charset="0"/>
-                          <a:ea typeface="Times New Roman" panose="02020603050405020304" pitchFamily="18" charset="0"/>
-                        </a:rPr>
-                        <a:t>0.01692</a:t>
-                      </a:r>
-                      <a:endParaRPr lang="es-PE" sz="1200">
-                        <a:effectLst/>
-                        <a:latin typeface="Times New Roman" panose="02020603050405020304" pitchFamily="18" charset="0"/>
-                        <a:ea typeface="Times New Roman" panose="02020603050405020304" pitchFamily="18" charset="0"/>
-                      </a:endParaRPr>
-                    </a:p>
-                  </a:txBody>
-                  <a:tcPr marL="44450" marR="44450" marT="0" marB="0" anchor="b">
-                    <a:lnL>
-                      <a:noFill/>
-                    </a:lnL>
-                    <a:lnR>
-                      <a:noFill/>
-                    </a:lnR>
-                    <a:lnT>
-                      <a:noFill/>
-                    </a:lnT>
-                    <a:lnB w="12700" cap="flat" cmpd="sng" algn="ctr">
-                      <a:solidFill>
-                        <a:srgbClr val="000000"/>
-                      </a:solidFill>
-                      <a:prstDash val="solid"/>
-                      <a:round/>
-                      <a:headEnd type="none" w="med" len="med"/>
-                      <a:tailEnd type="none" w="med" len="med"/>
-                    </a:lnB>
-                  </a:tcPr>
-                </a:tc>
-                <a:tc>
-                  <a:txBody>
-                    <a:bodyPr/>
-                    <a:lstStyle/>
-                    <a:p>
-                      <a:pPr algn="ctr"/>
-                      <a:r>
-                        <a:rPr lang="es-PE" sz="1100" dirty="0">
-                          <a:solidFill>
-                            <a:srgbClr val="000000"/>
-                          </a:solidFill>
-                          <a:effectLst/>
-                          <a:latin typeface="Calibri" panose="020F0502020204030204" pitchFamily="34" charset="0"/>
-                          <a:ea typeface="Times New Roman" panose="02020603050405020304" pitchFamily="18" charset="0"/>
-                        </a:rPr>
-                        <a:t>Hay evidencia de varianzas diferentes</a:t>
-                      </a:r>
-                      <a:endParaRPr lang="es-PE" sz="1200" dirty="0">
-                        <a:effectLst/>
-                        <a:latin typeface="Times New Roman" panose="02020603050405020304" pitchFamily="18" charset="0"/>
-                        <a:ea typeface="Times New Roman" panose="02020603050405020304" pitchFamily="18" charset="0"/>
-                      </a:endParaRPr>
-                    </a:p>
-                  </a:txBody>
-                  <a:tcPr marL="44450" marR="44450" marT="0" marB="0" anchor="b">
-                    <a:lnL>
-                      <a:noFill/>
-                    </a:lnL>
-                    <a:lnR>
-                      <a:noFill/>
-                    </a:lnR>
-                    <a:lnT>
-                      <a:noFill/>
-                    </a:lnT>
-                    <a:lnB w="12700" cap="flat" cmpd="sng" algn="ctr">
-                      <a:solidFill>
-                        <a:srgbClr val="000000"/>
-                      </a:solidFill>
-                      <a:prstDash val="solid"/>
-                      <a:round/>
-                      <a:headEnd type="none" w="med" len="med"/>
-                      <a:tailEnd type="none" w="med" len="med"/>
-                    </a:lnB>
-                  </a:tcPr>
-                </a:tc>
-                <a:extLst>
-                  <a:ext uri="{0D108BD9-81ED-4DB2-BD59-A6C34878D82A}">
-                    <a16:rowId xmlns:a16="http://schemas.microsoft.com/office/drawing/2014/main" val="2027767921"/>
                   </a:ext>
                 </a:extLst>
               </a:tr>
@@ -22417,7 +28646,7 @@
         <p:spPr>
           <a:xfrm>
             <a:off x="617408" y="1037135"/>
-            <a:ext cx="6094520" cy="2585323"/>
+            <a:ext cx="6094520" cy="2862322"/>
           </a:xfrm>
           <a:prstGeom prst="rect">
             <a:avLst/>
@@ -22432,21 +28661,46 @@
           <a:p>
             <a:pPr algn="just"/>
             <a:r>
-              <a:rPr lang="es-ES" sz="1800" dirty="0">
+              <a:rPr lang="es-PE" sz="1800" dirty="0">
                 <a:effectLst/>
                 <a:latin typeface="Times New Roman" panose="02020603050405020304" pitchFamily="18" charset="0"/>
                 <a:ea typeface="Times New Roman" panose="02020603050405020304" pitchFamily="18" charset="0"/>
               </a:rPr>
-              <a:t>Los resultados de las pruebas de Bartlett muestran que no hay evidencia de diferencias significativas en las varianzas para las variables "Especie" (valor p = 0.3079) y "Tratamiento" (valor p = 0.575), lo que sugiere que las varianzas son homogéneas entre los grupos definidos por estas variables. Sin embargo, en el caso de la variable "Malla", el valor p es 0.01692, lo cual indica que existen diferencias significativas en las varianzas entre los grupos, sugiriendo que la suposición de homogeneidad de varianzas no se cumple para "Malla".</a:t>
+              <a:t>En cuanto a la homogeneidad de varianzas, la prueba de Bartlett para la "Variable" mostró un valor p de 0.002271, lo que indica que las varianzas no son homogéneas (rechazo de la hipótesis nula de igualdad de varianzas). Por otro lado, la prueba de Bartlett para el "Tratamiento" tuvo un valor p de 0.9816, lo que significa que no hay evidencia para rechazar la homogeneidad de varianzas entre los tratamientos. En resumen, los residuos son normales, pero existe una diferencia significativa en las varianzas entre los niveles de la "Variable", mientras que las varianzas entre los tratamientos son homogéneas.</a:t>
             </a:r>
-            <a:endParaRPr lang="es-PE" sz="1800" dirty="0">
-              <a:effectLst/>
-              <a:latin typeface="Times New Roman" panose="02020603050405020304" pitchFamily="18" charset="0"/>
-              <a:ea typeface="Times New Roman" panose="02020603050405020304" pitchFamily="18" charset="0"/>
-            </a:endParaRPr>
           </a:p>
         </p:txBody>
       </p:sp>
+      <p:pic>
+        <p:nvPicPr>
+          <p:cNvPr id="9" name="Imagen 8">
+            <a:extLst>
+              <a:ext uri="{FF2B5EF4-FFF2-40B4-BE49-F238E27FC236}">
+                <a16:creationId xmlns:a16="http://schemas.microsoft.com/office/drawing/2014/main" id="{8E738CC5-34FE-A9BF-E74D-0CED8A67F51D}"/>
+              </a:ext>
+            </a:extLst>
+          </p:cNvPr>
+          <p:cNvPicPr>
+            <a:picLocks noChangeAspect="1"/>
+          </p:cNvPicPr>
+          <p:nvPr/>
+        </p:nvPicPr>
+        <p:blipFill>
+          <a:blip r:embed="rId4"/>
+          <a:stretch>
+            <a:fillRect/>
+          </a:stretch>
+        </p:blipFill>
+        <p:spPr>
+          <a:xfrm>
+            <a:off x="6902127" y="2749326"/>
+            <a:ext cx="4914900" cy="400050"/>
+          </a:xfrm>
+          <a:prstGeom prst="rect">
+            <a:avLst/>
+          </a:prstGeom>
+        </p:spPr>
+      </p:pic>
     </p:spTree>
     <p:extLst>
       <p:ext uri="{BB962C8B-B14F-4D97-AF65-F5344CB8AC3E}">
